--- a/TP_IFSBM_module12/2020/labs/lab_2/TP_DL.pptx
+++ b/TP_IFSBM_module12/2020/labs/lab_2/TP_DL.pptx
@@ -3,38 +3,42 @@
 <p:presentation xmlns:a="http://schemas.openxmlformats.org/drawingml/2006/main" xmlns:r="http://schemas.openxmlformats.org/officeDocument/2006/relationships" xmlns:p="http://schemas.openxmlformats.org/presentationml/2006/main" saveSubsetFonts="1">
   <p:sldMasterIdLst>
     <p:sldMasterId id="2147483648" r:id="rId1"/>
+    <p:sldMasterId id="2147483660" r:id="rId2"/>
   </p:sldMasterIdLst>
   <p:notesMasterIdLst>
-    <p:notesMasterId r:id="rId29"/>
+    <p:notesMasterId r:id="rId33"/>
   </p:notesMasterIdLst>
   <p:sldIdLst>
-    <p:sldId id="311" r:id="rId2"/>
-    <p:sldId id="273" r:id="rId3"/>
-    <p:sldId id="314" r:id="rId4"/>
-    <p:sldId id="315" r:id="rId5"/>
-    <p:sldId id="316" r:id="rId6"/>
-    <p:sldId id="317" r:id="rId7"/>
-    <p:sldId id="333" r:id="rId8"/>
-    <p:sldId id="322" r:id="rId9"/>
-    <p:sldId id="319" r:id="rId10"/>
-    <p:sldId id="321" r:id="rId11"/>
-    <p:sldId id="334" r:id="rId12"/>
-    <p:sldId id="332" r:id="rId13"/>
-    <p:sldId id="323" r:id="rId14"/>
-    <p:sldId id="324" r:id="rId15"/>
-    <p:sldId id="325" r:id="rId16"/>
-    <p:sldId id="326" r:id="rId17"/>
-    <p:sldId id="327" r:id="rId18"/>
-    <p:sldId id="328" r:id="rId19"/>
-    <p:sldId id="329" r:id="rId20"/>
-    <p:sldId id="330" r:id="rId21"/>
-    <p:sldId id="331" r:id="rId22"/>
-    <p:sldId id="335" r:id="rId23"/>
-    <p:sldId id="336" r:id="rId24"/>
-    <p:sldId id="337" r:id="rId25"/>
-    <p:sldId id="338" r:id="rId26"/>
-    <p:sldId id="339" r:id="rId27"/>
-    <p:sldId id="313" r:id="rId28"/>
+    <p:sldId id="311" r:id="rId3"/>
+    <p:sldId id="273" r:id="rId4"/>
+    <p:sldId id="314" r:id="rId5"/>
+    <p:sldId id="315" r:id="rId6"/>
+    <p:sldId id="316" r:id="rId7"/>
+    <p:sldId id="317" r:id="rId8"/>
+    <p:sldId id="333" r:id="rId9"/>
+    <p:sldId id="340" r:id="rId10"/>
+    <p:sldId id="322" r:id="rId11"/>
+    <p:sldId id="321" r:id="rId12"/>
+    <p:sldId id="341" r:id="rId13"/>
+    <p:sldId id="344" r:id="rId14"/>
+    <p:sldId id="342" r:id="rId15"/>
+    <p:sldId id="343" r:id="rId16"/>
+    <p:sldId id="323" r:id="rId17"/>
+    <p:sldId id="324" r:id="rId18"/>
+    <p:sldId id="325" r:id="rId19"/>
+    <p:sldId id="326" r:id="rId20"/>
+    <p:sldId id="327" r:id="rId21"/>
+    <p:sldId id="328" r:id="rId22"/>
+    <p:sldId id="319" r:id="rId23"/>
+    <p:sldId id="329" r:id="rId24"/>
+    <p:sldId id="330" r:id="rId25"/>
+    <p:sldId id="331" r:id="rId26"/>
+    <p:sldId id="335" r:id="rId27"/>
+    <p:sldId id="336" r:id="rId28"/>
+    <p:sldId id="337" r:id="rId29"/>
+    <p:sldId id="338" r:id="rId30"/>
+    <p:sldId id="339" r:id="rId31"/>
+    <p:sldId id="313" r:id="rId32"/>
   </p:sldIdLst>
   <p:sldSz cx="9144000" cy="5143500" type="screen16x9"/>
   <p:notesSz cx="6858000" cy="9144000"/>
@@ -218,7 +222,7 @@
           <a:p>
             <a:fld id="{0D3E755E-AED5-4EF3-9727-A59C6E4379AE}" type="datetimeFigureOut">
               <a:rPr lang="en-US" smtClean="0"/>
-              <a:t>1/18/2020</a:t>
+              <a:t>1/22/2020</a:t>
             </a:fld>
             <a:endParaRPr lang="en-US"/>
           </a:p>
@@ -601,7 +605,7 @@
           <a:p>
             <a:fld id="{7725023B-B328-4F0C-807B-4C70D5E640E4}" type="slidenum">
               <a:rPr lang="fr-FR" smtClean="0"/>
-              <a:t>23</a:t>
+              <a:t>26</a:t>
             </a:fld>
             <a:endParaRPr lang="fr-FR"/>
           </a:p>
@@ -801,7 +805,7 @@
           <a:p>
             <a:fld id="{E196B69F-CA34-4C64-A297-7375B1767767}" type="datetimeFigureOut">
               <a:rPr lang="en-US" smtClean="0"/>
-              <a:t>1/18/2020</a:t>
+              <a:t>1/22/2020</a:t>
             </a:fld>
             <a:endParaRPr lang="en-US"/>
           </a:p>
@@ -971,7 +975,7 @@
           <a:p>
             <a:fld id="{E196B69F-CA34-4C64-A297-7375B1767767}" type="datetimeFigureOut">
               <a:rPr lang="en-US" smtClean="0"/>
-              <a:t>1/18/2020</a:t>
+              <a:t>1/22/2020</a:t>
             </a:fld>
             <a:endParaRPr lang="en-US"/>
           </a:p>
@@ -1151,7 +1155,7 @@
           <a:p>
             <a:fld id="{E196B69F-CA34-4C64-A297-7375B1767767}" type="datetimeFigureOut">
               <a:rPr lang="en-US" smtClean="0"/>
-              <a:t>1/18/2020</a:t>
+              <a:t>1/22/2020</a:t>
             </a:fld>
             <a:endParaRPr lang="en-US"/>
           </a:p>
@@ -1212,7 +1216,281 @@
 </p:sldLayout>
 </file>
 
-<file path=ppt/slideLayouts/slideLayout2.xml><?xml version="1.0" encoding="utf-8"?>
+<file path=ppt/slideLayouts/slideLayout12.xml><?xml version="1.0" encoding="utf-8"?>
+<p:sldLayout xmlns:a="http://schemas.openxmlformats.org/drawingml/2006/main" xmlns:r="http://schemas.openxmlformats.org/officeDocument/2006/relationships" xmlns:p="http://schemas.openxmlformats.org/presentationml/2006/main" type="title" preserve="1">
+  <p:cSld name="Diapositive de titre">
+    <p:spTree>
+      <p:nvGrpSpPr>
+        <p:cNvPr id="1" name=""/>
+        <p:cNvGrpSpPr/>
+        <p:nvPr/>
+      </p:nvGrpSpPr>
+      <p:grpSpPr>
+        <a:xfrm>
+          <a:off x="0" y="0"/>
+          <a:ext cx="0" cy="0"/>
+          <a:chOff x="0" y="0"/>
+          <a:chExt cx="0" cy="0"/>
+        </a:xfrm>
+      </p:grpSpPr>
+      <p:sp>
+        <p:nvSpPr>
+          <p:cNvPr id="2" name="Titre 1"/>
+          <p:cNvSpPr>
+            <a:spLocks noGrp="1"/>
+          </p:cNvSpPr>
+          <p:nvPr>
+            <p:ph type="ctrTitle"/>
+          </p:nvPr>
+        </p:nvSpPr>
+        <p:spPr>
+          <a:xfrm>
+            <a:off x="685800" y="1597819"/>
+            <a:ext cx="7772400" cy="1102519"/>
+          </a:xfrm>
+        </p:spPr>
+        <p:txBody>
+          <a:bodyPr/>
+          <a:lstStyle/>
+          <a:p>
+            <a:r>
+              <a:rPr lang="fr-FR" smtClean="0"/>
+              <a:t>Modifiez le style du titre</a:t>
+            </a:r>
+            <a:endParaRPr lang="en-US"/>
+          </a:p>
+        </p:txBody>
+      </p:sp>
+      <p:sp>
+        <p:nvSpPr>
+          <p:cNvPr id="3" name="Sous-titre 2"/>
+          <p:cNvSpPr>
+            <a:spLocks noGrp="1"/>
+          </p:cNvSpPr>
+          <p:nvPr>
+            <p:ph type="subTitle" idx="1"/>
+          </p:nvPr>
+        </p:nvSpPr>
+        <p:spPr>
+          <a:xfrm>
+            <a:off x="1371600" y="2914650"/>
+            <a:ext cx="6400800" cy="1314450"/>
+          </a:xfrm>
+        </p:spPr>
+        <p:txBody>
+          <a:bodyPr/>
+          <a:lstStyle>
+            <a:lvl1pPr marL="0" indent="0" algn="ctr">
+              <a:buNone/>
+              <a:defRPr>
+                <a:solidFill>
+                  <a:schemeClr val="tx1">
+                    <a:tint val="75000"/>
+                  </a:schemeClr>
+                </a:solidFill>
+              </a:defRPr>
+            </a:lvl1pPr>
+            <a:lvl2pPr marL="457200" indent="0" algn="ctr">
+              <a:buNone/>
+              <a:defRPr>
+                <a:solidFill>
+                  <a:schemeClr val="tx1">
+                    <a:tint val="75000"/>
+                  </a:schemeClr>
+                </a:solidFill>
+              </a:defRPr>
+            </a:lvl2pPr>
+            <a:lvl3pPr marL="914400" indent="0" algn="ctr">
+              <a:buNone/>
+              <a:defRPr>
+                <a:solidFill>
+                  <a:schemeClr val="tx1">
+                    <a:tint val="75000"/>
+                  </a:schemeClr>
+                </a:solidFill>
+              </a:defRPr>
+            </a:lvl3pPr>
+            <a:lvl4pPr marL="1371600" indent="0" algn="ctr">
+              <a:buNone/>
+              <a:defRPr>
+                <a:solidFill>
+                  <a:schemeClr val="tx1">
+                    <a:tint val="75000"/>
+                  </a:schemeClr>
+                </a:solidFill>
+              </a:defRPr>
+            </a:lvl4pPr>
+            <a:lvl5pPr marL="1828800" indent="0" algn="ctr">
+              <a:buNone/>
+              <a:defRPr>
+                <a:solidFill>
+                  <a:schemeClr val="tx1">
+                    <a:tint val="75000"/>
+                  </a:schemeClr>
+                </a:solidFill>
+              </a:defRPr>
+            </a:lvl5pPr>
+            <a:lvl6pPr marL="2286000" indent="0" algn="ctr">
+              <a:buNone/>
+              <a:defRPr>
+                <a:solidFill>
+                  <a:schemeClr val="tx1">
+                    <a:tint val="75000"/>
+                  </a:schemeClr>
+                </a:solidFill>
+              </a:defRPr>
+            </a:lvl6pPr>
+            <a:lvl7pPr marL="2743200" indent="0" algn="ctr">
+              <a:buNone/>
+              <a:defRPr>
+                <a:solidFill>
+                  <a:schemeClr val="tx1">
+                    <a:tint val="75000"/>
+                  </a:schemeClr>
+                </a:solidFill>
+              </a:defRPr>
+            </a:lvl7pPr>
+            <a:lvl8pPr marL="3200400" indent="0" algn="ctr">
+              <a:buNone/>
+              <a:defRPr>
+                <a:solidFill>
+                  <a:schemeClr val="tx1">
+                    <a:tint val="75000"/>
+                  </a:schemeClr>
+                </a:solidFill>
+              </a:defRPr>
+            </a:lvl8pPr>
+            <a:lvl9pPr marL="3657600" indent="0" algn="ctr">
+              <a:buNone/>
+              <a:defRPr>
+                <a:solidFill>
+                  <a:schemeClr val="tx1">
+                    <a:tint val="75000"/>
+                  </a:schemeClr>
+                </a:solidFill>
+              </a:defRPr>
+            </a:lvl9pPr>
+          </a:lstStyle>
+          <a:p>
+            <a:r>
+              <a:rPr lang="fr-FR" smtClean="0"/>
+              <a:t>Modifiez le style des sous-titres du masque</a:t>
+            </a:r>
+            <a:endParaRPr lang="en-US"/>
+          </a:p>
+        </p:txBody>
+      </p:sp>
+      <p:sp>
+        <p:nvSpPr>
+          <p:cNvPr id="4" name="Espace réservé de la date 3"/>
+          <p:cNvSpPr>
+            <a:spLocks noGrp="1"/>
+          </p:cNvSpPr>
+          <p:nvPr>
+            <p:ph type="dt" sz="half" idx="10"/>
+          </p:nvPr>
+        </p:nvSpPr>
+        <p:spPr/>
+        <p:txBody>
+          <a:bodyPr/>
+          <a:lstStyle/>
+          <a:p>
+            <a:fld id="{E196B69F-CA34-4C64-A297-7375B1767767}" type="datetimeFigureOut">
+              <a:rPr lang="en-US" smtClean="0">
+                <a:solidFill>
+                  <a:prstClr val="black">
+                    <a:tint val="75000"/>
+                  </a:prstClr>
+                </a:solidFill>
+              </a:rPr>
+              <a:pPr/>
+              <a:t>1/22/2020</a:t>
+            </a:fld>
+            <a:endParaRPr lang="en-US">
+              <a:solidFill>
+                <a:prstClr val="black">
+                  <a:tint val="75000"/>
+                </a:prstClr>
+              </a:solidFill>
+            </a:endParaRPr>
+          </a:p>
+        </p:txBody>
+      </p:sp>
+      <p:sp>
+        <p:nvSpPr>
+          <p:cNvPr id="5" name="Espace réservé du pied de page 4"/>
+          <p:cNvSpPr>
+            <a:spLocks noGrp="1"/>
+          </p:cNvSpPr>
+          <p:nvPr>
+            <p:ph type="ftr" sz="quarter" idx="11"/>
+          </p:nvPr>
+        </p:nvSpPr>
+        <p:spPr/>
+        <p:txBody>
+          <a:bodyPr/>
+          <a:lstStyle/>
+          <a:p>
+            <a:endParaRPr lang="en-US">
+              <a:solidFill>
+                <a:prstClr val="black">
+                  <a:tint val="75000"/>
+                </a:prstClr>
+              </a:solidFill>
+            </a:endParaRPr>
+          </a:p>
+        </p:txBody>
+      </p:sp>
+      <p:sp>
+        <p:nvSpPr>
+          <p:cNvPr id="6" name="Espace réservé du numéro de diapositive 5"/>
+          <p:cNvSpPr>
+            <a:spLocks noGrp="1"/>
+          </p:cNvSpPr>
+          <p:nvPr>
+            <p:ph type="sldNum" sz="quarter" idx="12"/>
+          </p:nvPr>
+        </p:nvSpPr>
+        <p:spPr/>
+        <p:txBody>
+          <a:bodyPr/>
+          <a:lstStyle/>
+          <a:p>
+            <a:fld id="{AF3D009E-5434-4DC6-89DA-FC1D78C45C77}" type="slidenum">
+              <a:rPr lang="en-US" smtClean="0">
+                <a:solidFill>
+                  <a:prstClr val="black">
+                    <a:tint val="75000"/>
+                  </a:prstClr>
+                </a:solidFill>
+              </a:rPr>
+              <a:pPr/>
+              <a:t>‹N°›</a:t>
+            </a:fld>
+            <a:endParaRPr lang="en-US">
+              <a:solidFill>
+                <a:prstClr val="black">
+                  <a:tint val="75000"/>
+                </a:prstClr>
+              </a:solidFill>
+            </a:endParaRPr>
+          </a:p>
+        </p:txBody>
+      </p:sp>
+    </p:spTree>
+    <p:extLst>
+      <p:ext uri="{BB962C8B-B14F-4D97-AF65-F5344CB8AC3E}">
+        <p14:creationId xmlns:p14="http://schemas.microsoft.com/office/powerpoint/2010/main" val="2068600598"/>
+      </p:ext>
+    </p:extLst>
+  </p:cSld>
+  <p:clrMapOvr>
+    <a:masterClrMapping/>
+  </p:clrMapOvr>
+</p:sldLayout>
+</file>
+
+<file path=ppt/slideLayouts/slideLayout13.xml><?xml version="1.0" encoding="utf-8"?>
 <p:sldLayout xmlns:a="http://schemas.openxmlformats.org/drawingml/2006/main" xmlns:r="http://schemas.openxmlformats.org/officeDocument/2006/relationships" xmlns:p="http://schemas.openxmlformats.org/presentationml/2006/main" type="obj" preserve="1">
   <p:cSld name="Titre et contenu">
     <p:spTree>
@@ -1320,10 +1598,23 @@
           <a:lstStyle/>
           <a:p>
             <a:fld id="{E196B69F-CA34-4C64-A297-7375B1767767}" type="datetimeFigureOut">
-              <a:rPr lang="en-US" smtClean="0"/>
-              <a:t>1/18/2020</a:t>
+              <a:rPr lang="en-US" smtClean="0">
+                <a:solidFill>
+                  <a:prstClr val="black">
+                    <a:tint val="75000"/>
+                  </a:prstClr>
+                </a:solidFill>
+              </a:rPr>
+              <a:pPr/>
+              <a:t>1/22/2020</a:t>
             </a:fld>
-            <a:endParaRPr lang="en-US"/>
+            <a:endParaRPr lang="en-US">
+              <a:solidFill>
+                <a:prstClr val="black">
+                  <a:tint val="75000"/>
+                </a:prstClr>
+              </a:solidFill>
+            </a:endParaRPr>
           </a:p>
         </p:txBody>
       </p:sp>
@@ -1342,7 +1633,13 @@
           <a:bodyPr/>
           <a:lstStyle/>
           <a:p>
-            <a:endParaRPr lang="en-US"/>
+            <a:endParaRPr lang="en-US">
+              <a:solidFill>
+                <a:prstClr val="black">
+                  <a:tint val="75000"/>
+                </a:prstClr>
+              </a:solidFill>
+            </a:endParaRPr>
           </a:p>
         </p:txBody>
       </p:sp>
@@ -1362,17 +1659,30 @@
           <a:lstStyle/>
           <a:p>
             <a:fld id="{AF3D009E-5434-4DC6-89DA-FC1D78C45C77}" type="slidenum">
-              <a:rPr lang="en-US" smtClean="0"/>
+              <a:rPr lang="en-US" smtClean="0">
+                <a:solidFill>
+                  <a:prstClr val="black">
+                    <a:tint val="75000"/>
+                  </a:prstClr>
+                </a:solidFill>
+              </a:rPr>
+              <a:pPr/>
               <a:t>‹N°›</a:t>
             </a:fld>
-            <a:endParaRPr lang="en-US"/>
+            <a:endParaRPr lang="en-US">
+              <a:solidFill>
+                <a:prstClr val="black">
+                  <a:tint val="75000"/>
+                </a:prstClr>
+              </a:solidFill>
+            </a:endParaRPr>
           </a:p>
         </p:txBody>
       </p:sp>
     </p:spTree>
     <p:extLst>
       <p:ext uri="{BB962C8B-B14F-4D97-AF65-F5344CB8AC3E}">
-        <p14:creationId xmlns:p14="http://schemas.microsoft.com/office/powerpoint/2010/main" val="377209304"/>
+        <p14:creationId xmlns:p14="http://schemas.microsoft.com/office/powerpoint/2010/main" val="3028673575"/>
       </p:ext>
     </p:extLst>
   </p:cSld>
@@ -1382,7 +1692,7 @@
 </p:sldLayout>
 </file>
 
-<file path=ppt/slideLayouts/slideLayout3.xml><?xml version="1.0" encoding="utf-8"?>
+<file path=ppt/slideLayouts/slideLayout14.xml><?xml version="1.0" encoding="utf-8"?>
 <p:sldLayout xmlns:a="http://schemas.openxmlformats.org/drawingml/2006/main" xmlns:r="http://schemas.openxmlformats.org/officeDocument/2006/relationships" xmlns:p="http://schemas.openxmlformats.org/presentationml/2006/main" type="secHead" preserve="1">
   <p:cSld name="Titre de section">
     <p:spTree>
@@ -1566,10 +1876,23 @@
           <a:lstStyle/>
           <a:p>
             <a:fld id="{E196B69F-CA34-4C64-A297-7375B1767767}" type="datetimeFigureOut">
-              <a:rPr lang="en-US" smtClean="0"/>
-              <a:t>1/18/2020</a:t>
+              <a:rPr lang="en-US" smtClean="0">
+                <a:solidFill>
+                  <a:prstClr val="black">
+                    <a:tint val="75000"/>
+                  </a:prstClr>
+                </a:solidFill>
+              </a:rPr>
+              <a:pPr/>
+              <a:t>1/22/2020</a:t>
             </a:fld>
-            <a:endParaRPr lang="en-US"/>
+            <a:endParaRPr lang="en-US">
+              <a:solidFill>
+                <a:prstClr val="black">
+                  <a:tint val="75000"/>
+                </a:prstClr>
+              </a:solidFill>
+            </a:endParaRPr>
           </a:p>
         </p:txBody>
       </p:sp>
@@ -1588,7 +1911,13 @@
           <a:bodyPr/>
           <a:lstStyle/>
           <a:p>
-            <a:endParaRPr lang="en-US"/>
+            <a:endParaRPr lang="en-US">
+              <a:solidFill>
+                <a:prstClr val="black">
+                  <a:tint val="75000"/>
+                </a:prstClr>
+              </a:solidFill>
+            </a:endParaRPr>
           </a:p>
         </p:txBody>
       </p:sp>
@@ -1608,17 +1937,30 @@
           <a:lstStyle/>
           <a:p>
             <a:fld id="{AF3D009E-5434-4DC6-89DA-FC1D78C45C77}" type="slidenum">
-              <a:rPr lang="en-US" smtClean="0"/>
+              <a:rPr lang="en-US" smtClean="0">
+                <a:solidFill>
+                  <a:prstClr val="black">
+                    <a:tint val="75000"/>
+                  </a:prstClr>
+                </a:solidFill>
+              </a:rPr>
+              <a:pPr/>
               <a:t>‹N°›</a:t>
             </a:fld>
-            <a:endParaRPr lang="en-US"/>
+            <a:endParaRPr lang="en-US">
+              <a:solidFill>
+                <a:prstClr val="black">
+                  <a:tint val="75000"/>
+                </a:prstClr>
+              </a:solidFill>
+            </a:endParaRPr>
           </a:p>
         </p:txBody>
       </p:sp>
     </p:spTree>
     <p:extLst>
       <p:ext uri="{BB962C8B-B14F-4D97-AF65-F5344CB8AC3E}">
-        <p14:creationId xmlns:p14="http://schemas.microsoft.com/office/powerpoint/2010/main" val="2553157366"/>
+        <p14:creationId xmlns:p14="http://schemas.microsoft.com/office/powerpoint/2010/main" val="27506090"/>
       </p:ext>
     </p:extLst>
   </p:cSld>
@@ -1628,7 +1970,7 @@
 </p:sldLayout>
 </file>
 
-<file path=ppt/slideLayouts/slideLayout4.xml><?xml version="1.0" encoding="utf-8"?>
+<file path=ppt/slideLayouts/slideLayout15.xml><?xml version="1.0" encoding="utf-8"?>
 <p:sldLayout xmlns:a="http://schemas.openxmlformats.org/drawingml/2006/main" xmlns:r="http://schemas.openxmlformats.org/officeDocument/2006/relationships" xmlns:p="http://schemas.openxmlformats.org/presentationml/2006/main" type="twoObj" preserve="1">
   <p:cSld name="Deux contenus">
     <p:spTree>
@@ -1854,10 +2196,23 @@
           <a:lstStyle/>
           <a:p>
             <a:fld id="{E196B69F-CA34-4C64-A297-7375B1767767}" type="datetimeFigureOut">
-              <a:rPr lang="en-US" smtClean="0"/>
-              <a:t>1/18/2020</a:t>
+              <a:rPr lang="en-US" smtClean="0">
+                <a:solidFill>
+                  <a:prstClr val="black">
+                    <a:tint val="75000"/>
+                  </a:prstClr>
+                </a:solidFill>
+              </a:rPr>
+              <a:pPr/>
+              <a:t>1/22/2020</a:t>
             </a:fld>
-            <a:endParaRPr lang="en-US"/>
+            <a:endParaRPr lang="en-US">
+              <a:solidFill>
+                <a:prstClr val="black">
+                  <a:tint val="75000"/>
+                </a:prstClr>
+              </a:solidFill>
+            </a:endParaRPr>
           </a:p>
         </p:txBody>
       </p:sp>
@@ -1876,7 +2231,13 @@
           <a:bodyPr/>
           <a:lstStyle/>
           <a:p>
-            <a:endParaRPr lang="en-US"/>
+            <a:endParaRPr lang="en-US">
+              <a:solidFill>
+                <a:prstClr val="black">
+                  <a:tint val="75000"/>
+                </a:prstClr>
+              </a:solidFill>
+            </a:endParaRPr>
           </a:p>
         </p:txBody>
       </p:sp>
@@ -1896,17 +2257,30 @@
           <a:lstStyle/>
           <a:p>
             <a:fld id="{AF3D009E-5434-4DC6-89DA-FC1D78C45C77}" type="slidenum">
-              <a:rPr lang="en-US" smtClean="0"/>
+              <a:rPr lang="en-US" smtClean="0">
+                <a:solidFill>
+                  <a:prstClr val="black">
+                    <a:tint val="75000"/>
+                  </a:prstClr>
+                </a:solidFill>
+              </a:rPr>
+              <a:pPr/>
               <a:t>‹N°›</a:t>
             </a:fld>
-            <a:endParaRPr lang="en-US"/>
+            <a:endParaRPr lang="en-US">
+              <a:solidFill>
+                <a:prstClr val="black">
+                  <a:tint val="75000"/>
+                </a:prstClr>
+              </a:solidFill>
+            </a:endParaRPr>
           </a:p>
         </p:txBody>
       </p:sp>
     </p:spTree>
     <p:extLst>
       <p:ext uri="{BB962C8B-B14F-4D97-AF65-F5344CB8AC3E}">
-        <p14:creationId xmlns:p14="http://schemas.microsoft.com/office/powerpoint/2010/main" val="872576858"/>
+        <p14:creationId xmlns:p14="http://schemas.microsoft.com/office/powerpoint/2010/main" val="1448230981"/>
       </p:ext>
     </p:extLst>
   </p:cSld>
@@ -1916,7 +2290,7 @@
 </p:sldLayout>
 </file>
 
-<file path=ppt/slideLayouts/slideLayout5.xml><?xml version="1.0" encoding="utf-8"?>
+<file path=ppt/slideLayouts/slideLayout16.xml><?xml version="1.0" encoding="utf-8"?>
 <p:sldLayout xmlns:a="http://schemas.openxmlformats.org/drawingml/2006/main" xmlns:r="http://schemas.openxmlformats.org/officeDocument/2006/relationships" xmlns:p="http://schemas.openxmlformats.org/presentationml/2006/main" type="twoTxTwoObj" preserve="1">
   <p:cSld name="Comparaison">
     <p:spTree>
@@ -2122,7 +2496,7 @@
         </p:nvSpPr>
         <p:spPr>
           <a:xfrm>
-            <a:off x="4645033" y="1151335"/>
+            <a:off x="4645026" y="1151335"/>
             <a:ext cx="4041775" cy="479822"/>
           </a:xfrm>
         </p:spPr>
@@ -2187,7 +2561,7 @@
         </p:nvSpPr>
         <p:spPr>
           <a:xfrm>
-            <a:off x="4645033" y="1631156"/>
+            <a:off x="4645026" y="1631156"/>
             <a:ext cx="4041775" cy="2963466"/>
           </a:xfrm>
         </p:spPr>
@@ -2276,10 +2650,23 @@
           <a:lstStyle/>
           <a:p>
             <a:fld id="{E196B69F-CA34-4C64-A297-7375B1767767}" type="datetimeFigureOut">
-              <a:rPr lang="en-US" smtClean="0"/>
-              <a:t>1/18/2020</a:t>
+              <a:rPr lang="en-US" smtClean="0">
+                <a:solidFill>
+                  <a:prstClr val="black">
+                    <a:tint val="75000"/>
+                  </a:prstClr>
+                </a:solidFill>
+              </a:rPr>
+              <a:pPr/>
+              <a:t>1/22/2020</a:t>
             </a:fld>
-            <a:endParaRPr lang="en-US"/>
+            <a:endParaRPr lang="en-US">
+              <a:solidFill>
+                <a:prstClr val="black">
+                  <a:tint val="75000"/>
+                </a:prstClr>
+              </a:solidFill>
+            </a:endParaRPr>
           </a:p>
         </p:txBody>
       </p:sp>
@@ -2298,7 +2685,13 @@
           <a:bodyPr/>
           <a:lstStyle/>
           <a:p>
-            <a:endParaRPr lang="en-US"/>
+            <a:endParaRPr lang="en-US">
+              <a:solidFill>
+                <a:prstClr val="black">
+                  <a:tint val="75000"/>
+                </a:prstClr>
+              </a:solidFill>
+            </a:endParaRPr>
           </a:p>
         </p:txBody>
       </p:sp>
@@ -2318,17 +2711,30 @@
           <a:lstStyle/>
           <a:p>
             <a:fld id="{AF3D009E-5434-4DC6-89DA-FC1D78C45C77}" type="slidenum">
-              <a:rPr lang="en-US" smtClean="0"/>
+              <a:rPr lang="en-US" smtClean="0">
+                <a:solidFill>
+                  <a:prstClr val="black">
+                    <a:tint val="75000"/>
+                  </a:prstClr>
+                </a:solidFill>
+              </a:rPr>
+              <a:pPr/>
               <a:t>‹N°›</a:t>
             </a:fld>
-            <a:endParaRPr lang="en-US"/>
+            <a:endParaRPr lang="en-US">
+              <a:solidFill>
+                <a:prstClr val="black">
+                  <a:tint val="75000"/>
+                </a:prstClr>
+              </a:solidFill>
+            </a:endParaRPr>
           </a:p>
         </p:txBody>
       </p:sp>
     </p:spTree>
     <p:extLst>
       <p:ext uri="{BB962C8B-B14F-4D97-AF65-F5344CB8AC3E}">
-        <p14:creationId xmlns:p14="http://schemas.microsoft.com/office/powerpoint/2010/main" val="2285174221"/>
+        <p14:creationId xmlns:p14="http://schemas.microsoft.com/office/powerpoint/2010/main" val="906516802"/>
       </p:ext>
     </p:extLst>
   </p:cSld>
@@ -2338,7 +2744,7 @@
 </p:sldLayout>
 </file>
 
-<file path=ppt/slideLayouts/slideLayout6.xml><?xml version="1.0" encoding="utf-8"?>
+<file path=ppt/slideLayouts/slideLayout17.xml><?xml version="1.0" encoding="utf-8"?>
 <p:sldLayout xmlns:a="http://schemas.openxmlformats.org/drawingml/2006/main" xmlns:r="http://schemas.openxmlformats.org/officeDocument/2006/relationships" xmlns:p="http://schemas.openxmlformats.org/presentationml/2006/main" type="titleOnly" preserve="1">
   <p:cSld name="Titre seul">
     <p:spTree>
@@ -2394,10 +2800,23 @@
           <a:lstStyle/>
           <a:p>
             <a:fld id="{E196B69F-CA34-4C64-A297-7375B1767767}" type="datetimeFigureOut">
-              <a:rPr lang="en-US" smtClean="0"/>
-              <a:t>1/18/2020</a:t>
+              <a:rPr lang="en-US" smtClean="0">
+                <a:solidFill>
+                  <a:prstClr val="black">
+                    <a:tint val="75000"/>
+                  </a:prstClr>
+                </a:solidFill>
+              </a:rPr>
+              <a:pPr/>
+              <a:t>1/22/2020</a:t>
             </a:fld>
-            <a:endParaRPr lang="en-US"/>
+            <a:endParaRPr lang="en-US">
+              <a:solidFill>
+                <a:prstClr val="black">
+                  <a:tint val="75000"/>
+                </a:prstClr>
+              </a:solidFill>
+            </a:endParaRPr>
           </a:p>
         </p:txBody>
       </p:sp>
@@ -2416,7 +2835,13 @@
           <a:bodyPr/>
           <a:lstStyle/>
           <a:p>
-            <a:endParaRPr lang="en-US"/>
+            <a:endParaRPr lang="en-US">
+              <a:solidFill>
+                <a:prstClr val="black">
+                  <a:tint val="75000"/>
+                </a:prstClr>
+              </a:solidFill>
+            </a:endParaRPr>
           </a:p>
         </p:txBody>
       </p:sp>
@@ -2436,17 +2861,30 @@
           <a:lstStyle/>
           <a:p>
             <a:fld id="{AF3D009E-5434-4DC6-89DA-FC1D78C45C77}" type="slidenum">
-              <a:rPr lang="en-US" smtClean="0"/>
+              <a:rPr lang="en-US" smtClean="0">
+                <a:solidFill>
+                  <a:prstClr val="black">
+                    <a:tint val="75000"/>
+                  </a:prstClr>
+                </a:solidFill>
+              </a:rPr>
+              <a:pPr/>
               <a:t>‹N°›</a:t>
             </a:fld>
-            <a:endParaRPr lang="en-US"/>
+            <a:endParaRPr lang="en-US">
+              <a:solidFill>
+                <a:prstClr val="black">
+                  <a:tint val="75000"/>
+                </a:prstClr>
+              </a:solidFill>
+            </a:endParaRPr>
           </a:p>
         </p:txBody>
       </p:sp>
     </p:spTree>
     <p:extLst>
       <p:ext uri="{BB962C8B-B14F-4D97-AF65-F5344CB8AC3E}">
-        <p14:creationId xmlns:p14="http://schemas.microsoft.com/office/powerpoint/2010/main" val="1827512748"/>
+        <p14:creationId xmlns:p14="http://schemas.microsoft.com/office/powerpoint/2010/main" val="2148553067"/>
       </p:ext>
     </p:extLst>
   </p:cSld>
@@ -2456,7 +2894,7 @@
 </p:sldLayout>
 </file>
 
-<file path=ppt/slideLayouts/slideLayout7.xml><?xml version="1.0" encoding="utf-8"?>
+<file path=ppt/slideLayouts/slideLayout18.xml><?xml version="1.0" encoding="utf-8"?>
 <p:sldLayout xmlns:a="http://schemas.openxmlformats.org/drawingml/2006/main" xmlns:r="http://schemas.openxmlformats.org/officeDocument/2006/relationships" xmlns:p="http://schemas.openxmlformats.org/presentationml/2006/main" type="blank" preserve="1">
   <p:cSld name="Vide">
     <p:spTree>
@@ -2489,10 +2927,23 @@
           <a:lstStyle/>
           <a:p>
             <a:fld id="{E196B69F-CA34-4C64-A297-7375B1767767}" type="datetimeFigureOut">
-              <a:rPr lang="en-US" smtClean="0"/>
-              <a:t>1/18/2020</a:t>
+              <a:rPr lang="en-US" smtClean="0">
+                <a:solidFill>
+                  <a:prstClr val="black">
+                    <a:tint val="75000"/>
+                  </a:prstClr>
+                </a:solidFill>
+              </a:rPr>
+              <a:pPr/>
+              <a:t>1/22/2020</a:t>
             </a:fld>
-            <a:endParaRPr lang="en-US"/>
+            <a:endParaRPr lang="en-US">
+              <a:solidFill>
+                <a:prstClr val="black">
+                  <a:tint val="75000"/>
+                </a:prstClr>
+              </a:solidFill>
+            </a:endParaRPr>
           </a:p>
         </p:txBody>
       </p:sp>
@@ -2511,7 +2962,13 @@
           <a:bodyPr/>
           <a:lstStyle/>
           <a:p>
-            <a:endParaRPr lang="en-US"/>
+            <a:endParaRPr lang="en-US">
+              <a:solidFill>
+                <a:prstClr val="black">
+                  <a:tint val="75000"/>
+                </a:prstClr>
+              </a:solidFill>
+            </a:endParaRPr>
           </a:p>
         </p:txBody>
       </p:sp>
@@ -2531,17 +2988,30 @@
           <a:lstStyle/>
           <a:p>
             <a:fld id="{AF3D009E-5434-4DC6-89DA-FC1D78C45C77}" type="slidenum">
-              <a:rPr lang="en-US" smtClean="0"/>
+              <a:rPr lang="en-US" smtClean="0">
+                <a:solidFill>
+                  <a:prstClr val="black">
+                    <a:tint val="75000"/>
+                  </a:prstClr>
+                </a:solidFill>
+              </a:rPr>
+              <a:pPr/>
               <a:t>‹N°›</a:t>
             </a:fld>
-            <a:endParaRPr lang="en-US"/>
+            <a:endParaRPr lang="en-US">
+              <a:solidFill>
+                <a:prstClr val="black">
+                  <a:tint val="75000"/>
+                </a:prstClr>
+              </a:solidFill>
+            </a:endParaRPr>
           </a:p>
         </p:txBody>
       </p:sp>
     </p:spTree>
     <p:extLst>
       <p:ext uri="{BB962C8B-B14F-4D97-AF65-F5344CB8AC3E}">
-        <p14:creationId xmlns:p14="http://schemas.microsoft.com/office/powerpoint/2010/main" val="1362018839"/>
+        <p14:creationId xmlns:p14="http://schemas.microsoft.com/office/powerpoint/2010/main" val="3031492705"/>
       </p:ext>
     </p:extLst>
   </p:cSld>
@@ -2551,7 +3021,7 @@
 </p:sldLayout>
 </file>
 
-<file path=ppt/slideLayouts/slideLayout8.xml><?xml version="1.0" encoding="utf-8"?>
+<file path=ppt/slideLayouts/slideLayout19.xml><?xml version="1.0" encoding="utf-8"?>
 <p:sldLayout xmlns:a="http://schemas.openxmlformats.org/drawingml/2006/main" xmlns:r="http://schemas.openxmlformats.org/officeDocument/2006/relationships" xmlns:p="http://schemas.openxmlformats.org/presentationml/2006/main" type="objTx" preserve="1">
   <p:cSld name="Contenu avec légende">
     <p:spTree>
@@ -2580,7 +3050,7 @@
         </p:nvSpPr>
         <p:spPr>
           <a:xfrm>
-            <a:off x="457215" y="204787"/>
+            <a:off x="457201" y="204787"/>
             <a:ext cx="3008313" cy="871538"/>
           </a:xfrm>
         </p:spPr>
@@ -2612,7 +3082,7 @@
         </p:nvSpPr>
         <p:spPr>
           <a:xfrm>
-            <a:off x="3575050" y="204795"/>
+            <a:off x="3575050" y="204788"/>
             <a:ext cx="5111750" cy="4389835"/>
           </a:xfrm>
         </p:spPr>
@@ -2697,7 +3167,7 @@
         </p:nvSpPr>
         <p:spPr>
           <a:xfrm>
-            <a:off x="457215" y="1076328"/>
+            <a:off x="457201" y="1076326"/>
             <a:ext cx="3008313" cy="3518297"/>
           </a:xfrm>
         </p:spPr>
@@ -2766,10 +3236,23 @@
           <a:lstStyle/>
           <a:p>
             <a:fld id="{E196B69F-CA34-4C64-A297-7375B1767767}" type="datetimeFigureOut">
-              <a:rPr lang="en-US" smtClean="0"/>
-              <a:t>1/18/2020</a:t>
+              <a:rPr lang="en-US" smtClean="0">
+                <a:solidFill>
+                  <a:prstClr val="black">
+                    <a:tint val="75000"/>
+                  </a:prstClr>
+                </a:solidFill>
+              </a:rPr>
+              <a:pPr/>
+              <a:t>1/22/2020</a:t>
             </a:fld>
-            <a:endParaRPr lang="en-US"/>
+            <a:endParaRPr lang="en-US">
+              <a:solidFill>
+                <a:prstClr val="black">
+                  <a:tint val="75000"/>
+                </a:prstClr>
+              </a:solidFill>
+            </a:endParaRPr>
           </a:p>
         </p:txBody>
       </p:sp>
@@ -2788,7 +3271,13 @@
           <a:bodyPr/>
           <a:lstStyle/>
           <a:p>
-            <a:endParaRPr lang="en-US"/>
+            <a:endParaRPr lang="en-US">
+              <a:solidFill>
+                <a:prstClr val="black">
+                  <a:tint val="75000"/>
+                </a:prstClr>
+              </a:solidFill>
+            </a:endParaRPr>
           </a:p>
         </p:txBody>
       </p:sp>
@@ -2808,17 +3297,30 @@
           <a:lstStyle/>
           <a:p>
             <a:fld id="{AF3D009E-5434-4DC6-89DA-FC1D78C45C77}" type="slidenum">
-              <a:rPr lang="en-US" smtClean="0"/>
+              <a:rPr lang="en-US" smtClean="0">
+                <a:solidFill>
+                  <a:prstClr val="black">
+                    <a:tint val="75000"/>
+                  </a:prstClr>
+                </a:solidFill>
+              </a:rPr>
+              <a:pPr/>
               <a:t>‹N°›</a:t>
             </a:fld>
-            <a:endParaRPr lang="en-US"/>
+            <a:endParaRPr lang="en-US">
+              <a:solidFill>
+                <a:prstClr val="black">
+                  <a:tint val="75000"/>
+                </a:prstClr>
+              </a:solidFill>
+            </a:endParaRPr>
           </a:p>
         </p:txBody>
       </p:sp>
     </p:spTree>
     <p:extLst>
       <p:ext uri="{BB962C8B-B14F-4D97-AF65-F5344CB8AC3E}">
-        <p14:creationId xmlns:p14="http://schemas.microsoft.com/office/powerpoint/2010/main" val="2178572988"/>
+        <p14:creationId xmlns:p14="http://schemas.microsoft.com/office/powerpoint/2010/main" val="3172609883"/>
       </p:ext>
     </p:extLst>
   </p:cSld>
@@ -2828,7 +3330,177 @@
 </p:sldLayout>
 </file>
 
-<file path=ppt/slideLayouts/slideLayout9.xml><?xml version="1.0" encoding="utf-8"?>
+<file path=ppt/slideLayouts/slideLayout2.xml><?xml version="1.0" encoding="utf-8"?>
+<p:sldLayout xmlns:a="http://schemas.openxmlformats.org/drawingml/2006/main" xmlns:r="http://schemas.openxmlformats.org/officeDocument/2006/relationships" xmlns:p="http://schemas.openxmlformats.org/presentationml/2006/main" type="obj" preserve="1">
+  <p:cSld name="Titre et contenu">
+    <p:spTree>
+      <p:nvGrpSpPr>
+        <p:cNvPr id="1" name=""/>
+        <p:cNvGrpSpPr/>
+        <p:nvPr/>
+      </p:nvGrpSpPr>
+      <p:grpSpPr>
+        <a:xfrm>
+          <a:off x="0" y="0"/>
+          <a:ext cx="0" cy="0"/>
+          <a:chOff x="0" y="0"/>
+          <a:chExt cx="0" cy="0"/>
+        </a:xfrm>
+      </p:grpSpPr>
+      <p:sp>
+        <p:nvSpPr>
+          <p:cNvPr id="2" name="Titre 1"/>
+          <p:cNvSpPr>
+            <a:spLocks noGrp="1"/>
+          </p:cNvSpPr>
+          <p:nvPr>
+            <p:ph type="title"/>
+          </p:nvPr>
+        </p:nvSpPr>
+        <p:spPr/>
+        <p:txBody>
+          <a:bodyPr/>
+          <a:lstStyle/>
+          <a:p>
+            <a:r>
+              <a:rPr lang="fr-FR" smtClean="0"/>
+              <a:t>Modifiez le style du titre</a:t>
+            </a:r>
+            <a:endParaRPr lang="en-US"/>
+          </a:p>
+        </p:txBody>
+      </p:sp>
+      <p:sp>
+        <p:nvSpPr>
+          <p:cNvPr id="3" name="Espace réservé du contenu 2"/>
+          <p:cNvSpPr>
+            <a:spLocks noGrp="1"/>
+          </p:cNvSpPr>
+          <p:nvPr>
+            <p:ph idx="1"/>
+          </p:nvPr>
+        </p:nvSpPr>
+        <p:spPr/>
+        <p:txBody>
+          <a:bodyPr/>
+          <a:lstStyle/>
+          <a:p>
+            <a:pPr lvl="0"/>
+            <a:r>
+              <a:rPr lang="fr-FR" smtClean="0"/>
+              <a:t>Modifiez les styles du texte du masque</a:t>
+            </a:r>
+          </a:p>
+          <a:p>
+            <a:pPr lvl="1"/>
+            <a:r>
+              <a:rPr lang="fr-FR" smtClean="0"/>
+              <a:t>Deuxième niveau</a:t>
+            </a:r>
+          </a:p>
+          <a:p>
+            <a:pPr lvl="2"/>
+            <a:r>
+              <a:rPr lang="fr-FR" smtClean="0"/>
+              <a:t>Troisième niveau</a:t>
+            </a:r>
+          </a:p>
+          <a:p>
+            <a:pPr lvl="3"/>
+            <a:r>
+              <a:rPr lang="fr-FR" smtClean="0"/>
+              <a:t>Quatrième niveau</a:t>
+            </a:r>
+          </a:p>
+          <a:p>
+            <a:pPr lvl="4"/>
+            <a:r>
+              <a:rPr lang="fr-FR" smtClean="0"/>
+              <a:t>Cinquième niveau</a:t>
+            </a:r>
+            <a:endParaRPr lang="en-US"/>
+          </a:p>
+        </p:txBody>
+      </p:sp>
+      <p:sp>
+        <p:nvSpPr>
+          <p:cNvPr id="4" name="Espace réservé de la date 3"/>
+          <p:cNvSpPr>
+            <a:spLocks noGrp="1"/>
+          </p:cNvSpPr>
+          <p:nvPr>
+            <p:ph type="dt" sz="half" idx="10"/>
+          </p:nvPr>
+        </p:nvSpPr>
+        <p:spPr/>
+        <p:txBody>
+          <a:bodyPr/>
+          <a:lstStyle/>
+          <a:p>
+            <a:fld id="{E196B69F-CA34-4C64-A297-7375B1767767}" type="datetimeFigureOut">
+              <a:rPr lang="en-US" smtClean="0"/>
+              <a:t>1/22/2020</a:t>
+            </a:fld>
+            <a:endParaRPr lang="en-US"/>
+          </a:p>
+        </p:txBody>
+      </p:sp>
+      <p:sp>
+        <p:nvSpPr>
+          <p:cNvPr id="5" name="Espace réservé du pied de page 4"/>
+          <p:cNvSpPr>
+            <a:spLocks noGrp="1"/>
+          </p:cNvSpPr>
+          <p:nvPr>
+            <p:ph type="ftr" sz="quarter" idx="11"/>
+          </p:nvPr>
+        </p:nvSpPr>
+        <p:spPr/>
+        <p:txBody>
+          <a:bodyPr/>
+          <a:lstStyle/>
+          <a:p>
+            <a:endParaRPr lang="en-US"/>
+          </a:p>
+        </p:txBody>
+      </p:sp>
+      <p:sp>
+        <p:nvSpPr>
+          <p:cNvPr id="6" name="Espace réservé du numéro de diapositive 5"/>
+          <p:cNvSpPr>
+            <a:spLocks noGrp="1"/>
+          </p:cNvSpPr>
+          <p:nvPr>
+            <p:ph type="sldNum" sz="quarter" idx="12"/>
+          </p:nvPr>
+        </p:nvSpPr>
+        <p:spPr/>
+        <p:txBody>
+          <a:bodyPr/>
+          <a:lstStyle/>
+          <a:p>
+            <a:fld id="{AF3D009E-5434-4DC6-89DA-FC1D78C45C77}" type="slidenum">
+              <a:rPr lang="en-US" smtClean="0"/>
+              <a:t>‹N°›</a:t>
+            </a:fld>
+            <a:endParaRPr lang="en-US"/>
+          </a:p>
+        </p:txBody>
+      </p:sp>
+    </p:spTree>
+    <p:extLst>
+      <p:ext uri="{BB962C8B-B14F-4D97-AF65-F5344CB8AC3E}">
+        <p14:creationId xmlns:p14="http://schemas.microsoft.com/office/powerpoint/2010/main" val="377209304"/>
+      </p:ext>
+    </p:extLst>
+  </p:cSld>
+  <p:clrMapOvr>
+    <a:masterClrMapping/>
+  </p:clrMapOvr>
+</p:sldLayout>
+</file>
+
+<file path=ppt/slideLayouts/slideLayout20.xml><?xml version="1.0" encoding="utf-8"?>
 <p:sldLayout xmlns:a="http://schemas.openxmlformats.org/drawingml/2006/main" xmlns:r="http://schemas.openxmlformats.org/officeDocument/2006/relationships" xmlns:p="http://schemas.openxmlformats.org/presentationml/2006/main" type="picTx" preserve="1">
   <p:cSld name="Image avec légende">
     <p:spTree>
@@ -2857,7 +3529,7 @@
         </p:nvSpPr>
         <p:spPr>
           <a:xfrm>
-            <a:off x="1792288" y="3600451"/>
+            <a:off x="1792288" y="3600450"/>
             <a:ext cx="5486400" cy="425054"/>
           </a:xfrm>
         </p:spPr>
@@ -2950,7 +3622,7 @@
         </p:nvSpPr>
         <p:spPr>
           <a:xfrm>
-            <a:off x="1792288" y="4025510"/>
+            <a:off x="1792288" y="4025503"/>
             <a:ext cx="5486400" cy="603647"/>
           </a:xfrm>
         </p:spPr>
@@ -3019,8 +3691,2153 @@
           <a:lstStyle/>
           <a:p>
             <a:fld id="{E196B69F-CA34-4C64-A297-7375B1767767}" type="datetimeFigureOut">
+              <a:rPr lang="en-US" smtClean="0">
+                <a:solidFill>
+                  <a:prstClr val="black">
+                    <a:tint val="75000"/>
+                  </a:prstClr>
+                </a:solidFill>
+              </a:rPr>
+              <a:pPr/>
+              <a:t>1/22/2020</a:t>
+            </a:fld>
+            <a:endParaRPr lang="en-US">
+              <a:solidFill>
+                <a:prstClr val="black">
+                  <a:tint val="75000"/>
+                </a:prstClr>
+              </a:solidFill>
+            </a:endParaRPr>
+          </a:p>
+        </p:txBody>
+      </p:sp>
+      <p:sp>
+        <p:nvSpPr>
+          <p:cNvPr id="6" name="Espace réservé du pied de page 5"/>
+          <p:cNvSpPr>
+            <a:spLocks noGrp="1"/>
+          </p:cNvSpPr>
+          <p:nvPr>
+            <p:ph type="ftr" sz="quarter" idx="11"/>
+          </p:nvPr>
+        </p:nvSpPr>
+        <p:spPr/>
+        <p:txBody>
+          <a:bodyPr/>
+          <a:lstStyle/>
+          <a:p>
+            <a:endParaRPr lang="en-US">
+              <a:solidFill>
+                <a:prstClr val="black">
+                  <a:tint val="75000"/>
+                </a:prstClr>
+              </a:solidFill>
+            </a:endParaRPr>
+          </a:p>
+        </p:txBody>
+      </p:sp>
+      <p:sp>
+        <p:nvSpPr>
+          <p:cNvPr id="7" name="Espace réservé du numéro de diapositive 6"/>
+          <p:cNvSpPr>
+            <a:spLocks noGrp="1"/>
+          </p:cNvSpPr>
+          <p:nvPr>
+            <p:ph type="sldNum" sz="quarter" idx="12"/>
+          </p:nvPr>
+        </p:nvSpPr>
+        <p:spPr/>
+        <p:txBody>
+          <a:bodyPr/>
+          <a:lstStyle/>
+          <a:p>
+            <a:fld id="{AF3D009E-5434-4DC6-89DA-FC1D78C45C77}" type="slidenum">
+              <a:rPr lang="en-US" smtClean="0">
+                <a:solidFill>
+                  <a:prstClr val="black">
+                    <a:tint val="75000"/>
+                  </a:prstClr>
+                </a:solidFill>
+              </a:rPr>
+              <a:pPr/>
+              <a:t>‹N°›</a:t>
+            </a:fld>
+            <a:endParaRPr lang="en-US">
+              <a:solidFill>
+                <a:prstClr val="black">
+                  <a:tint val="75000"/>
+                </a:prstClr>
+              </a:solidFill>
+            </a:endParaRPr>
+          </a:p>
+        </p:txBody>
+      </p:sp>
+    </p:spTree>
+    <p:extLst>
+      <p:ext uri="{BB962C8B-B14F-4D97-AF65-F5344CB8AC3E}">
+        <p14:creationId xmlns:p14="http://schemas.microsoft.com/office/powerpoint/2010/main" val="1292487640"/>
+      </p:ext>
+    </p:extLst>
+  </p:cSld>
+  <p:clrMapOvr>
+    <a:masterClrMapping/>
+  </p:clrMapOvr>
+</p:sldLayout>
+</file>
+
+<file path=ppt/slideLayouts/slideLayout21.xml><?xml version="1.0" encoding="utf-8"?>
+<p:sldLayout xmlns:a="http://schemas.openxmlformats.org/drawingml/2006/main" xmlns:r="http://schemas.openxmlformats.org/officeDocument/2006/relationships" xmlns:p="http://schemas.openxmlformats.org/presentationml/2006/main" type="vertTx" preserve="1">
+  <p:cSld name="Titre et texte vertical">
+    <p:spTree>
+      <p:nvGrpSpPr>
+        <p:cNvPr id="1" name=""/>
+        <p:cNvGrpSpPr/>
+        <p:nvPr/>
+      </p:nvGrpSpPr>
+      <p:grpSpPr>
+        <a:xfrm>
+          <a:off x="0" y="0"/>
+          <a:ext cx="0" cy="0"/>
+          <a:chOff x="0" y="0"/>
+          <a:chExt cx="0" cy="0"/>
+        </a:xfrm>
+      </p:grpSpPr>
+      <p:sp>
+        <p:nvSpPr>
+          <p:cNvPr id="2" name="Titre 1"/>
+          <p:cNvSpPr>
+            <a:spLocks noGrp="1"/>
+          </p:cNvSpPr>
+          <p:nvPr>
+            <p:ph type="title"/>
+          </p:nvPr>
+        </p:nvSpPr>
+        <p:spPr/>
+        <p:txBody>
+          <a:bodyPr/>
+          <a:lstStyle/>
+          <a:p>
+            <a:r>
+              <a:rPr lang="fr-FR" smtClean="0"/>
+              <a:t>Modifiez le style du titre</a:t>
+            </a:r>
+            <a:endParaRPr lang="en-US"/>
+          </a:p>
+        </p:txBody>
+      </p:sp>
+      <p:sp>
+        <p:nvSpPr>
+          <p:cNvPr id="3" name="Espace réservé du texte vertical 2"/>
+          <p:cNvSpPr>
+            <a:spLocks noGrp="1"/>
+          </p:cNvSpPr>
+          <p:nvPr>
+            <p:ph type="body" orient="vert" idx="1"/>
+          </p:nvPr>
+        </p:nvSpPr>
+        <p:spPr/>
+        <p:txBody>
+          <a:bodyPr vert="eaVert"/>
+          <a:lstStyle/>
+          <a:p>
+            <a:pPr lvl="0"/>
+            <a:r>
+              <a:rPr lang="fr-FR" smtClean="0"/>
+              <a:t>Modifiez les styles du texte du masque</a:t>
+            </a:r>
+          </a:p>
+          <a:p>
+            <a:pPr lvl="1"/>
+            <a:r>
+              <a:rPr lang="fr-FR" smtClean="0"/>
+              <a:t>Deuxième niveau</a:t>
+            </a:r>
+          </a:p>
+          <a:p>
+            <a:pPr lvl="2"/>
+            <a:r>
+              <a:rPr lang="fr-FR" smtClean="0"/>
+              <a:t>Troisième niveau</a:t>
+            </a:r>
+          </a:p>
+          <a:p>
+            <a:pPr lvl="3"/>
+            <a:r>
+              <a:rPr lang="fr-FR" smtClean="0"/>
+              <a:t>Quatrième niveau</a:t>
+            </a:r>
+          </a:p>
+          <a:p>
+            <a:pPr lvl="4"/>
+            <a:r>
+              <a:rPr lang="fr-FR" smtClean="0"/>
+              <a:t>Cinquième niveau</a:t>
+            </a:r>
+            <a:endParaRPr lang="en-US"/>
+          </a:p>
+        </p:txBody>
+      </p:sp>
+      <p:sp>
+        <p:nvSpPr>
+          <p:cNvPr id="4" name="Espace réservé de la date 3"/>
+          <p:cNvSpPr>
+            <a:spLocks noGrp="1"/>
+          </p:cNvSpPr>
+          <p:nvPr>
+            <p:ph type="dt" sz="half" idx="10"/>
+          </p:nvPr>
+        </p:nvSpPr>
+        <p:spPr/>
+        <p:txBody>
+          <a:bodyPr/>
+          <a:lstStyle/>
+          <a:p>
+            <a:fld id="{E196B69F-CA34-4C64-A297-7375B1767767}" type="datetimeFigureOut">
+              <a:rPr lang="en-US" smtClean="0">
+                <a:solidFill>
+                  <a:prstClr val="black">
+                    <a:tint val="75000"/>
+                  </a:prstClr>
+                </a:solidFill>
+              </a:rPr>
+              <a:pPr/>
+              <a:t>1/22/2020</a:t>
+            </a:fld>
+            <a:endParaRPr lang="en-US">
+              <a:solidFill>
+                <a:prstClr val="black">
+                  <a:tint val="75000"/>
+                </a:prstClr>
+              </a:solidFill>
+            </a:endParaRPr>
+          </a:p>
+        </p:txBody>
+      </p:sp>
+      <p:sp>
+        <p:nvSpPr>
+          <p:cNvPr id="5" name="Espace réservé du pied de page 4"/>
+          <p:cNvSpPr>
+            <a:spLocks noGrp="1"/>
+          </p:cNvSpPr>
+          <p:nvPr>
+            <p:ph type="ftr" sz="quarter" idx="11"/>
+          </p:nvPr>
+        </p:nvSpPr>
+        <p:spPr/>
+        <p:txBody>
+          <a:bodyPr/>
+          <a:lstStyle/>
+          <a:p>
+            <a:endParaRPr lang="en-US">
+              <a:solidFill>
+                <a:prstClr val="black">
+                  <a:tint val="75000"/>
+                </a:prstClr>
+              </a:solidFill>
+            </a:endParaRPr>
+          </a:p>
+        </p:txBody>
+      </p:sp>
+      <p:sp>
+        <p:nvSpPr>
+          <p:cNvPr id="6" name="Espace réservé du numéro de diapositive 5"/>
+          <p:cNvSpPr>
+            <a:spLocks noGrp="1"/>
+          </p:cNvSpPr>
+          <p:nvPr>
+            <p:ph type="sldNum" sz="quarter" idx="12"/>
+          </p:nvPr>
+        </p:nvSpPr>
+        <p:spPr/>
+        <p:txBody>
+          <a:bodyPr/>
+          <a:lstStyle/>
+          <a:p>
+            <a:fld id="{AF3D009E-5434-4DC6-89DA-FC1D78C45C77}" type="slidenum">
+              <a:rPr lang="en-US" smtClean="0">
+                <a:solidFill>
+                  <a:prstClr val="black">
+                    <a:tint val="75000"/>
+                  </a:prstClr>
+                </a:solidFill>
+              </a:rPr>
+              <a:pPr/>
+              <a:t>‹N°›</a:t>
+            </a:fld>
+            <a:endParaRPr lang="en-US">
+              <a:solidFill>
+                <a:prstClr val="black">
+                  <a:tint val="75000"/>
+                </a:prstClr>
+              </a:solidFill>
+            </a:endParaRPr>
+          </a:p>
+        </p:txBody>
+      </p:sp>
+    </p:spTree>
+    <p:extLst>
+      <p:ext uri="{BB962C8B-B14F-4D97-AF65-F5344CB8AC3E}">
+        <p14:creationId xmlns:p14="http://schemas.microsoft.com/office/powerpoint/2010/main" val="1612818929"/>
+      </p:ext>
+    </p:extLst>
+  </p:cSld>
+  <p:clrMapOvr>
+    <a:masterClrMapping/>
+  </p:clrMapOvr>
+</p:sldLayout>
+</file>
+
+<file path=ppt/slideLayouts/slideLayout22.xml><?xml version="1.0" encoding="utf-8"?>
+<p:sldLayout xmlns:a="http://schemas.openxmlformats.org/drawingml/2006/main" xmlns:r="http://schemas.openxmlformats.org/officeDocument/2006/relationships" xmlns:p="http://schemas.openxmlformats.org/presentationml/2006/main" type="vertTitleAndTx" preserve="1">
+  <p:cSld name="Titre vertical et texte">
+    <p:spTree>
+      <p:nvGrpSpPr>
+        <p:cNvPr id="1" name=""/>
+        <p:cNvGrpSpPr/>
+        <p:nvPr/>
+      </p:nvGrpSpPr>
+      <p:grpSpPr>
+        <a:xfrm>
+          <a:off x="0" y="0"/>
+          <a:ext cx="0" cy="0"/>
+          <a:chOff x="0" y="0"/>
+          <a:chExt cx="0" cy="0"/>
+        </a:xfrm>
+      </p:grpSpPr>
+      <p:sp>
+        <p:nvSpPr>
+          <p:cNvPr id="2" name="Titre vertical 1"/>
+          <p:cNvSpPr>
+            <a:spLocks noGrp="1"/>
+          </p:cNvSpPr>
+          <p:nvPr>
+            <p:ph type="title" orient="vert"/>
+          </p:nvPr>
+        </p:nvSpPr>
+        <p:spPr>
+          <a:xfrm>
+            <a:off x="6629400" y="205979"/>
+            <a:ext cx="2057400" cy="4388644"/>
+          </a:xfrm>
+        </p:spPr>
+        <p:txBody>
+          <a:bodyPr vert="eaVert"/>
+          <a:lstStyle/>
+          <a:p>
+            <a:r>
+              <a:rPr lang="fr-FR" smtClean="0"/>
+              <a:t>Modifiez le style du titre</a:t>
+            </a:r>
+            <a:endParaRPr lang="en-US"/>
+          </a:p>
+        </p:txBody>
+      </p:sp>
+      <p:sp>
+        <p:nvSpPr>
+          <p:cNvPr id="3" name="Espace réservé du texte vertical 2"/>
+          <p:cNvSpPr>
+            <a:spLocks noGrp="1"/>
+          </p:cNvSpPr>
+          <p:nvPr>
+            <p:ph type="body" orient="vert" idx="1"/>
+          </p:nvPr>
+        </p:nvSpPr>
+        <p:spPr>
+          <a:xfrm>
+            <a:off x="457200" y="205979"/>
+            <a:ext cx="6019800" cy="4388644"/>
+          </a:xfrm>
+        </p:spPr>
+        <p:txBody>
+          <a:bodyPr vert="eaVert"/>
+          <a:lstStyle/>
+          <a:p>
+            <a:pPr lvl="0"/>
+            <a:r>
+              <a:rPr lang="fr-FR" smtClean="0"/>
+              <a:t>Modifiez les styles du texte du masque</a:t>
+            </a:r>
+          </a:p>
+          <a:p>
+            <a:pPr lvl="1"/>
+            <a:r>
+              <a:rPr lang="fr-FR" smtClean="0"/>
+              <a:t>Deuxième niveau</a:t>
+            </a:r>
+          </a:p>
+          <a:p>
+            <a:pPr lvl="2"/>
+            <a:r>
+              <a:rPr lang="fr-FR" smtClean="0"/>
+              <a:t>Troisième niveau</a:t>
+            </a:r>
+          </a:p>
+          <a:p>
+            <a:pPr lvl="3"/>
+            <a:r>
+              <a:rPr lang="fr-FR" smtClean="0"/>
+              <a:t>Quatrième niveau</a:t>
+            </a:r>
+          </a:p>
+          <a:p>
+            <a:pPr lvl="4"/>
+            <a:r>
+              <a:rPr lang="fr-FR" smtClean="0"/>
+              <a:t>Cinquième niveau</a:t>
+            </a:r>
+            <a:endParaRPr lang="en-US"/>
+          </a:p>
+        </p:txBody>
+      </p:sp>
+      <p:sp>
+        <p:nvSpPr>
+          <p:cNvPr id="4" name="Espace réservé de la date 3"/>
+          <p:cNvSpPr>
+            <a:spLocks noGrp="1"/>
+          </p:cNvSpPr>
+          <p:nvPr>
+            <p:ph type="dt" sz="half" idx="10"/>
+          </p:nvPr>
+        </p:nvSpPr>
+        <p:spPr/>
+        <p:txBody>
+          <a:bodyPr/>
+          <a:lstStyle/>
+          <a:p>
+            <a:fld id="{E196B69F-CA34-4C64-A297-7375B1767767}" type="datetimeFigureOut">
+              <a:rPr lang="en-US" smtClean="0">
+                <a:solidFill>
+                  <a:prstClr val="black">
+                    <a:tint val="75000"/>
+                  </a:prstClr>
+                </a:solidFill>
+              </a:rPr>
+              <a:pPr/>
+              <a:t>1/22/2020</a:t>
+            </a:fld>
+            <a:endParaRPr lang="en-US">
+              <a:solidFill>
+                <a:prstClr val="black">
+                  <a:tint val="75000"/>
+                </a:prstClr>
+              </a:solidFill>
+            </a:endParaRPr>
+          </a:p>
+        </p:txBody>
+      </p:sp>
+      <p:sp>
+        <p:nvSpPr>
+          <p:cNvPr id="5" name="Espace réservé du pied de page 4"/>
+          <p:cNvSpPr>
+            <a:spLocks noGrp="1"/>
+          </p:cNvSpPr>
+          <p:nvPr>
+            <p:ph type="ftr" sz="quarter" idx="11"/>
+          </p:nvPr>
+        </p:nvSpPr>
+        <p:spPr/>
+        <p:txBody>
+          <a:bodyPr/>
+          <a:lstStyle/>
+          <a:p>
+            <a:endParaRPr lang="en-US">
+              <a:solidFill>
+                <a:prstClr val="black">
+                  <a:tint val="75000"/>
+                </a:prstClr>
+              </a:solidFill>
+            </a:endParaRPr>
+          </a:p>
+        </p:txBody>
+      </p:sp>
+      <p:sp>
+        <p:nvSpPr>
+          <p:cNvPr id="6" name="Espace réservé du numéro de diapositive 5"/>
+          <p:cNvSpPr>
+            <a:spLocks noGrp="1"/>
+          </p:cNvSpPr>
+          <p:nvPr>
+            <p:ph type="sldNum" sz="quarter" idx="12"/>
+          </p:nvPr>
+        </p:nvSpPr>
+        <p:spPr/>
+        <p:txBody>
+          <a:bodyPr/>
+          <a:lstStyle/>
+          <a:p>
+            <a:fld id="{AF3D009E-5434-4DC6-89DA-FC1D78C45C77}" type="slidenum">
+              <a:rPr lang="en-US" smtClean="0">
+                <a:solidFill>
+                  <a:prstClr val="black">
+                    <a:tint val="75000"/>
+                  </a:prstClr>
+                </a:solidFill>
+              </a:rPr>
+              <a:pPr/>
+              <a:t>‹N°›</a:t>
+            </a:fld>
+            <a:endParaRPr lang="en-US">
+              <a:solidFill>
+                <a:prstClr val="black">
+                  <a:tint val="75000"/>
+                </a:prstClr>
+              </a:solidFill>
+            </a:endParaRPr>
+          </a:p>
+        </p:txBody>
+      </p:sp>
+    </p:spTree>
+    <p:extLst>
+      <p:ext uri="{BB962C8B-B14F-4D97-AF65-F5344CB8AC3E}">
+        <p14:creationId xmlns:p14="http://schemas.microsoft.com/office/powerpoint/2010/main" val="660574832"/>
+      </p:ext>
+    </p:extLst>
+  </p:cSld>
+  <p:clrMapOvr>
+    <a:masterClrMapping/>
+  </p:clrMapOvr>
+</p:sldLayout>
+</file>
+
+<file path=ppt/slideLayouts/slideLayout3.xml><?xml version="1.0" encoding="utf-8"?>
+<p:sldLayout xmlns:a="http://schemas.openxmlformats.org/drawingml/2006/main" xmlns:r="http://schemas.openxmlformats.org/officeDocument/2006/relationships" xmlns:p="http://schemas.openxmlformats.org/presentationml/2006/main" type="secHead" preserve="1">
+  <p:cSld name="Titre de section">
+    <p:spTree>
+      <p:nvGrpSpPr>
+        <p:cNvPr id="1" name=""/>
+        <p:cNvGrpSpPr/>
+        <p:nvPr/>
+      </p:nvGrpSpPr>
+      <p:grpSpPr>
+        <a:xfrm>
+          <a:off x="0" y="0"/>
+          <a:ext cx="0" cy="0"/>
+          <a:chOff x="0" y="0"/>
+          <a:chExt cx="0" cy="0"/>
+        </a:xfrm>
+      </p:grpSpPr>
+      <p:sp>
+        <p:nvSpPr>
+          <p:cNvPr id="2" name="Titre 1"/>
+          <p:cNvSpPr>
+            <a:spLocks noGrp="1"/>
+          </p:cNvSpPr>
+          <p:nvPr>
+            <p:ph type="title"/>
+          </p:nvPr>
+        </p:nvSpPr>
+        <p:spPr>
+          <a:xfrm>
+            <a:off x="722313" y="3305176"/>
+            <a:ext cx="7772400" cy="1021556"/>
+          </a:xfrm>
+        </p:spPr>
+        <p:txBody>
+          <a:bodyPr anchor="t"/>
+          <a:lstStyle>
+            <a:lvl1pPr algn="l">
+              <a:defRPr sz="4000" b="1" cap="all"/>
+            </a:lvl1pPr>
+          </a:lstStyle>
+          <a:p>
+            <a:r>
+              <a:rPr lang="fr-FR" smtClean="0"/>
+              <a:t>Modifiez le style du titre</a:t>
+            </a:r>
+            <a:endParaRPr lang="en-US"/>
+          </a:p>
+        </p:txBody>
+      </p:sp>
+      <p:sp>
+        <p:nvSpPr>
+          <p:cNvPr id="3" name="Espace réservé du texte 2"/>
+          <p:cNvSpPr>
+            <a:spLocks noGrp="1"/>
+          </p:cNvSpPr>
+          <p:nvPr>
+            <p:ph type="body" idx="1"/>
+          </p:nvPr>
+        </p:nvSpPr>
+        <p:spPr>
+          <a:xfrm>
+            <a:off x="722313" y="2180035"/>
+            <a:ext cx="7772400" cy="1125140"/>
+          </a:xfrm>
+        </p:spPr>
+        <p:txBody>
+          <a:bodyPr anchor="b"/>
+          <a:lstStyle>
+            <a:lvl1pPr marL="0" indent="0">
+              <a:buNone/>
+              <a:defRPr sz="2000">
+                <a:solidFill>
+                  <a:schemeClr val="tx1">
+                    <a:tint val="75000"/>
+                  </a:schemeClr>
+                </a:solidFill>
+              </a:defRPr>
+            </a:lvl1pPr>
+            <a:lvl2pPr marL="457200" indent="0">
+              <a:buNone/>
+              <a:defRPr sz="1800">
+                <a:solidFill>
+                  <a:schemeClr val="tx1">
+                    <a:tint val="75000"/>
+                  </a:schemeClr>
+                </a:solidFill>
+              </a:defRPr>
+            </a:lvl2pPr>
+            <a:lvl3pPr marL="914400" indent="0">
+              <a:buNone/>
+              <a:defRPr sz="1600">
+                <a:solidFill>
+                  <a:schemeClr val="tx1">
+                    <a:tint val="75000"/>
+                  </a:schemeClr>
+                </a:solidFill>
+              </a:defRPr>
+            </a:lvl3pPr>
+            <a:lvl4pPr marL="1371600" indent="0">
+              <a:buNone/>
+              <a:defRPr sz="1400">
+                <a:solidFill>
+                  <a:schemeClr val="tx1">
+                    <a:tint val="75000"/>
+                  </a:schemeClr>
+                </a:solidFill>
+              </a:defRPr>
+            </a:lvl4pPr>
+            <a:lvl5pPr marL="1828800" indent="0">
+              <a:buNone/>
+              <a:defRPr sz="1400">
+                <a:solidFill>
+                  <a:schemeClr val="tx1">
+                    <a:tint val="75000"/>
+                  </a:schemeClr>
+                </a:solidFill>
+              </a:defRPr>
+            </a:lvl5pPr>
+            <a:lvl6pPr marL="2286000" indent="0">
+              <a:buNone/>
+              <a:defRPr sz="1400">
+                <a:solidFill>
+                  <a:schemeClr val="tx1">
+                    <a:tint val="75000"/>
+                  </a:schemeClr>
+                </a:solidFill>
+              </a:defRPr>
+            </a:lvl6pPr>
+            <a:lvl7pPr marL="2743200" indent="0">
+              <a:buNone/>
+              <a:defRPr sz="1400">
+                <a:solidFill>
+                  <a:schemeClr val="tx1">
+                    <a:tint val="75000"/>
+                  </a:schemeClr>
+                </a:solidFill>
+              </a:defRPr>
+            </a:lvl7pPr>
+            <a:lvl8pPr marL="3200400" indent="0">
+              <a:buNone/>
+              <a:defRPr sz="1400">
+                <a:solidFill>
+                  <a:schemeClr val="tx1">
+                    <a:tint val="75000"/>
+                  </a:schemeClr>
+                </a:solidFill>
+              </a:defRPr>
+            </a:lvl8pPr>
+            <a:lvl9pPr marL="3657600" indent="0">
+              <a:buNone/>
+              <a:defRPr sz="1400">
+                <a:solidFill>
+                  <a:schemeClr val="tx1">
+                    <a:tint val="75000"/>
+                  </a:schemeClr>
+                </a:solidFill>
+              </a:defRPr>
+            </a:lvl9pPr>
+          </a:lstStyle>
+          <a:p>
+            <a:pPr lvl="0"/>
+            <a:r>
+              <a:rPr lang="fr-FR" smtClean="0"/>
+              <a:t>Modifiez les styles du texte du masque</a:t>
+            </a:r>
+          </a:p>
+        </p:txBody>
+      </p:sp>
+      <p:sp>
+        <p:nvSpPr>
+          <p:cNvPr id="4" name="Espace réservé de la date 3"/>
+          <p:cNvSpPr>
+            <a:spLocks noGrp="1"/>
+          </p:cNvSpPr>
+          <p:nvPr>
+            <p:ph type="dt" sz="half" idx="10"/>
+          </p:nvPr>
+        </p:nvSpPr>
+        <p:spPr/>
+        <p:txBody>
+          <a:bodyPr/>
+          <a:lstStyle/>
+          <a:p>
+            <a:fld id="{E196B69F-CA34-4C64-A297-7375B1767767}" type="datetimeFigureOut">
               <a:rPr lang="en-US" smtClean="0"/>
-              <a:t>1/18/2020</a:t>
+              <a:t>1/22/2020</a:t>
+            </a:fld>
+            <a:endParaRPr lang="en-US"/>
+          </a:p>
+        </p:txBody>
+      </p:sp>
+      <p:sp>
+        <p:nvSpPr>
+          <p:cNvPr id="5" name="Espace réservé du pied de page 4"/>
+          <p:cNvSpPr>
+            <a:spLocks noGrp="1"/>
+          </p:cNvSpPr>
+          <p:nvPr>
+            <p:ph type="ftr" sz="quarter" idx="11"/>
+          </p:nvPr>
+        </p:nvSpPr>
+        <p:spPr/>
+        <p:txBody>
+          <a:bodyPr/>
+          <a:lstStyle/>
+          <a:p>
+            <a:endParaRPr lang="en-US"/>
+          </a:p>
+        </p:txBody>
+      </p:sp>
+      <p:sp>
+        <p:nvSpPr>
+          <p:cNvPr id="6" name="Espace réservé du numéro de diapositive 5"/>
+          <p:cNvSpPr>
+            <a:spLocks noGrp="1"/>
+          </p:cNvSpPr>
+          <p:nvPr>
+            <p:ph type="sldNum" sz="quarter" idx="12"/>
+          </p:nvPr>
+        </p:nvSpPr>
+        <p:spPr/>
+        <p:txBody>
+          <a:bodyPr/>
+          <a:lstStyle/>
+          <a:p>
+            <a:fld id="{AF3D009E-5434-4DC6-89DA-FC1D78C45C77}" type="slidenum">
+              <a:rPr lang="en-US" smtClean="0"/>
+              <a:t>‹N°›</a:t>
+            </a:fld>
+            <a:endParaRPr lang="en-US"/>
+          </a:p>
+        </p:txBody>
+      </p:sp>
+    </p:spTree>
+    <p:extLst>
+      <p:ext uri="{BB962C8B-B14F-4D97-AF65-F5344CB8AC3E}">
+        <p14:creationId xmlns:p14="http://schemas.microsoft.com/office/powerpoint/2010/main" val="2553157366"/>
+      </p:ext>
+    </p:extLst>
+  </p:cSld>
+  <p:clrMapOvr>
+    <a:masterClrMapping/>
+  </p:clrMapOvr>
+</p:sldLayout>
+</file>
+
+<file path=ppt/slideLayouts/slideLayout4.xml><?xml version="1.0" encoding="utf-8"?>
+<p:sldLayout xmlns:a="http://schemas.openxmlformats.org/drawingml/2006/main" xmlns:r="http://schemas.openxmlformats.org/officeDocument/2006/relationships" xmlns:p="http://schemas.openxmlformats.org/presentationml/2006/main" type="twoObj" preserve="1">
+  <p:cSld name="Deux contenus">
+    <p:spTree>
+      <p:nvGrpSpPr>
+        <p:cNvPr id="1" name=""/>
+        <p:cNvGrpSpPr/>
+        <p:nvPr/>
+      </p:nvGrpSpPr>
+      <p:grpSpPr>
+        <a:xfrm>
+          <a:off x="0" y="0"/>
+          <a:ext cx="0" cy="0"/>
+          <a:chOff x="0" y="0"/>
+          <a:chExt cx="0" cy="0"/>
+        </a:xfrm>
+      </p:grpSpPr>
+      <p:sp>
+        <p:nvSpPr>
+          <p:cNvPr id="2" name="Titre 1"/>
+          <p:cNvSpPr>
+            <a:spLocks noGrp="1"/>
+          </p:cNvSpPr>
+          <p:nvPr>
+            <p:ph type="title"/>
+          </p:nvPr>
+        </p:nvSpPr>
+        <p:spPr/>
+        <p:txBody>
+          <a:bodyPr/>
+          <a:lstStyle/>
+          <a:p>
+            <a:r>
+              <a:rPr lang="fr-FR" smtClean="0"/>
+              <a:t>Modifiez le style du titre</a:t>
+            </a:r>
+            <a:endParaRPr lang="en-US"/>
+          </a:p>
+        </p:txBody>
+      </p:sp>
+      <p:sp>
+        <p:nvSpPr>
+          <p:cNvPr id="3" name="Espace réservé du contenu 2"/>
+          <p:cNvSpPr>
+            <a:spLocks noGrp="1"/>
+          </p:cNvSpPr>
+          <p:nvPr>
+            <p:ph sz="half" idx="1"/>
+          </p:nvPr>
+        </p:nvSpPr>
+        <p:spPr>
+          <a:xfrm>
+            <a:off x="457200" y="1200151"/>
+            <a:ext cx="4038600" cy="3394472"/>
+          </a:xfrm>
+        </p:spPr>
+        <p:txBody>
+          <a:bodyPr/>
+          <a:lstStyle>
+            <a:lvl1pPr>
+              <a:defRPr sz="2800"/>
+            </a:lvl1pPr>
+            <a:lvl2pPr>
+              <a:defRPr sz="2400"/>
+            </a:lvl2pPr>
+            <a:lvl3pPr>
+              <a:defRPr sz="2000"/>
+            </a:lvl3pPr>
+            <a:lvl4pPr>
+              <a:defRPr sz="1800"/>
+            </a:lvl4pPr>
+            <a:lvl5pPr>
+              <a:defRPr sz="1800"/>
+            </a:lvl5pPr>
+            <a:lvl6pPr>
+              <a:defRPr sz="1800"/>
+            </a:lvl6pPr>
+            <a:lvl7pPr>
+              <a:defRPr sz="1800"/>
+            </a:lvl7pPr>
+            <a:lvl8pPr>
+              <a:defRPr sz="1800"/>
+            </a:lvl8pPr>
+            <a:lvl9pPr>
+              <a:defRPr sz="1800"/>
+            </a:lvl9pPr>
+          </a:lstStyle>
+          <a:p>
+            <a:pPr lvl="0"/>
+            <a:r>
+              <a:rPr lang="fr-FR" smtClean="0"/>
+              <a:t>Modifiez les styles du texte du masque</a:t>
+            </a:r>
+          </a:p>
+          <a:p>
+            <a:pPr lvl="1"/>
+            <a:r>
+              <a:rPr lang="fr-FR" smtClean="0"/>
+              <a:t>Deuxième niveau</a:t>
+            </a:r>
+          </a:p>
+          <a:p>
+            <a:pPr lvl="2"/>
+            <a:r>
+              <a:rPr lang="fr-FR" smtClean="0"/>
+              <a:t>Troisième niveau</a:t>
+            </a:r>
+          </a:p>
+          <a:p>
+            <a:pPr lvl="3"/>
+            <a:r>
+              <a:rPr lang="fr-FR" smtClean="0"/>
+              <a:t>Quatrième niveau</a:t>
+            </a:r>
+          </a:p>
+          <a:p>
+            <a:pPr lvl="4"/>
+            <a:r>
+              <a:rPr lang="fr-FR" smtClean="0"/>
+              <a:t>Cinquième niveau</a:t>
+            </a:r>
+            <a:endParaRPr lang="en-US"/>
+          </a:p>
+        </p:txBody>
+      </p:sp>
+      <p:sp>
+        <p:nvSpPr>
+          <p:cNvPr id="4" name="Espace réservé du contenu 3"/>
+          <p:cNvSpPr>
+            <a:spLocks noGrp="1"/>
+          </p:cNvSpPr>
+          <p:nvPr>
+            <p:ph sz="half" idx="2"/>
+          </p:nvPr>
+        </p:nvSpPr>
+        <p:spPr>
+          <a:xfrm>
+            <a:off x="4648200" y="1200151"/>
+            <a:ext cx="4038600" cy="3394472"/>
+          </a:xfrm>
+        </p:spPr>
+        <p:txBody>
+          <a:bodyPr/>
+          <a:lstStyle>
+            <a:lvl1pPr>
+              <a:defRPr sz="2800"/>
+            </a:lvl1pPr>
+            <a:lvl2pPr>
+              <a:defRPr sz="2400"/>
+            </a:lvl2pPr>
+            <a:lvl3pPr>
+              <a:defRPr sz="2000"/>
+            </a:lvl3pPr>
+            <a:lvl4pPr>
+              <a:defRPr sz="1800"/>
+            </a:lvl4pPr>
+            <a:lvl5pPr>
+              <a:defRPr sz="1800"/>
+            </a:lvl5pPr>
+            <a:lvl6pPr>
+              <a:defRPr sz="1800"/>
+            </a:lvl6pPr>
+            <a:lvl7pPr>
+              <a:defRPr sz="1800"/>
+            </a:lvl7pPr>
+            <a:lvl8pPr>
+              <a:defRPr sz="1800"/>
+            </a:lvl8pPr>
+            <a:lvl9pPr>
+              <a:defRPr sz="1800"/>
+            </a:lvl9pPr>
+          </a:lstStyle>
+          <a:p>
+            <a:pPr lvl="0"/>
+            <a:r>
+              <a:rPr lang="fr-FR" smtClean="0"/>
+              <a:t>Modifiez les styles du texte du masque</a:t>
+            </a:r>
+          </a:p>
+          <a:p>
+            <a:pPr lvl="1"/>
+            <a:r>
+              <a:rPr lang="fr-FR" smtClean="0"/>
+              <a:t>Deuxième niveau</a:t>
+            </a:r>
+          </a:p>
+          <a:p>
+            <a:pPr lvl="2"/>
+            <a:r>
+              <a:rPr lang="fr-FR" smtClean="0"/>
+              <a:t>Troisième niveau</a:t>
+            </a:r>
+          </a:p>
+          <a:p>
+            <a:pPr lvl="3"/>
+            <a:r>
+              <a:rPr lang="fr-FR" smtClean="0"/>
+              <a:t>Quatrième niveau</a:t>
+            </a:r>
+          </a:p>
+          <a:p>
+            <a:pPr lvl="4"/>
+            <a:r>
+              <a:rPr lang="fr-FR" smtClean="0"/>
+              <a:t>Cinquième niveau</a:t>
+            </a:r>
+            <a:endParaRPr lang="en-US"/>
+          </a:p>
+        </p:txBody>
+      </p:sp>
+      <p:sp>
+        <p:nvSpPr>
+          <p:cNvPr id="5" name="Espace réservé de la date 4"/>
+          <p:cNvSpPr>
+            <a:spLocks noGrp="1"/>
+          </p:cNvSpPr>
+          <p:nvPr>
+            <p:ph type="dt" sz="half" idx="10"/>
+          </p:nvPr>
+        </p:nvSpPr>
+        <p:spPr/>
+        <p:txBody>
+          <a:bodyPr/>
+          <a:lstStyle/>
+          <a:p>
+            <a:fld id="{E196B69F-CA34-4C64-A297-7375B1767767}" type="datetimeFigureOut">
+              <a:rPr lang="en-US" smtClean="0"/>
+              <a:t>1/22/2020</a:t>
+            </a:fld>
+            <a:endParaRPr lang="en-US"/>
+          </a:p>
+        </p:txBody>
+      </p:sp>
+      <p:sp>
+        <p:nvSpPr>
+          <p:cNvPr id="6" name="Espace réservé du pied de page 5"/>
+          <p:cNvSpPr>
+            <a:spLocks noGrp="1"/>
+          </p:cNvSpPr>
+          <p:nvPr>
+            <p:ph type="ftr" sz="quarter" idx="11"/>
+          </p:nvPr>
+        </p:nvSpPr>
+        <p:spPr/>
+        <p:txBody>
+          <a:bodyPr/>
+          <a:lstStyle/>
+          <a:p>
+            <a:endParaRPr lang="en-US"/>
+          </a:p>
+        </p:txBody>
+      </p:sp>
+      <p:sp>
+        <p:nvSpPr>
+          <p:cNvPr id="7" name="Espace réservé du numéro de diapositive 6"/>
+          <p:cNvSpPr>
+            <a:spLocks noGrp="1"/>
+          </p:cNvSpPr>
+          <p:nvPr>
+            <p:ph type="sldNum" sz="quarter" idx="12"/>
+          </p:nvPr>
+        </p:nvSpPr>
+        <p:spPr/>
+        <p:txBody>
+          <a:bodyPr/>
+          <a:lstStyle/>
+          <a:p>
+            <a:fld id="{AF3D009E-5434-4DC6-89DA-FC1D78C45C77}" type="slidenum">
+              <a:rPr lang="en-US" smtClean="0"/>
+              <a:t>‹N°›</a:t>
+            </a:fld>
+            <a:endParaRPr lang="en-US"/>
+          </a:p>
+        </p:txBody>
+      </p:sp>
+    </p:spTree>
+    <p:extLst>
+      <p:ext uri="{BB962C8B-B14F-4D97-AF65-F5344CB8AC3E}">
+        <p14:creationId xmlns:p14="http://schemas.microsoft.com/office/powerpoint/2010/main" val="872576858"/>
+      </p:ext>
+    </p:extLst>
+  </p:cSld>
+  <p:clrMapOvr>
+    <a:masterClrMapping/>
+  </p:clrMapOvr>
+</p:sldLayout>
+</file>
+
+<file path=ppt/slideLayouts/slideLayout5.xml><?xml version="1.0" encoding="utf-8"?>
+<p:sldLayout xmlns:a="http://schemas.openxmlformats.org/drawingml/2006/main" xmlns:r="http://schemas.openxmlformats.org/officeDocument/2006/relationships" xmlns:p="http://schemas.openxmlformats.org/presentationml/2006/main" type="twoTxTwoObj" preserve="1">
+  <p:cSld name="Comparaison">
+    <p:spTree>
+      <p:nvGrpSpPr>
+        <p:cNvPr id="1" name=""/>
+        <p:cNvGrpSpPr/>
+        <p:nvPr/>
+      </p:nvGrpSpPr>
+      <p:grpSpPr>
+        <a:xfrm>
+          <a:off x="0" y="0"/>
+          <a:ext cx="0" cy="0"/>
+          <a:chOff x="0" y="0"/>
+          <a:chExt cx="0" cy="0"/>
+        </a:xfrm>
+      </p:grpSpPr>
+      <p:sp>
+        <p:nvSpPr>
+          <p:cNvPr id="2" name="Titre 1"/>
+          <p:cNvSpPr>
+            <a:spLocks noGrp="1"/>
+          </p:cNvSpPr>
+          <p:nvPr>
+            <p:ph type="title"/>
+          </p:nvPr>
+        </p:nvSpPr>
+        <p:spPr/>
+        <p:txBody>
+          <a:bodyPr/>
+          <a:lstStyle>
+            <a:lvl1pPr>
+              <a:defRPr/>
+            </a:lvl1pPr>
+          </a:lstStyle>
+          <a:p>
+            <a:r>
+              <a:rPr lang="fr-FR" smtClean="0"/>
+              <a:t>Modifiez le style du titre</a:t>
+            </a:r>
+            <a:endParaRPr lang="en-US"/>
+          </a:p>
+        </p:txBody>
+      </p:sp>
+      <p:sp>
+        <p:nvSpPr>
+          <p:cNvPr id="3" name="Espace réservé du texte 2"/>
+          <p:cNvSpPr>
+            <a:spLocks noGrp="1"/>
+          </p:cNvSpPr>
+          <p:nvPr>
+            <p:ph type="body" idx="1"/>
+          </p:nvPr>
+        </p:nvSpPr>
+        <p:spPr>
+          <a:xfrm>
+            <a:off x="457200" y="1151335"/>
+            <a:ext cx="4040188" cy="479822"/>
+          </a:xfrm>
+        </p:spPr>
+        <p:txBody>
+          <a:bodyPr anchor="b"/>
+          <a:lstStyle>
+            <a:lvl1pPr marL="0" indent="0">
+              <a:buNone/>
+              <a:defRPr sz="2400" b="1"/>
+            </a:lvl1pPr>
+            <a:lvl2pPr marL="457200" indent="0">
+              <a:buNone/>
+              <a:defRPr sz="2000" b="1"/>
+            </a:lvl2pPr>
+            <a:lvl3pPr marL="914400" indent="0">
+              <a:buNone/>
+              <a:defRPr sz="1800" b="1"/>
+            </a:lvl3pPr>
+            <a:lvl4pPr marL="1371600" indent="0">
+              <a:buNone/>
+              <a:defRPr sz="1600" b="1"/>
+            </a:lvl4pPr>
+            <a:lvl5pPr marL="1828800" indent="0">
+              <a:buNone/>
+              <a:defRPr sz="1600" b="1"/>
+            </a:lvl5pPr>
+            <a:lvl6pPr marL="2286000" indent="0">
+              <a:buNone/>
+              <a:defRPr sz="1600" b="1"/>
+            </a:lvl6pPr>
+            <a:lvl7pPr marL="2743200" indent="0">
+              <a:buNone/>
+              <a:defRPr sz="1600" b="1"/>
+            </a:lvl7pPr>
+            <a:lvl8pPr marL="3200400" indent="0">
+              <a:buNone/>
+              <a:defRPr sz="1600" b="1"/>
+            </a:lvl8pPr>
+            <a:lvl9pPr marL="3657600" indent="0">
+              <a:buNone/>
+              <a:defRPr sz="1600" b="1"/>
+            </a:lvl9pPr>
+          </a:lstStyle>
+          <a:p>
+            <a:pPr lvl="0"/>
+            <a:r>
+              <a:rPr lang="fr-FR" smtClean="0"/>
+              <a:t>Modifiez les styles du texte du masque</a:t>
+            </a:r>
+          </a:p>
+        </p:txBody>
+      </p:sp>
+      <p:sp>
+        <p:nvSpPr>
+          <p:cNvPr id="4" name="Espace réservé du contenu 3"/>
+          <p:cNvSpPr>
+            <a:spLocks noGrp="1"/>
+          </p:cNvSpPr>
+          <p:nvPr>
+            <p:ph sz="half" idx="2"/>
+          </p:nvPr>
+        </p:nvSpPr>
+        <p:spPr>
+          <a:xfrm>
+            <a:off x="457200" y="1631156"/>
+            <a:ext cx="4040188" cy="2963466"/>
+          </a:xfrm>
+        </p:spPr>
+        <p:txBody>
+          <a:bodyPr/>
+          <a:lstStyle>
+            <a:lvl1pPr>
+              <a:defRPr sz="2400"/>
+            </a:lvl1pPr>
+            <a:lvl2pPr>
+              <a:defRPr sz="2000"/>
+            </a:lvl2pPr>
+            <a:lvl3pPr>
+              <a:defRPr sz="1800"/>
+            </a:lvl3pPr>
+            <a:lvl4pPr>
+              <a:defRPr sz="1600"/>
+            </a:lvl4pPr>
+            <a:lvl5pPr>
+              <a:defRPr sz="1600"/>
+            </a:lvl5pPr>
+            <a:lvl6pPr>
+              <a:defRPr sz="1600"/>
+            </a:lvl6pPr>
+            <a:lvl7pPr>
+              <a:defRPr sz="1600"/>
+            </a:lvl7pPr>
+            <a:lvl8pPr>
+              <a:defRPr sz="1600"/>
+            </a:lvl8pPr>
+            <a:lvl9pPr>
+              <a:defRPr sz="1600"/>
+            </a:lvl9pPr>
+          </a:lstStyle>
+          <a:p>
+            <a:pPr lvl="0"/>
+            <a:r>
+              <a:rPr lang="fr-FR" smtClean="0"/>
+              <a:t>Modifiez les styles du texte du masque</a:t>
+            </a:r>
+          </a:p>
+          <a:p>
+            <a:pPr lvl="1"/>
+            <a:r>
+              <a:rPr lang="fr-FR" smtClean="0"/>
+              <a:t>Deuxième niveau</a:t>
+            </a:r>
+          </a:p>
+          <a:p>
+            <a:pPr lvl="2"/>
+            <a:r>
+              <a:rPr lang="fr-FR" smtClean="0"/>
+              <a:t>Troisième niveau</a:t>
+            </a:r>
+          </a:p>
+          <a:p>
+            <a:pPr lvl="3"/>
+            <a:r>
+              <a:rPr lang="fr-FR" smtClean="0"/>
+              <a:t>Quatrième niveau</a:t>
+            </a:r>
+          </a:p>
+          <a:p>
+            <a:pPr lvl="4"/>
+            <a:r>
+              <a:rPr lang="fr-FR" smtClean="0"/>
+              <a:t>Cinquième niveau</a:t>
+            </a:r>
+            <a:endParaRPr lang="en-US"/>
+          </a:p>
+        </p:txBody>
+      </p:sp>
+      <p:sp>
+        <p:nvSpPr>
+          <p:cNvPr id="5" name="Espace réservé du texte 4"/>
+          <p:cNvSpPr>
+            <a:spLocks noGrp="1"/>
+          </p:cNvSpPr>
+          <p:nvPr>
+            <p:ph type="body" sz="quarter" idx="3"/>
+          </p:nvPr>
+        </p:nvSpPr>
+        <p:spPr>
+          <a:xfrm>
+            <a:off x="4645033" y="1151335"/>
+            <a:ext cx="4041775" cy="479822"/>
+          </a:xfrm>
+        </p:spPr>
+        <p:txBody>
+          <a:bodyPr anchor="b"/>
+          <a:lstStyle>
+            <a:lvl1pPr marL="0" indent="0">
+              <a:buNone/>
+              <a:defRPr sz="2400" b="1"/>
+            </a:lvl1pPr>
+            <a:lvl2pPr marL="457200" indent="0">
+              <a:buNone/>
+              <a:defRPr sz="2000" b="1"/>
+            </a:lvl2pPr>
+            <a:lvl3pPr marL="914400" indent="0">
+              <a:buNone/>
+              <a:defRPr sz="1800" b="1"/>
+            </a:lvl3pPr>
+            <a:lvl4pPr marL="1371600" indent="0">
+              <a:buNone/>
+              <a:defRPr sz="1600" b="1"/>
+            </a:lvl4pPr>
+            <a:lvl5pPr marL="1828800" indent="0">
+              <a:buNone/>
+              <a:defRPr sz="1600" b="1"/>
+            </a:lvl5pPr>
+            <a:lvl6pPr marL="2286000" indent="0">
+              <a:buNone/>
+              <a:defRPr sz="1600" b="1"/>
+            </a:lvl6pPr>
+            <a:lvl7pPr marL="2743200" indent="0">
+              <a:buNone/>
+              <a:defRPr sz="1600" b="1"/>
+            </a:lvl7pPr>
+            <a:lvl8pPr marL="3200400" indent="0">
+              <a:buNone/>
+              <a:defRPr sz="1600" b="1"/>
+            </a:lvl8pPr>
+            <a:lvl9pPr marL="3657600" indent="0">
+              <a:buNone/>
+              <a:defRPr sz="1600" b="1"/>
+            </a:lvl9pPr>
+          </a:lstStyle>
+          <a:p>
+            <a:pPr lvl="0"/>
+            <a:r>
+              <a:rPr lang="fr-FR" smtClean="0"/>
+              <a:t>Modifiez les styles du texte du masque</a:t>
+            </a:r>
+          </a:p>
+        </p:txBody>
+      </p:sp>
+      <p:sp>
+        <p:nvSpPr>
+          <p:cNvPr id="6" name="Espace réservé du contenu 5"/>
+          <p:cNvSpPr>
+            <a:spLocks noGrp="1"/>
+          </p:cNvSpPr>
+          <p:nvPr>
+            <p:ph sz="quarter" idx="4"/>
+          </p:nvPr>
+        </p:nvSpPr>
+        <p:spPr>
+          <a:xfrm>
+            <a:off x="4645033" y="1631156"/>
+            <a:ext cx="4041775" cy="2963466"/>
+          </a:xfrm>
+        </p:spPr>
+        <p:txBody>
+          <a:bodyPr/>
+          <a:lstStyle>
+            <a:lvl1pPr>
+              <a:defRPr sz="2400"/>
+            </a:lvl1pPr>
+            <a:lvl2pPr>
+              <a:defRPr sz="2000"/>
+            </a:lvl2pPr>
+            <a:lvl3pPr>
+              <a:defRPr sz="1800"/>
+            </a:lvl3pPr>
+            <a:lvl4pPr>
+              <a:defRPr sz="1600"/>
+            </a:lvl4pPr>
+            <a:lvl5pPr>
+              <a:defRPr sz="1600"/>
+            </a:lvl5pPr>
+            <a:lvl6pPr>
+              <a:defRPr sz="1600"/>
+            </a:lvl6pPr>
+            <a:lvl7pPr>
+              <a:defRPr sz="1600"/>
+            </a:lvl7pPr>
+            <a:lvl8pPr>
+              <a:defRPr sz="1600"/>
+            </a:lvl8pPr>
+            <a:lvl9pPr>
+              <a:defRPr sz="1600"/>
+            </a:lvl9pPr>
+          </a:lstStyle>
+          <a:p>
+            <a:pPr lvl="0"/>
+            <a:r>
+              <a:rPr lang="fr-FR" smtClean="0"/>
+              <a:t>Modifiez les styles du texte du masque</a:t>
+            </a:r>
+          </a:p>
+          <a:p>
+            <a:pPr lvl="1"/>
+            <a:r>
+              <a:rPr lang="fr-FR" smtClean="0"/>
+              <a:t>Deuxième niveau</a:t>
+            </a:r>
+          </a:p>
+          <a:p>
+            <a:pPr lvl="2"/>
+            <a:r>
+              <a:rPr lang="fr-FR" smtClean="0"/>
+              <a:t>Troisième niveau</a:t>
+            </a:r>
+          </a:p>
+          <a:p>
+            <a:pPr lvl="3"/>
+            <a:r>
+              <a:rPr lang="fr-FR" smtClean="0"/>
+              <a:t>Quatrième niveau</a:t>
+            </a:r>
+          </a:p>
+          <a:p>
+            <a:pPr lvl="4"/>
+            <a:r>
+              <a:rPr lang="fr-FR" smtClean="0"/>
+              <a:t>Cinquième niveau</a:t>
+            </a:r>
+            <a:endParaRPr lang="en-US"/>
+          </a:p>
+        </p:txBody>
+      </p:sp>
+      <p:sp>
+        <p:nvSpPr>
+          <p:cNvPr id="7" name="Espace réservé de la date 6"/>
+          <p:cNvSpPr>
+            <a:spLocks noGrp="1"/>
+          </p:cNvSpPr>
+          <p:nvPr>
+            <p:ph type="dt" sz="half" idx="10"/>
+          </p:nvPr>
+        </p:nvSpPr>
+        <p:spPr/>
+        <p:txBody>
+          <a:bodyPr/>
+          <a:lstStyle/>
+          <a:p>
+            <a:fld id="{E196B69F-CA34-4C64-A297-7375B1767767}" type="datetimeFigureOut">
+              <a:rPr lang="en-US" smtClean="0"/>
+              <a:t>1/22/2020</a:t>
+            </a:fld>
+            <a:endParaRPr lang="en-US"/>
+          </a:p>
+        </p:txBody>
+      </p:sp>
+      <p:sp>
+        <p:nvSpPr>
+          <p:cNvPr id="8" name="Espace réservé du pied de page 7"/>
+          <p:cNvSpPr>
+            <a:spLocks noGrp="1"/>
+          </p:cNvSpPr>
+          <p:nvPr>
+            <p:ph type="ftr" sz="quarter" idx="11"/>
+          </p:nvPr>
+        </p:nvSpPr>
+        <p:spPr/>
+        <p:txBody>
+          <a:bodyPr/>
+          <a:lstStyle/>
+          <a:p>
+            <a:endParaRPr lang="en-US"/>
+          </a:p>
+        </p:txBody>
+      </p:sp>
+      <p:sp>
+        <p:nvSpPr>
+          <p:cNvPr id="9" name="Espace réservé du numéro de diapositive 8"/>
+          <p:cNvSpPr>
+            <a:spLocks noGrp="1"/>
+          </p:cNvSpPr>
+          <p:nvPr>
+            <p:ph type="sldNum" sz="quarter" idx="12"/>
+          </p:nvPr>
+        </p:nvSpPr>
+        <p:spPr/>
+        <p:txBody>
+          <a:bodyPr/>
+          <a:lstStyle/>
+          <a:p>
+            <a:fld id="{AF3D009E-5434-4DC6-89DA-FC1D78C45C77}" type="slidenum">
+              <a:rPr lang="en-US" smtClean="0"/>
+              <a:t>‹N°›</a:t>
+            </a:fld>
+            <a:endParaRPr lang="en-US"/>
+          </a:p>
+        </p:txBody>
+      </p:sp>
+    </p:spTree>
+    <p:extLst>
+      <p:ext uri="{BB962C8B-B14F-4D97-AF65-F5344CB8AC3E}">
+        <p14:creationId xmlns:p14="http://schemas.microsoft.com/office/powerpoint/2010/main" val="2285174221"/>
+      </p:ext>
+    </p:extLst>
+  </p:cSld>
+  <p:clrMapOvr>
+    <a:masterClrMapping/>
+  </p:clrMapOvr>
+</p:sldLayout>
+</file>
+
+<file path=ppt/slideLayouts/slideLayout6.xml><?xml version="1.0" encoding="utf-8"?>
+<p:sldLayout xmlns:a="http://schemas.openxmlformats.org/drawingml/2006/main" xmlns:r="http://schemas.openxmlformats.org/officeDocument/2006/relationships" xmlns:p="http://schemas.openxmlformats.org/presentationml/2006/main" type="titleOnly" preserve="1">
+  <p:cSld name="Titre seul">
+    <p:spTree>
+      <p:nvGrpSpPr>
+        <p:cNvPr id="1" name=""/>
+        <p:cNvGrpSpPr/>
+        <p:nvPr/>
+      </p:nvGrpSpPr>
+      <p:grpSpPr>
+        <a:xfrm>
+          <a:off x="0" y="0"/>
+          <a:ext cx="0" cy="0"/>
+          <a:chOff x="0" y="0"/>
+          <a:chExt cx="0" cy="0"/>
+        </a:xfrm>
+      </p:grpSpPr>
+      <p:sp>
+        <p:nvSpPr>
+          <p:cNvPr id="2" name="Titre 1"/>
+          <p:cNvSpPr>
+            <a:spLocks noGrp="1"/>
+          </p:cNvSpPr>
+          <p:nvPr>
+            <p:ph type="title"/>
+          </p:nvPr>
+        </p:nvSpPr>
+        <p:spPr/>
+        <p:txBody>
+          <a:bodyPr/>
+          <a:lstStyle/>
+          <a:p>
+            <a:r>
+              <a:rPr lang="fr-FR" smtClean="0"/>
+              <a:t>Modifiez le style du titre</a:t>
+            </a:r>
+            <a:endParaRPr lang="en-US"/>
+          </a:p>
+        </p:txBody>
+      </p:sp>
+      <p:sp>
+        <p:nvSpPr>
+          <p:cNvPr id="3" name="Espace réservé de la date 2"/>
+          <p:cNvSpPr>
+            <a:spLocks noGrp="1"/>
+          </p:cNvSpPr>
+          <p:nvPr>
+            <p:ph type="dt" sz="half" idx="10"/>
+          </p:nvPr>
+        </p:nvSpPr>
+        <p:spPr/>
+        <p:txBody>
+          <a:bodyPr/>
+          <a:lstStyle/>
+          <a:p>
+            <a:fld id="{E196B69F-CA34-4C64-A297-7375B1767767}" type="datetimeFigureOut">
+              <a:rPr lang="en-US" smtClean="0"/>
+              <a:t>1/22/2020</a:t>
+            </a:fld>
+            <a:endParaRPr lang="en-US"/>
+          </a:p>
+        </p:txBody>
+      </p:sp>
+      <p:sp>
+        <p:nvSpPr>
+          <p:cNvPr id="4" name="Espace réservé du pied de page 3"/>
+          <p:cNvSpPr>
+            <a:spLocks noGrp="1"/>
+          </p:cNvSpPr>
+          <p:nvPr>
+            <p:ph type="ftr" sz="quarter" idx="11"/>
+          </p:nvPr>
+        </p:nvSpPr>
+        <p:spPr/>
+        <p:txBody>
+          <a:bodyPr/>
+          <a:lstStyle/>
+          <a:p>
+            <a:endParaRPr lang="en-US"/>
+          </a:p>
+        </p:txBody>
+      </p:sp>
+      <p:sp>
+        <p:nvSpPr>
+          <p:cNvPr id="5" name="Espace réservé du numéro de diapositive 4"/>
+          <p:cNvSpPr>
+            <a:spLocks noGrp="1"/>
+          </p:cNvSpPr>
+          <p:nvPr>
+            <p:ph type="sldNum" sz="quarter" idx="12"/>
+          </p:nvPr>
+        </p:nvSpPr>
+        <p:spPr/>
+        <p:txBody>
+          <a:bodyPr/>
+          <a:lstStyle/>
+          <a:p>
+            <a:fld id="{AF3D009E-5434-4DC6-89DA-FC1D78C45C77}" type="slidenum">
+              <a:rPr lang="en-US" smtClean="0"/>
+              <a:t>‹N°›</a:t>
+            </a:fld>
+            <a:endParaRPr lang="en-US"/>
+          </a:p>
+        </p:txBody>
+      </p:sp>
+    </p:spTree>
+    <p:extLst>
+      <p:ext uri="{BB962C8B-B14F-4D97-AF65-F5344CB8AC3E}">
+        <p14:creationId xmlns:p14="http://schemas.microsoft.com/office/powerpoint/2010/main" val="1827512748"/>
+      </p:ext>
+    </p:extLst>
+  </p:cSld>
+  <p:clrMapOvr>
+    <a:masterClrMapping/>
+  </p:clrMapOvr>
+</p:sldLayout>
+</file>
+
+<file path=ppt/slideLayouts/slideLayout7.xml><?xml version="1.0" encoding="utf-8"?>
+<p:sldLayout xmlns:a="http://schemas.openxmlformats.org/drawingml/2006/main" xmlns:r="http://schemas.openxmlformats.org/officeDocument/2006/relationships" xmlns:p="http://schemas.openxmlformats.org/presentationml/2006/main" type="blank" preserve="1">
+  <p:cSld name="Vide">
+    <p:spTree>
+      <p:nvGrpSpPr>
+        <p:cNvPr id="1" name=""/>
+        <p:cNvGrpSpPr/>
+        <p:nvPr/>
+      </p:nvGrpSpPr>
+      <p:grpSpPr>
+        <a:xfrm>
+          <a:off x="0" y="0"/>
+          <a:ext cx="0" cy="0"/>
+          <a:chOff x="0" y="0"/>
+          <a:chExt cx="0" cy="0"/>
+        </a:xfrm>
+      </p:grpSpPr>
+      <p:sp>
+        <p:nvSpPr>
+          <p:cNvPr id="2" name="Espace réservé de la date 1"/>
+          <p:cNvSpPr>
+            <a:spLocks noGrp="1"/>
+          </p:cNvSpPr>
+          <p:nvPr>
+            <p:ph type="dt" sz="half" idx="10"/>
+          </p:nvPr>
+        </p:nvSpPr>
+        <p:spPr/>
+        <p:txBody>
+          <a:bodyPr/>
+          <a:lstStyle/>
+          <a:p>
+            <a:fld id="{E196B69F-CA34-4C64-A297-7375B1767767}" type="datetimeFigureOut">
+              <a:rPr lang="en-US" smtClean="0"/>
+              <a:t>1/22/2020</a:t>
+            </a:fld>
+            <a:endParaRPr lang="en-US"/>
+          </a:p>
+        </p:txBody>
+      </p:sp>
+      <p:sp>
+        <p:nvSpPr>
+          <p:cNvPr id="3" name="Espace réservé du pied de page 2"/>
+          <p:cNvSpPr>
+            <a:spLocks noGrp="1"/>
+          </p:cNvSpPr>
+          <p:nvPr>
+            <p:ph type="ftr" sz="quarter" idx="11"/>
+          </p:nvPr>
+        </p:nvSpPr>
+        <p:spPr/>
+        <p:txBody>
+          <a:bodyPr/>
+          <a:lstStyle/>
+          <a:p>
+            <a:endParaRPr lang="en-US"/>
+          </a:p>
+        </p:txBody>
+      </p:sp>
+      <p:sp>
+        <p:nvSpPr>
+          <p:cNvPr id="4" name="Espace réservé du numéro de diapositive 3"/>
+          <p:cNvSpPr>
+            <a:spLocks noGrp="1"/>
+          </p:cNvSpPr>
+          <p:nvPr>
+            <p:ph type="sldNum" sz="quarter" idx="12"/>
+          </p:nvPr>
+        </p:nvSpPr>
+        <p:spPr/>
+        <p:txBody>
+          <a:bodyPr/>
+          <a:lstStyle/>
+          <a:p>
+            <a:fld id="{AF3D009E-5434-4DC6-89DA-FC1D78C45C77}" type="slidenum">
+              <a:rPr lang="en-US" smtClean="0"/>
+              <a:t>‹N°›</a:t>
+            </a:fld>
+            <a:endParaRPr lang="en-US"/>
+          </a:p>
+        </p:txBody>
+      </p:sp>
+    </p:spTree>
+    <p:extLst>
+      <p:ext uri="{BB962C8B-B14F-4D97-AF65-F5344CB8AC3E}">
+        <p14:creationId xmlns:p14="http://schemas.microsoft.com/office/powerpoint/2010/main" val="1362018839"/>
+      </p:ext>
+    </p:extLst>
+  </p:cSld>
+  <p:clrMapOvr>
+    <a:masterClrMapping/>
+  </p:clrMapOvr>
+</p:sldLayout>
+</file>
+
+<file path=ppt/slideLayouts/slideLayout8.xml><?xml version="1.0" encoding="utf-8"?>
+<p:sldLayout xmlns:a="http://schemas.openxmlformats.org/drawingml/2006/main" xmlns:r="http://schemas.openxmlformats.org/officeDocument/2006/relationships" xmlns:p="http://schemas.openxmlformats.org/presentationml/2006/main" type="objTx" preserve="1">
+  <p:cSld name="Contenu avec légende">
+    <p:spTree>
+      <p:nvGrpSpPr>
+        <p:cNvPr id="1" name=""/>
+        <p:cNvGrpSpPr/>
+        <p:nvPr/>
+      </p:nvGrpSpPr>
+      <p:grpSpPr>
+        <a:xfrm>
+          <a:off x="0" y="0"/>
+          <a:ext cx="0" cy="0"/>
+          <a:chOff x="0" y="0"/>
+          <a:chExt cx="0" cy="0"/>
+        </a:xfrm>
+      </p:grpSpPr>
+      <p:sp>
+        <p:nvSpPr>
+          <p:cNvPr id="2" name="Titre 1"/>
+          <p:cNvSpPr>
+            <a:spLocks noGrp="1"/>
+          </p:cNvSpPr>
+          <p:nvPr>
+            <p:ph type="title"/>
+          </p:nvPr>
+        </p:nvSpPr>
+        <p:spPr>
+          <a:xfrm>
+            <a:off x="457215" y="204787"/>
+            <a:ext cx="3008313" cy="871538"/>
+          </a:xfrm>
+        </p:spPr>
+        <p:txBody>
+          <a:bodyPr anchor="b"/>
+          <a:lstStyle>
+            <a:lvl1pPr algn="l">
+              <a:defRPr sz="2000" b="1"/>
+            </a:lvl1pPr>
+          </a:lstStyle>
+          <a:p>
+            <a:r>
+              <a:rPr lang="fr-FR" smtClean="0"/>
+              <a:t>Modifiez le style du titre</a:t>
+            </a:r>
+            <a:endParaRPr lang="en-US"/>
+          </a:p>
+        </p:txBody>
+      </p:sp>
+      <p:sp>
+        <p:nvSpPr>
+          <p:cNvPr id="3" name="Espace réservé du contenu 2"/>
+          <p:cNvSpPr>
+            <a:spLocks noGrp="1"/>
+          </p:cNvSpPr>
+          <p:nvPr>
+            <p:ph idx="1"/>
+          </p:nvPr>
+        </p:nvSpPr>
+        <p:spPr>
+          <a:xfrm>
+            <a:off x="3575050" y="204795"/>
+            <a:ext cx="5111750" cy="4389835"/>
+          </a:xfrm>
+        </p:spPr>
+        <p:txBody>
+          <a:bodyPr/>
+          <a:lstStyle>
+            <a:lvl1pPr>
+              <a:defRPr sz="3200"/>
+            </a:lvl1pPr>
+            <a:lvl2pPr>
+              <a:defRPr sz="2800"/>
+            </a:lvl2pPr>
+            <a:lvl3pPr>
+              <a:defRPr sz="2400"/>
+            </a:lvl3pPr>
+            <a:lvl4pPr>
+              <a:defRPr sz="2000"/>
+            </a:lvl4pPr>
+            <a:lvl5pPr>
+              <a:defRPr sz="2000"/>
+            </a:lvl5pPr>
+            <a:lvl6pPr>
+              <a:defRPr sz="2000"/>
+            </a:lvl6pPr>
+            <a:lvl7pPr>
+              <a:defRPr sz="2000"/>
+            </a:lvl7pPr>
+            <a:lvl8pPr>
+              <a:defRPr sz="2000"/>
+            </a:lvl8pPr>
+            <a:lvl9pPr>
+              <a:defRPr sz="2000"/>
+            </a:lvl9pPr>
+          </a:lstStyle>
+          <a:p>
+            <a:pPr lvl="0"/>
+            <a:r>
+              <a:rPr lang="fr-FR" smtClean="0"/>
+              <a:t>Modifiez les styles du texte du masque</a:t>
+            </a:r>
+          </a:p>
+          <a:p>
+            <a:pPr lvl="1"/>
+            <a:r>
+              <a:rPr lang="fr-FR" smtClean="0"/>
+              <a:t>Deuxième niveau</a:t>
+            </a:r>
+          </a:p>
+          <a:p>
+            <a:pPr lvl="2"/>
+            <a:r>
+              <a:rPr lang="fr-FR" smtClean="0"/>
+              <a:t>Troisième niveau</a:t>
+            </a:r>
+          </a:p>
+          <a:p>
+            <a:pPr lvl="3"/>
+            <a:r>
+              <a:rPr lang="fr-FR" smtClean="0"/>
+              <a:t>Quatrième niveau</a:t>
+            </a:r>
+          </a:p>
+          <a:p>
+            <a:pPr lvl="4"/>
+            <a:r>
+              <a:rPr lang="fr-FR" smtClean="0"/>
+              <a:t>Cinquième niveau</a:t>
+            </a:r>
+            <a:endParaRPr lang="en-US"/>
+          </a:p>
+        </p:txBody>
+      </p:sp>
+      <p:sp>
+        <p:nvSpPr>
+          <p:cNvPr id="4" name="Espace réservé du texte 3"/>
+          <p:cNvSpPr>
+            <a:spLocks noGrp="1"/>
+          </p:cNvSpPr>
+          <p:nvPr>
+            <p:ph type="body" sz="half" idx="2"/>
+          </p:nvPr>
+        </p:nvSpPr>
+        <p:spPr>
+          <a:xfrm>
+            <a:off x="457215" y="1076328"/>
+            <a:ext cx="3008313" cy="3518297"/>
+          </a:xfrm>
+        </p:spPr>
+        <p:txBody>
+          <a:bodyPr/>
+          <a:lstStyle>
+            <a:lvl1pPr marL="0" indent="0">
+              <a:buNone/>
+              <a:defRPr sz="1400"/>
+            </a:lvl1pPr>
+            <a:lvl2pPr marL="457200" indent="0">
+              <a:buNone/>
+              <a:defRPr sz="1200"/>
+            </a:lvl2pPr>
+            <a:lvl3pPr marL="914400" indent="0">
+              <a:buNone/>
+              <a:defRPr sz="1000"/>
+            </a:lvl3pPr>
+            <a:lvl4pPr marL="1371600" indent="0">
+              <a:buNone/>
+              <a:defRPr sz="900"/>
+            </a:lvl4pPr>
+            <a:lvl5pPr marL="1828800" indent="0">
+              <a:buNone/>
+              <a:defRPr sz="900"/>
+            </a:lvl5pPr>
+            <a:lvl6pPr marL="2286000" indent="0">
+              <a:buNone/>
+              <a:defRPr sz="900"/>
+            </a:lvl6pPr>
+            <a:lvl7pPr marL="2743200" indent="0">
+              <a:buNone/>
+              <a:defRPr sz="900"/>
+            </a:lvl7pPr>
+            <a:lvl8pPr marL="3200400" indent="0">
+              <a:buNone/>
+              <a:defRPr sz="900"/>
+            </a:lvl8pPr>
+            <a:lvl9pPr marL="3657600" indent="0">
+              <a:buNone/>
+              <a:defRPr sz="900"/>
+            </a:lvl9pPr>
+          </a:lstStyle>
+          <a:p>
+            <a:pPr lvl="0"/>
+            <a:r>
+              <a:rPr lang="fr-FR" smtClean="0"/>
+              <a:t>Modifiez les styles du texte du masque</a:t>
+            </a:r>
+          </a:p>
+        </p:txBody>
+      </p:sp>
+      <p:sp>
+        <p:nvSpPr>
+          <p:cNvPr id="5" name="Espace réservé de la date 4"/>
+          <p:cNvSpPr>
+            <a:spLocks noGrp="1"/>
+          </p:cNvSpPr>
+          <p:nvPr>
+            <p:ph type="dt" sz="half" idx="10"/>
+          </p:nvPr>
+        </p:nvSpPr>
+        <p:spPr/>
+        <p:txBody>
+          <a:bodyPr/>
+          <a:lstStyle/>
+          <a:p>
+            <a:fld id="{E196B69F-CA34-4C64-A297-7375B1767767}" type="datetimeFigureOut">
+              <a:rPr lang="en-US" smtClean="0"/>
+              <a:t>1/22/2020</a:t>
+            </a:fld>
+            <a:endParaRPr lang="en-US"/>
+          </a:p>
+        </p:txBody>
+      </p:sp>
+      <p:sp>
+        <p:nvSpPr>
+          <p:cNvPr id="6" name="Espace réservé du pied de page 5"/>
+          <p:cNvSpPr>
+            <a:spLocks noGrp="1"/>
+          </p:cNvSpPr>
+          <p:nvPr>
+            <p:ph type="ftr" sz="quarter" idx="11"/>
+          </p:nvPr>
+        </p:nvSpPr>
+        <p:spPr/>
+        <p:txBody>
+          <a:bodyPr/>
+          <a:lstStyle/>
+          <a:p>
+            <a:endParaRPr lang="en-US"/>
+          </a:p>
+        </p:txBody>
+      </p:sp>
+      <p:sp>
+        <p:nvSpPr>
+          <p:cNvPr id="7" name="Espace réservé du numéro de diapositive 6"/>
+          <p:cNvSpPr>
+            <a:spLocks noGrp="1"/>
+          </p:cNvSpPr>
+          <p:nvPr>
+            <p:ph type="sldNum" sz="quarter" idx="12"/>
+          </p:nvPr>
+        </p:nvSpPr>
+        <p:spPr/>
+        <p:txBody>
+          <a:bodyPr/>
+          <a:lstStyle/>
+          <a:p>
+            <a:fld id="{AF3D009E-5434-4DC6-89DA-FC1D78C45C77}" type="slidenum">
+              <a:rPr lang="en-US" smtClean="0"/>
+              <a:t>‹N°›</a:t>
+            </a:fld>
+            <a:endParaRPr lang="en-US"/>
+          </a:p>
+        </p:txBody>
+      </p:sp>
+    </p:spTree>
+    <p:extLst>
+      <p:ext uri="{BB962C8B-B14F-4D97-AF65-F5344CB8AC3E}">
+        <p14:creationId xmlns:p14="http://schemas.microsoft.com/office/powerpoint/2010/main" val="2178572988"/>
+      </p:ext>
+    </p:extLst>
+  </p:cSld>
+  <p:clrMapOvr>
+    <a:masterClrMapping/>
+  </p:clrMapOvr>
+</p:sldLayout>
+</file>
+
+<file path=ppt/slideLayouts/slideLayout9.xml><?xml version="1.0" encoding="utf-8"?>
+<p:sldLayout xmlns:a="http://schemas.openxmlformats.org/drawingml/2006/main" xmlns:r="http://schemas.openxmlformats.org/officeDocument/2006/relationships" xmlns:p="http://schemas.openxmlformats.org/presentationml/2006/main" type="picTx" preserve="1">
+  <p:cSld name="Image avec légende">
+    <p:spTree>
+      <p:nvGrpSpPr>
+        <p:cNvPr id="1" name=""/>
+        <p:cNvGrpSpPr/>
+        <p:nvPr/>
+      </p:nvGrpSpPr>
+      <p:grpSpPr>
+        <a:xfrm>
+          <a:off x="0" y="0"/>
+          <a:ext cx="0" cy="0"/>
+          <a:chOff x="0" y="0"/>
+          <a:chExt cx="0" cy="0"/>
+        </a:xfrm>
+      </p:grpSpPr>
+      <p:sp>
+        <p:nvSpPr>
+          <p:cNvPr id="2" name="Titre 1"/>
+          <p:cNvSpPr>
+            <a:spLocks noGrp="1"/>
+          </p:cNvSpPr>
+          <p:nvPr>
+            <p:ph type="title"/>
+          </p:nvPr>
+        </p:nvSpPr>
+        <p:spPr>
+          <a:xfrm>
+            <a:off x="1792288" y="3600451"/>
+            <a:ext cx="5486400" cy="425054"/>
+          </a:xfrm>
+        </p:spPr>
+        <p:txBody>
+          <a:bodyPr anchor="b"/>
+          <a:lstStyle>
+            <a:lvl1pPr algn="l">
+              <a:defRPr sz="2000" b="1"/>
+            </a:lvl1pPr>
+          </a:lstStyle>
+          <a:p>
+            <a:r>
+              <a:rPr lang="fr-FR" smtClean="0"/>
+              <a:t>Modifiez le style du titre</a:t>
+            </a:r>
+            <a:endParaRPr lang="en-US"/>
+          </a:p>
+        </p:txBody>
+      </p:sp>
+      <p:sp>
+        <p:nvSpPr>
+          <p:cNvPr id="3" name="Espace réservé pour une image  2"/>
+          <p:cNvSpPr>
+            <a:spLocks noGrp="1"/>
+          </p:cNvSpPr>
+          <p:nvPr>
+            <p:ph type="pic" idx="1"/>
+          </p:nvPr>
+        </p:nvSpPr>
+        <p:spPr>
+          <a:xfrm>
+            <a:off x="1792288" y="459581"/>
+            <a:ext cx="5486400" cy="3086100"/>
+          </a:xfrm>
+        </p:spPr>
+        <p:txBody>
+          <a:bodyPr/>
+          <a:lstStyle>
+            <a:lvl1pPr marL="0" indent="0">
+              <a:buNone/>
+              <a:defRPr sz="3200"/>
+            </a:lvl1pPr>
+            <a:lvl2pPr marL="457200" indent="0">
+              <a:buNone/>
+              <a:defRPr sz="2800"/>
+            </a:lvl2pPr>
+            <a:lvl3pPr marL="914400" indent="0">
+              <a:buNone/>
+              <a:defRPr sz="2400"/>
+            </a:lvl3pPr>
+            <a:lvl4pPr marL="1371600" indent="0">
+              <a:buNone/>
+              <a:defRPr sz="2000"/>
+            </a:lvl4pPr>
+            <a:lvl5pPr marL="1828800" indent="0">
+              <a:buNone/>
+              <a:defRPr sz="2000"/>
+            </a:lvl5pPr>
+            <a:lvl6pPr marL="2286000" indent="0">
+              <a:buNone/>
+              <a:defRPr sz="2000"/>
+            </a:lvl6pPr>
+            <a:lvl7pPr marL="2743200" indent="0">
+              <a:buNone/>
+              <a:defRPr sz="2000"/>
+            </a:lvl7pPr>
+            <a:lvl8pPr marL="3200400" indent="0">
+              <a:buNone/>
+              <a:defRPr sz="2000"/>
+            </a:lvl8pPr>
+            <a:lvl9pPr marL="3657600" indent="0">
+              <a:buNone/>
+              <a:defRPr sz="2000"/>
+            </a:lvl9pPr>
+          </a:lstStyle>
+          <a:p>
+            <a:endParaRPr lang="en-US"/>
+          </a:p>
+        </p:txBody>
+      </p:sp>
+      <p:sp>
+        <p:nvSpPr>
+          <p:cNvPr id="4" name="Espace réservé du texte 3"/>
+          <p:cNvSpPr>
+            <a:spLocks noGrp="1"/>
+          </p:cNvSpPr>
+          <p:nvPr>
+            <p:ph type="body" sz="half" idx="2"/>
+          </p:nvPr>
+        </p:nvSpPr>
+        <p:spPr>
+          <a:xfrm>
+            <a:off x="1792288" y="4025510"/>
+            <a:ext cx="5486400" cy="603647"/>
+          </a:xfrm>
+        </p:spPr>
+        <p:txBody>
+          <a:bodyPr/>
+          <a:lstStyle>
+            <a:lvl1pPr marL="0" indent="0">
+              <a:buNone/>
+              <a:defRPr sz="1400"/>
+            </a:lvl1pPr>
+            <a:lvl2pPr marL="457200" indent="0">
+              <a:buNone/>
+              <a:defRPr sz="1200"/>
+            </a:lvl2pPr>
+            <a:lvl3pPr marL="914400" indent="0">
+              <a:buNone/>
+              <a:defRPr sz="1000"/>
+            </a:lvl3pPr>
+            <a:lvl4pPr marL="1371600" indent="0">
+              <a:buNone/>
+              <a:defRPr sz="900"/>
+            </a:lvl4pPr>
+            <a:lvl5pPr marL="1828800" indent="0">
+              <a:buNone/>
+              <a:defRPr sz="900"/>
+            </a:lvl5pPr>
+            <a:lvl6pPr marL="2286000" indent="0">
+              <a:buNone/>
+              <a:defRPr sz="900"/>
+            </a:lvl6pPr>
+            <a:lvl7pPr marL="2743200" indent="0">
+              <a:buNone/>
+              <a:defRPr sz="900"/>
+            </a:lvl7pPr>
+            <a:lvl8pPr marL="3200400" indent="0">
+              <a:buNone/>
+              <a:defRPr sz="900"/>
+            </a:lvl8pPr>
+            <a:lvl9pPr marL="3657600" indent="0">
+              <a:buNone/>
+              <a:defRPr sz="900"/>
+            </a:lvl9pPr>
+          </a:lstStyle>
+          <a:p>
+            <a:pPr lvl="0"/>
+            <a:r>
+              <a:rPr lang="fr-FR" smtClean="0"/>
+              <a:t>Modifiez les styles du texte du masque</a:t>
+            </a:r>
+          </a:p>
+        </p:txBody>
+      </p:sp>
+      <p:sp>
+        <p:nvSpPr>
+          <p:cNvPr id="5" name="Espace réservé de la date 4"/>
+          <p:cNvSpPr>
+            <a:spLocks noGrp="1"/>
+          </p:cNvSpPr>
+          <p:nvPr>
+            <p:ph type="dt" sz="half" idx="10"/>
+          </p:nvPr>
+        </p:nvSpPr>
+        <p:spPr/>
+        <p:txBody>
+          <a:bodyPr/>
+          <a:lstStyle/>
+          <a:p>
+            <a:fld id="{E196B69F-CA34-4C64-A297-7375B1767767}" type="datetimeFigureOut">
+              <a:rPr lang="en-US" smtClean="0"/>
+              <a:t>1/22/2020</a:t>
             </a:fld>
             <a:endParaRPr lang="en-US"/>
           </a:p>
@@ -3233,7 +6050,7 @@
           <a:p>
             <a:fld id="{E196B69F-CA34-4C64-A297-7375B1767767}" type="datetimeFigureOut">
               <a:rPr lang="en-US" smtClean="0"/>
-              <a:t>1/18/2020</a:t>
+              <a:t>1/22/2020</a:t>
             </a:fld>
             <a:endParaRPr lang="en-US"/>
           </a:p>
@@ -3591,6 +6408,548 @@
 </p:sldMaster>
 </file>
 
+<file path=ppt/slideMasters/slideMaster2.xml><?xml version="1.0" encoding="utf-8"?>
+<p:sldMaster xmlns:a="http://schemas.openxmlformats.org/drawingml/2006/main" xmlns:r="http://schemas.openxmlformats.org/officeDocument/2006/relationships" xmlns:p="http://schemas.openxmlformats.org/presentationml/2006/main">
+  <p:cSld>
+    <p:bg>
+      <p:bgRef idx="1001">
+        <a:schemeClr val="bg1"/>
+      </p:bgRef>
+    </p:bg>
+    <p:spTree>
+      <p:nvGrpSpPr>
+        <p:cNvPr id="1" name=""/>
+        <p:cNvGrpSpPr/>
+        <p:nvPr/>
+      </p:nvGrpSpPr>
+      <p:grpSpPr>
+        <a:xfrm>
+          <a:off x="0" y="0"/>
+          <a:ext cx="0" cy="0"/>
+          <a:chOff x="0" y="0"/>
+          <a:chExt cx="0" cy="0"/>
+        </a:xfrm>
+      </p:grpSpPr>
+      <p:sp>
+        <p:nvSpPr>
+          <p:cNvPr id="2" name="Espace réservé du titre 1"/>
+          <p:cNvSpPr>
+            <a:spLocks noGrp="1"/>
+          </p:cNvSpPr>
+          <p:nvPr>
+            <p:ph type="title"/>
+          </p:nvPr>
+        </p:nvSpPr>
+        <p:spPr>
+          <a:xfrm>
+            <a:off x="457200" y="205979"/>
+            <a:ext cx="8229600" cy="857250"/>
+          </a:xfrm>
+          <a:prstGeom prst="rect">
+            <a:avLst/>
+          </a:prstGeom>
+        </p:spPr>
+        <p:txBody>
+          <a:bodyPr vert="horz" lIns="91440" tIns="45720" rIns="91440" bIns="45720" rtlCol="0" anchor="ctr">
+            <a:normAutofit/>
+          </a:bodyPr>
+          <a:lstStyle/>
+          <a:p>
+            <a:r>
+              <a:rPr lang="fr-FR" smtClean="0"/>
+              <a:t>Modifiez le style du titre</a:t>
+            </a:r>
+            <a:endParaRPr lang="en-US"/>
+          </a:p>
+        </p:txBody>
+      </p:sp>
+      <p:sp>
+        <p:nvSpPr>
+          <p:cNvPr id="3" name="Espace réservé du texte 2"/>
+          <p:cNvSpPr>
+            <a:spLocks noGrp="1"/>
+          </p:cNvSpPr>
+          <p:nvPr>
+            <p:ph type="body" idx="1"/>
+          </p:nvPr>
+        </p:nvSpPr>
+        <p:spPr>
+          <a:xfrm>
+            <a:off x="457200" y="1200151"/>
+            <a:ext cx="8229600" cy="3394472"/>
+          </a:xfrm>
+          <a:prstGeom prst="rect">
+            <a:avLst/>
+          </a:prstGeom>
+        </p:spPr>
+        <p:txBody>
+          <a:bodyPr vert="horz" lIns="91440" tIns="45720" rIns="91440" bIns="45720" rtlCol="0">
+            <a:normAutofit/>
+          </a:bodyPr>
+          <a:lstStyle/>
+          <a:p>
+            <a:pPr lvl="0"/>
+            <a:r>
+              <a:rPr lang="fr-FR" smtClean="0"/>
+              <a:t>Modifiez les styles du texte du masque</a:t>
+            </a:r>
+          </a:p>
+          <a:p>
+            <a:pPr lvl="1"/>
+            <a:r>
+              <a:rPr lang="fr-FR" smtClean="0"/>
+              <a:t>Deuxième niveau</a:t>
+            </a:r>
+          </a:p>
+          <a:p>
+            <a:pPr lvl="2"/>
+            <a:r>
+              <a:rPr lang="fr-FR" smtClean="0"/>
+              <a:t>Troisième niveau</a:t>
+            </a:r>
+          </a:p>
+          <a:p>
+            <a:pPr lvl="3"/>
+            <a:r>
+              <a:rPr lang="fr-FR" smtClean="0"/>
+              <a:t>Quatrième niveau</a:t>
+            </a:r>
+          </a:p>
+          <a:p>
+            <a:pPr lvl="4"/>
+            <a:r>
+              <a:rPr lang="fr-FR" smtClean="0"/>
+              <a:t>Cinquième niveau</a:t>
+            </a:r>
+            <a:endParaRPr lang="en-US"/>
+          </a:p>
+        </p:txBody>
+      </p:sp>
+      <p:sp>
+        <p:nvSpPr>
+          <p:cNvPr id="4" name="Espace réservé de la date 3"/>
+          <p:cNvSpPr>
+            <a:spLocks noGrp="1"/>
+          </p:cNvSpPr>
+          <p:nvPr>
+            <p:ph type="dt" sz="half" idx="2"/>
+          </p:nvPr>
+        </p:nvSpPr>
+        <p:spPr>
+          <a:xfrm>
+            <a:off x="457200" y="4767263"/>
+            <a:ext cx="2133600" cy="273844"/>
+          </a:xfrm>
+          <a:prstGeom prst="rect">
+            <a:avLst/>
+          </a:prstGeom>
+        </p:spPr>
+        <p:txBody>
+          <a:bodyPr vert="horz" lIns="91440" tIns="45720" rIns="91440" bIns="45720" rtlCol="0" anchor="ctr"/>
+          <a:lstStyle>
+            <a:lvl1pPr algn="l">
+              <a:defRPr sz="1200">
+                <a:solidFill>
+                  <a:schemeClr val="tx1">
+                    <a:tint val="75000"/>
+                  </a:schemeClr>
+                </a:solidFill>
+              </a:defRPr>
+            </a:lvl1pPr>
+          </a:lstStyle>
+          <a:p>
+            <a:fld id="{E196B69F-CA34-4C64-A297-7375B1767767}" type="datetimeFigureOut">
+              <a:rPr lang="en-US" smtClean="0">
+                <a:solidFill>
+                  <a:prstClr val="black">
+                    <a:tint val="75000"/>
+                  </a:prstClr>
+                </a:solidFill>
+              </a:rPr>
+              <a:pPr/>
+              <a:t>1/22/2020</a:t>
+            </a:fld>
+            <a:endParaRPr lang="en-US">
+              <a:solidFill>
+                <a:prstClr val="black">
+                  <a:tint val="75000"/>
+                </a:prstClr>
+              </a:solidFill>
+            </a:endParaRPr>
+          </a:p>
+        </p:txBody>
+      </p:sp>
+      <p:sp>
+        <p:nvSpPr>
+          <p:cNvPr id="5" name="Espace réservé du pied de page 4"/>
+          <p:cNvSpPr>
+            <a:spLocks noGrp="1"/>
+          </p:cNvSpPr>
+          <p:nvPr>
+            <p:ph type="ftr" sz="quarter" idx="3"/>
+          </p:nvPr>
+        </p:nvSpPr>
+        <p:spPr>
+          <a:xfrm>
+            <a:off x="3124200" y="4767263"/>
+            <a:ext cx="2895600" cy="273844"/>
+          </a:xfrm>
+          <a:prstGeom prst="rect">
+            <a:avLst/>
+          </a:prstGeom>
+        </p:spPr>
+        <p:txBody>
+          <a:bodyPr vert="horz" lIns="91440" tIns="45720" rIns="91440" bIns="45720" rtlCol="0" anchor="ctr"/>
+          <a:lstStyle>
+            <a:lvl1pPr algn="ctr">
+              <a:defRPr sz="1200">
+                <a:solidFill>
+                  <a:schemeClr val="tx1">
+                    <a:tint val="75000"/>
+                  </a:schemeClr>
+                </a:solidFill>
+              </a:defRPr>
+            </a:lvl1pPr>
+          </a:lstStyle>
+          <a:p>
+            <a:endParaRPr lang="en-US">
+              <a:solidFill>
+                <a:prstClr val="black">
+                  <a:tint val="75000"/>
+                </a:prstClr>
+              </a:solidFill>
+            </a:endParaRPr>
+          </a:p>
+        </p:txBody>
+      </p:sp>
+      <p:sp>
+        <p:nvSpPr>
+          <p:cNvPr id="6" name="Espace réservé du numéro de diapositive 5"/>
+          <p:cNvSpPr>
+            <a:spLocks noGrp="1"/>
+          </p:cNvSpPr>
+          <p:nvPr>
+            <p:ph type="sldNum" sz="quarter" idx="4"/>
+          </p:nvPr>
+        </p:nvSpPr>
+        <p:spPr>
+          <a:xfrm>
+            <a:off x="6553200" y="4767263"/>
+            <a:ext cx="2133600" cy="273844"/>
+          </a:xfrm>
+          <a:prstGeom prst="rect">
+            <a:avLst/>
+          </a:prstGeom>
+        </p:spPr>
+        <p:txBody>
+          <a:bodyPr vert="horz" lIns="91440" tIns="45720" rIns="91440" bIns="45720" rtlCol="0" anchor="ctr"/>
+          <a:lstStyle>
+            <a:lvl1pPr algn="r">
+              <a:defRPr sz="1200">
+                <a:solidFill>
+                  <a:schemeClr val="tx1">
+                    <a:tint val="75000"/>
+                  </a:schemeClr>
+                </a:solidFill>
+              </a:defRPr>
+            </a:lvl1pPr>
+          </a:lstStyle>
+          <a:p>
+            <a:fld id="{AF3D009E-5434-4DC6-89DA-FC1D78C45C77}" type="slidenum">
+              <a:rPr lang="en-US" smtClean="0">
+                <a:solidFill>
+                  <a:prstClr val="black">
+                    <a:tint val="75000"/>
+                  </a:prstClr>
+                </a:solidFill>
+              </a:rPr>
+              <a:pPr/>
+              <a:t>‹N°›</a:t>
+            </a:fld>
+            <a:endParaRPr lang="en-US">
+              <a:solidFill>
+                <a:prstClr val="black">
+                  <a:tint val="75000"/>
+                </a:prstClr>
+              </a:solidFill>
+            </a:endParaRPr>
+          </a:p>
+        </p:txBody>
+      </p:sp>
+    </p:spTree>
+    <p:extLst>
+      <p:ext uri="{BB962C8B-B14F-4D97-AF65-F5344CB8AC3E}">
+        <p14:creationId xmlns:p14="http://schemas.microsoft.com/office/powerpoint/2010/main" val="2065956205"/>
+      </p:ext>
+    </p:extLst>
+  </p:cSld>
+  <p:clrMap bg1="lt1" tx1="dk1" bg2="lt2" tx2="dk2" accent1="accent1" accent2="accent2" accent3="accent3" accent4="accent4" accent5="accent5" accent6="accent6" hlink="hlink" folHlink="folHlink"/>
+  <p:sldLayoutIdLst>
+    <p:sldLayoutId id="2147483661" r:id="rId1"/>
+    <p:sldLayoutId id="2147483662" r:id="rId2"/>
+    <p:sldLayoutId id="2147483663" r:id="rId3"/>
+    <p:sldLayoutId id="2147483664" r:id="rId4"/>
+    <p:sldLayoutId id="2147483665" r:id="rId5"/>
+    <p:sldLayoutId id="2147483666" r:id="rId6"/>
+    <p:sldLayoutId id="2147483667" r:id="rId7"/>
+    <p:sldLayoutId id="2147483668" r:id="rId8"/>
+    <p:sldLayoutId id="2147483669" r:id="rId9"/>
+    <p:sldLayoutId id="2147483670" r:id="rId10"/>
+    <p:sldLayoutId id="2147483671" r:id="rId11"/>
+  </p:sldLayoutIdLst>
+  <p:txStyles>
+    <p:titleStyle>
+      <a:lvl1pPr algn="ctr" defTabSz="914400" rtl="0" eaLnBrk="1" latinLnBrk="0" hangingPunct="1">
+        <a:spcBef>
+          <a:spcPct val="0"/>
+        </a:spcBef>
+        <a:buNone/>
+        <a:defRPr sz="4400" kern="1200">
+          <a:solidFill>
+            <a:schemeClr val="tx1"/>
+          </a:solidFill>
+          <a:latin typeface="+mj-lt"/>
+          <a:ea typeface="+mj-ea"/>
+          <a:cs typeface="+mj-cs"/>
+        </a:defRPr>
+      </a:lvl1pPr>
+    </p:titleStyle>
+    <p:bodyStyle>
+      <a:lvl1pPr marL="342900" indent="-342900" algn="l" defTabSz="914400" rtl="0" eaLnBrk="1" latinLnBrk="0" hangingPunct="1">
+        <a:spcBef>
+          <a:spcPct val="20000"/>
+        </a:spcBef>
+        <a:buFont typeface="Arial" panose="020B0604020202020204" pitchFamily="34" charset="0"/>
+        <a:buChar char="•"/>
+        <a:defRPr sz="3200" kern="1200">
+          <a:solidFill>
+            <a:schemeClr val="tx1"/>
+          </a:solidFill>
+          <a:latin typeface="+mn-lt"/>
+          <a:ea typeface="+mn-ea"/>
+          <a:cs typeface="+mn-cs"/>
+        </a:defRPr>
+      </a:lvl1pPr>
+      <a:lvl2pPr marL="742950" indent="-285750" algn="l" defTabSz="914400" rtl="0" eaLnBrk="1" latinLnBrk="0" hangingPunct="1">
+        <a:spcBef>
+          <a:spcPct val="20000"/>
+        </a:spcBef>
+        <a:buFont typeface="Arial" panose="020B0604020202020204" pitchFamily="34" charset="0"/>
+        <a:buChar char="–"/>
+        <a:defRPr sz="2800" kern="1200">
+          <a:solidFill>
+            <a:schemeClr val="tx1"/>
+          </a:solidFill>
+          <a:latin typeface="+mn-lt"/>
+          <a:ea typeface="+mn-ea"/>
+          <a:cs typeface="+mn-cs"/>
+        </a:defRPr>
+      </a:lvl2pPr>
+      <a:lvl3pPr marL="1143000" indent="-228600" algn="l" defTabSz="914400" rtl="0" eaLnBrk="1" latinLnBrk="0" hangingPunct="1">
+        <a:spcBef>
+          <a:spcPct val="20000"/>
+        </a:spcBef>
+        <a:buFont typeface="Arial" panose="020B0604020202020204" pitchFamily="34" charset="0"/>
+        <a:buChar char="•"/>
+        <a:defRPr sz="2400" kern="1200">
+          <a:solidFill>
+            <a:schemeClr val="tx1"/>
+          </a:solidFill>
+          <a:latin typeface="+mn-lt"/>
+          <a:ea typeface="+mn-ea"/>
+          <a:cs typeface="+mn-cs"/>
+        </a:defRPr>
+      </a:lvl3pPr>
+      <a:lvl4pPr marL="1600200" indent="-228600" algn="l" defTabSz="914400" rtl="0" eaLnBrk="1" latinLnBrk="0" hangingPunct="1">
+        <a:spcBef>
+          <a:spcPct val="20000"/>
+        </a:spcBef>
+        <a:buFont typeface="Arial" panose="020B0604020202020204" pitchFamily="34" charset="0"/>
+        <a:buChar char="–"/>
+        <a:defRPr sz="2000" kern="1200">
+          <a:solidFill>
+            <a:schemeClr val="tx1"/>
+          </a:solidFill>
+          <a:latin typeface="+mn-lt"/>
+          <a:ea typeface="+mn-ea"/>
+          <a:cs typeface="+mn-cs"/>
+        </a:defRPr>
+      </a:lvl4pPr>
+      <a:lvl5pPr marL="2057400" indent="-228600" algn="l" defTabSz="914400" rtl="0" eaLnBrk="1" latinLnBrk="0" hangingPunct="1">
+        <a:spcBef>
+          <a:spcPct val="20000"/>
+        </a:spcBef>
+        <a:buFont typeface="Arial" panose="020B0604020202020204" pitchFamily="34" charset="0"/>
+        <a:buChar char="»"/>
+        <a:defRPr sz="2000" kern="1200">
+          <a:solidFill>
+            <a:schemeClr val="tx1"/>
+          </a:solidFill>
+          <a:latin typeface="+mn-lt"/>
+          <a:ea typeface="+mn-ea"/>
+          <a:cs typeface="+mn-cs"/>
+        </a:defRPr>
+      </a:lvl5pPr>
+      <a:lvl6pPr marL="2514600" indent="-228600" algn="l" defTabSz="914400" rtl="0" eaLnBrk="1" latinLnBrk="0" hangingPunct="1">
+        <a:spcBef>
+          <a:spcPct val="20000"/>
+        </a:spcBef>
+        <a:buFont typeface="Arial" panose="020B0604020202020204" pitchFamily="34" charset="0"/>
+        <a:buChar char="•"/>
+        <a:defRPr sz="2000" kern="1200">
+          <a:solidFill>
+            <a:schemeClr val="tx1"/>
+          </a:solidFill>
+          <a:latin typeface="+mn-lt"/>
+          <a:ea typeface="+mn-ea"/>
+          <a:cs typeface="+mn-cs"/>
+        </a:defRPr>
+      </a:lvl6pPr>
+      <a:lvl7pPr marL="2971800" indent="-228600" algn="l" defTabSz="914400" rtl="0" eaLnBrk="1" latinLnBrk="0" hangingPunct="1">
+        <a:spcBef>
+          <a:spcPct val="20000"/>
+        </a:spcBef>
+        <a:buFont typeface="Arial" panose="020B0604020202020204" pitchFamily="34" charset="0"/>
+        <a:buChar char="•"/>
+        <a:defRPr sz="2000" kern="1200">
+          <a:solidFill>
+            <a:schemeClr val="tx1"/>
+          </a:solidFill>
+          <a:latin typeface="+mn-lt"/>
+          <a:ea typeface="+mn-ea"/>
+          <a:cs typeface="+mn-cs"/>
+        </a:defRPr>
+      </a:lvl7pPr>
+      <a:lvl8pPr marL="3429000" indent="-228600" algn="l" defTabSz="914400" rtl="0" eaLnBrk="1" latinLnBrk="0" hangingPunct="1">
+        <a:spcBef>
+          <a:spcPct val="20000"/>
+        </a:spcBef>
+        <a:buFont typeface="Arial" panose="020B0604020202020204" pitchFamily="34" charset="0"/>
+        <a:buChar char="•"/>
+        <a:defRPr sz="2000" kern="1200">
+          <a:solidFill>
+            <a:schemeClr val="tx1"/>
+          </a:solidFill>
+          <a:latin typeface="+mn-lt"/>
+          <a:ea typeface="+mn-ea"/>
+          <a:cs typeface="+mn-cs"/>
+        </a:defRPr>
+      </a:lvl8pPr>
+      <a:lvl9pPr marL="3886200" indent="-228600" algn="l" defTabSz="914400" rtl="0" eaLnBrk="1" latinLnBrk="0" hangingPunct="1">
+        <a:spcBef>
+          <a:spcPct val="20000"/>
+        </a:spcBef>
+        <a:buFont typeface="Arial" panose="020B0604020202020204" pitchFamily="34" charset="0"/>
+        <a:buChar char="•"/>
+        <a:defRPr sz="2000" kern="1200">
+          <a:solidFill>
+            <a:schemeClr val="tx1"/>
+          </a:solidFill>
+          <a:latin typeface="+mn-lt"/>
+          <a:ea typeface="+mn-ea"/>
+          <a:cs typeface="+mn-cs"/>
+        </a:defRPr>
+      </a:lvl9pPr>
+    </p:bodyStyle>
+    <p:otherStyle>
+      <a:defPPr>
+        <a:defRPr lang="en-US"/>
+      </a:defPPr>
+      <a:lvl1pPr marL="0" algn="l" defTabSz="914400" rtl="0" eaLnBrk="1" latinLnBrk="0" hangingPunct="1">
+        <a:defRPr sz="1800" kern="1200">
+          <a:solidFill>
+            <a:schemeClr val="tx1"/>
+          </a:solidFill>
+          <a:latin typeface="+mn-lt"/>
+          <a:ea typeface="+mn-ea"/>
+          <a:cs typeface="+mn-cs"/>
+        </a:defRPr>
+      </a:lvl1pPr>
+      <a:lvl2pPr marL="457200" algn="l" defTabSz="914400" rtl="0" eaLnBrk="1" latinLnBrk="0" hangingPunct="1">
+        <a:defRPr sz="1800" kern="1200">
+          <a:solidFill>
+            <a:schemeClr val="tx1"/>
+          </a:solidFill>
+          <a:latin typeface="+mn-lt"/>
+          <a:ea typeface="+mn-ea"/>
+          <a:cs typeface="+mn-cs"/>
+        </a:defRPr>
+      </a:lvl2pPr>
+      <a:lvl3pPr marL="914400" algn="l" defTabSz="914400" rtl="0" eaLnBrk="1" latinLnBrk="0" hangingPunct="1">
+        <a:defRPr sz="1800" kern="1200">
+          <a:solidFill>
+            <a:schemeClr val="tx1"/>
+          </a:solidFill>
+          <a:latin typeface="+mn-lt"/>
+          <a:ea typeface="+mn-ea"/>
+          <a:cs typeface="+mn-cs"/>
+        </a:defRPr>
+      </a:lvl3pPr>
+      <a:lvl4pPr marL="1371600" algn="l" defTabSz="914400" rtl="0" eaLnBrk="1" latinLnBrk="0" hangingPunct="1">
+        <a:defRPr sz="1800" kern="1200">
+          <a:solidFill>
+            <a:schemeClr val="tx1"/>
+          </a:solidFill>
+          <a:latin typeface="+mn-lt"/>
+          <a:ea typeface="+mn-ea"/>
+          <a:cs typeface="+mn-cs"/>
+        </a:defRPr>
+      </a:lvl4pPr>
+      <a:lvl5pPr marL="1828800" algn="l" defTabSz="914400" rtl="0" eaLnBrk="1" latinLnBrk="0" hangingPunct="1">
+        <a:defRPr sz="1800" kern="1200">
+          <a:solidFill>
+            <a:schemeClr val="tx1"/>
+          </a:solidFill>
+          <a:latin typeface="+mn-lt"/>
+          <a:ea typeface="+mn-ea"/>
+          <a:cs typeface="+mn-cs"/>
+        </a:defRPr>
+      </a:lvl5pPr>
+      <a:lvl6pPr marL="2286000" algn="l" defTabSz="914400" rtl="0" eaLnBrk="1" latinLnBrk="0" hangingPunct="1">
+        <a:defRPr sz="1800" kern="1200">
+          <a:solidFill>
+            <a:schemeClr val="tx1"/>
+          </a:solidFill>
+          <a:latin typeface="+mn-lt"/>
+          <a:ea typeface="+mn-ea"/>
+          <a:cs typeface="+mn-cs"/>
+        </a:defRPr>
+      </a:lvl6pPr>
+      <a:lvl7pPr marL="2743200" algn="l" defTabSz="914400" rtl="0" eaLnBrk="1" latinLnBrk="0" hangingPunct="1">
+        <a:defRPr sz="1800" kern="1200">
+          <a:solidFill>
+            <a:schemeClr val="tx1"/>
+          </a:solidFill>
+          <a:latin typeface="+mn-lt"/>
+          <a:ea typeface="+mn-ea"/>
+          <a:cs typeface="+mn-cs"/>
+        </a:defRPr>
+      </a:lvl7pPr>
+      <a:lvl8pPr marL="3200400" algn="l" defTabSz="914400" rtl="0" eaLnBrk="1" latinLnBrk="0" hangingPunct="1">
+        <a:defRPr sz="1800" kern="1200">
+          <a:solidFill>
+            <a:schemeClr val="tx1"/>
+          </a:solidFill>
+          <a:latin typeface="+mn-lt"/>
+          <a:ea typeface="+mn-ea"/>
+          <a:cs typeface="+mn-cs"/>
+        </a:defRPr>
+      </a:lvl8pPr>
+      <a:lvl9pPr marL="3657600" algn="l" defTabSz="914400" rtl="0" eaLnBrk="1" latinLnBrk="0" hangingPunct="1">
+        <a:defRPr sz="1800" kern="1200">
+          <a:solidFill>
+            <a:schemeClr val="tx1"/>
+          </a:solidFill>
+          <a:latin typeface="+mn-lt"/>
+          <a:ea typeface="+mn-ea"/>
+          <a:cs typeface="+mn-cs"/>
+        </a:defRPr>
+      </a:lvl9pPr>
+    </p:otherStyle>
+  </p:txStyles>
+</p:sldMaster>
+</file>
+
 <file path=ppt/slides/slide1.xml><?xml version="1.0" encoding="utf-8"?>
 <p:sld xmlns:a="http://schemas.openxmlformats.org/drawingml/2006/main" xmlns:r="http://schemas.openxmlformats.org/officeDocument/2006/relationships" xmlns:p="http://schemas.openxmlformats.org/presentationml/2006/main">
   <p:cSld>
@@ -3813,58 +7172,494 @@
           <a:lstStyle/>
           <a:p>
             <a:r>
-              <a:rPr lang="fr-FR" dirty="0" err="1" smtClean="0"/>
-              <a:t>Computational</a:t>
-            </a:r>
-            <a:r>
               <a:rPr lang="fr-FR" dirty="0" smtClean="0"/>
-              <a:t> graph</a:t>
+              <a:t>MLP architecture</a:t>
             </a:r>
             <a:endParaRPr lang="en-US" dirty="0"/>
           </a:p>
         </p:txBody>
       </p:sp>
-      <p:pic>
-        <p:nvPicPr>
-          <p:cNvPr id="4" name="Picture 2" descr="http://ufldl.stanford.edu/tutorial/images/Network3322.png"/>
-          <p:cNvPicPr>
-            <a:picLocks noChangeAspect="1" noChangeArrowheads="1"/>
-          </p:cNvPicPr>
+      <p:grpSp>
+        <p:nvGrpSpPr>
+          <p:cNvPr id="24" name="Groupe 23"/>
+          <p:cNvGrpSpPr/>
           <p:nvPr/>
-        </p:nvPicPr>
-        <p:blipFill>
-          <a:blip r:embed="rId2" cstate="print">
+        </p:nvGrpSpPr>
+        <p:grpSpPr>
+          <a:xfrm>
+            <a:off x="1079101" y="1203598"/>
+            <a:ext cx="7399053" cy="3616335"/>
+            <a:chOff x="1259632" y="1203598"/>
+            <a:chExt cx="7399053" cy="3616335"/>
+          </a:xfrm>
+        </p:grpSpPr>
+        <p:pic>
+          <p:nvPicPr>
+            <p:cNvPr id="25" name="Picture 2" descr="http://ufldl.stanford.edu/tutorial/images/Network3322.png"/>
+            <p:cNvPicPr>
+              <a:picLocks noChangeAspect="1" noChangeArrowheads="1"/>
+            </p:cNvPicPr>
+            <p:nvPr/>
+          </p:nvPicPr>
+          <p:blipFill>
+            <a:blip r:embed="rId2" cstate="print">
+              <a:extLst>
+                <a:ext uri="{28A0092B-C50C-407E-A947-70E740481C1C}">
+                  <a14:useLocalDpi xmlns:a14="http://schemas.microsoft.com/office/drawing/2010/main" val="0"/>
+                </a:ext>
+              </a:extLst>
+            </a:blip>
+            <a:srcRect/>
+            <a:stretch>
+              <a:fillRect/>
+            </a:stretch>
+          </p:blipFill>
+          <p:spPr bwMode="auto">
+            <a:xfrm>
+              <a:off x="1259632" y="1203598"/>
+              <a:ext cx="6552728" cy="3276016"/>
+            </a:xfrm>
+            <a:prstGeom prst="rect">
+              <a:avLst/>
+            </a:prstGeom>
+            <a:noFill/>
             <a:extLst>
-              <a:ext uri="{28A0092B-C50C-407E-A947-70E740481C1C}">
-                <a14:useLocalDpi xmlns:a14="http://schemas.microsoft.com/office/drawing/2010/main" val="0"/>
+              <a:ext uri="{909E8E84-426E-40DD-AFC4-6F175D3DCCD1}">
+                <a14:hiddenFill xmlns:a14="http://schemas.microsoft.com/office/drawing/2010/main">
+                  <a:solidFill>
+                    <a:srgbClr val="FFFFFF"/>
+                  </a:solidFill>
+                </a14:hiddenFill>
               </a:ext>
             </a:extLst>
-          </a:blip>
-          <a:srcRect/>
-          <a:stretch>
-            <a:fillRect/>
-          </a:stretch>
-        </p:blipFill>
-        <p:spPr bwMode="auto">
-          <a:xfrm>
-            <a:off x="2411760" y="1203598"/>
-            <a:ext cx="4176908" cy="2088232"/>
-          </a:xfrm>
-          <a:prstGeom prst="rect">
-            <a:avLst/>
-          </a:prstGeom>
-          <a:noFill/>
-          <a:extLst>
-            <a:ext uri="{909E8E84-426E-40DD-AFC4-6F175D3DCCD1}">
-              <a14:hiddenFill xmlns:a14="http://schemas.microsoft.com/office/drawing/2010/main">
-                <a:solidFill>
-                  <a:srgbClr val="FFFFFF"/>
-                </a:solidFill>
-              </a14:hiddenFill>
-            </a:ext>
-          </a:extLst>
-        </p:spPr>
-      </p:pic>
+          </p:spPr>
+        </p:pic>
+        <p:sp>
+          <p:nvSpPr>
+            <p:cNvPr id="26" name="Rectangle 25"/>
+            <p:cNvSpPr/>
+            <p:nvPr/>
+          </p:nvSpPr>
+          <p:spPr>
+            <a:xfrm>
+              <a:off x="6876256" y="1831525"/>
+              <a:ext cx="1080120" cy="1584176"/>
+            </a:xfrm>
+            <a:prstGeom prst="rect">
+              <a:avLst/>
+            </a:prstGeom>
+            <a:solidFill>
+              <a:schemeClr val="bg1"/>
+            </a:solidFill>
+            <a:ln>
+              <a:solidFill>
+                <a:schemeClr val="bg1"/>
+              </a:solidFill>
+            </a:ln>
+          </p:spPr>
+          <p:style>
+            <a:lnRef idx="2">
+              <a:schemeClr val="accent1">
+                <a:shade val="50000"/>
+              </a:schemeClr>
+            </a:lnRef>
+            <a:fillRef idx="1">
+              <a:schemeClr val="accent1"/>
+            </a:fillRef>
+            <a:effectRef idx="0">
+              <a:schemeClr val="accent1"/>
+            </a:effectRef>
+            <a:fontRef idx="minor">
+              <a:schemeClr val="lt1"/>
+            </a:fontRef>
+          </p:style>
+          <p:txBody>
+            <a:bodyPr rtlCol="0" anchor="ctr"/>
+            <a:lstStyle/>
+            <a:p>
+              <a:pPr algn="ctr"/>
+              <a:endParaRPr lang="en-US"/>
+            </a:p>
+          </p:txBody>
+        </p:sp>
+        <p:sp>
+          <p:nvSpPr>
+            <p:cNvPr id="27" name="Ellipse 26"/>
+            <p:cNvSpPr/>
+            <p:nvPr/>
+          </p:nvSpPr>
+          <p:spPr>
+            <a:xfrm>
+              <a:off x="7236296" y="2283718"/>
+              <a:ext cx="720080" cy="679791"/>
+            </a:xfrm>
+            <a:prstGeom prst="ellipse">
+              <a:avLst/>
+            </a:prstGeom>
+          </p:spPr>
+          <p:style>
+            <a:lnRef idx="2">
+              <a:schemeClr val="accent6"/>
+            </a:lnRef>
+            <a:fillRef idx="1">
+              <a:schemeClr val="lt1"/>
+            </a:fillRef>
+            <a:effectRef idx="0">
+              <a:schemeClr val="accent6"/>
+            </a:effectRef>
+            <a:fontRef idx="minor">
+              <a:schemeClr val="dk1"/>
+            </a:fontRef>
+          </p:style>
+          <p:txBody>
+            <a:bodyPr rtlCol="0" anchor="ctr"/>
+            <a:lstStyle/>
+            <a:p>
+              <a:pPr algn="ctr"/>
+              <a:endParaRPr lang="en-US"/>
+            </a:p>
+          </p:txBody>
+        </p:sp>
+        <p:cxnSp>
+          <p:nvCxnSpPr>
+            <p:cNvPr id="28" name="Connecteur droit avec flèche 27"/>
+            <p:cNvCxnSpPr>
+              <a:endCxn id="27" idx="2"/>
+            </p:cNvCxnSpPr>
+            <p:nvPr/>
+          </p:nvCxnSpPr>
+          <p:spPr>
+            <a:xfrm>
+              <a:off x="6876256" y="2283718"/>
+              <a:ext cx="360040" cy="339896"/>
+            </a:xfrm>
+            <a:prstGeom prst="straightConnector1">
+              <a:avLst/>
+            </a:prstGeom>
+            <a:ln w="19050">
+              <a:solidFill>
+                <a:schemeClr val="tx1"/>
+              </a:solidFill>
+              <a:tailEnd type="arrow"/>
+            </a:ln>
+          </p:spPr>
+          <p:style>
+            <a:lnRef idx="1">
+              <a:schemeClr val="accent1"/>
+            </a:lnRef>
+            <a:fillRef idx="0">
+              <a:schemeClr val="accent1"/>
+            </a:fillRef>
+            <a:effectRef idx="0">
+              <a:schemeClr val="accent1"/>
+            </a:effectRef>
+            <a:fontRef idx="minor">
+              <a:schemeClr val="tx1"/>
+            </a:fontRef>
+          </p:style>
+        </p:cxnSp>
+        <p:cxnSp>
+          <p:nvCxnSpPr>
+            <p:cNvPr id="29" name="Connecteur droit avec flèche 28"/>
+            <p:cNvCxnSpPr>
+              <a:endCxn id="27" idx="2"/>
+            </p:cNvCxnSpPr>
+            <p:nvPr/>
+          </p:nvCxnSpPr>
+          <p:spPr>
+            <a:xfrm flipV="1">
+              <a:off x="6876256" y="2623614"/>
+              <a:ext cx="360040" cy="339895"/>
+            </a:xfrm>
+            <a:prstGeom prst="straightConnector1">
+              <a:avLst/>
+            </a:prstGeom>
+            <a:ln w="19050">
+              <a:solidFill>
+                <a:schemeClr val="tx1"/>
+              </a:solidFill>
+              <a:tailEnd type="arrow"/>
+            </a:ln>
+          </p:spPr>
+          <p:style>
+            <a:lnRef idx="1">
+              <a:schemeClr val="accent1"/>
+            </a:lnRef>
+            <a:fillRef idx="0">
+              <a:schemeClr val="accent1"/>
+            </a:fillRef>
+            <a:effectRef idx="0">
+              <a:schemeClr val="accent1"/>
+            </a:effectRef>
+            <a:fontRef idx="minor">
+              <a:schemeClr val="tx1"/>
+            </a:fontRef>
+          </p:style>
+        </p:cxnSp>
+        <p:sp>
+          <p:nvSpPr>
+            <p:cNvPr id="30" name="ZoneTexte 29"/>
+            <p:cNvSpPr txBox="1"/>
+            <p:nvPr/>
+          </p:nvSpPr>
+          <p:spPr>
+            <a:xfrm>
+              <a:off x="8028384" y="2418442"/>
+              <a:ext cx="630301" cy="369332"/>
+            </a:xfrm>
+            <a:prstGeom prst="rect">
+              <a:avLst/>
+            </a:prstGeom>
+            <a:noFill/>
+          </p:spPr>
+          <p:txBody>
+            <a:bodyPr wrap="none" rtlCol="0">
+              <a:spAutoFit/>
+            </a:bodyPr>
+            <a:lstStyle/>
+            <a:p>
+              <a:r>
+                <a:rPr lang="fr-FR" dirty="0" smtClean="0"/>
+                <a:t>[0-1]</a:t>
+              </a:r>
+              <a:endParaRPr lang="en-US" dirty="0"/>
+            </a:p>
+          </p:txBody>
+        </p:sp>
+        <p:sp>
+          <p:nvSpPr>
+            <p:cNvPr id="31" name="ZoneTexte 30"/>
+            <p:cNvSpPr txBox="1"/>
+            <p:nvPr/>
+          </p:nvSpPr>
+          <p:spPr>
+            <a:xfrm>
+              <a:off x="1403648" y="3651870"/>
+              <a:ext cx="432048" cy="369332"/>
+            </a:xfrm>
+            <a:prstGeom prst="rect">
+              <a:avLst/>
+            </a:prstGeom>
+            <a:solidFill>
+              <a:schemeClr val="bg1"/>
+            </a:solidFill>
+          </p:spPr>
+          <p:txBody>
+            <a:bodyPr wrap="square" rtlCol="0">
+              <a:spAutoFit/>
+            </a:bodyPr>
+            <a:lstStyle/>
+            <a:p>
+              <a:r>
+                <a:rPr lang="fr-FR" dirty="0"/>
+                <a:t>b</a:t>
+              </a:r>
+              <a:r>
+                <a:rPr lang="fr-FR" dirty="0" smtClean="0"/>
+                <a:t>1</a:t>
+              </a:r>
+              <a:endParaRPr lang="en-US" dirty="0"/>
+            </a:p>
+          </p:txBody>
+        </p:sp>
+        <p:sp>
+          <p:nvSpPr>
+            <p:cNvPr id="32" name="ZoneTexte 31"/>
+            <p:cNvSpPr txBox="1"/>
+            <p:nvPr/>
+          </p:nvSpPr>
+          <p:spPr>
+            <a:xfrm>
+              <a:off x="3131840" y="3651870"/>
+              <a:ext cx="568751" cy="369332"/>
+            </a:xfrm>
+            <a:prstGeom prst="rect">
+              <a:avLst/>
+            </a:prstGeom>
+            <a:noFill/>
+          </p:spPr>
+          <p:txBody>
+            <a:bodyPr wrap="square" rtlCol="0">
+              <a:spAutoFit/>
+            </a:bodyPr>
+            <a:lstStyle/>
+            <a:p>
+              <a:r>
+                <a:rPr lang="fr-FR" dirty="0" smtClean="0"/>
+                <a:t>b2</a:t>
+              </a:r>
+              <a:endParaRPr lang="en-US" dirty="0"/>
+            </a:p>
+          </p:txBody>
+        </p:sp>
+        <p:sp>
+          <p:nvSpPr>
+            <p:cNvPr id="33" name="ZoneTexte 32"/>
+            <p:cNvSpPr txBox="1"/>
+            <p:nvPr/>
+          </p:nvSpPr>
+          <p:spPr>
+            <a:xfrm>
+              <a:off x="4980213" y="3311532"/>
+              <a:ext cx="576064" cy="369332"/>
+            </a:xfrm>
+            <a:prstGeom prst="rect">
+              <a:avLst/>
+            </a:prstGeom>
+            <a:noFill/>
+          </p:spPr>
+          <p:txBody>
+            <a:bodyPr wrap="square" rtlCol="0">
+              <a:spAutoFit/>
+            </a:bodyPr>
+            <a:lstStyle/>
+            <a:p>
+              <a:r>
+                <a:rPr lang="fr-FR" dirty="0" smtClean="0"/>
+                <a:t>b3</a:t>
+              </a:r>
+              <a:endParaRPr lang="en-US" dirty="0"/>
+            </a:p>
+          </p:txBody>
+        </p:sp>
+        <p:sp>
+          <p:nvSpPr>
+            <p:cNvPr id="34" name="ZoneTexte 33"/>
+            <p:cNvSpPr txBox="1"/>
+            <p:nvPr/>
+          </p:nvSpPr>
+          <p:spPr>
+            <a:xfrm>
+              <a:off x="1289677" y="4173602"/>
+              <a:ext cx="936104" cy="646331"/>
+            </a:xfrm>
+            <a:prstGeom prst="rect">
+              <a:avLst/>
+            </a:prstGeom>
+            <a:solidFill>
+              <a:schemeClr val="bg1"/>
+            </a:solidFill>
+          </p:spPr>
+          <p:txBody>
+            <a:bodyPr wrap="square" rtlCol="0">
+              <a:spAutoFit/>
+            </a:bodyPr>
+            <a:lstStyle/>
+            <a:p>
+              <a:r>
+                <a:rPr lang="fr-FR" dirty="0" smtClean="0"/>
+                <a:t>Input</a:t>
+              </a:r>
+            </a:p>
+            <a:p>
+              <a:r>
+                <a:rPr lang="fr-FR" dirty="0" smtClean="0"/>
+                <a:t>Data</a:t>
+              </a:r>
+              <a:endParaRPr lang="en-US" dirty="0"/>
+            </a:p>
+          </p:txBody>
+        </p:sp>
+        <p:sp>
+          <p:nvSpPr>
+            <p:cNvPr id="35" name="ZoneTexte 34"/>
+            <p:cNvSpPr txBox="1"/>
+            <p:nvPr/>
+          </p:nvSpPr>
+          <p:spPr>
+            <a:xfrm>
+              <a:off x="3040601" y="4227934"/>
+              <a:ext cx="731998" cy="369332"/>
+            </a:xfrm>
+            <a:prstGeom prst="rect">
+              <a:avLst/>
+            </a:prstGeom>
+            <a:solidFill>
+              <a:schemeClr val="bg1"/>
+            </a:solidFill>
+          </p:spPr>
+          <p:txBody>
+            <a:bodyPr wrap="square" rtlCol="0">
+              <a:spAutoFit/>
+            </a:bodyPr>
+            <a:lstStyle/>
+            <a:p>
+              <a:pPr algn="ctr"/>
+              <a:r>
+                <a:rPr lang="fr-FR" dirty="0" smtClean="0"/>
+                <a:t>L1</a:t>
+              </a:r>
+              <a:endParaRPr lang="en-US" dirty="0"/>
+            </a:p>
+          </p:txBody>
+        </p:sp>
+        <p:sp>
+          <p:nvSpPr>
+            <p:cNvPr id="36" name="ZoneTexte 35"/>
+            <p:cNvSpPr txBox="1"/>
+            <p:nvPr/>
+          </p:nvSpPr>
+          <p:spPr>
+            <a:xfrm>
+              <a:off x="4800773" y="3912934"/>
+              <a:ext cx="731998" cy="369332"/>
+            </a:xfrm>
+            <a:prstGeom prst="rect">
+              <a:avLst/>
+            </a:prstGeom>
+            <a:solidFill>
+              <a:schemeClr val="bg1"/>
+            </a:solidFill>
+          </p:spPr>
+          <p:txBody>
+            <a:bodyPr wrap="square" rtlCol="0">
+              <a:spAutoFit/>
+            </a:bodyPr>
+            <a:lstStyle/>
+            <a:p>
+              <a:pPr algn="ctr"/>
+              <a:r>
+                <a:rPr lang="fr-FR" dirty="0" smtClean="0"/>
+                <a:t>L2</a:t>
+              </a:r>
+              <a:endParaRPr lang="en-US" dirty="0"/>
+            </a:p>
+          </p:txBody>
+        </p:sp>
+        <p:sp>
+          <p:nvSpPr>
+            <p:cNvPr id="37" name="ZoneTexte 36"/>
+            <p:cNvSpPr txBox="1"/>
+            <p:nvPr/>
+          </p:nvSpPr>
+          <p:spPr>
+            <a:xfrm>
+              <a:off x="6194946" y="3517555"/>
+              <a:ext cx="731998" cy="369332"/>
+            </a:xfrm>
+            <a:prstGeom prst="rect">
+              <a:avLst/>
+            </a:prstGeom>
+            <a:solidFill>
+              <a:schemeClr val="bg1"/>
+            </a:solidFill>
+          </p:spPr>
+          <p:txBody>
+            <a:bodyPr wrap="square" rtlCol="0">
+              <a:spAutoFit/>
+            </a:bodyPr>
+            <a:lstStyle/>
+            <a:p>
+              <a:pPr algn="ctr"/>
+              <a:r>
+                <a:rPr lang="fr-FR" dirty="0" smtClean="0"/>
+                <a:t>L3</a:t>
+              </a:r>
+              <a:endParaRPr lang="en-US" dirty="0"/>
+            </a:p>
+          </p:txBody>
+        </p:sp>
+      </p:grpSp>
     </p:spTree>
     <p:extLst>
       <p:ext uri="{BB962C8B-B14F-4D97-AF65-F5344CB8AC3E}">
@@ -3911,12 +7706,8 @@
           <a:lstStyle/>
           <a:p>
             <a:r>
-              <a:rPr lang="fr-FR" dirty="0" err="1" smtClean="0"/>
-              <a:t>Computational</a:t>
-            </a:r>
-            <a:r>
               <a:rPr lang="fr-FR" dirty="0" smtClean="0"/>
-              <a:t> graph</a:t>
+              <a:t>MLP architecture</a:t>
             </a:r>
             <a:endParaRPr lang="en-US" dirty="0"/>
           </a:p>
@@ -3945,8 +7736,8 @@
         </p:blipFill>
         <p:spPr bwMode="auto">
           <a:xfrm>
-            <a:off x="2411760" y="1203598"/>
-            <a:ext cx="4176908" cy="2088232"/>
+            <a:off x="1259632" y="1203598"/>
+            <a:ext cx="6552728" cy="3276016"/>
           </a:xfrm>
           <a:prstGeom prst="rect">
             <a:avLst/>
@@ -3963,10 +7754,1067 @@
           </a:extLst>
         </p:spPr>
       </p:pic>
+      <p:sp>
+        <p:nvSpPr>
+          <p:cNvPr id="5" name="Rectangle 4"/>
+          <p:cNvSpPr/>
+          <p:nvPr/>
+        </p:nvSpPr>
+        <p:spPr>
+          <a:xfrm>
+            <a:off x="6876256" y="1831525"/>
+            <a:ext cx="1080120" cy="1584176"/>
+          </a:xfrm>
+          <a:prstGeom prst="rect">
+            <a:avLst/>
+          </a:prstGeom>
+          <a:solidFill>
+            <a:schemeClr val="bg1"/>
+          </a:solidFill>
+          <a:ln>
+            <a:solidFill>
+              <a:schemeClr val="bg1"/>
+            </a:solidFill>
+          </a:ln>
+        </p:spPr>
+        <p:style>
+          <a:lnRef idx="2">
+            <a:schemeClr val="accent1">
+              <a:shade val="50000"/>
+            </a:schemeClr>
+          </a:lnRef>
+          <a:fillRef idx="1">
+            <a:schemeClr val="accent1"/>
+          </a:fillRef>
+          <a:effectRef idx="0">
+            <a:schemeClr val="accent1"/>
+          </a:effectRef>
+          <a:fontRef idx="minor">
+            <a:schemeClr val="lt1"/>
+          </a:fontRef>
+        </p:style>
+        <p:txBody>
+          <a:bodyPr rtlCol="0" anchor="ctr"/>
+          <a:lstStyle/>
+          <a:p>
+            <a:pPr algn="ctr"/>
+            <a:endParaRPr lang="en-US"/>
+          </a:p>
+        </p:txBody>
+      </p:sp>
+      <p:sp>
+        <p:nvSpPr>
+          <p:cNvPr id="3" name="Ellipse 2"/>
+          <p:cNvSpPr/>
+          <p:nvPr/>
+        </p:nvSpPr>
+        <p:spPr>
+          <a:xfrm>
+            <a:off x="7236296" y="2283718"/>
+            <a:ext cx="720080" cy="679791"/>
+          </a:xfrm>
+          <a:prstGeom prst="ellipse">
+            <a:avLst/>
+          </a:prstGeom>
+        </p:spPr>
+        <p:style>
+          <a:lnRef idx="2">
+            <a:schemeClr val="accent6"/>
+          </a:lnRef>
+          <a:fillRef idx="1">
+            <a:schemeClr val="lt1"/>
+          </a:fillRef>
+          <a:effectRef idx="0">
+            <a:schemeClr val="accent6"/>
+          </a:effectRef>
+          <a:fontRef idx="minor">
+            <a:schemeClr val="dk1"/>
+          </a:fontRef>
+        </p:style>
+        <p:txBody>
+          <a:bodyPr rtlCol="0" anchor="ctr"/>
+          <a:lstStyle/>
+          <a:p>
+            <a:pPr algn="ctr"/>
+            <a:endParaRPr lang="en-US"/>
+          </a:p>
+        </p:txBody>
+      </p:sp>
+      <p:cxnSp>
+        <p:nvCxnSpPr>
+          <p:cNvPr id="7" name="Connecteur droit avec flèche 6"/>
+          <p:cNvCxnSpPr>
+            <a:endCxn id="3" idx="2"/>
+          </p:cNvCxnSpPr>
+          <p:nvPr/>
+        </p:nvCxnSpPr>
+        <p:spPr>
+          <a:xfrm>
+            <a:off x="6876256" y="2283718"/>
+            <a:ext cx="360040" cy="339896"/>
+          </a:xfrm>
+          <a:prstGeom prst="straightConnector1">
+            <a:avLst/>
+          </a:prstGeom>
+          <a:ln w="19050">
+            <a:solidFill>
+              <a:schemeClr val="tx1"/>
+            </a:solidFill>
+            <a:tailEnd type="arrow"/>
+          </a:ln>
+        </p:spPr>
+        <p:style>
+          <a:lnRef idx="1">
+            <a:schemeClr val="accent1"/>
+          </a:lnRef>
+          <a:fillRef idx="0">
+            <a:schemeClr val="accent1"/>
+          </a:fillRef>
+          <a:effectRef idx="0">
+            <a:schemeClr val="accent1"/>
+          </a:effectRef>
+          <a:fontRef idx="minor">
+            <a:schemeClr val="tx1"/>
+          </a:fontRef>
+        </p:style>
+      </p:cxnSp>
+      <p:cxnSp>
+        <p:nvCxnSpPr>
+          <p:cNvPr id="9" name="Connecteur droit avec flèche 8"/>
+          <p:cNvCxnSpPr>
+            <a:endCxn id="3" idx="2"/>
+          </p:cNvCxnSpPr>
+          <p:nvPr/>
+        </p:nvCxnSpPr>
+        <p:spPr>
+          <a:xfrm flipV="1">
+            <a:off x="6876256" y="2623614"/>
+            <a:ext cx="360040" cy="339895"/>
+          </a:xfrm>
+          <a:prstGeom prst="straightConnector1">
+            <a:avLst/>
+          </a:prstGeom>
+          <a:ln w="19050">
+            <a:solidFill>
+              <a:schemeClr val="tx1"/>
+            </a:solidFill>
+            <a:tailEnd type="arrow"/>
+          </a:ln>
+        </p:spPr>
+        <p:style>
+          <a:lnRef idx="1">
+            <a:schemeClr val="accent1"/>
+          </a:lnRef>
+          <a:fillRef idx="0">
+            <a:schemeClr val="accent1"/>
+          </a:fillRef>
+          <a:effectRef idx="0">
+            <a:schemeClr val="accent1"/>
+          </a:effectRef>
+          <a:fontRef idx="minor">
+            <a:schemeClr val="tx1"/>
+          </a:fontRef>
+        </p:style>
+      </p:cxnSp>
+      <p:sp>
+        <p:nvSpPr>
+          <p:cNvPr id="6" name="ZoneTexte 5"/>
+          <p:cNvSpPr txBox="1"/>
+          <p:nvPr/>
+        </p:nvSpPr>
+        <p:spPr>
+          <a:xfrm>
+            <a:off x="4970587" y="1237073"/>
+            <a:ext cx="1363065" cy="369332"/>
+          </a:xfrm>
+          <a:prstGeom prst="rect">
+            <a:avLst/>
+          </a:prstGeom>
+          <a:noFill/>
+        </p:spPr>
+        <p:txBody>
+          <a:bodyPr wrap="none" rtlCol="0">
+            <a:spAutoFit/>
+          </a:bodyPr>
+          <a:lstStyle/>
+          <a:p>
+            <a:r>
+              <a:rPr lang="fr-FR" dirty="0" smtClean="0"/>
+              <a:t>Unit update:</a:t>
+            </a:r>
+            <a:endParaRPr lang="en-US" dirty="0"/>
+          </a:p>
+        </p:txBody>
+      </p:sp>
+      <p:pic>
+        <p:nvPicPr>
+          <p:cNvPr id="10" name="Picture 2"/>
+          <p:cNvPicPr>
+            <a:picLocks noChangeAspect="1" noChangeArrowheads="1"/>
+          </p:cNvPicPr>
+          <p:nvPr/>
+        </p:nvPicPr>
+        <p:blipFill rotWithShape="1">
+          <a:blip r:embed="rId3" cstate="print">
+            <a:extLst>
+              <a:ext uri="{28A0092B-C50C-407E-A947-70E740481C1C}">
+                <a14:useLocalDpi xmlns:a14="http://schemas.microsoft.com/office/drawing/2010/main" val="0"/>
+              </a:ext>
+            </a:extLst>
+          </a:blip>
+          <a:srcRect l="60982" t="8780" r="2466" b="-1005"/>
+          <a:stretch/>
+        </p:blipFill>
+        <p:spPr bwMode="auto">
+          <a:xfrm>
+            <a:off x="3203848" y="1421738"/>
+            <a:ext cx="405505" cy="249915"/>
+          </a:xfrm>
+          <a:prstGeom prst="rect">
+            <a:avLst/>
+          </a:prstGeom>
+          <a:noFill/>
+          <a:ln>
+            <a:noFill/>
+          </a:ln>
+          <a:extLst>
+            <a:ext uri="{909E8E84-426E-40DD-AFC4-6F175D3DCCD1}">
+              <a14:hiddenFill xmlns:a14="http://schemas.microsoft.com/office/drawing/2010/main">
+                <a:solidFill>
+                  <a:schemeClr val="accent1"/>
+                </a:solidFill>
+              </a14:hiddenFill>
+            </a:ext>
+            <a:ext uri="{91240B29-F687-4F45-9708-019B960494DF}">
+              <a14:hiddenLine xmlns:a14="http://schemas.microsoft.com/office/drawing/2010/main" w="9525">
+                <a:solidFill>
+                  <a:schemeClr val="tx1"/>
+                </a:solidFill>
+                <a:miter lim="800000"/>
+                <a:headEnd/>
+                <a:tailEnd/>
+              </a14:hiddenLine>
+            </a:ext>
+          </a:extLst>
+        </p:spPr>
+      </p:pic>
+      <p:pic>
+        <p:nvPicPr>
+          <p:cNvPr id="11" name="Picture 2"/>
+          <p:cNvPicPr>
+            <a:picLocks noChangeAspect="1" noChangeArrowheads="1"/>
+          </p:cNvPicPr>
+          <p:nvPr/>
+        </p:nvPicPr>
+        <p:blipFill rotWithShape="1">
+          <a:blip r:embed="rId3" cstate="print">
+            <a:extLst>
+              <a:ext uri="{28A0092B-C50C-407E-A947-70E740481C1C}">
+                <a14:useLocalDpi xmlns:a14="http://schemas.microsoft.com/office/drawing/2010/main" val="0"/>
+              </a:ext>
+            </a:extLst>
+          </a:blip>
+          <a:srcRect l="60982" t="8780" r="2466" b="-1005"/>
+          <a:stretch/>
+        </p:blipFill>
+        <p:spPr bwMode="auto">
+          <a:xfrm>
+            <a:off x="3203848" y="2177819"/>
+            <a:ext cx="405505" cy="249915"/>
+          </a:xfrm>
+          <a:prstGeom prst="rect">
+            <a:avLst/>
+          </a:prstGeom>
+          <a:noFill/>
+          <a:ln>
+            <a:noFill/>
+          </a:ln>
+          <a:extLst>
+            <a:ext uri="{909E8E84-426E-40DD-AFC4-6F175D3DCCD1}">
+              <a14:hiddenFill xmlns:a14="http://schemas.microsoft.com/office/drawing/2010/main">
+                <a:solidFill>
+                  <a:schemeClr val="accent1"/>
+                </a:solidFill>
+              </a14:hiddenFill>
+            </a:ext>
+            <a:ext uri="{91240B29-F687-4F45-9708-019B960494DF}">
+              <a14:hiddenLine xmlns:a14="http://schemas.microsoft.com/office/drawing/2010/main" w="9525">
+                <a:solidFill>
+                  <a:schemeClr val="tx1"/>
+                </a:solidFill>
+                <a:miter lim="800000"/>
+                <a:headEnd/>
+                <a:tailEnd/>
+              </a14:hiddenLine>
+            </a:ext>
+          </a:extLst>
+        </p:spPr>
+      </p:pic>
+      <p:pic>
+        <p:nvPicPr>
+          <p:cNvPr id="12" name="Picture 2"/>
+          <p:cNvPicPr>
+            <a:picLocks noChangeAspect="1" noChangeArrowheads="1"/>
+          </p:cNvPicPr>
+          <p:nvPr/>
+        </p:nvPicPr>
+        <p:blipFill rotWithShape="1">
+          <a:blip r:embed="rId3" cstate="print">
+            <a:extLst>
+              <a:ext uri="{28A0092B-C50C-407E-A947-70E740481C1C}">
+                <a14:useLocalDpi xmlns:a14="http://schemas.microsoft.com/office/drawing/2010/main" val="0"/>
+              </a:ext>
+            </a:extLst>
+          </a:blip>
+          <a:srcRect l="60982" t="8780" r="2466" b="-1005"/>
+          <a:stretch/>
+        </p:blipFill>
+        <p:spPr bwMode="auto">
+          <a:xfrm>
+            <a:off x="3203848" y="2933900"/>
+            <a:ext cx="405505" cy="249915"/>
+          </a:xfrm>
+          <a:prstGeom prst="rect">
+            <a:avLst/>
+          </a:prstGeom>
+          <a:noFill/>
+          <a:ln>
+            <a:noFill/>
+          </a:ln>
+          <a:extLst>
+            <a:ext uri="{909E8E84-426E-40DD-AFC4-6F175D3DCCD1}">
+              <a14:hiddenFill xmlns:a14="http://schemas.microsoft.com/office/drawing/2010/main">
+                <a:solidFill>
+                  <a:schemeClr val="accent1"/>
+                </a:solidFill>
+              </a14:hiddenFill>
+            </a:ext>
+            <a:ext uri="{91240B29-F687-4F45-9708-019B960494DF}">
+              <a14:hiddenLine xmlns:a14="http://schemas.microsoft.com/office/drawing/2010/main" w="9525">
+                <a:solidFill>
+                  <a:schemeClr val="tx1"/>
+                </a:solidFill>
+                <a:miter lim="800000"/>
+                <a:headEnd/>
+                <a:tailEnd/>
+              </a14:hiddenLine>
+            </a:ext>
+          </a:extLst>
+        </p:spPr>
+      </p:pic>
+      <p:pic>
+        <p:nvPicPr>
+          <p:cNvPr id="13" name="Picture 2"/>
+          <p:cNvPicPr>
+            <a:picLocks noChangeAspect="1" noChangeArrowheads="1"/>
+          </p:cNvPicPr>
+          <p:nvPr/>
+        </p:nvPicPr>
+        <p:blipFill rotWithShape="1">
+          <a:blip r:embed="rId3" cstate="print">
+            <a:extLst>
+              <a:ext uri="{28A0092B-C50C-407E-A947-70E740481C1C}">
+                <a14:useLocalDpi xmlns:a14="http://schemas.microsoft.com/office/drawing/2010/main" val="0"/>
+              </a:ext>
+            </a:extLst>
+          </a:blip>
+          <a:srcRect l="60982" t="8780" r="2466" b="-1005"/>
+          <a:stretch/>
+        </p:blipFill>
+        <p:spPr bwMode="auto">
+          <a:xfrm>
+            <a:off x="4980213" y="1831525"/>
+            <a:ext cx="405505" cy="249915"/>
+          </a:xfrm>
+          <a:prstGeom prst="rect">
+            <a:avLst/>
+          </a:prstGeom>
+          <a:noFill/>
+          <a:ln>
+            <a:noFill/>
+          </a:ln>
+          <a:extLst>
+            <a:ext uri="{909E8E84-426E-40DD-AFC4-6F175D3DCCD1}">
+              <a14:hiddenFill xmlns:a14="http://schemas.microsoft.com/office/drawing/2010/main">
+                <a:solidFill>
+                  <a:schemeClr val="accent1"/>
+                </a:solidFill>
+              </a14:hiddenFill>
+            </a:ext>
+            <a:ext uri="{91240B29-F687-4F45-9708-019B960494DF}">
+              <a14:hiddenLine xmlns:a14="http://schemas.microsoft.com/office/drawing/2010/main" w="9525">
+                <a:solidFill>
+                  <a:schemeClr val="tx1"/>
+                </a:solidFill>
+                <a:miter lim="800000"/>
+                <a:headEnd/>
+                <a:tailEnd/>
+              </a14:hiddenLine>
+            </a:ext>
+          </a:extLst>
+        </p:spPr>
+      </p:pic>
+      <p:pic>
+        <p:nvPicPr>
+          <p:cNvPr id="14" name="Picture 2"/>
+          <p:cNvPicPr>
+            <a:picLocks noChangeAspect="1" noChangeArrowheads="1"/>
+          </p:cNvPicPr>
+          <p:nvPr/>
+        </p:nvPicPr>
+        <p:blipFill rotWithShape="1">
+          <a:blip r:embed="rId3" cstate="print">
+            <a:extLst>
+              <a:ext uri="{28A0092B-C50C-407E-A947-70E740481C1C}">
+                <a14:useLocalDpi xmlns:a14="http://schemas.microsoft.com/office/drawing/2010/main" val="0"/>
+              </a:ext>
+            </a:extLst>
+          </a:blip>
+          <a:srcRect l="60982" t="8780" r="2466" b="-1005"/>
+          <a:stretch/>
+        </p:blipFill>
+        <p:spPr bwMode="auto">
+          <a:xfrm>
+            <a:off x="4964020" y="2591691"/>
+            <a:ext cx="405505" cy="249915"/>
+          </a:xfrm>
+          <a:prstGeom prst="rect">
+            <a:avLst/>
+          </a:prstGeom>
+          <a:noFill/>
+          <a:ln>
+            <a:noFill/>
+          </a:ln>
+          <a:extLst>
+            <a:ext uri="{909E8E84-426E-40DD-AFC4-6F175D3DCCD1}">
+              <a14:hiddenFill xmlns:a14="http://schemas.microsoft.com/office/drawing/2010/main">
+                <a:solidFill>
+                  <a:schemeClr val="accent1"/>
+                </a:solidFill>
+              </a14:hiddenFill>
+            </a:ext>
+            <a:ext uri="{91240B29-F687-4F45-9708-019B960494DF}">
+              <a14:hiddenLine xmlns:a14="http://schemas.microsoft.com/office/drawing/2010/main" w="9525">
+                <a:solidFill>
+                  <a:schemeClr val="tx1"/>
+                </a:solidFill>
+                <a:miter lim="800000"/>
+                <a:headEnd/>
+                <a:tailEnd/>
+              </a14:hiddenLine>
+            </a:ext>
+          </a:extLst>
+        </p:spPr>
+      </p:pic>
+      <p:pic>
+        <p:nvPicPr>
+          <p:cNvPr id="15" name="Picture 2"/>
+          <p:cNvPicPr>
+            <a:picLocks noChangeAspect="1" noChangeArrowheads="1"/>
+          </p:cNvPicPr>
+          <p:nvPr/>
+        </p:nvPicPr>
+        <p:blipFill rotWithShape="1">
+          <a:blip r:embed="rId3" cstate="print">
+            <a:extLst>
+              <a:ext uri="{28A0092B-C50C-407E-A947-70E740481C1C}">
+                <a14:useLocalDpi xmlns:a14="http://schemas.microsoft.com/office/drawing/2010/main" val="0"/>
+              </a:ext>
+            </a:extLst>
+          </a:blip>
+          <a:srcRect l="60982" t="8780" r="2466" b="-1005"/>
+          <a:stretch/>
+        </p:blipFill>
+        <p:spPr bwMode="auto">
+          <a:xfrm>
+            <a:off x="6333652" y="2155839"/>
+            <a:ext cx="405505" cy="249915"/>
+          </a:xfrm>
+          <a:prstGeom prst="rect">
+            <a:avLst/>
+          </a:prstGeom>
+          <a:noFill/>
+          <a:ln>
+            <a:noFill/>
+          </a:ln>
+          <a:extLst>
+            <a:ext uri="{909E8E84-426E-40DD-AFC4-6F175D3DCCD1}">
+              <a14:hiddenFill xmlns:a14="http://schemas.microsoft.com/office/drawing/2010/main">
+                <a:solidFill>
+                  <a:schemeClr val="accent1"/>
+                </a:solidFill>
+              </a14:hiddenFill>
+            </a:ext>
+            <a:ext uri="{91240B29-F687-4F45-9708-019B960494DF}">
+              <a14:hiddenLine xmlns:a14="http://schemas.microsoft.com/office/drawing/2010/main" w="9525">
+                <a:solidFill>
+                  <a:schemeClr val="tx1"/>
+                </a:solidFill>
+                <a:miter lim="800000"/>
+                <a:headEnd/>
+                <a:tailEnd/>
+              </a14:hiddenLine>
+            </a:ext>
+          </a:extLst>
+        </p:spPr>
+      </p:pic>
+      <p:pic>
+        <p:nvPicPr>
+          <p:cNvPr id="16" name="Picture 2"/>
+          <p:cNvPicPr>
+            <a:picLocks noChangeAspect="1" noChangeArrowheads="1"/>
+          </p:cNvPicPr>
+          <p:nvPr/>
+        </p:nvPicPr>
+        <p:blipFill rotWithShape="1">
+          <a:blip r:embed="rId3" cstate="print">
+            <a:extLst>
+              <a:ext uri="{28A0092B-C50C-407E-A947-70E740481C1C}">
+                <a14:useLocalDpi xmlns:a14="http://schemas.microsoft.com/office/drawing/2010/main" val="0"/>
+              </a:ext>
+            </a:extLst>
+          </a:blip>
+          <a:srcRect l="60982" t="8780" r="2466" b="-1005"/>
+          <a:stretch/>
+        </p:blipFill>
+        <p:spPr bwMode="auto">
+          <a:xfrm>
+            <a:off x="6323354" y="2933899"/>
+            <a:ext cx="405505" cy="249915"/>
+          </a:xfrm>
+          <a:prstGeom prst="rect">
+            <a:avLst/>
+          </a:prstGeom>
+          <a:noFill/>
+          <a:ln>
+            <a:noFill/>
+          </a:ln>
+          <a:extLst>
+            <a:ext uri="{909E8E84-426E-40DD-AFC4-6F175D3DCCD1}">
+              <a14:hiddenFill xmlns:a14="http://schemas.microsoft.com/office/drawing/2010/main">
+                <a:solidFill>
+                  <a:schemeClr val="accent1"/>
+                </a:solidFill>
+              </a14:hiddenFill>
+            </a:ext>
+            <a:ext uri="{91240B29-F687-4F45-9708-019B960494DF}">
+              <a14:hiddenLine xmlns:a14="http://schemas.microsoft.com/office/drawing/2010/main" w="9525">
+                <a:solidFill>
+                  <a:schemeClr val="tx1"/>
+                </a:solidFill>
+                <a:miter lim="800000"/>
+                <a:headEnd/>
+                <a:tailEnd/>
+              </a14:hiddenLine>
+            </a:ext>
+          </a:extLst>
+        </p:spPr>
+      </p:pic>
+      <p:pic>
+        <p:nvPicPr>
+          <p:cNvPr id="17" name="Picture 2"/>
+          <p:cNvPicPr>
+            <a:picLocks noChangeAspect="1" noChangeArrowheads="1"/>
+          </p:cNvPicPr>
+          <p:nvPr/>
+        </p:nvPicPr>
+        <p:blipFill rotWithShape="1">
+          <a:blip r:embed="rId3" cstate="print">
+            <a:extLst>
+              <a:ext uri="{28A0092B-C50C-407E-A947-70E740481C1C}">
+                <a14:useLocalDpi xmlns:a14="http://schemas.microsoft.com/office/drawing/2010/main" val="0"/>
+              </a:ext>
+            </a:extLst>
+          </a:blip>
+          <a:srcRect l="60982" t="8780" r="2466" b="-1005"/>
+          <a:stretch/>
+        </p:blipFill>
+        <p:spPr bwMode="auto">
+          <a:xfrm>
+            <a:off x="7391988" y="2498655"/>
+            <a:ext cx="405505" cy="249915"/>
+          </a:xfrm>
+          <a:prstGeom prst="rect">
+            <a:avLst/>
+          </a:prstGeom>
+          <a:noFill/>
+          <a:ln>
+            <a:noFill/>
+          </a:ln>
+          <a:extLst>
+            <a:ext uri="{909E8E84-426E-40DD-AFC4-6F175D3DCCD1}">
+              <a14:hiddenFill xmlns:a14="http://schemas.microsoft.com/office/drawing/2010/main">
+                <a:solidFill>
+                  <a:schemeClr val="accent1"/>
+                </a:solidFill>
+              </a14:hiddenFill>
+            </a:ext>
+            <a:ext uri="{91240B29-F687-4F45-9708-019B960494DF}">
+              <a14:hiddenLine xmlns:a14="http://schemas.microsoft.com/office/drawing/2010/main" w="9525">
+                <a:solidFill>
+                  <a:schemeClr val="tx1"/>
+                </a:solidFill>
+                <a:miter lim="800000"/>
+                <a:headEnd/>
+                <a:tailEnd/>
+              </a14:hiddenLine>
+            </a:ext>
+          </a:extLst>
+        </p:spPr>
+      </p:pic>
+      <p:sp>
+        <p:nvSpPr>
+          <p:cNvPr id="18" name="ZoneTexte 17"/>
+          <p:cNvSpPr txBox="1"/>
+          <p:nvPr/>
+        </p:nvSpPr>
+        <p:spPr>
+          <a:xfrm>
+            <a:off x="8028384" y="2418442"/>
+            <a:ext cx="630301" cy="369332"/>
+          </a:xfrm>
+          <a:prstGeom prst="rect">
+            <a:avLst/>
+          </a:prstGeom>
+          <a:noFill/>
+        </p:spPr>
+        <p:txBody>
+          <a:bodyPr wrap="none" rtlCol="0">
+            <a:spAutoFit/>
+          </a:bodyPr>
+          <a:lstStyle/>
+          <a:p>
+            <a:r>
+              <a:rPr lang="fr-FR" dirty="0" smtClean="0"/>
+              <a:t>[0-1]</a:t>
+            </a:r>
+            <a:endParaRPr lang="en-US" dirty="0"/>
+          </a:p>
+        </p:txBody>
+      </p:sp>
+      <mc:AlternateContent xmlns:mc="http://schemas.openxmlformats.org/markup-compatibility/2006">
+        <mc:Choice xmlns:a14="http://schemas.microsoft.com/office/drawing/2010/main" Requires="a14">
+          <p:sp>
+            <p:nvSpPr>
+              <p:cNvPr id="19" name="Rectangle 18"/>
+              <p:cNvSpPr/>
+              <p:nvPr/>
+            </p:nvSpPr>
+            <p:spPr>
+              <a:xfrm>
+                <a:off x="6060908" y="1086742"/>
+                <a:ext cx="2282626" cy="646331"/>
+              </a:xfrm>
+              <a:prstGeom prst="rect">
+                <a:avLst/>
+              </a:prstGeom>
+            </p:spPr>
+            <p:txBody>
+              <a:bodyPr wrap="square">
+                <a:spAutoFit/>
+              </a:bodyPr>
+              <a:lstStyle/>
+              <a:p>
+                <a:pPr/>
+                <a14:m>
+                  <m:oMathPara xmlns:m="http://schemas.openxmlformats.org/officeDocument/2006/math">
+                    <m:oMathParaPr>
+                      <m:jc m:val="centerGroup"/>
+                    </m:oMathParaPr>
+                    <m:oMath xmlns:m="http://schemas.openxmlformats.org/officeDocument/2006/math">
+                      <m:r>
+                        <a:rPr lang="fr-FR" i="1" smtClean="0">
+                          <a:latin typeface="Cambria Math"/>
+                        </a:rPr>
+                        <m:t>𝑧</m:t>
+                      </m:r>
+                      <m:r>
+                        <a:rPr lang="fr-FR" i="1" smtClean="0">
+                          <a:latin typeface="Cambria Math"/>
+                        </a:rPr>
+                        <m:t>=</m:t>
+                      </m:r>
+                      <m:sSup>
+                        <m:sSupPr>
+                          <m:ctrlPr>
+                            <a:rPr lang="fr-FR" i="1" smtClean="0">
+                              <a:latin typeface="Cambria Math"/>
+                            </a:rPr>
+                          </m:ctrlPr>
+                        </m:sSupPr>
+                        <m:e>
+                          <m:r>
+                            <m:rPr>
+                              <m:nor/>
+                            </m:rPr>
+                            <a:rPr lang="fr-FR" b="0" i="0" dirty="0" smtClean="0">
+                              <a:latin typeface="Cambria Math"/>
+                              <a:ea typeface="Cambria Math"/>
+                            </a:rPr>
+                            <m:t>W</m:t>
+                          </m:r>
+                        </m:e>
+                        <m:sup>
+                          <m:r>
+                            <a:rPr lang="fr-FR" b="0" i="1" smtClean="0">
+                              <a:latin typeface="Cambria Math"/>
+                            </a:rPr>
+                            <m:t>𝑇</m:t>
+                          </m:r>
+                        </m:sup>
+                      </m:sSup>
+                      <m:r>
+                        <a:rPr lang="fr-FR" b="0" i="1" smtClean="0">
+                          <a:latin typeface="Cambria Math"/>
+                        </a:rPr>
+                        <m:t>𝑋</m:t>
+                      </m:r>
+                      <m:r>
+                        <a:rPr lang="fr-FR" b="0" i="1" smtClean="0">
+                          <a:latin typeface="Cambria Math"/>
+                        </a:rPr>
+                        <m:t>+</m:t>
+                      </m:r>
+                      <m:r>
+                        <a:rPr lang="fr-FR" b="0" i="1" smtClean="0">
+                          <a:latin typeface="Cambria Math"/>
+                        </a:rPr>
+                        <m:t>𝐵</m:t>
+                      </m:r>
+                    </m:oMath>
+                  </m:oMathPara>
+                </a14:m>
+                <a:endParaRPr lang="fr-FR" i="1" dirty="0">
+                  <a:latin typeface="Cambria Math"/>
+                </a:endParaRPr>
+              </a:p>
+              <a:p>
+                <a:pPr/>
+                <a14:m>
+                  <m:oMathPara xmlns:m="http://schemas.openxmlformats.org/officeDocument/2006/math">
+                    <m:oMathParaPr>
+                      <m:jc m:val="centerGroup"/>
+                    </m:oMathParaPr>
+                    <m:oMath xmlns:m="http://schemas.openxmlformats.org/officeDocument/2006/math">
+                      <m:r>
+                        <a:rPr lang="fr-FR" b="0" i="1" smtClean="0">
+                          <a:latin typeface="Cambria Math"/>
+                        </a:rPr>
+                        <m:t>𝑎</m:t>
+                      </m:r>
+                      <m:r>
+                        <a:rPr lang="fr-FR" i="1">
+                          <a:latin typeface="Cambria Math"/>
+                        </a:rPr>
+                        <m:t>=</m:t>
+                      </m:r>
+                      <m:r>
+                        <a:rPr lang="fr-FR" i="1">
+                          <a:latin typeface="Cambria Math"/>
+                        </a:rPr>
+                        <m:t>𝑔</m:t>
+                      </m:r>
+                      <m:d>
+                        <m:dPr>
+                          <m:ctrlPr>
+                            <a:rPr lang="fr-FR" i="1">
+                              <a:latin typeface="Cambria Math"/>
+                            </a:rPr>
+                          </m:ctrlPr>
+                        </m:dPr>
+                        <m:e>
+                          <m:r>
+                            <a:rPr lang="fr-FR" i="1">
+                              <a:latin typeface="Cambria Math"/>
+                            </a:rPr>
+                            <m:t>𝑧</m:t>
+                          </m:r>
+                        </m:e>
+                      </m:d>
+                    </m:oMath>
+                  </m:oMathPara>
+                </a14:m>
+                <a:endParaRPr lang="en-US" dirty="0"/>
+              </a:p>
+            </p:txBody>
+          </p:sp>
+        </mc:Choice>
+        <mc:Fallback>
+          <p:sp>
+            <p:nvSpPr>
+              <p:cNvPr id="19" name="Rectangle 18"/>
+              <p:cNvSpPr>
+                <a:spLocks noRot="1" noChangeAspect="1" noMove="1" noResize="1" noEditPoints="1" noAdjustHandles="1" noChangeArrowheads="1" noChangeShapeType="1" noTextEdit="1"/>
+              </p:cNvSpPr>
+              <p:nvPr/>
+            </p:nvSpPr>
+            <p:spPr>
+              <a:xfrm>
+                <a:off x="6060908" y="1086742"/>
+                <a:ext cx="2282626" cy="646331"/>
+              </a:xfrm>
+              <a:prstGeom prst="rect">
+                <a:avLst/>
+              </a:prstGeom>
+              <a:blipFill rotWithShape="1">
+                <a:blip r:embed="rId4"/>
+                <a:stretch>
+                  <a:fillRect b="-2830"/>
+                </a:stretch>
+              </a:blipFill>
+            </p:spPr>
+            <p:txBody>
+              <a:bodyPr/>
+              <a:lstStyle/>
+              <a:p>
+                <a:r>
+                  <a:rPr lang="en-US">
+                    <a:noFill/>
+                  </a:rPr>
+                  <a:t> </a:t>
+                </a:r>
+              </a:p>
+            </p:txBody>
+          </p:sp>
+        </mc:Fallback>
+      </mc:AlternateContent>
+      <p:sp>
+        <p:nvSpPr>
+          <p:cNvPr id="20" name="ZoneTexte 19"/>
+          <p:cNvSpPr txBox="1"/>
+          <p:nvPr/>
+        </p:nvSpPr>
+        <p:spPr>
+          <a:xfrm>
+            <a:off x="1403648" y="3651870"/>
+            <a:ext cx="432048" cy="369332"/>
+          </a:xfrm>
+          <a:prstGeom prst="rect">
+            <a:avLst/>
+          </a:prstGeom>
+          <a:solidFill>
+            <a:schemeClr val="bg1"/>
+          </a:solidFill>
+        </p:spPr>
+        <p:txBody>
+          <a:bodyPr wrap="square" rtlCol="0">
+            <a:spAutoFit/>
+          </a:bodyPr>
+          <a:lstStyle/>
+          <a:p>
+            <a:r>
+              <a:rPr lang="fr-FR" dirty="0"/>
+              <a:t>b</a:t>
+            </a:r>
+            <a:r>
+              <a:rPr lang="fr-FR" dirty="0" smtClean="0"/>
+              <a:t>1</a:t>
+            </a:r>
+            <a:endParaRPr lang="en-US" dirty="0"/>
+          </a:p>
+        </p:txBody>
+      </p:sp>
+      <p:sp>
+        <p:nvSpPr>
+          <p:cNvPr id="21" name="ZoneTexte 20"/>
+          <p:cNvSpPr txBox="1"/>
+          <p:nvPr/>
+        </p:nvSpPr>
+        <p:spPr>
+          <a:xfrm>
+            <a:off x="3131840" y="3651870"/>
+            <a:ext cx="568751" cy="369332"/>
+          </a:xfrm>
+          <a:prstGeom prst="rect">
+            <a:avLst/>
+          </a:prstGeom>
+          <a:noFill/>
+        </p:spPr>
+        <p:txBody>
+          <a:bodyPr wrap="square" rtlCol="0">
+            <a:spAutoFit/>
+          </a:bodyPr>
+          <a:lstStyle/>
+          <a:p>
+            <a:r>
+              <a:rPr lang="fr-FR" dirty="0" smtClean="0"/>
+              <a:t>b2</a:t>
+            </a:r>
+            <a:endParaRPr lang="en-US" dirty="0"/>
+          </a:p>
+        </p:txBody>
+      </p:sp>
+      <p:sp>
+        <p:nvSpPr>
+          <p:cNvPr id="22" name="ZoneTexte 21"/>
+          <p:cNvSpPr txBox="1"/>
+          <p:nvPr/>
+        </p:nvSpPr>
+        <p:spPr>
+          <a:xfrm>
+            <a:off x="4980213" y="3311532"/>
+            <a:ext cx="576064" cy="369332"/>
+          </a:xfrm>
+          <a:prstGeom prst="rect">
+            <a:avLst/>
+          </a:prstGeom>
+          <a:noFill/>
+        </p:spPr>
+        <p:txBody>
+          <a:bodyPr wrap="square" rtlCol="0">
+            <a:spAutoFit/>
+          </a:bodyPr>
+          <a:lstStyle/>
+          <a:p>
+            <a:r>
+              <a:rPr lang="fr-FR" dirty="0" smtClean="0"/>
+              <a:t>b3</a:t>
+            </a:r>
+            <a:endParaRPr lang="en-US" dirty="0"/>
+          </a:p>
+        </p:txBody>
+      </p:sp>
+      <p:sp>
+        <p:nvSpPr>
+          <p:cNvPr id="23" name="ZoneTexte 22"/>
+          <p:cNvSpPr txBox="1"/>
+          <p:nvPr/>
+        </p:nvSpPr>
+        <p:spPr>
+          <a:xfrm>
+            <a:off x="1289677" y="4173602"/>
+            <a:ext cx="936104" cy="646331"/>
+          </a:xfrm>
+          <a:prstGeom prst="rect">
+            <a:avLst/>
+          </a:prstGeom>
+          <a:solidFill>
+            <a:schemeClr val="bg1"/>
+          </a:solidFill>
+        </p:spPr>
+        <p:txBody>
+          <a:bodyPr wrap="square" rtlCol="0">
+            <a:spAutoFit/>
+          </a:bodyPr>
+          <a:lstStyle/>
+          <a:p>
+            <a:r>
+              <a:rPr lang="fr-FR" dirty="0" smtClean="0"/>
+              <a:t>Input</a:t>
+            </a:r>
+          </a:p>
+          <a:p>
+            <a:r>
+              <a:rPr lang="fr-FR" dirty="0" smtClean="0"/>
+              <a:t>Data</a:t>
+            </a:r>
+            <a:endParaRPr lang="en-US" dirty="0"/>
+          </a:p>
+        </p:txBody>
+      </p:sp>
+      <p:sp>
+        <p:nvSpPr>
+          <p:cNvPr id="24" name="ZoneTexte 23"/>
+          <p:cNvSpPr txBox="1"/>
+          <p:nvPr/>
+        </p:nvSpPr>
+        <p:spPr>
+          <a:xfrm>
+            <a:off x="3040601" y="4227934"/>
+            <a:ext cx="731998" cy="369332"/>
+          </a:xfrm>
+          <a:prstGeom prst="rect">
+            <a:avLst/>
+          </a:prstGeom>
+          <a:solidFill>
+            <a:schemeClr val="bg1"/>
+          </a:solidFill>
+        </p:spPr>
+        <p:txBody>
+          <a:bodyPr wrap="square" rtlCol="0">
+            <a:spAutoFit/>
+          </a:bodyPr>
+          <a:lstStyle/>
+          <a:p>
+            <a:pPr algn="ctr"/>
+            <a:r>
+              <a:rPr lang="fr-FR" dirty="0" smtClean="0"/>
+              <a:t>L1</a:t>
+            </a:r>
+            <a:endParaRPr lang="en-US" dirty="0"/>
+          </a:p>
+        </p:txBody>
+      </p:sp>
+      <p:sp>
+        <p:nvSpPr>
+          <p:cNvPr id="25" name="ZoneTexte 24"/>
+          <p:cNvSpPr txBox="1"/>
+          <p:nvPr/>
+        </p:nvSpPr>
+        <p:spPr>
+          <a:xfrm>
+            <a:off x="4800773" y="3912934"/>
+            <a:ext cx="731998" cy="369332"/>
+          </a:xfrm>
+          <a:prstGeom prst="rect">
+            <a:avLst/>
+          </a:prstGeom>
+          <a:solidFill>
+            <a:schemeClr val="bg1"/>
+          </a:solidFill>
+        </p:spPr>
+        <p:txBody>
+          <a:bodyPr wrap="square" rtlCol="0">
+            <a:spAutoFit/>
+          </a:bodyPr>
+          <a:lstStyle/>
+          <a:p>
+            <a:pPr algn="ctr"/>
+            <a:r>
+              <a:rPr lang="fr-FR" dirty="0" smtClean="0"/>
+              <a:t>L2</a:t>
+            </a:r>
+            <a:endParaRPr lang="en-US" dirty="0"/>
+          </a:p>
+        </p:txBody>
+      </p:sp>
+      <p:sp>
+        <p:nvSpPr>
+          <p:cNvPr id="26" name="ZoneTexte 25"/>
+          <p:cNvSpPr txBox="1"/>
+          <p:nvPr/>
+        </p:nvSpPr>
+        <p:spPr>
+          <a:xfrm>
+            <a:off x="6194946" y="3517555"/>
+            <a:ext cx="731998" cy="369332"/>
+          </a:xfrm>
+          <a:prstGeom prst="rect">
+            <a:avLst/>
+          </a:prstGeom>
+          <a:solidFill>
+            <a:schemeClr val="bg1"/>
+          </a:solidFill>
+        </p:spPr>
+        <p:txBody>
+          <a:bodyPr wrap="square" rtlCol="0">
+            <a:spAutoFit/>
+          </a:bodyPr>
+          <a:lstStyle/>
+          <a:p>
+            <a:pPr algn="ctr"/>
+            <a:r>
+              <a:rPr lang="fr-FR" dirty="0" smtClean="0"/>
+              <a:t>L3</a:t>
+            </a:r>
+            <a:endParaRPr lang="en-US" dirty="0"/>
+          </a:p>
+        </p:txBody>
+      </p:sp>
     </p:spTree>
     <p:extLst>
       <p:ext uri="{BB962C8B-B14F-4D97-AF65-F5344CB8AC3E}">
-        <p14:creationId xmlns:p14="http://schemas.microsoft.com/office/powerpoint/2010/main" val="3102765428"/>
+        <p14:creationId xmlns:p14="http://schemas.microsoft.com/office/powerpoint/2010/main" val="3933315873"/>
       </p:ext>
     </p:extLst>
   </p:cSld>
@@ -4009,351 +8857,231 @@
           <a:lstStyle/>
           <a:p>
             <a:r>
+              <a:rPr lang="fr-FR" dirty="0" err="1" smtClean="0"/>
+              <a:t>Weight</a:t>
+            </a:r>
+            <a:r>
               <a:rPr lang="fr-FR" dirty="0" smtClean="0"/>
-              <a:t>Data </a:t>
-            </a:r>
-            <a:r>
-              <a:rPr lang="fr-FR" dirty="0" err="1"/>
-              <a:t>Processing</a:t>
+              <a:t> matrix and </a:t>
+            </a:r>
+            <a:r>
+              <a:rPr lang="fr-FR" dirty="0" err="1" smtClean="0"/>
+              <a:t>vector</a:t>
+            </a:r>
+            <a:r>
+              <a:rPr lang="fr-FR" dirty="0" smtClean="0"/>
+              <a:t> Beta</a:t>
             </a:r>
             <a:endParaRPr lang="en-US" dirty="0"/>
           </a:p>
         </p:txBody>
       </p:sp>
-      <p:sp>
-        <p:nvSpPr>
-          <p:cNvPr id="3" name="ZoneTexte 2"/>
-          <p:cNvSpPr txBox="1"/>
+      <p:pic>
+        <p:nvPicPr>
+          <p:cNvPr id="4" name="Picture 2" descr="http://ufldl.stanford.edu/tutorial/images/Network3322.png"/>
+          <p:cNvPicPr>
+            <a:picLocks noChangeAspect="1" noChangeArrowheads="1"/>
+          </p:cNvPicPr>
           <p:nvPr/>
-        </p:nvSpPr>
-        <p:spPr>
+        </p:nvPicPr>
+        <p:blipFill rotWithShape="1">
+          <a:blip r:embed="rId2" cstate="print">
+            <a:extLst>
+              <a:ext uri="{28A0092B-C50C-407E-A947-70E740481C1C}">
+                <a14:useLocalDpi xmlns:a14="http://schemas.microsoft.com/office/drawing/2010/main" val="0"/>
+              </a:ext>
+            </a:extLst>
+          </a:blip>
+          <a:srcRect l="27587" r="34957"/>
+          <a:stretch/>
+        </p:blipFill>
+        <p:spPr bwMode="auto">
           <a:xfrm>
-            <a:off x="1018488" y="2138581"/>
-            <a:ext cx="2492990" cy="400110"/>
+            <a:off x="1514275" y="1131589"/>
+            <a:ext cx="2454506" cy="3276016"/>
           </a:xfrm>
           <a:prstGeom prst="rect">
             <a:avLst/>
           </a:prstGeom>
-          <a:solidFill>
-            <a:schemeClr val="tx2">
-              <a:lumMod val="40000"/>
-              <a:lumOff val="60000"/>
-            </a:schemeClr>
-          </a:solidFill>
+          <a:noFill/>
+          <a:extLst>
+            <a:ext uri="{909E8E84-426E-40DD-AFC4-6F175D3DCCD1}">
+              <a14:hiddenFill xmlns:a14="http://schemas.microsoft.com/office/drawing/2010/main">
+                <a:solidFill>
+                  <a:srgbClr val="FFFFFF"/>
+                </a:solidFill>
+              </a14:hiddenFill>
+            </a:ext>
+          </a:extLst>
         </p:spPr>
-        <p:txBody>
-          <a:bodyPr wrap="none" rtlCol="0">
-            <a:spAutoFit/>
-          </a:bodyPr>
-          <a:lstStyle/>
-          <a:p>
-            <a:r>
-              <a:rPr lang="fr-FR" sz="2000" dirty="0" smtClean="0">
-                <a:latin typeface="Lucida Console" panose="020B0609040504020204" pitchFamily="49" charset="0"/>
-              </a:rPr>
-              <a:t>Data </a:t>
-            </a:r>
-            <a:r>
-              <a:rPr lang="fr-FR" sz="2000" dirty="0" err="1" smtClean="0">
-                <a:latin typeface="Lucida Console" panose="020B0609040504020204" pitchFamily="49" charset="0"/>
-              </a:rPr>
-              <a:t>processing</a:t>
-            </a:r>
-            <a:endParaRPr lang="en-US" sz="2000" dirty="0">
-              <a:latin typeface="Lucida Console" panose="020B0609040504020204" pitchFamily="49" charset="0"/>
-            </a:endParaRPr>
-          </a:p>
-        </p:txBody>
-      </p:sp>
-      <p:sp>
-        <p:nvSpPr>
-          <p:cNvPr id="51" name="ZoneTexte 50"/>
+      </p:pic>
+      <mc:AlternateContent xmlns:mc="http://schemas.openxmlformats.org/markup-compatibility/2006">
+        <mc:Choice xmlns:a14="http://schemas.microsoft.com/office/drawing/2010/main" Requires="a14">
+          <p:sp>
+            <p:nvSpPr>
+              <p:cNvPr id="5" name="ZoneTexte 4"/>
+              <p:cNvSpPr txBox="1"/>
+              <p:nvPr/>
+            </p:nvSpPr>
+            <p:spPr>
+              <a:xfrm>
+                <a:off x="6124512" y="1549206"/>
+                <a:ext cx="1503745" cy="846963"/>
+              </a:xfrm>
+              <a:prstGeom prst="rect">
+                <a:avLst/>
+              </a:prstGeom>
+              <a:noFill/>
+            </p:spPr>
+            <p:txBody>
+              <a:bodyPr wrap="none" rtlCol="0">
+                <a:spAutoFit/>
+              </a:bodyPr>
+              <a:lstStyle/>
+              <a:p>
+                <a14:m>
+                  <m:oMathPara xmlns:m="http://schemas.openxmlformats.org/officeDocument/2006/math">
+                    <m:oMathParaPr>
+                      <m:jc m:val="centerGroup"/>
+                    </m:oMathParaPr>
+                    <m:oMath xmlns:m="http://schemas.openxmlformats.org/officeDocument/2006/math">
+                      <m:d>
+                        <m:dPr>
+                          <m:begChr m:val="["/>
+                          <m:endChr m:val="]"/>
+                          <m:ctrlPr>
+                            <a:rPr lang="en-US" i="1" smtClean="0">
+                              <a:latin typeface="Cambria Math"/>
+                            </a:rPr>
+                          </m:ctrlPr>
+                        </m:dPr>
+                        <m:e>
+                          <m:m>
+                            <m:mPr>
+                              <m:mcs>
+                                <m:mc>
+                                  <m:mcPr>
+                                    <m:count m:val="3"/>
+                                    <m:mcJc m:val="center"/>
+                                  </m:mcPr>
+                                </m:mc>
+                              </m:mcs>
+                              <m:ctrlPr>
+                                <a:rPr lang="en-US" i="1" smtClean="0">
+                                  <a:latin typeface="Cambria Math"/>
+                                </a:rPr>
+                              </m:ctrlPr>
+                            </m:mPr>
+                            <m:mr>
+                              <m:e/>
+                              <m:e>
+                                <m:r>
+                                  <a:rPr lang="en-US" i="1" smtClean="0">
+                                    <a:latin typeface="Cambria Math"/>
+                                  </a:rPr>
+                                  <m:t>⋯</m:t>
+                                </m:r>
+                              </m:e>
+                              <m:e/>
+                            </m:mr>
+                            <m:mr>
+                              <m:e>
+                                <m:r>
+                                  <a:rPr lang="en-US" i="1" smtClean="0">
+                                    <a:latin typeface="Cambria Math"/>
+                                  </a:rPr>
+                                  <m:t>⋮</m:t>
+                                </m:r>
+                              </m:e>
+                              <m:e>
+                                <m:r>
+                                  <a:rPr lang="en-US" i="1" smtClean="0">
+                                    <a:latin typeface="Cambria Math"/>
+                                  </a:rPr>
+                                  <m:t>⋱</m:t>
+                                </m:r>
+                              </m:e>
+                              <m:e>
+                                <m:r>
+                                  <a:rPr lang="en-US" i="1" smtClean="0">
+                                    <a:latin typeface="Cambria Math"/>
+                                  </a:rPr>
+                                  <m:t>⋮</m:t>
+                                </m:r>
+                              </m:e>
+                            </m:mr>
+                            <m:mr>
+                              <m:e/>
+                              <m:e>
+                                <m:r>
+                                  <a:rPr lang="en-US" i="1" smtClean="0">
+                                    <a:latin typeface="Cambria Math"/>
+                                  </a:rPr>
+                                  <m:t>⋯</m:t>
+                                </m:r>
+                              </m:e>
+                              <m:e/>
+                            </m:mr>
+                          </m:m>
+                        </m:e>
+                      </m:d>
+                    </m:oMath>
+                  </m:oMathPara>
+                </a14:m>
+                <a:endParaRPr lang="en-US" dirty="0"/>
+              </a:p>
+            </p:txBody>
+          </p:sp>
+        </mc:Choice>
+        <mc:Fallback>
+          <p:sp>
+            <p:nvSpPr>
+              <p:cNvPr id="5" name="ZoneTexte 4"/>
+              <p:cNvSpPr txBox="1">
+                <a:spLocks noRot="1" noChangeAspect="1" noMove="1" noResize="1" noEditPoints="1" noAdjustHandles="1" noChangeArrowheads="1" noChangeShapeType="1" noTextEdit="1"/>
+              </p:cNvSpPr>
+              <p:nvPr/>
+            </p:nvSpPr>
+            <p:spPr>
+              <a:xfrm>
+                <a:off x="6124512" y="1549206"/>
+                <a:ext cx="1503745" cy="846963"/>
+              </a:xfrm>
+              <a:prstGeom prst="rect">
+                <a:avLst/>
+              </a:prstGeom>
+              <a:blipFill rotWithShape="1">
+                <a:blip r:embed="rId3"/>
+                <a:stretch>
+                  <a:fillRect/>
+                </a:stretch>
+              </a:blipFill>
+            </p:spPr>
+            <p:txBody>
+              <a:bodyPr/>
+              <a:lstStyle/>
+              <a:p>
+                <a:r>
+                  <a:rPr lang="en-US">
+                    <a:noFill/>
+                  </a:rPr>
+                  <a:t> </a:t>
+                </a:r>
+              </a:p>
+            </p:txBody>
+          </p:sp>
+        </mc:Fallback>
+      </mc:AlternateContent>
+      <p:sp>
+        <p:nvSpPr>
+          <p:cNvPr id="6" name="ZoneTexte 5"/>
           <p:cNvSpPr txBox="1"/>
           <p:nvPr/>
         </p:nvSpPr>
         <p:spPr>
           <a:xfrm>
-            <a:off x="3875876" y="2138581"/>
-            <a:ext cx="954107" cy="400110"/>
-          </a:xfrm>
-          <a:prstGeom prst="rect">
-            <a:avLst/>
-          </a:prstGeom>
-          <a:solidFill>
-            <a:schemeClr val="accent3">
-              <a:lumMod val="40000"/>
-              <a:lumOff val="60000"/>
-            </a:schemeClr>
-          </a:solidFill>
-        </p:spPr>
-        <p:txBody>
-          <a:bodyPr wrap="none" rtlCol="0">
-            <a:spAutoFit/>
-          </a:bodyPr>
-          <a:lstStyle/>
-          <a:p>
-            <a:r>
-              <a:rPr lang="fr-FR" sz="2000" dirty="0" smtClean="0">
-                <a:latin typeface="Lucida Console" panose="020B0609040504020204" pitchFamily="49" charset="0"/>
-              </a:rPr>
-              <a:t>Model</a:t>
-            </a:r>
-            <a:endParaRPr lang="en-US" sz="2000" dirty="0">
-              <a:latin typeface="Lucida Console" panose="020B0609040504020204" pitchFamily="49" charset="0"/>
-            </a:endParaRPr>
-          </a:p>
-        </p:txBody>
-      </p:sp>
-      <p:cxnSp>
-        <p:nvCxnSpPr>
-          <p:cNvPr id="5" name="Connecteur droit avec flèche 4"/>
-          <p:cNvCxnSpPr/>
-          <p:nvPr/>
-        </p:nvCxnSpPr>
-        <p:spPr>
-          <a:xfrm>
-            <a:off x="3491880" y="2347188"/>
-            <a:ext cx="364394" cy="0"/>
-          </a:xfrm>
-          <a:prstGeom prst="straightConnector1">
-            <a:avLst/>
-          </a:prstGeom>
-          <a:ln>
-            <a:solidFill>
-              <a:schemeClr val="tx1"/>
-            </a:solidFill>
-            <a:tailEnd type="arrow"/>
-          </a:ln>
-        </p:spPr>
-        <p:style>
-          <a:lnRef idx="1">
-            <a:schemeClr val="accent1"/>
-          </a:lnRef>
-          <a:fillRef idx="0">
-            <a:schemeClr val="accent1"/>
-          </a:fillRef>
-          <a:effectRef idx="0">
-            <a:schemeClr val="accent1"/>
-          </a:effectRef>
-          <a:fontRef idx="minor">
-            <a:schemeClr val="tx1"/>
-          </a:fontRef>
-        </p:style>
-      </p:cxnSp>
-      <p:sp>
-        <p:nvSpPr>
-          <p:cNvPr id="55" name="ZoneTexte 54"/>
-          <p:cNvSpPr txBox="1"/>
-          <p:nvPr/>
-        </p:nvSpPr>
-        <p:spPr>
-          <a:xfrm>
-            <a:off x="5129265" y="2137140"/>
-            <a:ext cx="2954655" cy="400110"/>
-          </a:xfrm>
-          <a:prstGeom prst="rect">
-            <a:avLst/>
-          </a:prstGeom>
-          <a:solidFill>
-            <a:schemeClr val="accent3">
-              <a:lumMod val="40000"/>
-              <a:lumOff val="60000"/>
-            </a:schemeClr>
-          </a:solidFill>
-        </p:spPr>
-        <p:txBody>
-          <a:bodyPr wrap="none" rtlCol="0">
-            <a:spAutoFit/>
-          </a:bodyPr>
-          <a:lstStyle/>
-          <a:p>
-            <a:r>
-              <a:rPr lang="fr-FR" sz="2000" dirty="0" smtClean="0">
-                <a:latin typeface="Lucida Console" panose="020B0609040504020204" pitchFamily="49" charset="0"/>
-              </a:rPr>
-              <a:t>Performance </a:t>
-            </a:r>
-            <a:r>
-              <a:rPr lang="fr-FR" sz="2000" dirty="0" err="1" smtClean="0">
-                <a:latin typeface="Lucida Console" panose="020B0609040504020204" pitchFamily="49" charset="0"/>
-              </a:rPr>
-              <a:t>metric</a:t>
-            </a:r>
-            <a:endParaRPr lang="en-US" sz="2000" dirty="0">
-              <a:latin typeface="Lucida Console" panose="020B0609040504020204" pitchFamily="49" charset="0"/>
-            </a:endParaRPr>
-          </a:p>
-        </p:txBody>
-      </p:sp>
-      <p:cxnSp>
-        <p:nvCxnSpPr>
-          <p:cNvPr id="56" name="Connecteur droit avec flèche 55"/>
-          <p:cNvCxnSpPr/>
-          <p:nvPr/>
-        </p:nvCxnSpPr>
-        <p:spPr>
-          <a:xfrm flipV="1">
-            <a:off x="4810381" y="2345749"/>
-            <a:ext cx="299282" cy="1441"/>
-          </a:xfrm>
-          <a:prstGeom prst="straightConnector1">
-            <a:avLst/>
-          </a:prstGeom>
-          <a:ln>
-            <a:solidFill>
-              <a:schemeClr val="tx1"/>
-            </a:solidFill>
-            <a:tailEnd type="arrow"/>
-          </a:ln>
-        </p:spPr>
-        <p:style>
-          <a:lnRef idx="1">
-            <a:schemeClr val="accent1"/>
-          </a:lnRef>
-          <a:fillRef idx="0">
-            <a:schemeClr val="accent1"/>
-          </a:fillRef>
-          <a:effectRef idx="0">
-            <a:schemeClr val="accent1"/>
-          </a:effectRef>
-          <a:fontRef idx="minor">
-            <a:schemeClr val="tx1"/>
-          </a:fontRef>
-        </p:style>
-      </p:cxnSp>
-      <p:sp>
-        <p:nvSpPr>
-          <p:cNvPr id="59" name="Arc 58"/>
-          <p:cNvSpPr/>
-          <p:nvPr/>
-        </p:nvSpPr>
-        <p:spPr>
-          <a:xfrm>
-            <a:off x="4352925" y="1483092"/>
-            <a:ext cx="1895144" cy="905896"/>
-          </a:xfrm>
-          <a:prstGeom prst="arc">
-            <a:avLst>
-              <a:gd name="adj1" fmla="val 10809304"/>
-              <a:gd name="adj2" fmla="val 0"/>
-            </a:avLst>
-          </a:prstGeom>
-          <a:ln>
-            <a:solidFill>
-              <a:schemeClr val="tx1"/>
-            </a:solidFill>
-          </a:ln>
-        </p:spPr>
-        <p:style>
-          <a:lnRef idx="1">
-            <a:schemeClr val="accent1"/>
-          </a:lnRef>
-          <a:fillRef idx="0">
-            <a:schemeClr val="accent1"/>
-          </a:fillRef>
-          <a:effectRef idx="0">
-            <a:schemeClr val="accent1"/>
-          </a:effectRef>
-          <a:fontRef idx="minor">
-            <a:schemeClr val="tx1"/>
-          </a:fontRef>
-        </p:style>
-        <p:txBody>
-          <a:bodyPr rtlCol="0" anchor="ctr"/>
-          <a:lstStyle/>
-          <a:p>
-            <a:pPr algn="ctr"/>
-            <a:endParaRPr lang="en-US"/>
-          </a:p>
-        </p:txBody>
-      </p:sp>
-      <p:cxnSp>
-        <p:nvCxnSpPr>
-          <p:cNvPr id="61" name="Connecteur droit avec flèche 60"/>
-          <p:cNvCxnSpPr>
-            <a:stCxn id="59" idx="0"/>
-          </p:cNvCxnSpPr>
-          <p:nvPr/>
-        </p:nvCxnSpPr>
-        <p:spPr>
-          <a:xfrm flipH="1">
-            <a:off x="4352929" y="1933478"/>
-            <a:ext cx="15" cy="59929"/>
-          </a:xfrm>
-          <a:prstGeom prst="straightConnector1">
-            <a:avLst/>
-          </a:prstGeom>
-          <a:ln>
-            <a:solidFill>
-              <a:schemeClr val="tx1"/>
-            </a:solidFill>
-            <a:tailEnd type="arrow"/>
-          </a:ln>
-        </p:spPr>
-        <p:style>
-          <a:lnRef idx="1">
-            <a:schemeClr val="accent1"/>
-          </a:lnRef>
-          <a:fillRef idx="0">
-            <a:schemeClr val="accent1"/>
-          </a:fillRef>
-          <a:effectRef idx="0">
-            <a:schemeClr val="accent1"/>
-          </a:effectRef>
-          <a:fontRef idx="minor">
-            <a:schemeClr val="tx1"/>
-          </a:fontRef>
-        </p:style>
-      </p:cxnSp>
-      <p:sp>
-        <p:nvSpPr>
-          <p:cNvPr id="64" name="ZoneTexte 63"/>
-          <p:cNvSpPr txBox="1"/>
-          <p:nvPr/>
-        </p:nvSpPr>
-        <p:spPr>
-          <a:xfrm>
-            <a:off x="4592611" y="987574"/>
-            <a:ext cx="1415772" cy="400110"/>
-          </a:xfrm>
-          <a:prstGeom prst="rect">
-            <a:avLst/>
-          </a:prstGeom>
-          <a:solidFill>
-            <a:schemeClr val="accent3">
-              <a:lumMod val="40000"/>
-              <a:lumOff val="60000"/>
-            </a:schemeClr>
-          </a:solidFill>
-        </p:spPr>
-        <p:txBody>
-          <a:bodyPr wrap="none" rtlCol="0">
-            <a:spAutoFit/>
-          </a:bodyPr>
-          <a:lstStyle/>
-          <a:p>
-            <a:r>
-              <a:rPr lang="fr-FR" sz="2000" dirty="0" smtClean="0">
-                <a:latin typeface="Lucida Console" panose="020B0609040504020204" pitchFamily="49" charset="0"/>
-              </a:rPr>
-              <a:t>Learning</a:t>
-            </a:r>
-            <a:endParaRPr lang="en-US" sz="2000" dirty="0">
-              <a:latin typeface="Lucida Console" panose="020B0609040504020204" pitchFamily="49" charset="0"/>
-            </a:endParaRPr>
-          </a:p>
-        </p:txBody>
-      </p:sp>
-      <p:sp>
-        <p:nvSpPr>
-          <p:cNvPr id="16" name="ZoneTexte 15"/>
-          <p:cNvSpPr txBox="1"/>
-          <p:nvPr/>
-        </p:nvSpPr>
-        <p:spPr>
-          <a:xfrm>
-            <a:off x="1763688" y="3303137"/>
-            <a:ext cx="5902577" cy="1477328"/>
+            <a:off x="5664459" y="1760088"/>
+            <a:ext cx="301686" cy="369332"/>
           </a:xfrm>
           <a:prstGeom prst="rect">
             <a:avLst/>
@@ -4366,583 +9094,253 @@
           </a:bodyPr>
           <a:lstStyle/>
           <a:p>
-            <a:pPr algn="ctr"/>
-            <a:r>
-              <a:rPr lang="fr-FR" dirty="0" err="1" smtClean="0">
-                <a:latin typeface="Lucida Console" panose="020B0609040504020204" pitchFamily="49" charset="0"/>
-              </a:rPr>
-              <a:t>Numerical</a:t>
-            </a:r>
-            <a:r>
-              <a:rPr lang="fr-FR" dirty="0" smtClean="0">
-                <a:latin typeface="Lucida Console" panose="020B0609040504020204" pitchFamily="49" charset="0"/>
-              </a:rPr>
-              <a:t> data -&gt; ok for </a:t>
-            </a:r>
-            <a:r>
-              <a:rPr lang="fr-FR" dirty="0" err="1" smtClean="0">
-                <a:latin typeface="Lucida Console" panose="020B0609040504020204" pitchFamily="49" charset="0"/>
-              </a:rPr>
-              <a:t>models</a:t>
-            </a:r>
-            <a:endParaRPr lang="fr-FR" dirty="0" smtClean="0">
-              <a:latin typeface="Lucida Console" panose="020B0609040504020204" pitchFamily="49" charset="0"/>
-            </a:endParaRPr>
-          </a:p>
-          <a:p>
-            <a:pPr algn="ctr"/>
-            <a:r>
-              <a:rPr lang="fr-FR" dirty="0">
-                <a:latin typeface="Lucida Console" panose="020B0609040504020204" pitchFamily="49" charset="0"/>
-              </a:rPr>
-              <a:t>*</a:t>
-            </a:r>
-            <a:endParaRPr lang="fr-FR" dirty="0" smtClean="0">
-              <a:latin typeface="Lucida Console" panose="020B0609040504020204" pitchFamily="49" charset="0"/>
-            </a:endParaRPr>
-          </a:p>
-          <a:p>
-            <a:pPr algn="ctr"/>
-            <a:r>
-              <a:rPr lang="fr-FR" dirty="0">
-                <a:latin typeface="Lucida Console" panose="020B0609040504020204" pitchFamily="49" charset="0"/>
-              </a:rPr>
-              <a:t>Natural langage </a:t>
-            </a:r>
-            <a:r>
-              <a:rPr lang="fr-FR" dirty="0" smtClean="0">
-                <a:latin typeface="Lucida Console" panose="020B0609040504020204" pitchFamily="49" charset="0"/>
-              </a:rPr>
-              <a:t>data -&gt; </a:t>
-            </a:r>
-            <a:r>
-              <a:rPr lang="fr-FR" dirty="0" err="1" smtClean="0">
-                <a:latin typeface="Lucida Console" panose="020B0609040504020204" pitchFamily="49" charset="0"/>
-              </a:rPr>
-              <a:t>turn</a:t>
-            </a:r>
-            <a:r>
-              <a:rPr lang="fr-FR" dirty="0" smtClean="0">
-                <a:latin typeface="Lucida Console" panose="020B0609040504020204" pitchFamily="49" charset="0"/>
-              </a:rPr>
-              <a:t> to </a:t>
-            </a:r>
-            <a:r>
-              <a:rPr lang="fr-FR" dirty="0" err="1" smtClean="0">
-                <a:latin typeface="Lucida Console" panose="020B0609040504020204" pitchFamily="49" charset="0"/>
-              </a:rPr>
-              <a:t>numerical</a:t>
-            </a:r>
-            <a:endParaRPr lang="fr-FR" dirty="0" smtClean="0">
-              <a:latin typeface="Lucida Console" panose="020B0609040504020204" pitchFamily="49" charset="0"/>
-            </a:endParaRPr>
-          </a:p>
-          <a:p>
-            <a:pPr algn="ctr"/>
-            <a:r>
-              <a:rPr lang="fr-FR" dirty="0">
-                <a:latin typeface="Lucida Console" panose="020B0609040504020204" pitchFamily="49" charset="0"/>
-              </a:rPr>
-              <a:t>*</a:t>
-            </a:r>
-            <a:endParaRPr lang="fr-FR" dirty="0" smtClean="0">
-              <a:latin typeface="Lucida Console" panose="020B0609040504020204" pitchFamily="49" charset="0"/>
-            </a:endParaRPr>
-          </a:p>
-          <a:p>
-            <a:pPr algn="ctr"/>
-            <a:r>
-              <a:rPr lang="fr-FR" dirty="0" smtClean="0">
-                <a:latin typeface="Lucida Console" panose="020B0609040504020204" pitchFamily="49" charset="0"/>
-              </a:rPr>
-              <a:t>Images -&gt; use pixels values</a:t>
-            </a:r>
-            <a:endParaRPr lang="en-US" dirty="0">
-              <a:latin typeface="Lucida Console" panose="020B0609040504020204" pitchFamily="49" charset="0"/>
-            </a:endParaRPr>
-          </a:p>
-        </p:txBody>
-      </p:sp>
-      <p:grpSp>
-        <p:nvGrpSpPr>
-          <p:cNvPr id="19" name="Groupe 18"/>
-          <p:cNvGrpSpPr/>
+            <a:r>
+              <a:rPr lang="fr-FR" dirty="0" smtClean="0"/>
+              <a:t>3</a:t>
+            </a:r>
+            <a:endParaRPr lang="en-US" dirty="0"/>
+          </a:p>
+        </p:txBody>
+      </p:sp>
+      <p:sp>
+        <p:nvSpPr>
+          <p:cNvPr id="7" name="ZoneTexte 6"/>
+          <p:cNvSpPr txBox="1"/>
           <p:nvPr/>
-        </p:nvGrpSpPr>
-        <p:grpSpPr>
+        </p:nvSpPr>
+        <p:spPr>
           <a:xfrm>
-            <a:off x="261871" y="3376302"/>
-            <a:ext cx="1192745" cy="1283680"/>
-            <a:chOff x="7499045" y="3144434"/>
-            <a:chExt cx="1473209" cy="1448741"/>
+            <a:off x="6736103" y="1195914"/>
+            <a:ext cx="301686" cy="369332"/>
           </a:xfrm>
-        </p:grpSpPr>
-        <p:pic>
-          <p:nvPicPr>
-            <p:cNvPr id="20" name="Picture 2" descr="C:\Users\L_VERLINGUE\Downloads\Bloc_notes.png"/>
-            <p:cNvPicPr>
-              <a:picLocks noChangeAspect="1" noChangeArrowheads="1"/>
-            </p:cNvPicPr>
-            <p:nvPr/>
-          </p:nvPicPr>
-          <p:blipFill>
-            <a:blip r:embed="rId2" cstate="print">
-              <a:extLst>
-                <a:ext uri="{28A0092B-C50C-407E-A947-70E740481C1C}">
-                  <a14:useLocalDpi xmlns:a14="http://schemas.microsoft.com/office/drawing/2010/main" val="0"/>
-                </a:ext>
-              </a:extLst>
-            </a:blip>
-            <a:srcRect/>
-            <a:stretch>
-              <a:fillRect/>
-            </a:stretch>
-          </p:blipFill>
-          <p:spPr bwMode="auto">
-            <a:xfrm>
-              <a:off x="7499045" y="3144434"/>
-              <a:ext cx="1473209" cy="1448741"/>
-            </a:xfrm>
-            <a:prstGeom prst="rect">
-              <a:avLst/>
-            </a:prstGeom>
-            <a:noFill/>
-            <a:extLst>
-              <a:ext uri="{909E8E84-426E-40DD-AFC4-6F175D3DCCD1}">
-                <a14:hiddenFill xmlns:a14="http://schemas.microsoft.com/office/drawing/2010/main">
-                  <a:solidFill>
-                    <a:srgbClr val="FFFFFF"/>
-                  </a:solidFill>
-                </a14:hiddenFill>
-              </a:ext>
-            </a:extLst>
-          </p:spPr>
-        </p:pic>
-        <p:cxnSp>
-          <p:nvCxnSpPr>
-            <p:cNvPr id="21" name="Connecteur droit 20"/>
-            <p:cNvCxnSpPr/>
-            <p:nvPr/>
-          </p:nvCxnSpPr>
-          <p:spPr>
-            <a:xfrm>
-              <a:off x="8047261" y="3532553"/>
-              <a:ext cx="644529" cy="0"/>
-            </a:xfrm>
-            <a:prstGeom prst="line">
-              <a:avLst/>
-            </a:prstGeom>
-            <a:ln w="76200">
-              <a:solidFill>
-                <a:schemeClr val="bg2"/>
-              </a:solidFill>
-            </a:ln>
-          </p:spPr>
-          <p:style>
-            <a:lnRef idx="1">
-              <a:schemeClr val="accent1"/>
-            </a:lnRef>
-            <a:fillRef idx="0">
-              <a:schemeClr val="accent1"/>
-            </a:fillRef>
-            <a:effectRef idx="0">
-              <a:schemeClr val="accent1"/>
-            </a:effectRef>
-            <a:fontRef idx="minor">
-              <a:schemeClr val="tx1"/>
-            </a:fontRef>
-          </p:style>
-        </p:cxnSp>
-        <p:sp>
-          <p:nvSpPr>
-            <p:cNvPr id="22" name="Ellipse 21"/>
-            <p:cNvSpPr/>
-            <p:nvPr/>
-          </p:nvSpPr>
-          <p:spPr>
-            <a:xfrm>
-              <a:off x="7762604" y="3488342"/>
-              <a:ext cx="92076" cy="74766"/>
-            </a:xfrm>
-            <a:prstGeom prst="ellipse">
-              <a:avLst/>
-            </a:prstGeom>
-            <a:solidFill>
-              <a:schemeClr val="bg2"/>
-            </a:solidFill>
-            <a:ln w="76200">
-              <a:solidFill>
-                <a:schemeClr val="bg2"/>
-              </a:solidFill>
-            </a:ln>
-          </p:spPr>
-          <p:style>
-            <a:lnRef idx="2">
-              <a:schemeClr val="accent1">
-                <a:shade val="50000"/>
-              </a:schemeClr>
-            </a:lnRef>
-            <a:fillRef idx="1">
-              <a:schemeClr val="accent1"/>
-            </a:fillRef>
-            <a:effectRef idx="0">
-              <a:schemeClr val="accent1"/>
-            </a:effectRef>
-            <a:fontRef idx="minor">
-              <a:schemeClr val="lt1"/>
-            </a:fontRef>
-          </p:style>
-          <p:txBody>
-            <a:bodyPr rtlCol="0" anchor="ctr"/>
-            <a:lstStyle/>
-            <a:p>
-              <a:pPr algn="ctr"/>
-              <a:endParaRPr lang="en-US"/>
-            </a:p>
-          </p:txBody>
-        </p:sp>
-        <p:cxnSp>
-          <p:nvCxnSpPr>
-            <p:cNvPr id="23" name="Connecteur droit 22"/>
-            <p:cNvCxnSpPr/>
-            <p:nvPr/>
-          </p:nvCxnSpPr>
-          <p:spPr>
-            <a:xfrm>
-              <a:off x="8047261" y="3698751"/>
-              <a:ext cx="644529" cy="0"/>
-            </a:xfrm>
-            <a:prstGeom prst="line">
-              <a:avLst/>
-            </a:prstGeom>
-            <a:ln w="76200">
-              <a:solidFill>
-                <a:schemeClr val="bg2"/>
-              </a:solidFill>
-            </a:ln>
-          </p:spPr>
-          <p:style>
-            <a:lnRef idx="1">
-              <a:schemeClr val="accent1"/>
-            </a:lnRef>
-            <a:fillRef idx="0">
-              <a:schemeClr val="accent1"/>
-            </a:fillRef>
-            <a:effectRef idx="0">
-              <a:schemeClr val="accent1"/>
-            </a:effectRef>
-            <a:fontRef idx="minor">
-              <a:schemeClr val="tx1"/>
-            </a:fontRef>
-          </p:style>
-        </p:cxnSp>
-        <p:sp>
-          <p:nvSpPr>
-            <p:cNvPr id="24" name="Ellipse 23"/>
-            <p:cNvSpPr/>
-            <p:nvPr/>
-          </p:nvSpPr>
-          <p:spPr>
-            <a:xfrm>
-              <a:off x="7762604" y="3654541"/>
-              <a:ext cx="92076" cy="74766"/>
-            </a:xfrm>
-            <a:prstGeom prst="ellipse">
-              <a:avLst/>
-            </a:prstGeom>
-            <a:solidFill>
-              <a:schemeClr val="bg2"/>
-            </a:solidFill>
-            <a:ln w="76200">
-              <a:solidFill>
-                <a:schemeClr val="bg2"/>
-              </a:solidFill>
-            </a:ln>
-          </p:spPr>
-          <p:style>
-            <a:lnRef idx="2">
-              <a:schemeClr val="accent1">
-                <a:shade val="50000"/>
-              </a:schemeClr>
-            </a:lnRef>
-            <a:fillRef idx="1">
-              <a:schemeClr val="accent1"/>
-            </a:fillRef>
-            <a:effectRef idx="0">
-              <a:schemeClr val="accent1"/>
-            </a:effectRef>
-            <a:fontRef idx="minor">
-              <a:schemeClr val="lt1"/>
-            </a:fontRef>
-          </p:style>
-          <p:txBody>
-            <a:bodyPr rtlCol="0" anchor="ctr"/>
-            <a:lstStyle/>
-            <a:p>
-              <a:pPr algn="ctr"/>
-              <a:endParaRPr lang="en-US"/>
-            </a:p>
-          </p:txBody>
-        </p:sp>
-        <p:cxnSp>
-          <p:nvCxnSpPr>
-            <p:cNvPr id="25" name="Connecteur droit 24"/>
-            <p:cNvCxnSpPr/>
-            <p:nvPr/>
-          </p:nvCxnSpPr>
-          <p:spPr>
-            <a:xfrm>
-              <a:off x="8047261" y="3864950"/>
-              <a:ext cx="644529" cy="0"/>
-            </a:xfrm>
-            <a:prstGeom prst="line">
-              <a:avLst/>
-            </a:prstGeom>
-            <a:ln w="76200">
-              <a:solidFill>
-                <a:schemeClr val="bg2"/>
-              </a:solidFill>
-            </a:ln>
-          </p:spPr>
-          <p:style>
-            <a:lnRef idx="1">
-              <a:schemeClr val="accent1"/>
-            </a:lnRef>
-            <a:fillRef idx="0">
-              <a:schemeClr val="accent1"/>
-            </a:fillRef>
-            <a:effectRef idx="0">
-              <a:schemeClr val="accent1"/>
-            </a:effectRef>
-            <a:fontRef idx="minor">
-              <a:schemeClr val="tx1"/>
-            </a:fontRef>
-          </p:style>
-        </p:cxnSp>
-        <p:sp>
-          <p:nvSpPr>
-            <p:cNvPr id="26" name="Ellipse 25"/>
-            <p:cNvSpPr/>
-            <p:nvPr/>
-          </p:nvSpPr>
-          <p:spPr>
-            <a:xfrm>
-              <a:off x="7762604" y="3820739"/>
-              <a:ext cx="92076" cy="74766"/>
-            </a:xfrm>
-            <a:prstGeom prst="ellipse">
-              <a:avLst/>
-            </a:prstGeom>
-            <a:solidFill>
-              <a:schemeClr val="bg2"/>
-            </a:solidFill>
-            <a:ln w="76200">
-              <a:solidFill>
-                <a:schemeClr val="bg2"/>
-              </a:solidFill>
-            </a:ln>
-          </p:spPr>
-          <p:style>
-            <a:lnRef idx="2">
-              <a:schemeClr val="accent1">
-                <a:shade val="50000"/>
-              </a:schemeClr>
-            </a:lnRef>
-            <a:fillRef idx="1">
-              <a:schemeClr val="accent1"/>
-            </a:fillRef>
-            <a:effectRef idx="0">
-              <a:schemeClr val="accent1"/>
-            </a:effectRef>
-            <a:fontRef idx="minor">
-              <a:schemeClr val="lt1"/>
-            </a:fontRef>
-          </p:style>
-          <p:txBody>
-            <a:bodyPr rtlCol="0" anchor="ctr"/>
-            <a:lstStyle/>
-            <a:p>
-              <a:pPr algn="ctr"/>
-              <a:endParaRPr lang="en-US"/>
-            </a:p>
-          </p:txBody>
-        </p:sp>
-        <p:cxnSp>
-          <p:nvCxnSpPr>
-            <p:cNvPr id="27" name="Connecteur droit 26"/>
-            <p:cNvCxnSpPr/>
-            <p:nvPr/>
-          </p:nvCxnSpPr>
-          <p:spPr>
-            <a:xfrm>
-              <a:off x="8047261" y="4031149"/>
-              <a:ext cx="644529" cy="0"/>
-            </a:xfrm>
-            <a:prstGeom prst="line">
-              <a:avLst/>
-            </a:prstGeom>
-            <a:ln w="76200">
-              <a:solidFill>
-                <a:schemeClr val="bg2"/>
-              </a:solidFill>
-            </a:ln>
-          </p:spPr>
-          <p:style>
-            <a:lnRef idx="1">
-              <a:schemeClr val="accent1"/>
-            </a:lnRef>
-            <a:fillRef idx="0">
-              <a:schemeClr val="accent1"/>
-            </a:fillRef>
-            <a:effectRef idx="0">
-              <a:schemeClr val="accent1"/>
-            </a:effectRef>
-            <a:fontRef idx="minor">
-              <a:schemeClr val="tx1"/>
-            </a:fontRef>
-          </p:style>
-        </p:cxnSp>
-        <p:sp>
-          <p:nvSpPr>
-            <p:cNvPr id="28" name="Ellipse 27"/>
-            <p:cNvSpPr/>
-            <p:nvPr/>
-          </p:nvSpPr>
-          <p:spPr>
-            <a:xfrm>
-              <a:off x="7762604" y="3986938"/>
-              <a:ext cx="92076" cy="74766"/>
-            </a:xfrm>
-            <a:prstGeom prst="ellipse">
-              <a:avLst/>
-            </a:prstGeom>
-            <a:solidFill>
-              <a:schemeClr val="bg2"/>
-            </a:solidFill>
-            <a:ln w="76200">
-              <a:solidFill>
-                <a:schemeClr val="bg2"/>
-              </a:solidFill>
-            </a:ln>
-          </p:spPr>
-          <p:style>
-            <a:lnRef idx="2">
-              <a:schemeClr val="accent1">
-                <a:shade val="50000"/>
-              </a:schemeClr>
-            </a:lnRef>
-            <a:fillRef idx="1">
-              <a:schemeClr val="accent1"/>
-            </a:fillRef>
-            <a:effectRef idx="0">
-              <a:schemeClr val="accent1"/>
-            </a:effectRef>
-            <a:fontRef idx="minor">
-              <a:schemeClr val="lt1"/>
-            </a:fontRef>
-          </p:style>
-          <p:txBody>
-            <a:bodyPr rtlCol="0" anchor="ctr"/>
-            <a:lstStyle/>
-            <a:p>
-              <a:pPr algn="ctr"/>
-              <a:endParaRPr lang="en-US"/>
-            </a:p>
-          </p:txBody>
-        </p:sp>
-        <p:cxnSp>
-          <p:nvCxnSpPr>
-            <p:cNvPr id="29" name="Connecteur droit 28"/>
-            <p:cNvCxnSpPr/>
-            <p:nvPr/>
-          </p:nvCxnSpPr>
-          <p:spPr>
-            <a:xfrm>
-              <a:off x="8047261" y="4197347"/>
-              <a:ext cx="644529" cy="0"/>
-            </a:xfrm>
-            <a:prstGeom prst="line">
-              <a:avLst/>
-            </a:prstGeom>
-            <a:ln w="76200">
-              <a:solidFill>
-                <a:schemeClr val="bg2"/>
-              </a:solidFill>
-            </a:ln>
-          </p:spPr>
-          <p:style>
-            <a:lnRef idx="1">
-              <a:schemeClr val="accent1"/>
-            </a:lnRef>
-            <a:fillRef idx="0">
-              <a:schemeClr val="accent1"/>
-            </a:fillRef>
-            <a:effectRef idx="0">
-              <a:schemeClr val="accent1"/>
-            </a:effectRef>
-            <a:fontRef idx="minor">
-              <a:schemeClr val="tx1"/>
-            </a:fontRef>
-          </p:style>
-        </p:cxnSp>
-        <p:sp>
-          <p:nvSpPr>
-            <p:cNvPr id="30" name="Ellipse 29"/>
-            <p:cNvSpPr/>
-            <p:nvPr/>
-          </p:nvSpPr>
-          <p:spPr>
-            <a:xfrm>
-              <a:off x="7762604" y="4153137"/>
-              <a:ext cx="92076" cy="74766"/>
-            </a:xfrm>
-            <a:prstGeom prst="ellipse">
-              <a:avLst/>
-            </a:prstGeom>
-            <a:solidFill>
-              <a:schemeClr val="bg2"/>
-            </a:solidFill>
-            <a:ln w="76200">
-              <a:solidFill>
-                <a:schemeClr val="bg2"/>
-              </a:solidFill>
-            </a:ln>
-          </p:spPr>
-          <p:style>
-            <a:lnRef idx="2">
-              <a:schemeClr val="accent1">
-                <a:shade val="50000"/>
-              </a:schemeClr>
-            </a:lnRef>
-            <a:fillRef idx="1">
-              <a:schemeClr val="accent1"/>
-            </a:fillRef>
-            <a:effectRef idx="0">
-              <a:schemeClr val="accent1"/>
-            </a:effectRef>
-            <a:fontRef idx="minor">
-              <a:schemeClr val="lt1"/>
-            </a:fontRef>
-          </p:style>
-          <p:txBody>
-            <a:bodyPr rtlCol="0" anchor="ctr"/>
-            <a:lstStyle/>
-            <a:p>
-              <a:pPr algn="ctr"/>
-              <a:endParaRPr lang="en-US"/>
-            </a:p>
-          </p:txBody>
-        </p:sp>
-      </p:grpSp>
+          <a:prstGeom prst="rect">
+            <a:avLst/>
+          </a:prstGeom>
+          <a:noFill/>
+        </p:spPr>
+        <p:txBody>
+          <a:bodyPr wrap="none" rtlCol="0">
+            <a:spAutoFit/>
+          </a:bodyPr>
+          <a:lstStyle/>
+          <a:p>
+            <a:r>
+              <a:rPr lang="fr-FR" dirty="0" smtClean="0"/>
+              <a:t>2</a:t>
+            </a:r>
+            <a:endParaRPr lang="en-US" dirty="0"/>
+          </a:p>
+        </p:txBody>
+      </p:sp>
+      <p:sp>
+        <p:nvSpPr>
+          <p:cNvPr id="8" name="ZoneTexte 7"/>
+          <p:cNvSpPr txBox="1"/>
+          <p:nvPr/>
+        </p:nvSpPr>
+        <p:spPr>
+          <a:xfrm>
+            <a:off x="5077781" y="1772270"/>
+            <a:ext cx="558166" cy="369332"/>
+          </a:xfrm>
+          <a:prstGeom prst="rect">
+            <a:avLst/>
+          </a:prstGeom>
+          <a:noFill/>
+        </p:spPr>
+        <p:txBody>
+          <a:bodyPr wrap="none" rtlCol="0">
+            <a:spAutoFit/>
+          </a:bodyPr>
+          <a:lstStyle/>
+          <a:p>
+            <a:r>
+              <a:rPr lang="fr-FR" dirty="0" smtClean="0"/>
+              <a:t>W =</a:t>
+            </a:r>
+            <a:endParaRPr lang="en-US" dirty="0"/>
+          </a:p>
+        </p:txBody>
+      </p:sp>
+      <p:sp>
+        <p:nvSpPr>
+          <p:cNvPr id="9" name="ZoneTexte 8"/>
+          <p:cNvSpPr txBox="1"/>
+          <p:nvPr/>
+        </p:nvSpPr>
+        <p:spPr>
+          <a:xfrm>
+            <a:off x="5635947" y="3507854"/>
+            <a:ext cx="1855316" cy="369332"/>
+          </a:xfrm>
+          <a:prstGeom prst="rect">
+            <a:avLst/>
+          </a:prstGeom>
+          <a:noFill/>
+        </p:spPr>
+        <p:txBody>
+          <a:bodyPr wrap="none" rtlCol="0">
+            <a:spAutoFit/>
+          </a:bodyPr>
+          <a:lstStyle/>
+          <a:p>
+            <a:r>
+              <a:rPr lang="fr-FR" dirty="0" smtClean="0"/>
+              <a:t>B : </a:t>
+            </a:r>
+            <a:r>
+              <a:rPr lang="fr-FR" dirty="0" err="1" smtClean="0"/>
+              <a:t>vector</a:t>
+            </a:r>
+            <a:r>
+              <a:rPr lang="fr-FR" dirty="0" smtClean="0"/>
+              <a:t> of N = 2</a:t>
+            </a:r>
+            <a:endParaRPr lang="en-US" dirty="0"/>
+          </a:p>
+        </p:txBody>
+      </p:sp>
+      <p:sp>
+        <p:nvSpPr>
+          <p:cNvPr id="10" name="Rectangle 9"/>
+          <p:cNvSpPr/>
+          <p:nvPr/>
+        </p:nvSpPr>
+        <p:spPr>
+          <a:xfrm>
+            <a:off x="4920366" y="2542202"/>
+            <a:ext cx="3286477" cy="369332"/>
+          </a:xfrm>
+          <a:prstGeom prst="rect">
+            <a:avLst/>
+          </a:prstGeom>
+        </p:spPr>
+        <p:txBody>
+          <a:bodyPr wrap="none">
+            <a:spAutoFit/>
+          </a:bodyPr>
+          <a:lstStyle/>
+          <a:p>
+            <a:r>
+              <a:rPr lang="fr-FR" dirty="0" smtClean="0"/>
+              <a:t>Dimension: N </a:t>
+            </a:r>
+            <a:r>
+              <a:rPr lang="fr-FR" dirty="0" err="1" smtClean="0"/>
+              <a:t>units</a:t>
+            </a:r>
+            <a:r>
+              <a:rPr lang="fr-FR" dirty="0" smtClean="0"/>
+              <a:t> L-1, N </a:t>
+            </a:r>
+            <a:r>
+              <a:rPr lang="fr-FR" dirty="0" err="1" smtClean="0"/>
+              <a:t>units</a:t>
+            </a:r>
+            <a:r>
+              <a:rPr lang="fr-FR" dirty="0" smtClean="0"/>
+              <a:t> L </a:t>
+            </a:r>
+            <a:endParaRPr lang="en-US" dirty="0"/>
+          </a:p>
+        </p:txBody>
+      </p:sp>
     </p:spTree>
     <p:extLst>
       <p:ext uri="{BB962C8B-B14F-4D97-AF65-F5344CB8AC3E}">
-        <p14:creationId xmlns:p14="http://schemas.microsoft.com/office/powerpoint/2010/main" val="4243046104"/>
+        <p14:creationId xmlns:p14="http://schemas.microsoft.com/office/powerpoint/2010/main" val="2314757861"/>
       </p:ext>
     </p:extLst>
   </p:cSld>
   <p:clrMapOvr>
     <a:masterClrMapping/>
+  </p:clrMapOvr>
+</p:sld>
+</file>
+
+<file path=ppt/slides/slide13.xml><?xml version="1.0" encoding="utf-8"?>
+<p:sld xmlns:a="http://schemas.openxmlformats.org/drawingml/2006/main" xmlns:r="http://schemas.openxmlformats.org/officeDocument/2006/relationships" xmlns:p="http://schemas.openxmlformats.org/presentationml/2006/main">
+  <p:cSld>
+    <p:bg>
+      <p:bgRef idx="1001">
+        <a:schemeClr val="bg1"/>
+      </p:bgRef>
+    </p:bg>
+    <p:spTree>
+      <p:nvGrpSpPr>
+        <p:cNvPr id="1" name=""/>
+        <p:cNvGrpSpPr/>
+        <p:nvPr/>
+      </p:nvGrpSpPr>
+      <p:grpSpPr>
+        <a:xfrm>
+          <a:off x="0" y="0"/>
+          <a:ext cx="0" cy="0"/>
+          <a:chOff x="0" y="0"/>
+          <a:chExt cx="0" cy="0"/>
+        </a:xfrm>
+      </p:grpSpPr>
+      <p:sp>
+        <p:nvSpPr>
+          <p:cNvPr id="4" name="ZoneTexte 3"/>
+          <p:cNvSpPr txBox="1"/>
+          <p:nvPr/>
+        </p:nvSpPr>
+        <p:spPr>
+          <a:xfrm>
+            <a:off x="2627784" y="1995686"/>
+            <a:ext cx="4381328" cy="923330"/>
+          </a:xfrm>
+          <a:prstGeom prst="rect">
+            <a:avLst/>
+          </a:prstGeom>
+          <a:noFill/>
+        </p:spPr>
+        <p:txBody>
+          <a:bodyPr wrap="none" rtlCol="0">
+            <a:spAutoFit/>
+          </a:bodyPr>
+          <a:lstStyle/>
+          <a:p>
+            <a:r>
+              <a:rPr lang="fr-FR" sz="5400" b="1" dirty="0" smtClean="0">
+                <a:solidFill>
+                  <a:prstClr val="white"/>
+                </a:solidFill>
+                <a:latin typeface="Consolas" panose="020B0609020204030204" pitchFamily="49" charset="0"/>
+                <a:cs typeface="Consolas" panose="020B0609020204030204" pitchFamily="49" charset="0"/>
+              </a:rPr>
+              <a:t>Back </a:t>
+            </a:r>
+            <a:r>
+              <a:rPr lang="fr-FR" sz="5400" b="1" dirty="0" err="1" smtClean="0">
+                <a:solidFill>
+                  <a:prstClr val="white"/>
+                </a:solidFill>
+                <a:latin typeface="Consolas" panose="020B0609020204030204" pitchFamily="49" charset="0"/>
+                <a:cs typeface="Consolas" panose="020B0609020204030204" pitchFamily="49" charset="0"/>
+              </a:rPr>
+              <a:t>to.Rmd</a:t>
+            </a:r>
+            <a:endParaRPr lang="en-US" sz="5400" b="1" dirty="0">
+              <a:solidFill>
+                <a:prstClr val="white"/>
+              </a:solidFill>
+              <a:latin typeface="Consolas" panose="020B0609020204030204" pitchFamily="49" charset="0"/>
+              <a:cs typeface="Consolas" panose="020B0609020204030204" pitchFamily="49" charset="0"/>
+            </a:endParaRPr>
+          </a:p>
+        </p:txBody>
+      </p:sp>
+    </p:spTree>
+    <p:extLst>
+      <p:ext uri="{BB962C8B-B14F-4D97-AF65-F5344CB8AC3E}">
+        <p14:creationId xmlns:p14="http://schemas.microsoft.com/office/powerpoint/2010/main" val="4122572129"/>
+      </p:ext>
+    </p:extLst>
+  </p:cSld>
+  <p:clrMapOvr>
+    <a:overrideClrMapping bg1="dk1" tx1="lt1" bg2="dk2" tx2="lt2" accent1="accent1" accent2="accent2" accent3="accent3" accent4="accent4" accent5="accent5" accent6="accent6" hlink="hlink" folHlink="folHlink"/>
   </p:clrMapOvr>
   <p:timing>
     <p:tnLst>
@@ -4954,7 +9352,89 @@
 </p:sld>
 </file>
 
-<file path=ppt/slides/slide13.xml><?xml version="1.0" encoding="utf-8"?>
+<file path=ppt/slides/slide14.xml><?xml version="1.0" encoding="utf-8"?>
+<p:sld xmlns:a="http://schemas.openxmlformats.org/drawingml/2006/main" xmlns:r="http://schemas.openxmlformats.org/officeDocument/2006/relationships" xmlns:p="http://schemas.openxmlformats.org/presentationml/2006/main">
+  <p:cSld>
+    <p:spTree>
+      <p:nvGrpSpPr>
+        <p:cNvPr id="1" name=""/>
+        <p:cNvGrpSpPr/>
+        <p:nvPr/>
+      </p:nvGrpSpPr>
+      <p:grpSpPr>
+        <a:xfrm>
+          <a:off x="0" y="0"/>
+          <a:ext cx="0" cy="0"/>
+          <a:chOff x="0" y="0"/>
+          <a:chExt cx="0" cy="0"/>
+        </a:xfrm>
+      </p:grpSpPr>
+      <p:pic>
+        <p:nvPicPr>
+          <p:cNvPr id="12290" name="Picture 2"/>
+          <p:cNvPicPr>
+            <a:picLocks noChangeAspect="1" noChangeArrowheads="1"/>
+          </p:cNvPicPr>
+          <p:nvPr/>
+        </p:nvPicPr>
+        <p:blipFill rotWithShape="1">
+          <a:blip r:embed="rId2">
+            <a:extLst>
+              <a:ext uri="{28A0092B-C50C-407E-A947-70E740481C1C}">
+                <a14:useLocalDpi xmlns:a14="http://schemas.microsoft.com/office/drawing/2010/main" val="0"/>
+              </a:ext>
+            </a:extLst>
+          </a:blip>
+          <a:srcRect l="5795" t="18523" r="47929" b="37322"/>
+          <a:stretch/>
+        </p:blipFill>
+        <p:spPr bwMode="auto">
+          <a:xfrm>
+            <a:off x="2411760" y="1999081"/>
+            <a:ext cx="2963120" cy="1440160"/>
+          </a:xfrm>
+          <a:prstGeom prst="rect">
+            <a:avLst/>
+          </a:prstGeom>
+          <a:noFill/>
+          <a:ln>
+            <a:noFill/>
+          </a:ln>
+          <a:extLst>
+            <a:ext uri="{909E8E84-426E-40DD-AFC4-6F175D3DCCD1}">
+              <a14:hiddenFill xmlns:a14="http://schemas.microsoft.com/office/drawing/2010/main">
+                <a:solidFill>
+                  <a:schemeClr val="accent1"/>
+                </a:solidFill>
+              </a14:hiddenFill>
+            </a:ext>
+            <a:ext uri="{91240B29-F687-4F45-9708-019B960494DF}">
+              <a14:hiddenLine xmlns:a14="http://schemas.microsoft.com/office/drawing/2010/main" w="9525">
+                <a:solidFill>
+                  <a:schemeClr val="tx1"/>
+                </a:solidFill>
+                <a:miter lim="800000"/>
+                <a:headEnd/>
+                <a:tailEnd/>
+              </a14:hiddenLine>
+            </a:ext>
+          </a:extLst>
+        </p:spPr>
+      </p:pic>
+    </p:spTree>
+    <p:extLst>
+      <p:ext uri="{BB962C8B-B14F-4D97-AF65-F5344CB8AC3E}">
+        <p14:creationId xmlns:p14="http://schemas.microsoft.com/office/powerpoint/2010/main" val="2226667394"/>
+      </p:ext>
+    </p:extLst>
+  </p:cSld>
+  <p:clrMapOvr>
+    <a:masterClrMapping/>
+  </p:clrMapOvr>
+</p:sld>
+</file>
+
+<file path=ppt/slides/slide15.xml><?xml version="1.0" encoding="utf-8"?>
 <p:sld xmlns:a="http://schemas.openxmlformats.org/drawingml/2006/main" xmlns:r="http://schemas.openxmlformats.org/officeDocument/2006/relationships" xmlns:p="http://schemas.openxmlformats.org/presentationml/2006/main">
   <p:cSld>
     <p:spTree>
@@ -5379,7 +9859,7 @@
 </p:sld>
 </file>
 
-<file path=ppt/slides/slide14.xml><?xml version="1.0" encoding="utf-8"?>
+<file path=ppt/slides/slide16.xml><?xml version="1.0" encoding="utf-8"?>
 <p:sld xmlns:a="http://schemas.openxmlformats.org/drawingml/2006/main" xmlns:r="http://schemas.openxmlformats.org/officeDocument/2006/relationships" xmlns:p="http://schemas.openxmlformats.org/presentationml/2006/main">
   <p:cSld>
     <p:spTree>
@@ -6370,7 +10850,7 @@
 </p:sld>
 </file>
 
-<file path=ppt/slides/slide15.xml><?xml version="1.0" encoding="utf-8"?>
+<file path=ppt/slides/slide17.xml><?xml version="1.0" encoding="utf-8"?>
 <p:sld xmlns:a="http://schemas.openxmlformats.org/drawingml/2006/main" xmlns:r="http://schemas.openxmlformats.org/officeDocument/2006/relationships" xmlns:p="http://schemas.openxmlformats.org/presentationml/2006/main">
   <p:cSld>
     <p:spTree>
@@ -7578,7 +12058,7 @@
 </p:sld>
 </file>
 
-<file path=ppt/slides/slide16.xml><?xml version="1.0" encoding="utf-8"?>
+<file path=ppt/slides/slide18.xml><?xml version="1.0" encoding="utf-8"?>
 <p:sld xmlns:a="http://schemas.openxmlformats.org/drawingml/2006/main" xmlns:r="http://schemas.openxmlformats.org/officeDocument/2006/relationships" xmlns:p="http://schemas.openxmlformats.org/presentationml/2006/main">
   <p:cSld>
     <p:spTree>
@@ -8256,7 +12736,7 @@
 </p:sld>
 </file>
 
-<file path=ppt/slides/slide17.xml><?xml version="1.0" encoding="utf-8"?>
+<file path=ppt/slides/slide19.xml><?xml version="1.0" encoding="utf-8"?>
 <p:sld xmlns:a="http://schemas.openxmlformats.org/drawingml/2006/main" xmlns:r="http://schemas.openxmlformats.org/officeDocument/2006/relationships" xmlns:p="http://schemas.openxmlformats.org/presentationml/2006/main">
   <p:cSld>
     <p:spTree>
@@ -8645,7 +13125,187 @@
 </p:sld>
 </file>
 
-<file path=ppt/slides/slide18.xml><?xml version="1.0" encoding="utf-8"?>
+<file path=ppt/slides/slide2.xml><?xml version="1.0" encoding="utf-8"?>
+<p:sld xmlns:a="http://schemas.openxmlformats.org/drawingml/2006/main" xmlns:r="http://schemas.openxmlformats.org/officeDocument/2006/relationships" xmlns:p="http://schemas.openxmlformats.org/presentationml/2006/main">
+  <p:cSld>
+    <p:spTree>
+      <p:nvGrpSpPr>
+        <p:cNvPr id="1" name=""/>
+        <p:cNvGrpSpPr/>
+        <p:nvPr/>
+      </p:nvGrpSpPr>
+      <p:grpSpPr>
+        <a:xfrm>
+          <a:off x="0" y="0"/>
+          <a:ext cx="0" cy="0"/>
+          <a:chOff x="0" y="0"/>
+          <a:chExt cx="0" cy="0"/>
+        </a:xfrm>
+      </p:grpSpPr>
+      <p:sp>
+        <p:nvSpPr>
+          <p:cNvPr id="2" name="Titre 1"/>
+          <p:cNvSpPr>
+            <a:spLocks noGrp="1"/>
+          </p:cNvSpPr>
+          <p:nvPr>
+            <p:ph type="title"/>
+          </p:nvPr>
+        </p:nvSpPr>
+        <p:spPr/>
+        <p:txBody>
+          <a:bodyPr>
+            <a:normAutofit/>
+          </a:bodyPr>
+          <a:lstStyle/>
+          <a:p>
+            <a:r>
+              <a:rPr lang="en-US" b="1" dirty="0" smtClean="0"/>
+              <a:t>Running </a:t>
+            </a:r>
+            <a:r>
+              <a:rPr lang="en-US" b="1" dirty="0"/>
+              <a:t>instructions </a:t>
+            </a:r>
+            <a:endParaRPr lang="en-US" dirty="0"/>
+          </a:p>
+        </p:txBody>
+      </p:sp>
+      <p:sp>
+        <p:nvSpPr>
+          <p:cNvPr id="3" name="Espace réservé du contenu 2"/>
+          <p:cNvSpPr>
+            <a:spLocks noGrp="1"/>
+          </p:cNvSpPr>
+          <p:nvPr>
+            <p:ph idx="1"/>
+          </p:nvPr>
+        </p:nvSpPr>
+        <p:spPr>
+          <a:xfrm>
+            <a:off x="457200" y="1200152"/>
+            <a:ext cx="8229600" cy="3675855"/>
+          </a:xfrm>
+        </p:spPr>
+        <p:txBody>
+          <a:bodyPr>
+            <a:normAutofit/>
+          </a:bodyPr>
+          <a:lstStyle/>
+          <a:p>
+            <a:r>
+              <a:rPr lang="fr-FR" dirty="0" smtClean="0"/>
+              <a:t>Open </a:t>
+            </a:r>
+            <a:r>
+              <a:rPr lang="fr-FR" dirty="0" err="1" smtClean="0"/>
+              <a:t>your</a:t>
+            </a:r>
+            <a:r>
+              <a:rPr lang="fr-FR" dirty="0" smtClean="0"/>
+              <a:t> R studio </a:t>
+            </a:r>
+            <a:r>
+              <a:rPr lang="fr-FR" dirty="0" err="1" smtClean="0"/>
+              <a:t>project</a:t>
+            </a:r>
+            <a:r>
+              <a:rPr lang="fr-FR" dirty="0" smtClean="0"/>
+              <a:t> « </a:t>
+            </a:r>
+            <a:r>
+              <a:rPr lang="fr-FR" dirty="0" err="1" smtClean="0"/>
+              <a:t>labs</a:t>
+            </a:r>
+            <a:r>
+              <a:rPr lang="fr-FR" dirty="0" smtClean="0"/>
+              <a:t> »</a:t>
+            </a:r>
+            <a:endParaRPr lang="en-US" dirty="0" smtClean="0"/>
+          </a:p>
+          <a:p>
+            <a:r>
+              <a:rPr lang="fr-FR" dirty="0" smtClean="0"/>
+              <a:t>In R studio «</a:t>
+            </a:r>
+            <a:r>
+              <a:rPr lang="fr-FR" dirty="0"/>
+              <a:t> Files » open: </a:t>
+            </a:r>
+            <a:r>
+              <a:rPr lang="fr-FR" dirty="0" smtClean="0"/>
+              <a:t>/IFSBM-</a:t>
+            </a:r>
+            <a:r>
+              <a:rPr lang="fr-FR" dirty="0" err="1" smtClean="0"/>
+              <a:t>bigdata</a:t>
+            </a:r>
+            <a:r>
+              <a:rPr lang="fr-FR" dirty="0" smtClean="0"/>
+              <a:t>/TP_IFSBM_module12/2020/</a:t>
+            </a:r>
+            <a:r>
+              <a:rPr lang="fr-FR" dirty="0" err="1" smtClean="0"/>
+              <a:t>labs</a:t>
+            </a:r>
+            <a:r>
+              <a:rPr lang="fr-FR" dirty="0" smtClean="0"/>
+              <a:t>/lab_2/</a:t>
+            </a:r>
+            <a:r>
+              <a:rPr lang="fr-FR" dirty="0" err="1" smtClean="0"/>
+              <a:t>src</a:t>
+            </a:r>
+            <a:r>
+              <a:rPr lang="fr-FR" dirty="0" smtClean="0"/>
+              <a:t>/</a:t>
+            </a:r>
+            <a:r>
+              <a:rPr lang="fr-FR" dirty="0" err="1" smtClean="0"/>
+              <a:t>TP_MLP.Rmd</a:t>
+            </a:r>
+            <a:endParaRPr lang="fr-FR" dirty="0" smtClean="0"/>
+          </a:p>
+          <a:p>
+            <a:r>
+              <a:rPr lang="en-US" dirty="0" smtClean="0"/>
+              <a:t>Follow </a:t>
+            </a:r>
+            <a:r>
+              <a:rPr lang="en-US" dirty="0"/>
+              <a:t>the notebook instructions</a:t>
+            </a:r>
+          </a:p>
+          <a:p>
+            <a:r>
+              <a:rPr lang="en-US" dirty="0" smtClean="0"/>
+              <a:t>Enjoy!</a:t>
+            </a:r>
+            <a:endParaRPr lang="en-US" dirty="0"/>
+          </a:p>
+        </p:txBody>
+      </p:sp>
+    </p:spTree>
+    <p:extLst>
+      <p:ext uri="{BB962C8B-B14F-4D97-AF65-F5344CB8AC3E}">
+        <p14:creationId xmlns:p14="http://schemas.microsoft.com/office/powerpoint/2010/main" val="1563574231"/>
+      </p:ext>
+    </p:extLst>
+  </p:cSld>
+  <p:clrMapOvr>
+    <a:masterClrMapping/>
+  </p:clrMapOvr>
+  <p:timing>
+    <p:tnLst>
+      <p:par>
+        <p:cTn id="1" dur="indefinite" restart="never" nodeType="tmRoot"/>
+      </p:par>
+    </p:tnLst>
+  </p:timing>
+</p:sld>
+</file>
+
+<file path=ppt/slides/slide20.xml><?xml version="1.0" encoding="utf-8"?>
 <p:sld xmlns:a="http://schemas.openxmlformats.org/drawingml/2006/main" xmlns:r="http://schemas.openxmlformats.org/officeDocument/2006/relationships" xmlns:p="http://schemas.openxmlformats.org/presentationml/2006/main">
   <p:cSld>
     <p:bg>
@@ -8676,7 +13336,7 @@
         <p:spPr>
           <a:xfrm>
             <a:off x="1790502" y="1188294"/>
-            <a:ext cx="5562997" cy="2862322"/>
+            <a:ext cx="5562997" cy="920252"/>
           </a:xfrm>
           <a:prstGeom prst="rect">
             <a:avLst/>
@@ -8699,7 +13359,15 @@
                   <a:prstClr val="white"/>
                 </a:solidFill>
               </a:rPr>
-              <a:t>Etes vous sûr que les futurs exemples seront bien prédits?</a:t>
+              <a:t>Advanced </a:t>
+            </a:r>
+            <a:r>
+              <a:rPr lang="fr-FR" sz="4000" dirty="0" err="1" smtClean="0">
+                <a:solidFill>
+                  <a:prstClr val="white"/>
+                </a:solidFill>
+              </a:rPr>
+              <a:t>workflows</a:t>
             </a:r>
             <a:endParaRPr lang="en-US" sz="4000" dirty="0">
               <a:solidFill>
@@ -8722,7 +13390,276 @@
 </p:sld>
 </file>
 
-<file path=ppt/slides/slide19.xml><?xml version="1.0" encoding="utf-8"?>
+<file path=ppt/slides/slide21.xml><?xml version="1.0" encoding="utf-8"?>
+<p:sld xmlns:a="http://schemas.openxmlformats.org/drawingml/2006/main" xmlns:r="http://schemas.openxmlformats.org/officeDocument/2006/relationships" xmlns:p="http://schemas.openxmlformats.org/presentationml/2006/main">
+  <p:cSld>
+    <p:spTree>
+      <p:nvGrpSpPr>
+        <p:cNvPr id="1" name=""/>
+        <p:cNvGrpSpPr/>
+        <p:nvPr/>
+      </p:nvGrpSpPr>
+      <p:grpSpPr>
+        <a:xfrm>
+          <a:off x="0" y="0"/>
+          <a:ext cx="0" cy="0"/>
+          <a:chOff x="0" y="0"/>
+          <a:chExt cx="0" cy="0"/>
+        </a:xfrm>
+      </p:grpSpPr>
+      <p:sp>
+        <p:nvSpPr>
+          <p:cNvPr id="2" name="Titre 1"/>
+          <p:cNvSpPr>
+            <a:spLocks noGrp="1"/>
+          </p:cNvSpPr>
+          <p:nvPr>
+            <p:ph type="title"/>
+          </p:nvPr>
+        </p:nvSpPr>
+        <p:spPr/>
+        <p:txBody>
+          <a:bodyPr/>
+          <a:lstStyle/>
+          <a:p>
+            <a:r>
+              <a:rPr lang="fr-FR" dirty="0" err="1" smtClean="0"/>
+              <a:t>Keras</a:t>
+            </a:r>
+            <a:r>
+              <a:rPr lang="fr-FR" dirty="0" smtClean="0"/>
+              <a:t> &amp; </a:t>
+            </a:r>
+            <a:r>
+              <a:rPr lang="fr-FR" dirty="0" err="1" smtClean="0"/>
+              <a:t>tensorflow</a:t>
+            </a:r>
+            <a:endParaRPr lang="en-US" dirty="0"/>
+          </a:p>
+        </p:txBody>
+      </p:sp>
+      <p:pic>
+        <p:nvPicPr>
+          <p:cNvPr id="6146" name="Picture 2"/>
+          <p:cNvPicPr>
+            <a:picLocks noChangeAspect="1" noChangeArrowheads="1"/>
+          </p:cNvPicPr>
+          <p:nvPr/>
+        </p:nvPicPr>
+        <p:blipFill>
+          <a:blip r:embed="rId2">
+            <a:extLst>
+              <a:ext uri="{28A0092B-C50C-407E-A947-70E740481C1C}">
+                <a14:useLocalDpi xmlns:a14="http://schemas.microsoft.com/office/drawing/2010/main" val="0"/>
+              </a:ext>
+            </a:extLst>
+          </a:blip>
+          <a:srcRect/>
+          <a:stretch>
+            <a:fillRect/>
+          </a:stretch>
+        </p:blipFill>
+        <p:spPr bwMode="auto">
+          <a:xfrm>
+            <a:off x="1021831" y="1059582"/>
+            <a:ext cx="6844889" cy="2696170"/>
+          </a:xfrm>
+          <a:prstGeom prst="rect">
+            <a:avLst/>
+          </a:prstGeom>
+          <a:noFill/>
+          <a:ln>
+            <a:noFill/>
+          </a:ln>
+          <a:extLst>
+            <a:ext uri="{909E8E84-426E-40DD-AFC4-6F175D3DCCD1}">
+              <a14:hiddenFill xmlns:a14="http://schemas.microsoft.com/office/drawing/2010/main">
+                <a:solidFill>
+                  <a:schemeClr val="accent1"/>
+                </a:solidFill>
+              </a14:hiddenFill>
+            </a:ext>
+            <a:ext uri="{91240B29-F687-4F45-9708-019B960494DF}">
+              <a14:hiddenLine xmlns:a14="http://schemas.microsoft.com/office/drawing/2010/main" w="9525">
+                <a:solidFill>
+                  <a:schemeClr val="tx1"/>
+                </a:solidFill>
+                <a:miter lim="800000"/>
+                <a:headEnd/>
+                <a:tailEnd/>
+              </a14:hiddenLine>
+            </a:ext>
+          </a:extLst>
+        </p:spPr>
+      </p:pic>
+      <p:sp>
+        <p:nvSpPr>
+          <p:cNvPr id="4" name="Rectangle 3"/>
+          <p:cNvSpPr/>
+          <p:nvPr/>
+        </p:nvSpPr>
+        <p:spPr>
+          <a:xfrm>
+            <a:off x="0" y="3790481"/>
+            <a:ext cx="9144000" cy="1754326"/>
+          </a:xfrm>
+          <a:prstGeom prst="rect">
+            <a:avLst/>
+          </a:prstGeom>
+        </p:spPr>
+        <p:txBody>
+          <a:bodyPr wrap="square">
+            <a:spAutoFit/>
+          </a:bodyPr>
+          <a:lstStyle/>
+          <a:p>
+            <a:r>
+              <a:rPr lang="en-US" dirty="0" err="1">
+                <a:solidFill>
+                  <a:prstClr val="black"/>
+                </a:solidFill>
+              </a:rPr>
+              <a:t>Keras</a:t>
+            </a:r>
+            <a:r>
+              <a:rPr lang="en-US" dirty="0">
+                <a:solidFill>
+                  <a:prstClr val="black"/>
+                </a:solidFill>
+              </a:rPr>
+              <a:t> is a model-level library, providing high-level building blocks for developing</a:t>
+            </a:r>
+          </a:p>
+          <a:p>
+            <a:r>
+              <a:rPr lang="en-US" dirty="0">
+                <a:solidFill>
+                  <a:prstClr val="black"/>
+                </a:solidFill>
+              </a:rPr>
+              <a:t>deep-learning models. It doesn’t handle low-level operations such as tensor manipulation</a:t>
+            </a:r>
+          </a:p>
+          <a:p>
+            <a:r>
+              <a:rPr lang="en-US" dirty="0">
+                <a:solidFill>
+                  <a:prstClr val="black"/>
+                </a:solidFill>
+              </a:rPr>
+              <a:t>and differentiation. Instead, it relies on a specialized, well-optimized tensor library to do</a:t>
+            </a:r>
+          </a:p>
+          <a:p>
+            <a:r>
+              <a:rPr lang="en-US" dirty="0">
+                <a:solidFill>
+                  <a:prstClr val="black"/>
+                </a:solidFill>
+              </a:rPr>
+              <a:t>so, serving as the </a:t>
+            </a:r>
+            <a:r>
+              <a:rPr lang="en-US" i="1" dirty="0">
+                <a:solidFill>
+                  <a:prstClr val="black"/>
+                </a:solidFill>
+              </a:rPr>
+              <a:t>backend engine </a:t>
+            </a:r>
+            <a:r>
+              <a:rPr lang="en-US" dirty="0">
+                <a:solidFill>
+                  <a:prstClr val="black"/>
+                </a:solidFill>
+              </a:rPr>
+              <a:t>of </a:t>
+            </a:r>
+            <a:r>
+              <a:rPr lang="en-US" dirty="0" err="1">
+                <a:solidFill>
+                  <a:prstClr val="black"/>
+                </a:solidFill>
+              </a:rPr>
+              <a:t>Keras</a:t>
+            </a:r>
+            <a:r>
+              <a:rPr lang="en-US" dirty="0">
+                <a:solidFill>
+                  <a:prstClr val="black"/>
+                </a:solidFill>
+              </a:rPr>
+              <a:t>. Rather than choosing a single tensor library</a:t>
+            </a:r>
+          </a:p>
+          <a:p>
+            <a:r>
+              <a:rPr lang="en-US" dirty="0">
+                <a:solidFill>
+                  <a:prstClr val="black"/>
+                </a:solidFill>
+              </a:rPr>
+              <a:t>and tying the implementation of </a:t>
+            </a:r>
+            <a:r>
+              <a:rPr lang="en-US" dirty="0" err="1">
+                <a:solidFill>
+                  <a:prstClr val="black"/>
+                </a:solidFill>
+              </a:rPr>
+              <a:t>Keras</a:t>
+            </a:r>
+            <a:r>
+              <a:rPr lang="en-US" dirty="0">
+                <a:solidFill>
+                  <a:prstClr val="black"/>
+                </a:solidFill>
+              </a:rPr>
+              <a:t> to that library, </a:t>
+            </a:r>
+            <a:r>
+              <a:rPr lang="en-US" dirty="0" err="1">
+                <a:solidFill>
+                  <a:prstClr val="black"/>
+                </a:solidFill>
+              </a:rPr>
+              <a:t>Keras</a:t>
+            </a:r>
+            <a:r>
+              <a:rPr lang="en-US" dirty="0">
+                <a:solidFill>
+                  <a:prstClr val="black"/>
+                </a:solidFill>
+              </a:rPr>
+              <a:t> handles the problem in a</a:t>
+            </a:r>
+          </a:p>
+          <a:p>
+            <a:r>
+              <a:rPr lang="en-US" dirty="0">
+                <a:solidFill>
+                  <a:prstClr val="black"/>
+                </a:solidFill>
+              </a:rPr>
+              <a:t>modular way</a:t>
+            </a:r>
+          </a:p>
+        </p:txBody>
+      </p:sp>
+    </p:spTree>
+    <p:extLst>
+      <p:ext uri="{BB962C8B-B14F-4D97-AF65-F5344CB8AC3E}">
+        <p14:creationId xmlns:p14="http://schemas.microsoft.com/office/powerpoint/2010/main" val="2877619688"/>
+      </p:ext>
+    </p:extLst>
+  </p:cSld>
+  <p:clrMapOvr>
+    <a:masterClrMapping/>
+  </p:clrMapOvr>
+</p:sld>
+</file>
+
+<file path=ppt/slides/slide22.xml><?xml version="1.0" encoding="utf-8"?>
 <p:sld xmlns:a="http://schemas.openxmlformats.org/drawingml/2006/main" xmlns:r="http://schemas.openxmlformats.org/officeDocument/2006/relationships" xmlns:p="http://schemas.openxmlformats.org/presentationml/2006/main">
   <p:cSld>
     <p:spTree>
@@ -8943,164 +13880,7 @@
 </p:sld>
 </file>
 
-<file path=ppt/slides/slide2.xml><?xml version="1.0" encoding="utf-8"?>
-<p:sld xmlns:a="http://schemas.openxmlformats.org/drawingml/2006/main" xmlns:r="http://schemas.openxmlformats.org/officeDocument/2006/relationships" xmlns:p="http://schemas.openxmlformats.org/presentationml/2006/main">
-  <p:cSld>
-    <p:spTree>
-      <p:nvGrpSpPr>
-        <p:cNvPr id="1" name=""/>
-        <p:cNvGrpSpPr/>
-        <p:nvPr/>
-      </p:nvGrpSpPr>
-      <p:grpSpPr>
-        <a:xfrm>
-          <a:off x="0" y="0"/>
-          <a:ext cx="0" cy="0"/>
-          <a:chOff x="0" y="0"/>
-          <a:chExt cx="0" cy="0"/>
-        </a:xfrm>
-      </p:grpSpPr>
-      <p:sp>
-        <p:nvSpPr>
-          <p:cNvPr id="2" name="Titre 1"/>
-          <p:cNvSpPr>
-            <a:spLocks noGrp="1"/>
-          </p:cNvSpPr>
-          <p:nvPr>
-            <p:ph type="title"/>
-          </p:nvPr>
-        </p:nvSpPr>
-        <p:spPr/>
-        <p:txBody>
-          <a:bodyPr>
-            <a:normAutofit/>
-          </a:bodyPr>
-          <a:lstStyle/>
-          <a:p>
-            <a:r>
-              <a:rPr lang="en-US" b="1" dirty="0" smtClean="0"/>
-              <a:t>Running </a:t>
-            </a:r>
-            <a:r>
-              <a:rPr lang="en-US" b="1" dirty="0"/>
-              <a:t>instructions </a:t>
-            </a:r>
-            <a:endParaRPr lang="en-US" dirty="0"/>
-          </a:p>
-        </p:txBody>
-      </p:sp>
-      <p:sp>
-        <p:nvSpPr>
-          <p:cNvPr id="3" name="Espace réservé du contenu 2"/>
-          <p:cNvSpPr>
-            <a:spLocks noGrp="1"/>
-          </p:cNvSpPr>
-          <p:nvPr>
-            <p:ph idx="1"/>
-          </p:nvPr>
-        </p:nvSpPr>
-        <p:spPr>
-          <a:xfrm>
-            <a:off x="457200" y="1200152"/>
-            <a:ext cx="8229600" cy="3675855"/>
-          </a:xfrm>
-        </p:spPr>
-        <p:txBody>
-          <a:bodyPr>
-            <a:normAutofit fontScale="85000" lnSpcReduction="20000"/>
-          </a:bodyPr>
-          <a:lstStyle/>
-          <a:p>
-            <a:r>
-              <a:rPr lang="fr-FR" dirty="0" smtClean="0"/>
-              <a:t>Open R studio</a:t>
-            </a:r>
-          </a:p>
-          <a:p>
-            <a:pPr lvl="1"/>
-            <a:r>
-              <a:rPr lang="fr-FR" dirty="0" smtClean="0"/>
-              <a:t>Open New File -&gt; R Notebook</a:t>
-            </a:r>
-            <a:endParaRPr lang="en-US" dirty="0" smtClean="0"/>
-          </a:p>
-          <a:p>
-            <a:r>
-              <a:rPr lang="en-US" dirty="0"/>
-              <a:t>Go to the web </a:t>
-            </a:r>
-            <a:r>
-              <a:rPr lang="en-US" dirty="0">
-                <a:hlinkClick r:id="rId2"/>
-              </a:rPr>
-              <a:t>https://github.com/gustaveroussy/IFSBM-bigdata/edit/master/TP_IFSBM_module12</a:t>
-            </a:r>
-            <a:r>
-              <a:rPr lang="en-US" dirty="0" smtClean="0">
-                <a:hlinkClick r:id="rId2"/>
-              </a:rPr>
-              <a:t>/</a:t>
-            </a:r>
-            <a:endParaRPr lang="en-US" dirty="0" smtClean="0"/>
-          </a:p>
-          <a:p>
-            <a:r>
-              <a:rPr lang="en-US" dirty="0"/>
-              <a:t>Copy paste the content of </a:t>
-            </a:r>
-            <a:r>
-              <a:rPr lang="en-US" dirty="0" err="1" smtClean="0"/>
-              <a:t>TP_notebook_DL_R.Rmd</a:t>
-            </a:r>
-            <a:r>
-              <a:rPr lang="en-US" dirty="0" smtClean="0"/>
-              <a:t> </a:t>
-            </a:r>
-            <a:r>
-              <a:rPr lang="en-US" dirty="0"/>
-              <a:t>in your new R Notebook</a:t>
-            </a:r>
-          </a:p>
-          <a:p>
-            <a:r>
-              <a:rPr lang="en-US" dirty="0" smtClean="0"/>
-              <a:t>Follow </a:t>
-            </a:r>
-            <a:r>
-              <a:rPr lang="en-US" dirty="0"/>
-              <a:t>the notebook instructions</a:t>
-            </a:r>
-          </a:p>
-          <a:p>
-            <a:r>
-              <a:rPr lang="en-US" dirty="0" smtClean="0"/>
-              <a:t>Enjoy!</a:t>
-            </a:r>
-            <a:endParaRPr lang="en-US" dirty="0"/>
-          </a:p>
-        </p:txBody>
-      </p:sp>
-    </p:spTree>
-    <p:extLst>
-      <p:ext uri="{BB962C8B-B14F-4D97-AF65-F5344CB8AC3E}">
-        <p14:creationId xmlns:p14="http://schemas.microsoft.com/office/powerpoint/2010/main" val="1563574231"/>
-      </p:ext>
-    </p:extLst>
-  </p:cSld>
-  <p:clrMapOvr>
-    <a:masterClrMapping/>
-  </p:clrMapOvr>
-  <p:timing>
-    <p:tnLst>
-      <p:par>
-        <p:cTn id="1" dur="indefinite" restart="never" nodeType="tmRoot"/>
-      </p:par>
-    </p:tnLst>
-  </p:timing>
-</p:sld>
-</file>
-
-<file path=ppt/slides/slide20.xml><?xml version="1.0" encoding="utf-8"?>
+<file path=ppt/slides/slide23.xml><?xml version="1.0" encoding="utf-8"?>
 <p:sld xmlns:a="http://schemas.openxmlformats.org/drawingml/2006/main" xmlns:r="http://schemas.openxmlformats.org/officeDocument/2006/relationships" xmlns:p="http://schemas.openxmlformats.org/presentationml/2006/main">
   <p:cSld>
     <p:spTree>
@@ -11056,7 +15836,7 @@
 </p:sld>
 </file>
 
-<file path=ppt/slides/slide21.xml><?xml version="1.0" encoding="utf-8"?>
+<file path=ppt/slides/slide24.xml><?xml version="1.0" encoding="utf-8"?>
 <p:sld xmlns:a="http://schemas.openxmlformats.org/drawingml/2006/main" xmlns:r="http://schemas.openxmlformats.org/officeDocument/2006/relationships" xmlns:p="http://schemas.openxmlformats.org/presentationml/2006/main">
   <p:cSld>
     <p:spTree>
@@ -12223,7 +17003,7 @@
 </p:sld>
 </file>
 
-<file path=ppt/slides/slide22.xml><?xml version="1.0" encoding="utf-8"?>
+<file path=ppt/slides/slide25.xml><?xml version="1.0" encoding="utf-8"?>
 <p:sld xmlns:a="http://schemas.openxmlformats.org/drawingml/2006/main" xmlns:r="http://schemas.openxmlformats.org/officeDocument/2006/relationships" xmlns:p="http://schemas.openxmlformats.org/presentationml/2006/main">
   <p:cSld>
     <p:spTree>
@@ -12649,7 +17429,7 @@
 </p:sld>
 </file>
 
-<file path=ppt/slides/slide23.xml><?xml version="1.0" encoding="utf-8"?>
+<file path=ppt/slides/slide26.xml><?xml version="1.0" encoding="utf-8"?>
 <p:sld xmlns:a="http://schemas.openxmlformats.org/drawingml/2006/main" xmlns:r="http://schemas.openxmlformats.org/officeDocument/2006/relationships" xmlns:p="http://schemas.openxmlformats.org/presentationml/2006/main">
   <p:cSld>
     <p:spTree>
@@ -13089,7 +17869,7 @@
 </p:sld>
 </file>
 
-<file path=ppt/slides/slide24.xml><?xml version="1.0" encoding="utf-8"?>
+<file path=ppt/slides/slide27.xml><?xml version="1.0" encoding="utf-8"?>
 <p:sld xmlns:a="http://schemas.openxmlformats.org/drawingml/2006/main" xmlns:r="http://schemas.openxmlformats.org/officeDocument/2006/relationships" xmlns:p="http://schemas.openxmlformats.org/presentationml/2006/main">
   <p:cSld>
     <p:spTree>
@@ -13627,7 +18407,7 @@
 </p:sld>
 </file>
 
-<file path=ppt/slides/slide25.xml><?xml version="1.0" encoding="utf-8"?>
+<file path=ppt/slides/slide28.xml><?xml version="1.0" encoding="utf-8"?>
 <p:sld xmlns:a="http://schemas.openxmlformats.org/drawingml/2006/main" xmlns:r="http://schemas.openxmlformats.org/officeDocument/2006/relationships" xmlns:p="http://schemas.openxmlformats.org/presentationml/2006/main">
   <p:cSld>
     <p:spTree>
@@ -14165,7 +18945,7 @@
 </p:sld>
 </file>
 
-<file path=ppt/slides/slide26.xml><?xml version="1.0" encoding="utf-8"?>
+<file path=ppt/slides/slide29.xml><?xml version="1.0" encoding="utf-8"?>
 <p:sld xmlns:a="http://schemas.openxmlformats.org/drawingml/2006/main" xmlns:r="http://schemas.openxmlformats.org/officeDocument/2006/relationships" xmlns:p="http://schemas.openxmlformats.org/presentationml/2006/main">
   <p:cSld>
     <p:spTree>
@@ -14303,349 +19083,6 @@
     <p:extLst>
       <p:ext uri="{BB962C8B-B14F-4D97-AF65-F5344CB8AC3E}">
         <p14:creationId xmlns:p14="http://schemas.microsoft.com/office/powerpoint/2010/main" val="2660138911"/>
-      </p:ext>
-    </p:extLst>
-  </p:cSld>
-  <p:clrMapOvr>
-    <a:masterClrMapping/>
-  </p:clrMapOvr>
-  <p:timing>
-    <p:tnLst>
-      <p:par>
-        <p:cTn id="1" dur="indefinite" restart="never" nodeType="tmRoot"/>
-      </p:par>
-    </p:tnLst>
-  </p:timing>
-</p:sld>
-</file>
-
-<file path=ppt/slides/slide27.xml><?xml version="1.0" encoding="utf-8"?>
-<p:sld xmlns:a="http://schemas.openxmlformats.org/drawingml/2006/main" xmlns:r="http://schemas.openxmlformats.org/officeDocument/2006/relationships" xmlns:p="http://schemas.openxmlformats.org/presentationml/2006/main">
-  <p:cSld>
-    <p:spTree>
-      <p:nvGrpSpPr>
-        <p:cNvPr id="1" name=""/>
-        <p:cNvGrpSpPr/>
-        <p:nvPr/>
-      </p:nvGrpSpPr>
-      <p:grpSpPr>
-        <a:xfrm>
-          <a:off x="0" y="0"/>
-          <a:ext cx="0" cy="0"/>
-          <a:chOff x="0" y="0"/>
-          <a:chExt cx="0" cy="0"/>
-        </a:xfrm>
-      </p:grpSpPr>
-      <p:sp>
-        <p:nvSpPr>
-          <p:cNvPr id="3" name="ZoneTexte 2"/>
-          <p:cNvSpPr txBox="1"/>
-          <p:nvPr/>
-        </p:nvSpPr>
-        <p:spPr>
-          <a:xfrm>
-            <a:off x="447901" y="4575643"/>
-            <a:ext cx="4127027" cy="461665"/>
-          </a:xfrm>
-          <a:prstGeom prst="rect">
-            <a:avLst/>
-          </a:prstGeom>
-          <a:noFill/>
-        </p:spPr>
-        <p:txBody>
-          <a:bodyPr wrap="none" rtlCol="0">
-            <a:spAutoFit/>
-          </a:bodyPr>
-          <a:lstStyle/>
-          <a:p>
-            <a:r>
-              <a:rPr lang="fr-FR" sz="2400" dirty="0" smtClean="0">
-                <a:hlinkClick r:id="rId2"/>
-              </a:rPr>
-              <a:t>loic.verlingue@gustaveroussy.fr</a:t>
-            </a:r>
-            <a:endParaRPr lang="fr-FR" sz="2400" dirty="0" smtClean="0"/>
-          </a:p>
-        </p:txBody>
-      </p:sp>
-      <p:sp>
-        <p:nvSpPr>
-          <p:cNvPr id="4" name="Rectangle 3"/>
-          <p:cNvSpPr/>
-          <p:nvPr/>
-        </p:nvSpPr>
-        <p:spPr>
-          <a:xfrm>
-            <a:off x="5638324" y="4575643"/>
-            <a:ext cx="3398174" cy="461665"/>
-          </a:xfrm>
-          <a:prstGeom prst="rect">
-            <a:avLst/>
-          </a:prstGeom>
-        </p:spPr>
-        <p:txBody>
-          <a:bodyPr wrap="none">
-            <a:spAutoFit/>
-          </a:bodyPr>
-          <a:lstStyle/>
-          <a:p>
-            <a:pPr algn="ctr"/>
-            <a:r>
-              <a:rPr lang="en-US" sz="2400" dirty="0" smtClean="0">
-                <a:hlinkClick r:id="rId3"/>
-              </a:rPr>
-              <a:t>https</a:t>
-            </a:r>
-            <a:r>
-              <a:rPr lang="en-US" sz="2400" dirty="0">
-                <a:hlinkClick r:id="rId3"/>
-              </a:rPr>
-              <a:t>://</a:t>
-            </a:r>
-            <a:r>
-              <a:rPr lang="en-US" sz="2400" dirty="0" smtClean="0">
-                <a:hlinkClick r:id="rId3"/>
-              </a:rPr>
-              <a:t>github.com/DITEP</a:t>
-            </a:r>
-            <a:endParaRPr lang="en-US" sz="2400" dirty="0" smtClean="0"/>
-          </a:p>
-        </p:txBody>
-      </p:sp>
-      <p:sp>
-        <p:nvSpPr>
-          <p:cNvPr id="12" name="Titre 1"/>
-          <p:cNvSpPr txBox="1">
-            <a:spLocks/>
-          </p:cNvSpPr>
-          <p:nvPr/>
-        </p:nvSpPr>
-        <p:spPr>
-          <a:xfrm>
-            <a:off x="785422" y="317110"/>
-            <a:ext cx="7772400" cy="1102519"/>
-          </a:xfrm>
-          <a:prstGeom prst="rect">
-            <a:avLst/>
-          </a:prstGeom>
-        </p:spPr>
-        <p:txBody>
-          <a:bodyPr>
-            <a:normAutofit/>
-          </a:bodyPr>
-          <a:lstStyle>
-            <a:lvl1pPr algn="ctr" defTabSz="914400" rtl="0" eaLnBrk="1" latinLnBrk="0" hangingPunct="1">
-              <a:spcBef>
-                <a:spcPct val="0"/>
-              </a:spcBef>
-              <a:buNone/>
-              <a:defRPr sz="4400" kern="1200">
-                <a:solidFill>
-                  <a:schemeClr val="tx1"/>
-                </a:solidFill>
-                <a:latin typeface="+mj-lt"/>
-                <a:ea typeface="+mj-ea"/>
-                <a:cs typeface="+mj-cs"/>
-              </a:defRPr>
-            </a:lvl1pPr>
-          </a:lstStyle>
-          <a:p>
-            <a:r>
-              <a:rPr lang="fr-FR" dirty="0" smtClean="0">
-                <a:latin typeface="Century Gothic" panose="020B0502020202020204" pitchFamily="34" charset="0"/>
-              </a:rPr>
-              <a:t>DITEP</a:t>
-            </a:r>
-            <a:endParaRPr lang="fr-FR" dirty="0">
-              <a:latin typeface="Century Gothic" panose="020B0502020202020204" pitchFamily="34" charset="0"/>
-            </a:endParaRPr>
-          </a:p>
-        </p:txBody>
-      </p:sp>
-      <p:pic>
-        <p:nvPicPr>
-          <p:cNvPr id="1027" name="Picture 3"/>
-          <p:cNvPicPr>
-            <a:picLocks noChangeAspect="1" noChangeArrowheads="1"/>
-          </p:cNvPicPr>
-          <p:nvPr/>
-        </p:nvPicPr>
-        <p:blipFill>
-          <a:blip r:embed="rId4" cstate="print">
-            <a:extLst>
-              <a:ext uri="{28A0092B-C50C-407E-A947-70E740481C1C}">
-                <a14:useLocalDpi xmlns:a14="http://schemas.microsoft.com/office/drawing/2010/main" val="0"/>
-              </a:ext>
-            </a:extLst>
-          </a:blip>
-          <a:srcRect/>
-          <a:stretch>
-            <a:fillRect/>
-          </a:stretch>
-        </p:blipFill>
-        <p:spPr bwMode="auto">
-          <a:xfrm>
-            <a:off x="291414" y="1419629"/>
-            <a:ext cx="4508909" cy="3005939"/>
-          </a:xfrm>
-          <a:prstGeom prst="rect">
-            <a:avLst/>
-          </a:prstGeom>
-          <a:noFill/>
-          <a:ln>
-            <a:noFill/>
-          </a:ln>
-          <a:effectLst/>
-          <a:extLst>
-            <a:ext uri="{909E8E84-426E-40DD-AFC4-6F175D3DCCD1}">
-              <a14:hiddenFill xmlns:a14="http://schemas.microsoft.com/office/drawing/2010/main">
-                <a:solidFill>
-                  <a:schemeClr val="accent1"/>
-                </a:solidFill>
-              </a14:hiddenFill>
-            </a:ext>
-            <a:ext uri="{91240B29-F687-4F45-9708-019B960494DF}">
-              <a14:hiddenLine xmlns:a14="http://schemas.microsoft.com/office/drawing/2010/main" w="9525">
-                <a:solidFill>
-                  <a:schemeClr val="tx1"/>
-                </a:solidFill>
-                <a:miter lim="800000"/>
-                <a:headEnd/>
-                <a:tailEnd/>
-              </a14:hiddenLine>
-            </a:ext>
-            <a:ext uri="{AF507438-7753-43E0-B8FC-AC1667EBCBE1}">
-              <a14:hiddenEffects xmlns:a14="http://schemas.microsoft.com/office/drawing/2010/main">
-                <a:effectLst>
-                  <a:outerShdw dist="35921" dir="2700000" algn="ctr" rotWithShape="0">
-                    <a:schemeClr val="bg2"/>
-                  </a:outerShdw>
-                </a:effectLst>
-              </a14:hiddenEffects>
-            </a:ext>
-          </a:extLst>
-        </p:spPr>
-      </p:pic>
-      <p:sp>
-        <p:nvSpPr>
-          <p:cNvPr id="5" name="Rectangle 4"/>
-          <p:cNvSpPr/>
-          <p:nvPr/>
-        </p:nvSpPr>
-        <p:spPr>
-          <a:xfrm>
-            <a:off x="467544" y="606752"/>
-            <a:ext cx="2592288" cy="523220"/>
-          </a:xfrm>
-          <a:prstGeom prst="rect">
-            <a:avLst/>
-          </a:prstGeom>
-        </p:spPr>
-        <p:txBody>
-          <a:bodyPr wrap="square">
-            <a:spAutoFit/>
-          </a:bodyPr>
-          <a:lstStyle/>
-          <a:p>
-            <a:pPr algn="ctr"/>
-            <a:r>
-              <a:rPr lang="fr-FR" sz="2800" dirty="0" err="1" smtClean="0"/>
-              <a:t>Medical</a:t>
-            </a:r>
-            <a:r>
-              <a:rPr lang="fr-FR" sz="2800" dirty="0" smtClean="0"/>
-              <a:t> team </a:t>
-            </a:r>
-            <a:endParaRPr lang="fr-FR" sz="2800" dirty="0"/>
-          </a:p>
-        </p:txBody>
-      </p:sp>
-      <p:sp>
-        <p:nvSpPr>
-          <p:cNvPr id="10" name="Rectangle 9"/>
-          <p:cNvSpPr/>
-          <p:nvPr/>
-        </p:nvSpPr>
-        <p:spPr>
-          <a:xfrm>
-            <a:off x="6004041" y="606752"/>
-            <a:ext cx="2937382" cy="523220"/>
-          </a:xfrm>
-          <a:prstGeom prst="rect">
-            <a:avLst/>
-          </a:prstGeom>
-        </p:spPr>
-        <p:txBody>
-          <a:bodyPr wrap="square">
-            <a:spAutoFit/>
-          </a:bodyPr>
-          <a:lstStyle/>
-          <a:p>
-            <a:pPr algn="ctr"/>
-            <a:r>
-              <a:rPr lang="fr-FR" sz="2800" dirty="0" smtClean="0"/>
-              <a:t>Data Science team </a:t>
-            </a:r>
-            <a:endParaRPr lang="fr-FR" sz="2800" dirty="0"/>
-          </a:p>
-        </p:txBody>
-      </p:sp>
-      <p:pic>
-        <p:nvPicPr>
-          <p:cNvPr id="1026" name="Picture 2"/>
-          <p:cNvPicPr>
-            <a:picLocks noChangeAspect="1" noChangeArrowheads="1"/>
-          </p:cNvPicPr>
-          <p:nvPr/>
-        </p:nvPicPr>
-        <p:blipFill rotWithShape="1">
-          <a:blip r:embed="rId5">
-            <a:extLst>
-              <a:ext uri="{28A0092B-C50C-407E-A947-70E740481C1C}">
-                <a14:useLocalDpi xmlns:a14="http://schemas.microsoft.com/office/drawing/2010/main" val="0"/>
-              </a:ext>
-            </a:extLst>
-          </a:blip>
-          <a:srcRect l="62578" t="31388" r="14958" b="26654"/>
-          <a:stretch/>
-        </p:blipFill>
-        <p:spPr bwMode="auto">
-          <a:xfrm>
-            <a:off x="5638323" y="1100701"/>
-            <a:ext cx="3303100" cy="3468679"/>
-          </a:xfrm>
-          <a:prstGeom prst="rect">
-            <a:avLst/>
-          </a:prstGeom>
-          <a:noFill/>
-          <a:ln>
-            <a:noFill/>
-          </a:ln>
-          <a:extLst>
-            <a:ext uri="{909E8E84-426E-40DD-AFC4-6F175D3DCCD1}">
-              <a14:hiddenFill xmlns:a14="http://schemas.microsoft.com/office/drawing/2010/main">
-                <a:solidFill>
-                  <a:schemeClr val="accent1"/>
-                </a:solidFill>
-              </a14:hiddenFill>
-            </a:ext>
-            <a:ext uri="{91240B29-F687-4F45-9708-019B960494DF}">
-              <a14:hiddenLine xmlns:a14="http://schemas.microsoft.com/office/drawing/2010/main" w="9525">
-                <a:solidFill>
-                  <a:schemeClr val="tx1"/>
-                </a:solidFill>
-                <a:miter lim="800000"/>
-                <a:headEnd/>
-                <a:tailEnd/>
-              </a14:hiddenLine>
-            </a:ext>
-          </a:extLst>
-        </p:spPr>
-      </p:pic>
-    </p:spTree>
-    <p:extLst>
-      <p:ext uri="{BB962C8B-B14F-4D97-AF65-F5344CB8AC3E}">
-        <p14:creationId xmlns:p14="http://schemas.microsoft.com/office/powerpoint/2010/main" val="674205970"/>
       </p:ext>
     </p:extLst>
   </p:cSld>
@@ -14731,6 +19168,52 @@
           </a:extLst>
         </p:spPr>
       </p:pic>
+      <p:sp>
+        <p:nvSpPr>
+          <p:cNvPr id="3" name="Titre 1"/>
+          <p:cNvSpPr txBox="1">
+            <a:spLocks/>
+          </p:cNvSpPr>
+          <p:nvPr/>
+        </p:nvSpPr>
+        <p:spPr>
+          <a:xfrm>
+            <a:off x="457200" y="205979"/>
+            <a:ext cx="8229600" cy="857250"/>
+          </a:xfrm>
+          <a:prstGeom prst="rect">
+            <a:avLst/>
+          </a:prstGeom>
+        </p:spPr>
+        <p:txBody>
+          <a:bodyPr vert="horz" lIns="91440" tIns="45720" rIns="91440" bIns="45720" rtlCol="0" anchor="ctr">
+            <a:normAutofit/>
+          </a:bodyPr>
+          <a:lstStyle>
+            <a:lvl1pPr algn="ctr" defTabSz="914400" rtl="0" eaLnBrk="1" latinLnBrk="0" hangingPunct="1">
+              <a:spcBef>
+                <a:spcPct val="0"/>
+              </a:spcBef>
+              <a:buNone/>
+              <a:defRPr sz="4400" kern="1200">
+                <a:solidFill>
+                  <a:schemeClr val="tx1"/>
+                </a:solidFill>
+                <a:latin typeface="+mj-lt"/>
+                <a:ea typeface="+mj-ea"/>
+                <a:cs typeface="+mj-cs"/>
+              </a:defRPr>
+            </a:lvl1pPr>
+          </a:lstStyle>
+          <a:p>
+            <a:r>
+              <a:rPr lang="fr-FR" dirty="0" smtClean="0"/>
+              <a:t>Learning</a:t>
+            </a:r>
+            <a:endParaRPr lang="en-US" dirty="0"/>
+          </a:p>
+        </p:txBody>
+      </p:sp>
     </p:spTree>
     <p:extLst>
       <p:ext uri="{BB962C8B-B14F-4D97-AF65-F5344CB8AC3E}">
@@ -14741,6 +19224,349 @@
   <p:clrMapOvr>
     <a:masterClrMapping/>
   </p:clrMapOvr>
+</p:sld>
+</file>
+
+<file path=ppt/slides/slide30.xml><?xml version="1.0" encoding="utf-8"?>
+<p:sld xmlns:a="http://schemas.openxmlformats.org/drawingml/2006/main" xmlns:r="http://schemas.openxmlformats.org/officeDocument/2006/relationships" xmlns:p="http://schemas.openxmlformats.org/presentationml/2006/main">
+  <p:cSld>
+    <p:spTree>
+      <p:nvGrpSpPr>
+        <p:cNvPr id="1" name=""/>
+        <p:cNvGrpSpPr/>
+        <p:nvPr/>
+      </p:nvGrpSpPr>
+      <p:grpSpPr>
+        <a:xfrm>
+          <a:off x="0" y="0"/>
+          <a:ext cx="0" cy="0"/>
+          <a:chOff x="0" y="0"/>
+          <a:chExt cx="0" cy="0"/>
+        </a:xfrm>
+      </p:grpSpPr>
+      <p:sp>
+        <p:nvSpPr>
+          <p:cNvPr id="3" name="ZoneTexte 2"/>
+          <p:cNvSpPr txBox="1"/>
+          <p:nvPr/>
+        </p:nvSpPr>
+        <p:spPr>
+          <a:xfrm>
+            <a:off x="447901" y="4575643"/>
+            <a:ext cx="4127027" cy="461665"/>
+          </a:xfrm>
+          <a:prstGeom prst="rect">
+            <a:avLst/>
+          </a:prstGeom>
+          <a:noFill/>
+        </p:spPr>
+        <p:txBody>
+          <a:bodyPr wrap="none" rtlCol="0">
+            <a:spAutoFit/>
+          </a:bodyPr>
+          <a:lstStyle/>
+          <a:p>
+            <a:r>
+              <a:rPr lang="fr-FR" sz="2400" dirty="0" smtClean="0">
+                <a:hlinkClick r:id="rId2"/>
+              </a:rPr>
+              <a:t>loic.verlingue@gustaveroussy.fr</a:t>
+            </a:r>
+            <a:endParaRPr lang="fr-FR" sz="2400" dirty="0" smtClean="0"/>
+          </a:p>
+        </p:txBody>
+      </p:sp>
+      <p:sp>
+        <p:nvSpPr>
+          <p:cNvPr id="4" name="Rectangle 3"/>
+          <p:cNvSpPr/>
+          <p:nvPr/>
+        </p:nvSpPr>
+        <p:spPr>
+          <a:xfrm>
+            <a:off x="5638324" y="4575643"/>
+            <a:ext cx="3398174" cy="461665"/>
+          </a:xfrm>
+          <a:prstGeom prst="rect">
+            <a:avLst/>
+          </a:prstGeom>
+        </p:spPr>
+        <p:txBody>
+          <a:bodyPr wrap="none">
+            <a:spAutoFit/>
+          </a:bodyPr>
+          <a:lstStyle/>
+          <a:p>
+            <a:pPr algn="ctr"/>
+            <a:r>
+              <a:rPr lang="en-US" sz="2400" dirty="0" smtClean="0">
+                <a:hlinkClick r:id="rId3"/>
+              </a:rPr>
+              <a:t>https</a:t>
+            </a:r>
+            <a:r>
+              <a:rPr lang="en-US" sz="2400" dirty="0">
+                <a:hlinkClick r:id="rId3"/>
+              </a:rPr>
+              <a:t>://</a:t>
+            </a:r>
+            <a:r>
+              <a:rPr lang="en-US" sz="2400" dirty="0" smtClean="0">
+                <a:hlinkClick r:id="rId3"/>
+              </a:rPr>
+              <a:t>github.com/DITEP</a:t>
+            </a:r>
+            <a:endParaRPr lang="en-US" sz="2400" dirty="0" smtClean="0"/>
+          </a:p>
+        </p:txBody>
+      </p:sp>
+      <p:sp>
+        <p:nvSpPr>
+          <p:cNvPr id="12" name="Titre 1"/>
+          <p:cNvSpPr txBox="1">
+            <a:spLocks/>
+          </p:cNvSpPr>
+          <p:nvPr/>
+        </p:nvSpPr>
+        <p:spPr>
+          <a:xfrm>
+            <a:off x="785422" y="317110"/>
+            <a:ext cx="7772400" cy="1102519"/>
+          </a:xfrm>
+          <a:prstGeom prst="rect">
+            <a:avLst/>
+          </a:prstGeom>
+        </p:spPr>
+        <p:txBody>
+          <a:bodyPr>
+            <a:normAutofit/>
+          </a:bodyPr>
+          <a:lstStyle>
+            <a:lvl1pPr algn="ctr" defTabSz="914400" rtl="0" eaLnBrk="1" latinLnBrk="0" hangingPunct="1">
+              <a:spcBef>
+                <a:spcPct val="0"/>
+              </a:spcBef>
+              <a:buNone/>
+              <a:defRPr sz="4400" kern="1200">
+                <a:solidFill>
+                  <a:schemeClr val="tx1"/>
+                </a:solidFill>
+                <a:latin typeface="+mj-lt"/>
+                <a:ea typeface="+mj-ea"/>
+                <a:cs typeface="+mj-cs"/>
+              </a:defRPr>
+            </a:lvl1pPr>
+          </a:lstStyle>
+          <a:p>
+            <a:r>
+              <a:rPr lang="fr-FR" dirty="0" smtClean="0">
+                <a:latin typeface="Century Gothic" panose="020B0502020202020204" pitchFamily="34" charset="0"/>
+              </a:rPr>
+              <a:t>DITEP</a:t>
+            </a:r>
+            <a:endParaRPr lang="fr-FR" dirty="0">
+              <a:latin typeface="Century Gothic" panose="020B0502020202020204" pitchFamily="34" charset="0"/>
+            </a:endParaRPr>
+          </a:p>
+        </p:txBody>
+      </p:sp>
+      <p:pic>
+        <p:nvPicPr>
+          <p:cNvPr id="1027" name="Picture 3"/>
+          <p:cNvPicPr>
+            <a:picLocks noChangeAspect="1" noChangeArrowheads="1"/>
+          </p:cNvPicPr>
+          <p:nvPr/>
+        </p:nvPicPr>
+        <p:blipFill>
+          <a:blip r:embed="rId4" cstate="print">
+            <a:extLst>
+              <a:ext uri="{28A0092B-C50C-407E-A947-70E740481C1C}">
+                <a14:useLocalDpi xmlns:a14="http://schemas.microsoft.com/office/drawing/2010/main" val="0"/>
+              </a:ext>
+            </a:extLst>
+          </a:blip>
+          <a:srcRect/>
+          <a:stretch>
+            <a:fillRect/>
+          </a:stretch>
+        </p:blipFill>
+        <p:spPr bwMode="auto">
+          <a:xfrm>
+            <a:off x="291414" y="1419629"/>
+            <a:ext cx="4508909" cy="3005939"/>
+          </a:xfrm>
+          <a:prstGeom prst="rect">
+            <a:avLst/>
+          </a:prstGeom>
+          <a:noFill/>
+          <a:ln>
+            <a:noFill/>
+          </a:ln>
+          <a:effectLst/>
+          <a:extLst>
+            <a:ext uri="{909E8E84-426E-40DD-AFC4-6F175D3DCCD1}">
+              <a14:hiddenFill xmlns:a14="http://schemas.microsoft.com/office/drawing/2010/main">
+                <a:solidFill>
+                  <a:schemeClr val="accent1"/>
+                </a:solidFill>
+              </a14:hiddenFill>
+            </a:ext>
+            <a:ext uri="{91240B29-F687-4F45-9708-019B960494DF}">
+              <a14:hiddenLine xmlns:a14="http://schemas.microsoft.com/office/drawing/2010/main" w="9525">
+                <a:solidFill>
+                  <a:schemeClr val="tx1"/>
+                </a:solidFill>
+                <a:miter lim="800000"/>
+                <a:headEnd/>
+                <a:tailEnd/>
+              </a14:hiddenLine>
+            </a:ext>
+            <a:ext uri="{AF507438-7753-43E0-B8FC-AC1667EBCBE1}">
+              <a14:hiddenEffects xmlns:a14="http://schemas.microsoft.com/office/drawing/2010/main">
+                <a:effectLst>
+                  <a:outerShdw dist="35921" dir="2700000" algn="ctr" rotWithShape="0">
+                    <a:schemeClr val="bg2"/>
+                  </a:outerShdw>
+                </a:effectLst>
+              </a14:hiddenEffects>
+            </a:ext>
+          </a:extLst>
+        </p:spPr>
+      </p:pic>
+      <p:sp>
+        <p:nvSpPr>
+          <p:cNvPr id="5" name="Rectangle 4"/>
+          <p:cNvSpPr/>
+          <p:nvPr/>
+        </p:nvSpPr>
+        <p:spPr>
+          <a:xfrm>
+            <a:off x="467544" y="606752"/>
+            <a:ext cx="2592288" cy="523220"/>
+          </a:xfrm>
+          <a:prstGeom prst="rect">
+            <a:avLst/>
+          </a:prstGeom>
+        </p:spPr>
+        <p:txBody>
+          <a:bodyPr wrap="square">
+            <a:spAutoFit/>
+          </a:bodyPr>
+          <a:lstStyle/>
+          <a:p>
+            <a:pPr algn="ctr"/>
+            <a:r>
+              <a:rPr lang="fr-FR" sz="2800" dirty="0" err="1" smtClean="0"/>
+              <a:t>Medical</a:t>
+            </a:r>
+            <a:r>
+              <a:rPr lang="fr-FR" sz="2800" dirty="0" smtClean="0"/>
+              <a:t> team </a:t>
+            </a:r>
+            <a:endParaRPr lang="fr-FR" sz="2800" dirty="0"/>
+          </a:p>
+        </p:txBody>
+      </p:sp>
+      <p:sp>
+        <p:nvSpPr>
+          <p:cNvPr id="10" name="Rectangle 9"/>
+          <p:cNvSpPr/>
+          <p:nvPr/>
+        </p:nvSpPr>
+        <p:spPr>
+          <a:xfrm>
+            <a:off x="6004041" y="606752"/>
+            <a:ext cx="2937382" cy="523220"/>
+          </a:xfrm>
+          <a:prstGeom prst="rect">
+            <a:avLst/>
+          </a:prstGeom>
+        </p:spPr>
+        <p:txBody>
+          <a:bodyPr wrap="square">
+            <a:spAutoFit/>
+          </a:bodyPr>
+          <a:lstStyle/>
+          <a:p>
+            <a:pPr algn="ctr"/>
+            <a:r>
+              <a:rPr lang="fr-FR" sz="2800" dirty="0" smtClean="0"/>
+              <a:t>Data Science team </a:t>
+            </a:r>
+            <a:endParaRPr lang="fr-FR" sz="2800" dirty="0"/>
+          </a:p>
+        </p:txBody>
+      </p:sp>
+      <p:pic>
+        <p:nvPicPr>
+          <p:cNvPr id="1026" name="Picture 2"/>
+          <p:cNvPicPr>
+            <a:picLocks noChangeAspect="1" noChangeArrowheads="1"/>
+          </p:cNvPicPr>
+          <p:nvPr/>
+        </p:nvPicPr>
+        <p:blipFill rotWithShape="1">
+          <a:blip r:embed="rId5">
+            <a:extLst>
+              <a:ext uri="{28A0092B-C50C-407E-A947-70E740481C1C}">
+                <a14:useLocalDpi xmlns:a14="http://schemas.microsoft.com/office/drawing/2010/main" val="0"/>
+              </a:ext>
+            </a:extLst>
+          </a:blip>
+          <a:srcRect l="62578" t="31388" r="14958" b="26654"/>
+          <a:stretch/>
+        </p:blipFill>
+        <p:spPr bwMode="auto">
+          <a:xfrm>
+            <a:off x="5638323" y="1100701"/>
+            <a:ext cx="3303100" cy="3468679"/>
+          </a:xfrm>
+          <a:prstGeom prst="rect">
+            <a:avLst/>
+          </a:prstGeom>
+          <a:noFill/>
+          <a:ln>
+            <a:noFill/>
+          </a:ln>
+          <a:extLst>
+            <a:ext uri="{909E8E84-426E-40DD-AFC4-6F175D3DCCD1}">
+              <a14:hiddenFill xmlns:a14="http://schemas.microsoft.com/office/drawing/2010/main">
+                <a:solidFill>
+                  <a:schemeClr val="accent1"/>
+                </a:solidFill>
+              </a14:hiddenFill>
+            </a:ext>
+            <a:ext uri="{91240B29-F687-4F45-9708-019B960494DF}">
+              <a14:hiddenLine xmlns:a14="http://schemas.microsoft.com/office/drawing/2010/main" w="9525">
+                <a:solidFill>
+                  <a:schemeClr val="tx1"/>
+                </a:solidFill>
+                <a:miter lim="800000"/>
+                <a:headEnd/>
+                <a:tailEnd/>
+              </a14:hiddenLine>
+            </a:ext>
+          </a:extLst>
+        </p:spPr>
+      </p:pic>
+    </p:spTree>
+    <p:extLst>
+      <p:ext uri="{BB962C8B-B14F-4D97-AF65-F5344CB8AC3E}">
+        <p14:creationId xmlns:p14="http://schemas.microsoft.com/office/powerpoint/2010/main" val="674205970"/>
+      </p:ext>
+    </p:extLst>
+  </p:cSld>
+  <p:clrMapOvr>
+    <a:masterClrMapping/>
+  </p:clrMapOvr>
+  <p:timing>
+    <p:tnLst>
+      <p:par>
+        <p:cTn id="1" dur="indefinite" restart="never" nodeType="tmRoot"/>
+      </p:par>
+    </p:tnLst>
+  </p:timing>
 </p:sld>
 </file>
 
@@ -15460,6 +20286,100 @@
 </file>
 
 <file path=ppt/slides/slide8.xml><?xml version="1.0" encoding="utf-8"?>
+<p:sld xmlns:a="http://schemas.openxmlformats.org/drawingml/2006/main" xmlns:r="http://schemas.openxmlformats.org/officeDocument/2006/relationships" xmlns:p="http://schemas.openxmlformats.org/presentationml/2006/main">
+  <p:cSld>
+    <p:bg>
+      <p:bgRef idx="1001">
+        <a:schemeClr val="bg1"/>
+      </p:bgRef>
+    </p:bg>
+    <p:spTree>
+      <p:nvGrpSpPr>
+        <p:cNvPr id="1" name=""/>
+        <p:cNvGrpSpPr/>
+        <p:nvPr/>
+      </p:nvGrpSpPr>
+      <p:grpSpPr>
+        <a:xfrm>
+          <a:off x="0" y="0"/>
+          <a:ext cx="0" cy="0"/>
+          <a:chOff x="0" y="0"/>
+          <a:chExt cx="0" cy="0"/>
+        </a:xfrm>
+      </p:grpSpPr>
+      <p:sp>
+        <p:nvSpPr>
+          <p:cNvPr id="4" name="ZoneTexte 3"/>
+          <p:cNvSpPr txBox="1"/>
+          <p:nvPr/>
+        </p:nvSpPr>
+        <p:spPr>
+          <a:xfrm>
+            <a:off x="2627784" y="1995686"/>
+            <a:ext cx="4381328" cy="923330"/>
+          </a:xfrm>
+          <a:prstGeom prst="rect">
+            <a:avLst/>
+          </a:prstGeom>
+          <a:noFill/>
+        </p:spPr>
+        <p:txBody>
+          <a:bodyPr wrap="none" rtlCol="0">
+            <a:spAutoFit/>
+          </a:bodyPr>
+          <a:lstStyle/>
+          <a:p>
+            <a:r>
+              <a:rPr lang="fr-FR" sz="5400" b="1" dirty="0" smtClean="0">
+                <a:solidFill>
+                  <a:prstClr val="white"/>
+                </a:solidFill>
+                <a:latin typeface="Consolas" panose="020B0609020204030204" pitchFamily="49" charset="0"/>
+                <a:cs typeface="Consolas" panose="020B0609020204030204" pitchFamily="49" charset="0"/>
+              </a:rPr>
+              <a:t>Back </a:t>
+            </a:r>
+            <a:r>
+              <a:rPr lang="fr-FR" sz="5400" b="1" dirty="0" err="1" smtClean="0">
+                <a:solidFill>
+                  <a:prstClr val="white"/>
+                </a:solidFill>
+                <a:latin typeface="Consolas" panose="020B0609020204030204" pitchFamily="49" charset="0"/>
+                <a:cs typeface="Consolas" panose="020B0609020204030204" pitchFamily="49" charset="0"/>
+              </a:rPr>
+              <a:t>to.Rmd</a:t>
+            </a:r>
+            <a:endParaRPr lang="en-US" sz="5400" b="1" dirty="0">
+              <a:solidFill>
+                <a:prstClr val="white"/>
+              </a:solidFill>
+              <a:latin typeface="Consolas" panose="020B0609020204030204" pitchFamily="49" charset="0"/>
+              <a:cs typeface="Consolas" panose="020B0609020204030204" pitchFamily="49" charset="0"/>
+            </a:endParaRPr>
+          </a:p>
+        </p:txBody>
+      </p:sp>
+    </p:spTree>
+    <p:extLst>
+      <p:ext uri="{BB962C8B-B14F-4D97-AF65-F5344CB8AC3E}">
+        <p14:creationId xmlns:p14="http://schemas.microsoft.com/office/powerpoint/2010/main" val="211589902"/>
+      </p:ext>
+    </p:extLst>
+  </p:cSld>
+  <p:clrMapOvr>
+    <a:overrideClrMapping bg1="dk1" tx1="lt1" bg2="dk2" tx2="lt2" accent1="accent1" accent2="accent2" accent3="accent3" accent4="accent4" accent5="accent5" accent6="accent6" hlink="hlink" folHlink="folHlink"/>
+  </p:clrMapOvr>
+  <p:timing>
+    <p:tnLst>
+      <p:par>
+        <p:cTn id="1" dur="indefinite" restart="never" nodeType="tmRoot"/>
+      </p:par>
+    </p:tnLst>
+  </p:timing>
+</p:sld>
+</file>
+
+<file path=ppt/slides/slide9.xml><?xml version="1.0" encoding="utf-8"?>
 <p:sld xmlns:a="http://schemas.openxmlformats.org/drawingml/2006/main" xmlns:r="http://schemas.openxmlformats.org/officeDocument/2006/relationships" xmlns:p="http://schemas.openxmlformats.org/presentationml/2006/main">
   <p:cSld>
     <p:spTree>
@@ -16404,275 +21324,6 @@
 </p:sld>
 </file>
 
-<file path=ppt/slides/slide9.xml><?xml version="1.0" encoding="utf-8"?>
-<p:sld xmlns:a="http://schemas.openxmlformats.org/drawingml/2006/main" xmlns:r="http://schemas.openxmlformats.org/officeDocument/2006/relationships" xmlns:p="http://schemas.openxmlformats.org/presentationml/2006/main">
-  <p:cSld>
-    <p:spTree>
-      <p:nvGrpSpPr>
-        <p:cNvPr id="1" name=""/>
-        <p:cNvGrpSpPr/>
-        <p:nvPr/>
-      </p:nvGrpSpPr>
-      <p:grpSpPr>
-        <a:xfrm>
-          <a:off x="0" y="0"/>
-          <a:ext cx="0" cy="0"/>
-          <a:chOff x="0" y="0"/>
-          <a:chExt cx="0" cy="0"/>
-        </a:xfrm>
-      </p:grpSpPr>
-      <p:sp>
-        <p:nvSpPr>
-          <p:cNvPr id="2" name="Titre 1"/>
-          <p:cNvSpPr>
-            <a:spLocks noGrp="1"/>
-          </p:cNvSpPr>
-          <p:nvPr>
-            <p:ph type="title"/>
-          </p:nvPr>
-        </p:nvSpPr>
-        <p:spPr/>
-        <p:txBody>
-          <a:bodyPr/>
-          <a:lstStyle/>
-          <a:p>
-            <a:r>
-              <a:rPr lang="fr-FR" dirty="0" err="1" smtClean="0"/>
-              <a:t>Keras</a:t>
-            </a:r>
-            <a:r>
-              <a:rPr lang="fr-FR" dirty="0" smtClean="0"/>
-              <a:t> &amp; </a:t>
-            </a:r>
-            <a:r>
-              <a:rPr lang="fr-FR" dirty="0" err="1" smtClean="0"/>
-              <a:t>tensorflow</a:t>
-            </a:r>
-            <a:endParaRPr lang="en-US" dirty="0"/>
-          </a:p>
-        </p:txBody>
-      </p:sp>
-      <p:pic>
-        <p:nvPicPr>
-          <p:cNvPr id="6146" name="Picture 2"/>
-          <p:cNvPicPr>
-            <a:picLocks noChangeAspect="1" noChangeArrowheads="1"/>
-          </p:cNvPicPr>
-          <p:nvPr/>
-        </p:nvPicPr>
-        <p:blipFill>
-          <a:blip r:embed="rId2">
-            <a:extLst>
-              <a:ext uri="{28A0092B-C50C-407E-A947-70E740481C1C}">
-                <a14:useLocalDpi xmlns:a14="http://schemas.microsoft.com/office/drawing/2010/main" val="0"/>
-              </a:ext>
-            </a:extLst>
-          </a:blip>
-          <a:srcRect/>
-          <a:stretch>
-            <a:fillRect/>
-          </a:stretch>
-        </p:blipFill>
-        <p:spPr bwMode="auto">
-          <a:xfrm>
-            <a:off x="1021831" y="1059582"/>
-            <a:ext cx="6844889" cy="2696170"/>
-          </a:xfrm>
-          <a:prstGeom prst="rect">
-            <a:avLst/>
-          </a:prstGeom>
-          <a:noFill/>
-          <a:ln>
-            <a:noFill/>
-          </a:ln>
-          <a:extLst>
-            <a:ext uri="{909E8E84-426E-40DD-AFC4-6F175D3DCCD1}">
-              <a14:hiddenFill xmlns:a14="http://schemas.microsoft.com/office/drawing/2010/main">
-                <a:solidFill>
-                  <a:schemeClr val="accent1"/>
-                </a:solidFill>
-              </a14:hiddenFill>
-            </a:ext>
-            <a:ext uri="{91240B29-F687-4F45-9708-019B960494DF}">
-              <a14:hiddenLine xmlns:a14="http://schemas.microsoft.com/office/drawing/2010/main" w="9525">
-                <a:solidFill>
-                  <a:schemeClr val="tx1"/>
-                </a:solidFill>
-                <a:miter lim="800000"/>
-                <a:headEnd/>
-                <a:tailEnd/>
-              </a14:hiddenLine>
-            </a:ext>
-          </a:extLst>
-        </p:spPr>
-      </p:pic>
-      <p:sp>
-        <p:nvSpPr>
-          <p:cNvPr id="4" name="Rectangle 3"/>
-          <p:cNvSpPr/>
-          <p:nvPr/>
-        </p:nvSpPr>
-        <p:spPr>
-          <a:xfrm>
-            <a:off x="0" y="3790481"/>
-            <a:ext cx="9144000" cy="1754326"/>
-          </a:xfrm>
-          <a:prstGeom prst="rect">
-            <a:avLst/>
-          </a:prstGeom>
-        </p:spPr>
-        <p:txBody>
-          <a:bodyPr wrap="square">
-            <a:spAutoFit/>
-          </a:bodyPr>
-          <a:lstStyle/>
-          <a:p>
-            <a:r>
-              <a:rPr lang="en-US" dirty="0" err="1">
-                <a:solidFill>
-                  <a:prstClr val="black"/>
-                </a:solidFill>
-              </a:rPr>
-              <a:t>Keras</a:t>
-            </a:r>
-            <a:r>
-              <a:rPr lang="en-US" dirty="0">
-                <a:solidFill>
-                  <a:prstClr val="black"/>
-                </a:solidFill>
-              </a:rPr>
-              <a:t> is a model-level library, providing high-level building blocks for developing</a:t>
-            </a:r>
-          </a:p>
-          <a:p>
-            <a:r>
-              <a:rPr lang="en-US" dirty="0">
-                <a:solidFill>
-                  <a:prstClr val="black"/>
-                </a:solidFill>
-              </a:rPr>
-              <a:t>deep-learning models. It doesn’t handle low-level operations such as tensor manipulation</a:t>
-            </a:r>
-          </a:p>
-          <a:p>
-            <a:r>
-              <a:rPr lang="en-US" dirty="0">
-                <a:solidFill>
-                  <a:prstClr val="black"/>
-                </a:solidFill>
-              </a:rPr>
-              <a:t>and differentiation. Instead, it relies on a specialized, well-optimized tensor library to do</a:t>
-            </a:r>
-          </a:p>
-          <a:p>
-            <a:r>
-              <a:rPr lang="en-US" dirty="0">
-                <a:solidFill>
-                  <a:prstClr val="black"/>
-                </a:solidFill>
-              </a:rPr>
-              <a:t>so, serving as the </a:t>
-            </a:r>
-            <a:r>
-              <a:rPr lang="en-US" i="1" dirty="0">
-                <a:solidFill>
-                  <a:prstClr val="black"/>
-                </a:solidFill>
-              </a:rPr>
-              <a:t>backend engine </a:t>
-            </a:r>
-            <a:r>
-              <a:rPr lang="en-US" dirty="0">
-                <a:solidFill>
-                  <a:prstClr val="black"/>
-                </a:solidFill>
-              </a:rPr>
-              <a:t>of </a:t>
-            </a:r>
-            <a:r>
-              <a:rPr lang="en-US" dirty="0" err="1">
-                <a:solidFill>
-                  <a:prstClr val="black"/>
-                </a:solidFill>
-              </a:rPr>
-              <a:t>Keras</a:t>
-            </a:r>
-            <a:r>
-              <a:rPr lang="en-US" dirty="0">
-                <a:solidFill>
-                  <a:prstClr val="black"/>
-                </a:solidFill>
-              </a:rPr>
-              <a:t>. Rather than choosing a single tensor library</a:t>
-            </a:r>
-          </a:p>
-          <a:p>
-            <a:r>
-              <a:rPr lang="en-US" dirty="0">
-                <a:solidFill>
-                  <a:prstClr val="black"/>
-                </a:solidFill>
-              </a:rPr>
-              <a:t>and tying the implementation of </a:t>
-            </a:r>
-            <a:r>
-              <a:rPr lang="en-US" dirty="0" err="1">
-                <a:solidFill>
-                  <a:prstClr val="black"/>
-                </a:solidFill>
-              </a:rPr>
-              <a:t>Keras</a:t>
-            </a:r>
-            <a:r>
-              <a:rPr lang="en-US" dirty="0">
-                <a:solidFill>
-                  <a:prstClr val="black"/>
-                </a:solidFill>
-              </a:rPr>
-              <a:t> to that library, </a:t>
-            </a:r>
-            <a:r>
-              <a:rPr lang="en-US" dirty="0" err="1">
-                <a:solidFill>
-                  <a:prstClr val="black"/>
-                </a:solidFill>
-              </a:rPr>
-              <a:t>Keras</a:t>
-            </a:r>
-            <a:r>
-              <a:rPr lang="en-US" dirty="0">
-                <a:solidFill>
-                  <a:prstClr val="black"/>
-                </a:solidFill>
-              </a:rPr>
-              <a:t> handles the problem in a</a:t>
-            </a:r>
-          </a:p>
-          <a:p>
-            <a:r>
-              <a:rPr lang="en-US" dirty="0">
-                <a:solidFill>
-                  <a:prstClr val="black"/>
-                </a:solidFill>
-              </a:rPr>
-              <a:t>modular way</a:t>
-            </a:r>
-          </a:p>
-        </p:txBody>
-      </p:sp>
-    </p:spTree>
-    <p:extLst>
-      <p:ext uri="{BB962C8B-B14F-4D97-AF65-F5344CB8AC3E}">
-        <p14:creationId xmlns:p14="http://schemas.microsoft.com/office/powerpoint/2010/main" val="2877619688"/>
-      </p:ext>
-    </p:extLst>
-  </p:cSld>
-  <p:clrMapOvr>
-    <a:masterClrMapping/>
-  </p:clrMapOvr>
-</p:sld>
-</file>
-
 <file path=ppt/theme/theme1.xml><?xml version="1.0" encoding="utf-8"?>
 <a:theme xmlns:a="http://schemas.openxmlformats.org/drawingml/2006/main" name="Thème Office">
   <a:themeElements>
@@ -16959,6 +21610,291 @@
 </file>
 
 <file path=ppt/theme/theme2.xml><?xml version="1.0" encoding="utf-8"?>
+<a:theme xmlns:a="http://schemas.openxmlformats.org/drawingml/2006/main" name="1_Thème Office">
+  <a:themeElements>
+    <a:clrScheme name="Office">
+      <a:dk1>
+        <a:sysClr val="windowText" lastClr="000000"/>
+      </a:dk1>
+      <a:lt1>
+        <a:sysClr val="window" lastClr="FFFFFF"/>
+      </a:lt1>
+      <a:dk2>
+        <a:srgbClr val="1F497D"/>
+      </a:dk2>
+      <a:lt2>
+        <a:srgbClr val="EEECE1"/>
+      </a:lt2>
+      <a:accent1>
+        <a:srgbClr val="4F81BD"/>
+      </a:accent1>
+      <a:accent2>
+        <a:srgbClr val="C0504D"/>
+      </a:accent2>
+      <a:accent3>
+        <a:srgbClr val="9BBB59"/>
+      </a:accent3>
+      <a:accent4>
+        <a:srgbClr val="8064A2"/>
+      </a:accent4>
+      <a:accent5>
+        <a:srgbClr val="4BACC6"/>
+      </a:accent5>
+      <a:accent6>
+        <a:srgbClr val="F79646"/>
+      </a:accent6>
+      <a:hlink>
+        <a:srgbClr val="0000FF"/>
+      </a:hlink>
+      <a:folHlink>
+        <a:srgbClr val="800080"/>
+      </a:folHlink>
+    </a:clrScheme>
+    <a:fontScheme name="Office">
+      <a:majorFont>
+        <a:latin typeface="Calibri"/>
+        <a:ea typeface=""/>
+        <a:cs typeface=""/>
+        <a:font script="Jpan" typeface="ＭＳ Ｐゴシック"/>
+        <a:font script="Hang" typeface="맑은 고딕"/>
+        <a:font script="Hans" typeface="宋体"/>
+        <a:font script="Hant" typeface="新細明體"/>
+        <a:font script="Arab" typeface="Times New Roman"/>
+        <a:font script="Hebr" typeface="Times New Roman"/>
+        <a:font script="Thai" typeface="Angsana New"/>
+        <a:font script="Ethi" typeface="Nyala"/>
+        <a:font script="Beng" typeface="Vrinda"/>
+        <a:font script="Gujr" typeface="Shruti"/>
+        <a:font script="Khmr" typeface="MoolBoran"/>
+        <a:font script="Knda" typeface="Tunga"/>
+        <a:font script="Guru" typeface="Raavi"/>
+        <a:font script="Cans" typeface="Euphemia"/>
+        <a:font script="Cher" typeface="Plantagenet Cherokee"/>
+        <a:font script="Yiii" typeface="Microsoft Yi Baiti"/>
+        <a:font script="Tibt" typeface="Microsoft Himalaya"/>
+        <a:font script="Thaa" typeface="MV Boli"/>
+        <a:font script="Deva" typeface="Mangal"/>
+        <a:font script="Telu" typeface="Gautami"/>
+        <a:font script="Taml" typeface="Latha"/>
+        <a:font script="Syrc" typeface="Estrangelo Edessa"/>
+        <a:font script="Orya" typeface="Kalinga"/>
+        <a:font script="Mlym" typeface="Kartika"/>
+        <a:font script="Laoo" typeface="DokChampa"/>
+        <a:font script="Sinh" typeface="Iskoola Pota"/>
+        <a:font script="Mong" typeface="Mongolian Baiti"/>
+        <a:font script="Viet" typeface="Times New Roman"/>
+        <a:font script="Uigh" typeface="Microsoft Uighur"/>
+        <a:font script="Geor" typeface="Sylfaen"/>
+      </a:majorFont>
+      <a:minorFont>
+        <a:latin typeface="Calibri"/>
+        <a:ea typeface=""/>
+        <a:cs typeface=""/>
+        <a:font script="Jpan" typeface="ＭＳ Ｐゴシック"/>
+        <a:font script="Hang" typeface="맑은 고딕"/>
+        <a:font script="Hans" typeface="宋体"/>
+        <a:font script="Hant" typeface="新細明體"/>
+        <a:font script="Arab" typeface="Arial"/>
+        <a:font script="Hebr" typeface="Arial"/>
+        <a:font script="Thai" typeface="Cordia New"/>
+        <a:font script="Ethi" typeface="Nyala"/>
+        <a:font script="Beng" typeface="Vrinda"/>
+        <a:font script="Gujr" typeface="Shruti"/>
+        <a:font script="Khmr" typeface="DaunPenh"/>
+        <a:font script="Knda" typeface="Tunga"/>
+        <a:font script="Guru" typeface="Raavi"/>
+        <a:font script="Cans" typeface="Euphemia"/>
+        <a:font script="Cher" typeface="Plantagenet Cherokee"/>
+        <a:font script="Yiii" typeface="Microsoft Yi Baiti"/>
+        <a:font script="Tibt" typeface="Microsoft Himalaya"/>
+        <a:font script="Thaa" typeface="MV Boli"/>
+        <a:font script="Deva" typeface="Mangal"/>
+        <a:font script="Telu" typeface="Gautami"/>
+        <a:font script="Taml" typeface="Latha"/>
+        <a:font script="Syrc" typeface="Estrangelo Edessa"/>
+        <a:font script="Orya" typeface="Kalinga"/>
+        <a:font script="Mlym" typeface="Kartika"/>
+        <a:font script="Laoo" typeface="DokChampa"/>
+        <a:font script="Sinh" typeface="Iskoola Pota"/>
+        <a:font script="Mong" typeface="Mongolian Baiti"/>
+        <a:font script="Viet" typeface="Arial"/>
+        <a:font script="Uigh" typeface="Microsoft Uighur"/>
+        <a:font script="Geor" typeface="Sylfaen"/>
+      </a:minorFont>
+    </a:fontScheme>
+    <a:fmtScheme name="Office">
+      <a:fillStyleLst>
+        <a:solidFill>
+          <a:schemeClr val="phClr"/>
+        </a:solidFill>
+        <a:gradFill rotWithShape="1">
+          <a:gsLst>
+            <a:gs pos="0">
+              <a:schemeClr val="phClr">
+                <a:tint val="50000"/>
+                <a:satMod val="300000"/>
+              </a:schemeClr>
+            </a:gs>
+            <a:gs pos="35000">
+              <a:schemeClr val="phClr">
+                <a:tint val="37000"/>
+                <a:satMod val="300000"/>
+              </a:schemeClr>
+            </a:gs>
+            <a:gs pos="100000">
+              <a:schemeClr val="phClr">
+                <a:tint val="15000"/>
+                <a:satMod val="350000"/>
+              </a:schemeClr>
+            </a:gs>
+          </a:gsLst>
+          <a:lin ang="16200000" scaled="1"/>
+        </a:gradFill>
+        <a:gradFill rotWithShape="1">
+          <a:gsLst>
+            <a:gs pos="0">
+              <a:schemeClr val="phClr">
+                <a:shade val="51000"/>
+                <a:satMod val="130000"/>
+              </a:schemeClr>
+            </a:gs>
+            <a:gs pos="80000">
+              <a:schemeClr val="phClr">
+                <a:shade val="93000"/>
+                <a:satMod val="130000"/>
+              </a:schemeClr>
+            </a:gs>
+            <a:gs pos="100000">
+              <a:schemeClr val="phClr">
+                <a:shade val="94000"/>
+                <a:satMod val="135000"/>
+              </a:schemeClr>
+            </a:gs>
+          </a:gsLst>
+          <a:lin ang="16200000" scaled="0"/>
+        </a:gradFill>
+      </a:fillStyleLst>
+      <a:lnStyleLst>
+        <a:ln w="9525" cap="flat" cmpd="sng" algn="ctr">
+          <a:solidFill>
+            <a:schemeClr val="phClr">
+              <a:shade val="95000"/>
+              <a:satMod val="105000"/>
+            </a:schemeClr>
+          </a:solidFill>
+          <a:prstDash val="solid"/>
+        </a:ln>
+        <a:ln w="25400" cap="flat" cmpd="sng" algn="ctr">
+          <a:solidFill>
+            <a:schemeClr val="phClr"/>
+          </a:solidFill>
+          <a:prstDash val="solid"/>
+        </a:ln>
+        <a:ln w="38100" cap="flat" cmpd="sng" algn="ctr">
+          <a:solidFill>
+            <a:schemeClr val="phClr"/>
+          </a:solidFill>
+          <a:prstDash val="solid"/>
+        </a:ln>
+      </a:lnStyleLst>
+      <a:effectStyleLst>
+        <a:effectStyle>
+          <a:effectLst>
+            <a:outerShdw blurRad="40000" dist="20000" dir="5400000" rotWithShape="0">
+              <a:srgbClr val="000000">
+                <a:alpha val="38000"/>
+              </a:srgbClr>
+            </a:outerShdw>
+          </a:effectLst>
+        </a:effectStyle>
+        <a:effectStyle>
+          <a:effectLst>
+            <a:outerShdw blurRad="40000" dist="23000" dir="5400000" rotWithShape="0">
+              <a:srgbClr val="000000">
+                <a:alpha val="35000"/>
+              </a:srgbClr>
+            </a:outerShdw>
+          </a:effectLst>
+        </a:effectStyle>
+        <a:effectStyle>
+          <a:effectLst>
+            <a:outerShdw blurRad="40000" dist="23000" dir="5400000" rotWithShape="0">
+              <a:srgbClr val="000000">
+                <a:alpha val="35000"/>
+              </a:srgbClr>
+            </a:outerShdw>
+          </a:effectLst>
+          <a:scene3d>
+            <a:camera prst="orthographicFront">
+              <a:rot lat="0" lon="0" rev="0"/>
+            </a:camera>
+            <a:lightRig rig="threePt" dir="t">
+              <a:rot lat="0" lon="0" rev="1200000"/>
+            </a:lightRig>
+          </a:scene3d>
+          <a:sp3d>
+            <a:bevelT w="63500" h="25400"/>
+          </a:sp3d>
+        </a:effectStyle>
+      </a:effectStyleLst>
+      <a:bgFillStyleLst>
+        <a:solidFill>
+          <a:schemeClr val="phClr"/>
+        </a:solidFill>
+        <a:gradFill rotWithShape="1">
+          <a:gsLst>
+            <a:gs pos="0">
+              <a:schemeClr val="phClr">
+                <a:tint val="40000"/>
+                <a:satMod val="350000"/>
+              </a:schemeClr>
+            </a:gs>
+            <a:gs pos="40000">
+              <a:schemeClr val="phClr">
+                <a:tint val="45000"/>
+                <a:shade val="99000"/>
+                <a:satMod val="350000"/>
+              </a:schemeClr>
+            </a:gs>
+            <a:gs pos="100000">
+              <a:schemeClr val="phClr">
+                <a:shade val="20000"/>
+                <a:satMod val="255000"/>
+              </a:schemeClr>
+            </a:gs>
+          </a:gsLst>
+          <a:path path="circle">
+            <a:fillToRect l="50000" t="-80000" r="50000" b="180000"/>
+          </a:path>
+        </a:gradFill>
+        <a:gradFill rotWithShape="1">
+          <a:gsLst>
+            <a:gs pos="0">
+              <a:schemeClr val="phClr">
+                <a:tint val="80000"/>
+                <a:satMod val="300000"/>
+              </a:schemeClr>
+            </a:gs>
+            <a:gs pos="100000">
+              <a:schemeClr val="phClr">
+                <a:shade val="30000"/>
+                <a:satMod val="200000"/>
+              </a:schemeClr>
+            </a:gs>
+          </a:gsLst>
+          <a:path path="circle">
+            <a:fillToRect l="50000" t="50000" r="50000" b="50000"/>
+          </a:path>
+        </a:gradFill>
+      </a:bgFillStyleLst>
+    </a:fmtScheme>
+  </a:themeElements>
+  <a:objectDefaults/>
+  <a:extraClrSchemeLst/>
+</a:theme>
+</file>
+
+<file path=ppt/theme/theme3.xml><?xml version="1.0" encoding="utf-8"?>
 <a:theme xmlns:a="http://schemas.openxmlformats.org/drawingml/2006/main" name="Thème Office">
   <a:themeElements>
     <a:clrScheme name="Office">

--- a/TP_IFSBM_module12/2020/labs/lab_2/TP_DL.pptx
+++ b/TP_IFSBM_module12/2020/labs/lab_2/TP_DL.pptx
@@ -3,38 +3,43 @@
 <p:presentation xmlns:a="http://schemas.openxmlformats.org/drawingml/2006/main" xmlns:r="http://schemas.openxmlformats.org/officeDocument/2006/relationships" xmlns:p="http://schemas.openxmlformats.org/presentationml/2006/main" saveSubsetFonts="1">
   <p:sldMasterIdLst>
     <p:sldMasterId id="2147483648" r:id="rId1"/>
+    <p:sldMasterId id="2147483660" r:id="rId2"/>
   </p:sldMasterIdLst>
   <p:notesMasterIdLst>
-    <p:notesMasterId r:id="rId29"/>
+    <p:notesMasterId r:id="rId34"/>
   </p:notesMasterIdLst>
   <p:sldIdLst>
-    <p:sldId id="311" r:id="rId2"/>
-    <p:sldId id="273" r:id="rId3"/>
-    <p:sldId id="314" r:id="rId4"/>
-    <p:sldId id="315" r:id="rId5"/>
-    <p:sldId id="316" r:id="rId6"/>
-    <p:sldId id="317" r:id="rId7"/>
-    <p:sldId id="333" r:id="rId8"/>
-    <p:sldId id="322" r:id="rId9"/>
-    <p:sldId id="319" r:id="rId10"/>
-    <p:sldId id="321" r:id="rId11"/>
-    <p:sldId id="334" r:id="rId12"/>
-    <p:sldId id="332" r:id="rId13"/>
-    <p:sldId id="323" r:id="rId14"/>
-    <p:sldId id="324" r:id="rId15"/>
-    <p:sldId id="325" r:id="rId16"/>
-    <p:sldId id="326" r:id="rId17"/>
-    <p:sldId id="327" r:id="rId18"/>
-    <p:sldId id="328" r:id="rId19"/>
-    <p:sldId id="329" r:id="rId20"/>
-    <p:sldId id="330" r:id="rId21"/>
-    <p:sldId id="331" r:id="rId22"/>
-    <p:sldId id="335" r:id="rId23"/>
-    <p:sldId id="336" r:id="rId24"/>
-    <p:sldId id="337" r:id="rId25"/>
-    <p:sldId id="338" r:id="rId26"/>
-    <p:sldId id="339" r:id="rId27"/>
-    <p:sldId id="313" r:id="rId28"/>
+    <p:sldId id="311" r:id="rId3"/>
+    <p:sldId id="273" r:id="rId4"/>
+    <p:sldId id="314" r:id="rId5"/>
+    <p:sldId id="315" r:id="rId6"/>
+    <p:sldId id="316" r:id="rId7"/>
+    <p:sldId id="317" r:id="rId8"/>
+    <p:sldId id="333" r:id="rId9"/>
+    <p:sldId id="340" r:id="rId10"/>
+    <p:sldId id="322" r:id="rId11"/>
+    <p:sldId id="321" r:id="rId12"/>
+    <p:sldId id="341" r:id="rId13"/>
+    <p:sldId id="344" r:id="rId14"/>
+    <p:sldId id="342" r:id="rId15"/>
+    <p:sldId id="345" r:id="rId16"/>
+    <p:sldId id="343" r:id="rId17"/>
+    <p:sldId id="323" r:id="rId18"/>
+    <p:sldId id="324" r:id="rId19"/>
+    <p:sldId id="325" r:id="rId20"/>
+    <p:sldId id="326" r:id="rId21"/>
+    <p:sldId id="327" r:id="rId22"/>
+    <p:sldId id="328" r:id="rId23"/>
+    <p:sldId id="319" r:id="rId24"/>
+    <p:sldId id="329" r:id="rId25"/>
+    <p:sldId id="330" r:id="rId26"/>
+    <p:sldId id="331" r:id="rId27"/>
+    <p:sldId id="335" r:id="rId28"/>
+    <p:sldId id="336" r:id="rId29"/>
+    <p:sldId id="337" r:id="rId30"/>
+    <p:sldId id="338" r:id="rId31"/>
+    <p:sldId id="339" r:id="rId32"/>
+    <p:sldId id="313" r:id="rId33"/>
   </p:sldIdLst>
   <p:sldSz cx="9144000" cy="5143500" type="screen16x9"/>
   <p:notesSz cx="6858000" cy="9144000"/>
@@ -218,7 +223,7 @@
           <a:p>
             <a:fld id="{0D3E755E-AED5-4EF3-9727-A59C6E4379AE}" type="datetimeFigureOut">
               <a:rPr lang="en-US" smtClean="0"/>
-              <a:t>1/18/2020</a:t>
+              <a:t>1/22/2020</a:t>
             </a:fld>
             <a:endParaRPr lang="en-US"/>
           </a:p>
@@ -601,7 +606,7 @@
           <a:p>
             <a:fld id="{7725023B-B328-4F0C-807B-4C70D5E640E4}" type="slidenum">
               <a:rPr lang="fr-FR" smtClean="0"/>
-              <a:t>23</a:t>
+              <a:t>27</a:t>
             </a:fld>
             <a:endParaRPr lang="fr-FR"/>
           </a:p>
@@ -801,7 +806,7 @@
           <a:p>
             <a:fld id="{E196B69F-CA34-4C64-A297-7375B1767767}" type="datetimeFigureOut">
               <a:rPr lang="en-US" smtClean="0"/>
-              <a:t>1/18/2020</a:t>
+              <a:t>1/22/2020</a:t>
             </a:fld>
             <a:endParaRPr lang="en-US"/>
           </a:p>
@@ -971,7 +976,7 @@
           <a:p>
             <a:fld id="{E196B69F-CA34-4C64-A297-7375B1767767}" type="datetimeFigureOut">
               <a:rPr lang="en-US" smtClean="0"/>
-              <a:t>1/18/2020</a:t>
+              <a:t>1/22/2020</a:t>
             </a:fld>
             <a:endParaRPr lang="en-US"/>
           </a:p>
@@ -1151,7 +1156,7 @@
           <a:p>
             <a:fld id="{E196B69F-CA34-4C64-A297-7375B1767767}" type="datetimeFigureOut">
               <a:rPr lang="en-US" smtClean="0"/>
-              <a:t>1/18/2020</a:t>
+              <a:t>1/22/2020</a:t>
             </a:fld>
             <a:endParaRPr lang="en-US"/>
           </a:p>
@@ -1212,7 +1217,281 @@
 </p:sldLayout>
 </file>
 
-<file path=ppt/slideLayouts/slideLayout2.xml><?xml version="1.0" encoding="utf-8"?>
+<file path=ppt/slideLayouts/slideLayout12.xml><?xml version="1.0" encoding="utf-8"?>
+<p:sldLayout xmlns:a="http://schemas.openxmlformats.org/drawingml/2006/main" xmlns:r="http://schemas.openxmlformats.org/officeDocument/2006/relationships" xmlns:p="http://schemas.openxmlformats.org/presentationml/2006/main" type="title" preserve="1">
+  <p:cSld name="Diapositive de titre">
+    <p:spTree>
+      <p:nvGrpSpPr>
+        <p:cNvPr id="1" name=""/>
+        <p:cNvGrpSpPr/>
+        <p:nvPr/>
+      </p:nvGrpSpPr>
+      <p:grpSpPr>
+        <a:xfrm>
+          <a:off x="0" y="0"/>
+          <a:ext cx="0" cy="0"/>
+          <a:chOff x="0" y="0"/>
+          <a:chExt cx="0" cy="0"/>
+        </a:xfrm>
+      </p:grpSpPr>
+      <p:sp>
+        <p:nvSpPr>
+          <p:cNvPr id="2" name="Titre 1"/>
+          <p:cNvSpPr>
+            <a:spLocks noGrp="1"/>
+          </p:cNvSpPr>
+          <p:nvPr>
+            <p:ph type="ctrTitle"/>
+          </p:nvPr>
+        </p:nvSpPr>
+        <p:spPr>
+          <a:xfrm>
+            <a:off x="685800" y="1597819"/>
+            <a:ext cx="7772400" cy="1102519"/>
+          </a:xfrm>
+        </p:spPr>
+        <p:txBody>
+          <a:bodyPr/>
+          <a:lstStyle/>
+          <a:p>
+            <a:r>
+              <a:rPr lang="fr-FR" smtClean="0"/>
+              <a:t>Modifiez le style du titre</a:t>
+            </a:r>
+            <a:endParaRPr lang="en-US"/>
+          </a:p>
+        </p:txBody>
+      </p:sp>
+      <p:sp>
+        <p:nvSpPr>
+          <p:cNvPr id="3" name="Sous-titre 2"/>
+          <p:cNvSpPr>
+            <a:spLocks noGrp="1"/>
+          </p:cNvSpPr>
+          <p:nvPr>
+            <p:ph type="subTitle" idx="1"/>
+          </p:nvPr>
+        </p:nvSpPr>
+        <p:spPr>
+          <a:xfrm>
+            <a:off x="1371600" y="2914650"/>
+            <a:ext cx="6400800" cy="1314450"/>
+          </a:xfrm>
+        </p:spPr>
+        <p:txBody>
+          <a:bodyPr/>
+          <a:lstStyle>
+            <a:lvl1pPr marL="0" indent="0" algn="ctr">
+              <a:buNone/>
+              <a:defRPr>
+                <a:solidFill>
+                  <a:schemeClr val="tx1">
+                    <a:tint val="75000"/>
+                  </a:schemeClr>
+                </a:solidFill>
+              </a:defRPr>
+            </a:lvl1pPr>
+            <a:lvl2pPr marL="457200" indent="0" algn="ctr">
+              <a:buNone/>
+              <a:defRPr>
+                <a:solidFill>
+                  <a:schemeClr val="tx1">
+                    <a:tint val="75000"/>
+                  </a:schemeClr>
+                </a:solidFill>
+              </a:defRPr>
+            </a:lvl2pPr>
+            <a:lvl3pPr marL="914400" indent="0" algn="ctr">
+              <a:buNone/>
+              <a:defRPr>
+                <a:solidFill>
+                  <a:schemeClr val="tx1">
+                    <a:tint val="75000"/>
+                  </a:schemeClr>
+                </a:solidFill>
+              </a:defRPr>
+            </a:lvl3pPr>
+            <a:lvl4pPr marL="1371600" indent="0" algn="ctr">
+              <a:buNone/>
+              <a:defRPr>
+                <a:solidFill>
+                  <a:schemeClr val="tx1">
+                    <a:tint val="75000"/>
+                  </a:schemeClr>
+                </a:solidFill>
+              </a:defRPr>
+            </a:lvl4pPr>
+            <a:lvl5pPr marL="1828800" indent="0" algn="ctr">
+              <a:buNone/>
+              <a:defRPr>
+                <a:solidFill>
+                  <a:schemeClr val="tx1">
+                    <a:tint val="75000"/>
+                  </a:schemeClr>
+                </a:solidFill>
+              </a:defRPr>
+            </a:lvl5pPr>
+            <a:lvl6pPr marL="2286000" indent="0" algn="ctr">
+              <a:buNone/>
+              <a:defRPr>
+                <a:solidFill>
+                  <a:schemeClr val="tx1">
+                    <a:tint val="75000"/>
+                  </a:schemeClr>
+                </a:solidFill>
+              </a:defRPr>
+            </a:lvl6pPr>
+            <a:lvl7pPr marL="2743200" indent="0" algn="ctr">
+              <a:buNone/>
+              <a:defRPr>
+                <a:solidFill>
+                  <a:schemeClr val="tx1">
+                    <a:tint val="75000"/>
+                  </a:schemeClr>
+                </a:solidFill>
+              </a:defRPr>
+            </a:lvl7pPr>
+            <a:lvl8pPr marL="3200400" indent="0" algn="ctr">
+              <a:buNone/>
+              <a:defRPr>
+                <a:solidFill>
+                  <a:schemeClr val="tx1">
+                    <a:tint val="75000"/>
+                  </a:schemeClr>
+                </a:solidFill>
+              </a:defRPr>
+            </a:lvl8pPr>
+            <a:lvl9pPr marL="3657600" indent="0" algn="ctr">
+              <a:buNone/>
+              <a:defRPr>
+                <a:solidFill>
+                  <a:schemeClr val="tx1">
+                    <a:tint val="75000"/>
+                  </a:schemeClr>
+                </a:solidFill>
+              </a:defRPr>
+            </a:lvl9pPr>
+          </a:lstStyle>
+          <a:p>
+            <a:r>
+              <a:rPr lang="fr-FR" smtClean="0"/>
+              <a:t>Modifiez le style des sous-titres du masque</a:t>
+            </a:r>
+            <a:endParaRPr lang="en-US"/>
+          </a:p>
+        </p:txBody>
+      </p:sp>
+      <p:sp>
+        <p:nvSpPr>
+          <p:cNvPr id="4" name="Espace réservé de la date 3"/>
+          <p:cNvSpPr>
+            <a:spLocks noGrp="1"/>
+          </p:cNvSpPr>
+          <p:nvPr>
+            <p:ph type="dt" sz="half" idx="10"/>
+          </p:nvPr>
+        </p:nvSpPr>
+        <p:spPr/>
+        <p:txBody>
+          <a:bodyPr/>
+          <a:lstStyle/>
+          <a:p>
+            <a:fld id="{E196B69F-CA34-4C64-A297-7375B1767767}" type="datetimeFigureOut">
+              <a:rPr lang="en-US" smtClean="0">
+                <a:solidFill>
+                  <a:prstClr val="black">
+                    <a:tint val="75000"/>
+                  </a:prstClr>
+                </a:solidFill>
+              </a:rPr>
+              <a:pPr/>
+              <a:t>1/22/2020</a:t>
+            </a:fld>
+            <a:endParaRPr lang="en-US">
+              <a:solidFill>
+                <a:prstClr val="black">
+                  <a:tint val="75000"/>
+                </a:prstClr>
+              </a:solidFill>
+            </a:endParaRPr>
+          </a:p>
+        </p:txBody>
+      </p:sp>
+      <p:sp>
+        <p:nvSpPr>
+          <p:cNvPr id="5" name="Espace réservé du pied de page 4"/>
+          <p:cNvSpPr>
+            <a:spLocks noGrp="1"/>
+          </p:cNvSpPr>
+          <p:nvPr>
+            <p:ph type="ftr" sz="quarter" idx="11"/>
+          </p:nvPr>
+        </p:nvSpPr>
+        <p:spPr/>
+        <p:txBody>
+          <a:bodyPr/>
+          <a:lstStyle/>
+          <a:p>
+            <a:endParaRPr lang="en-US">
+              <a:solidFill>
+                <a:prstClr val="black">
+                  <a:tint val="75000"/>
+                </a:prstClr>
+              </a:solidFill>
+            </a:endParaRPr>
+          </a:p>
+        </p:txBody>
+      </p:sp>
+      <p:sp>
+        <p:nvSpPr>
+          <p:cNvPr id="6" name="Espace réservé du numéro de diapositive 5"/>
+          <p:cNvSpPr>
+            <a:spLocks noGrp="1"/>
+          </p:cNvSpPr>
+          <p:nvPr>
+            <p:ph type="sldNum" sz="quarter" idx="12"/>
+          </p:nvPr>
+        </p:nvSpPr>
+        <p:spPr/>
+        <p:txBody>
+          <a:bodyPr/>
+          <a:lstStyle/>
+          <a:p>
+            <a:fld id="{AF3D009E-5434-4DC6-89DA-FC1D78C45C77}" type="slidenum">
+              <a:rPr lang="en-US" smtClean="0">
+                <a:solidFill>
+                  <a:prstClr val="black">
+                    <a:tint val="75000"/>
+                  </a:prstClr>
+                </a:solidFill>
+              </a:rPr>
+              <a:pPr/>
+              <a:t>‹N°›</a:t>
+            </a:fld>
+            <a:endParaRPr lang="en-US">
+              <a:solidFill>
+                <a:prstClr val="black">
+                  <a:tint val="75000"/>
+                </a:prstClr>
+              </a:solidFill>
+            </a:endParaRPr>
+          </a:p>
+        </p:txBody>
+      </p:sp>
+    </p:spTree>
+    <p:extLst>
+      <p:ext uri="{BB962C8B-B14F-4D97-AF65-F5344CB8AC3E}">
+        <p14:creationId xmlns:p14="http://schemas.microsoft.com/office/powerpoint/2010/main" val="2068600598"/>
+      </p:ext>
+    </p:extLst>
+  </p:cSld>
+  <p:clrMapOvr>
+    <a:masterClrMapping/>
+  </p:clrMapOvr>
+</p:sldLayout>
+</file>
+
+<file path=ppt/slideLayouts/slideLayout13.xml><?xml version="1.0" encoding="utf-8"?>
 <p:sldLayout xmlns:a="http://schemas.openxmlformats.org/drawingml/2006/main" xmlns:r="http://schemas.openxmlformats.org/officeDocument/2006/relationships" xmlns:p="http://schemas.openxmlformats.org/presentationml/2006/main" type="obj" preserve="1">
   <p:cSld name="Titre et contenu">
     <p:spTree>
@@ -1320,10 +1599,23 @@
           <a:lstStyle/>
           <a:p>
             <a:fld id="{E196B69F-CA34-4C64-A297-7375B1767767}" type="datetimeFigureOut">
-              <a:rPr lang="en-US" smtClean="0"/>
-              <a:t>1/18/2020</a:t>
+              <a:rPr lang="en-US" smtClean="0">
+                <a:solidFill>
+                  <a:prstClr val="black">
+                    <a:tint val="75000"/>
+                  </a:prstClr>
+                </a:solidFill>
+              </a:rPr>
+              <a:pPr/>
+              <a:t>1/22/2020</a:t>
             </a:fld>
-            <a:endParaRPr lang="en-US"/>
+            <a:endParaRPr lang="en-US">
+              <a:solidFill>
+                <a:prstClr val="black">
+                  <a:tint val="75000"/>
+                </a:prstClr>
+              </a:solidFill>
+            </a:endParaRPr>
           </a:p>
         </p:txBody>
       </p:sp>
@@ -1342,7 +1634,13 @@
           <a:bodyPr/>
           <a:lstStyle/>
           <a:p>
-            <a:endParaRPr lang="en-US"/>
+            <a:endParaRPr lang="en-US">
+              <a:solidFill>
+                <a:prstClr val="black">
+                  <a:tint val="75000"/>
+                </a:prstClr>
+              </a:solidFill>
+            </a:endParaRPr>
           </a:p>
         </p:txBody>
       </p:sp>
@@ -1362,17 +1660,30 @@
           <a:lstStyle/>
           <a:p>
             <a:fld id="{AF3D009E-5434-4DC6-89DA-FC1D78C45C77}" type="slidenum">
-              <a:rPr lang="en-US" smtClean="0"/>
+              <a:rPr lang="en-US" smtClean="0">
+                <a:solidFill>
+                  <a:prstClr val="black">
+                    <a:tint val="75000"/>
+                  </a:prstClr>
+                </a:solidFill>
+              </a:rPr>
+              <a:pPr/>
               <a:t>‹N°›</a:t>
             </a:fld>
-            <a:endParaRPr lang="en-US"/>
+            <a:endParaRPr lang="en-US">
+              <a:solidFill>
+                <a:prstClr val="black">
+                  <a:tint val="75000"/>
+                </a:prstClr>
+              </a:solidFill>
+            </a:endParaRPr>
           </a:p>
         </p:txBody>
       </p:sp>
     </p:spTree>
     <p:extLst>
       <p:ext uri="{BB962C8B-B14F-4D97-AF65-F5344CB8AC3E}">
-        <p14:creationId xmlns:p14="http://schemas.microsoft.com/office/powerpoint/2010/main" val="377209304"/>
+        <p14:creationId xmlns:p14="http://schemas.microsoft.com/office/powerpoint/2010/main" val="3028673575"/>
       </p:ext>
     </p:extLst>
   </p:cSld>
@@ -1382,7 +1693,7 @@
 </p:sldLayout>
 </file>
 
-<file path=ppt/slideLayouts/slideLayout3.xml><?xml version="1.0" encoding="utf-8"?>
+<file path=ppt/slideLayouts/slideLayout14.xml><?xml version="1.0" encoding="utf-8"?>
 <p:sldLayout xmlns:a="http://schemas.openxmlformats.org/drawingml/2006/main" xmlns:r="http://schemas.openxmlformats.org/officeDocument/2006/relationships" xmlns:p="http://schemas.openxmlformats.org/presentationml/2006/main" type="secHead" preserve="1">
   <p:cSld name="Titre de section">
     <p:spTree>
@@ -1566,10 +1877,23 @@
           <a:lstStyle/>
           <a:p>
             <a:fld id="{E196B69F-CA34-4C64-A297-7375B1767767}" type="datetimeFigureOut">
-              <a:rPr lang="en-US" smtClean="0"/>
-              <a:t>1/18/2020</a:t>
+              <a:rPr lang="en-US" smtClean="0">
+                <a:solidFill>
+                  <a:prstClr val="black">
+                    <a:tint val="75000"/>
+                  </a:prstClr>
+                </a:solidFill>
+              </a:rPr>
+              <a:pPr/>
+              <a:t>1/22/2020</a:t>
             </a:fld>
-            <a:endParaRPr lang="en-US"/>
+            <a:endParaRPr lang="en-US">
+              <a:solidFill>
+                <a:prstClr val="black">
+                  <a:tint val="75000"/>
+                </a:prstClr>
+              </a:solidFill>
+            </a:endParaRPr>
           </a:p>
         </p:txBody>
       </p:sp>
@@ -1588,7 +1912,13 @@
           <a:bodyPr/>
           <a:lstStyle/>
           <a:p>
-            <a:endParaRPr lang="en-US"/>
+            <a:endParaRPr lang="en-US">
+              <a:solidFill>
+                <a:prstClr val="black">
+                  <a:tint val="75000"/>
+                </a:prstClr>
+              </a:solidFill>
+            </a:endParaRPr>
           </a:p>
         </p:txBody>
       </p:sp>
@@ -1608,17 +1938,30 @@
           <a:lstStyle/>
           <a:p>
             <a:fld id="{AF3D009E-5434-4DC6-89DA-FC1D78C45C77}" type="slidenum">
-              <a:rPr lang="en-US" smtClean="0"/>
+              <a:rPr lang="en-US" smtClean="0">
+                <a:solidFill>
+                  <a:prstClr val="black">
+                    <a:tint val="75000"/>
+                  </a:prstClr>
+                </a:solidFill>
+              </a:rPr>
+              <a:pPr/>
               <a:t>‹N°›</a:t>
             </a:fld>
-            <a:endParaRPr lang="en-US"/>
+            <a:endParaRPr lang="en-US">
+              <a:solidFill>
+                <a:prstClr val="black">
+                  <a:tint val="75000"/>
+                </a:prstClr>
+              </a:solidFill>
+            </a:endParaRPr>
           </a:p>
         </p:txBody>
       </p:sp>
     </p:spTree>
     <p:extLst>
       <p:ext uri="{BB962C8B-B14F-4D97-AF65-F5344CB8AC3E}">
-        <p14:creationId xmlns:p14="http://schemas.microsoft.com/office/powerpoint/2010/main" val="2553157366"/>
+        <p14:creationId xmlns:p14="http://schemas.microsoft.com/office/powerpoint/2010/main" val="27506090"/>
       </p:ext>
     </p:extLst>
   </p:cSld>
@@ -1628,7 +1971,7 @@
 </p:sldLayout>
 </file>
 
-<file path=ppt/slideLayouts/slideLayout4.xml><?xml version="1.0" encoding="utf-8"?>
+<file path=ppt/slideLayouts/slideLayout15.xml><?xml version="1.0" encoding="utf-8"?>
 <p:sldLayout xmlns:a="http://schemas.openxmlformats.org/drawingml/2006/main" xmlns:r="http://schemas.openxmlformats.org/officeDocument/2006/relationships" xmlns:p="http://schemas.openxmlformats.org/presentationml/2006/main" type="twoObj" preserve="1">
   <p:cSld name="Deux contenus">
     <p:spTree>
@@ -1854,10 +2197,23 @@
           <a:lstStyle/>
           <a:p>
             <a:fld id="{E196B69F-CA34-4C64-A297-7375B1767767}" type="datetimeFigureOut">
-              <a:rPr lang="en-US" smtClean="0"/>
-              <a:t>1/18/2020</a:t>
+              <a:rPr lang="en-US" smtClean="0">
+                <a:solidFill>
+                  <a:prstClr val="black">
+                    <a:tint val="75000"/>
+                  </a:prstClr>
+                </a:solidFill>
+              </a:rPr>
+              <a:pPr/>
+              <a:t>1/22/2020</a:t>
             </a:fld>
-            <a:endParaRPr lang="en-US"/>
+            <a:endParaRPr lang="en-US">
+              <a:solidFill>
+                <a:prstClr val="black">
+                  <a:tint val="75000"/>
+                </a:prstClr>
+              </a:solidFill>
+            </a:endParaRPr>
           </a:p>
         </p:txBody>
       </p:sp>
@@ -1876,7 +2232,13 @@
           <a:bodyPr/>
           <a:lstStyle/>
           <a:p>
-            <a:endParaRPr lang="en-US"/>
+            <a:endParaRPr lang="en-US">
+              <a:solidFill>
+                <a:prstClr val="black">
+                  <a:tint val="75000"/>
+                </a:prstClr>
+              </a:solidFill>
+            </a:endParaRPr>
           </a:p>
         </p:txBody>
       </p:sp>
@@ -1896,17 +2258,30 @@
           <a:lstStyle/>
           <a:p>
             <a:fld id="{AF3D009E-5434-4DC6-89DA-FC1D78C45C77}" type="slidenum">
-              <a:rPr lang="en-US" smtClean="0"/>
+              <a:rPr lang="en-US" smtClean="0">
+                <a:solidFill>
+                  <a:prstClr val="black">
+                    <a:tint val="75000"/>
+                  </a:prstClr>
+                </a:solidFill>
+              </a:rPr>
+              <a:pPr/>
               <a:t>‹N°›</a:t>
             </a:fld>
-            <a:endParaRPr lang="en-US"/>
+            <a:endParaRPr lang="en-US">
+              <a:solidFill>
+                <a:prstClr val="black">
+                  <a:tint val="75000"/>
+                </a:prstClr>
+              </a:solidFill>
+            </a:endParaRPr>
           </a:p>
         </p:txBody>
       </p:sp>
     </p:spTree>
     <p:extLst>
       <p:ext uri="{BB962C8B-B14F-4D97-AF65-F5344CB8AC3E}">
-        <p14:creationId xmlns:p14="http://schemas.microsoft.com/office/powerpoint/2010/main" val="872576858"/>
+        <p14:creationId xmlns:p14="http://schemas.microsoft.com/office/powerpoint/2010/main" val="1448230981"/>
       </p:ext>
     </p:extLst>
   </p:cSld>
@@ -1916,7 +2291,7 @@
 </p:sldLayout>
 </file>
 
-<file path=ppt/slideLayouts/slideLayout5.xml><?xml version="1.0" encoding="utf-8"?>
+<file path=ppt/slideLayouts/slideLayout16.xml><?xml version="1.0" encoding="utf-8"?>
 <p:sldLayout xmlns:a="http://schemas.openxmlformats.org/drawingml/2006/main" xmlns:r="http://schemas.openxmlformats.org/officeDocument/2006/relationships" xmlns:p="http://schemas.openxmlformats.org/presentationml/2006/main" type="twoTxTwoObj" preserve="1">
   <p:cSld name="Comparaison">
     <p:spTree>
@@ -2122,7 +2497,7 @@
         </p:nvSpPr>
         <p:spPr>
           <a:xfrm>
-            <a:off x="4645033" y="1151335"/>
+            <a:off x="4645026" y="1151335"/>
             <a:ext cx="4041775" cy="479822"/>
           </a:xfrm>
         </p:spPr>
@@ -2187,7 +2562,7 @@
         </p:nvSpPr>
         <p:spPr>
           <a:xfrm>
-            <a:off x="4645033" y="1631156"/>
+            <a:off x="4645026" y="1631156"/>
             <a:ext cx="4041775" cy="2963466"/>
           </a:xfrm>
         </p:spPr>
@@ -2276,10 +2651,23 @@
           <a:lstStyle/>
           <a:p>
             <a:fld id="{E196B69F-CA34-4C64-A297-7375B1767767}" type="datetimeFigureOut">
-              <a:rPr lang="en-US" smtClean="0"/>
-              <a:t>1/18/2020</a:t>
+              <a:rPr lang="en-US" smtClean="0">
+                <a:solidFill>
+                  <a:prstClr val="black">
+                    <a:tint val="75000"/>
+                  </a:prstClr>
+                </a:solidFill>
+              </a:rPr>
+              <a:pPr/>
+              <a:t>1/22/2020</a:t>
             </a:fld>
-            <a:endParaRPr lang="en-US"/>
+            <a:endParaRPr lang="en-US">
+              <a:solidFill>
+                <a:prstClr val="black">
+                  <a:tint val="75000"/>
+                </a:prstClr>
+              </a:solidFill>
+            </a:endParaRPr>
           </a:p>
         </p:txBody>
       </p:sp>
@@ -2298,7 +2686,13 @@
           <a:bodyPr/>
           <a:lstStyle/>
           <a:p>
-            <a:endParaRPr lang="en-US"/>
+            <a:endParaRPr lang="en-US">
+              <a:solidFill>
+                <a:prstClr val="black">
+                  <a:tint val="75000"/>
+                </a:prstClr>
+              </a:solidFill>
+            </a:endParaRPr>
           </a:p>
         </p:txBody>
       </p:sp>
@@ -2318,17 +2712,30 @@
           <a:lstStyle/>
           <a:p>
             <a:fld id="{AF3D009E-5434-4DC6-89DA-FC1D78C45C77}" type="slidenum">
-              <a:rPr lang="en-US" smtClean="0"/>
+              <a:rPr lang="en-US" smtClean="0">
+                <a:solidFill>
+                  <a:prstClr val="black">
+                    <a:tint val="75000"/>
+                  </a:prstClr>
+                </a:solidFill>
+              </a:rPr>
+              <a:pPr/>
               <a:t>‹N°›</a:t>
             </a:fld>
-            <a:endParaRPr lang="en-US"/>
+            <a:endParaRPr lang="en-US">
+              <a:solidFill>
+                <a:prstClr val="black">
+                  <a:tint val="75000"/>
+                </a:prstClr>
+              </a:solidFill>
+            </a:endParaRPr>
           </a:p>
         </p:txBody>
       </p:sp>
     </p:spTree>
     <p:extLst>
       <p:ext uri="{BB962C8B-B14F-4D97-AF65-F5344CB8AC3E}">
-        <p14:creationId xmlns:p14="http://schemas.microsoft.com/office/powerpoint/2010/main" val="2285174221"/>
+        <p14:creationId xmlns:p14="http://schemas.microsoft.com/office/powerpoint/2010/main" val="906516802"/>
       </p:ext>
     </p:extLst>
   </p:cSld>
@@ -2338,7 +2745,7 @@
 </p:sldLayout>
 </file>
 
-<file path=ppt/slideLayouts/slideLayout6.xml><?xml version="1.0" encoding="utf-8"?>
+<file path=ppt/slideLayouts/slideLayout17.xml><?xml version="1.0" encoding="utf-8"?>
 <p:sldLayout xmlns:a="http://schemas.openxmlformats.org/drawingml/2006/main" xmlns:r="http://schemas.openxmlformats.org/officeDocument/2006/relationships" xmlns:p="http://schemas.openxmlformats.org/presentationml/2006/main" type="titleOnly" preserve="1">
   <p:cSld name="Titre seul">
     <p:spTree>
@@ -2394,10 +2801,23 @@
           <a:lstStyle/>
           <a:p>
             <a:fld id="{E196B69F-CA34-4C64-A297-7375B1767767}" type="datetimeFigureOut">
-              <a:rPr lang="en-US" smtClean="0"/>
-              <a:t>1/18/2020</a:t>
+              <a:rPr lang="en-US" smtClean="0">
+                <a:solidFill>
+                  <a:prstClr val="black">
+                    <a:tint val="75000"/>
+                  </a:prstClr>
+                </a:solidFill>
+              </a:rPr>
+              <a:pPr/>
+              <a:t>1/22/2020</a:t>
             </a:fld>
-            <a:endParaRPr lang="en-US"/>
+            <a:endParaRPr lang="en-US">
+              <a:solidFill>
+                <a:prstClr val="black">
+                  <a:tint val="75000"/>
+                </a:prstClr>
+              </a:solidFill>
+            </a:endParaRPr>
           </a:p>
         </p:txBody>
       </p:sp>
@@ -2416,7 +2836,13 @@
           <a:bodyPr/>
           <a:lstStyle/>
           <a:p>
-            <a:endParaRPr lang="en-US"/>
+            <a:endParaRPr lang="en-US">
+              <a:solidFill>
+                <a:prstClr val="black">
+                  <a:tint val="75000"/>
+                </a:prstClr>
+              </a:solidFill>
+            </a:endParaRPr>
           </a:p>
         </p:txBody>
       </p:sp>
@@ -2436,17 +2862,30 @@
           <a:lstStyle/>
           <a:p>
             <a:fld id="{AF3D009E-5434-4DC6-89DA-FC1D78C45C77}" type="slidenum">
-              <a:rPr lang="en-US" smtClean="0"/>
+              <a:rPr lang="en-US" smtClean="0">
+                <a:solidFill>
+                  <a:prstClr val="black">
+                    <a:tint val="75000"/>
+                  </a:prstClr>
+                </a:solidFill>
+              </a:rPr>
+              <a:pPr/>
               <a:t>‹N°›</a:t>
             </a:fld>
-            <a:endParaRPr lang="en-US"/>
+            <a:endParaRPr lang="en-US">
+              <a:solidFill>
+                <a:prstClr val="black">
+                  <a:tint val="75000"/>
+                </a:prstClr>
+              </a:solidFill>
+            </a:endParaRPr>
           </a:p>
         </p:txBody>
       </p:sp>
     </p:spTree>
     <p:extLst>
       <p:ext uri="{BB962C8B-B14F-4D97-AF65-F5344CB8AC3E}">
-        <p14:creationId xmlns:p14="http://schemas.microsoft.com/office/powerpoint/2010/main" val="1827512748"/>
+        <p14:creationId xmlns:p14="http://schemas.microsoft.com/office/powerpoint/2010/main" val="2148553067"/>
       </p:ext>
     </p:extLst>
   </p:cSld>
@@ -2456,7 +2895,7 @@
 </p:sldLayout>
 </file>
 
-<file path=ppt/slideLayouts/slideLayout7.xml><?xml version="1.0" encoding="utf-8"?>
+<file path=ppt/slideLayouts/slideLayout18.xml><?xml version="1.0" encoding="utf-8"?>
 <p:sldLayout xmlns:a="http://schemas.openxmlformats.org/drawingml/2006/main" xmlns:r="http://schemas.openxmlformats.org/officeDocument/2006/relationships" xmlns:p="http://schemas.openxmlformats.org/presentationml/2006/main" type="blank" preserve="1">
   <p:cSld name="Vide">
     <p:spTree>
@@ -2489,10 +2928,23 @@
           <a:lstStyle/>
           <a:p>
             <a:fld id="{E196B69F-CA34-4C64-A297-7375B1767767}" type="datetimeFigureOut">
-              <a:rPr lang="en-US" smtClean="0"/>
-              <a:t>1/18/2020</a:t>
+              <a:rPr lang="en-US" smtClean="0">
+                <a:solidFill>
+                  <a:prstClr val="black">
+                    <a:tint val="75000"/>
+                  </a:prstClr>
+                </a:solidFill>
+              </a:rPr>
+              <a:pPr/>
+              <a:t>1/22/2020</a:t>
             </a:fld>
-            <a:endParaRPr lang="en-US"/>
+            <a:endParaRPr lang="en-US">
+              <a:solidFill>
+                <a:prstClr val="black">
+                  <a:tint val="75000"/>
+                </a:prstClr>
+              </a:solidFill>
+            </a:endParaRPr>
           </a:p>
         </p:txBody>
       </p:sp>
@@ -2511,7 +2963,13 @@
           <a:bodyPr/>
           <a:lstStyle/>
           <a:p>
-            <a:endParaRPr lang="en-US"/>
+            <a:endParaRPr lang="en-US">
+              <a:solidFill>
+                <a:prstClr val="black">
+                  <a:tint val="75000"/>
+                </a:prstClr>
+              </a:solidFill>
+            </a:endParaRPr>
           </a:p>
         </p:txBody>
       </p:sp>
@@ -2531,17 +2989,30 @@
           <a:lstStyle/>
           <a:p>
             <a:fld id="{AF3D009E-5434-4DC6-89DA-FC1D78C45C77}" type="slidenum">
-              <a:rPr lang="en-US" smtClean="0"/>
+              <a:rPr lang="en-US" smtClean="0">
+                <a:solidFill>
+                  <a:prstClr val="black">
+                    <a:tint val="75000"/>
+                  </a:prstClr>
+                </a:solidFill>
+              </a:rPr>
+              <a:pPr/>
               <a:t>‹N°›</a:t>
             </a:fld>
-            <a:endParaRPr lang="en-US"/>
+            <a:endParaRPr lang="en-US">
+              <a:solidFill>
+                <a:prstClr val="black">
+                  <a:tint val="75000"/>
+                </a:prstClr>
+              </a:solidFill>
+            </a:endParaRPr>
           </a:p>
         </p:txBody>
       </p:sp>
     </p:spTree>
     <p:extLst>
       <p:ext uri="{BB962C8B-B14F-4D97-AF65-F5344CB8AC3E}">
-        <p14:creationId xmlns:p14="http://schemas.microsoft.com/office/powerpoint/2010/main" val="1362018839"/>
+        <p14:creationId xmlns:p14="http://schemas.microsoft.com/office/powerpoint/2010/main" val="3031492705"/>
       </p:ext>
     </p:extLst>
   </p:cSld>
@@ -2551,7 +3022,7 @@
 </p:sldLayout>
 </file>
 
-<file path=ppt/slideLayouts/slideLayout8.xml><?xml version="1.0" encoding="utf-8"?>
+<file path=ppt/slideLayouts/slideLayout19.xml><?xml version="1.0" encoding="utf-8"?>
 <p:sldLayout xmlns:a="http://schemas.openxmlformats.org/drawingml/2006/main" xmlns:r="http://schemas.openxmlformats.org/officeDocument/2006/relationships" xmlns:p="http://schemas.openxmlformats.org/presentationml/2006/main" type="objTx" preserve="1">
   <p:cSld name="Contenu avec légende">
     <p:spTree>
@@ -2580,7 +3051,7 @@
         </p:nvSpPr>
         <p:spPr>
           <a:xfrm>
-            <a:off x="457215" y="204787"/>
+            <a:off x="457201" y="204787"/>
             <a:ext cx="3008313" cy="871538"/>
           </a:xfrm>
         </p:spPr>
@@ -2612,7 +3083,7 @@
         </p:nvSpPr>
         <p:spPr>
           <a:xfrm>
-            <a:off x="3575050" y="204795"/>
+            <a:off x="3575050" y="204788"/>
             <a:ext cx="5111750" cy="4389835"/>
           </a:xfrm>
         </p:spPr>
@@ -2697,7 +3168,7 @@
         </p:nvSpPr>
         <p:spPr>
           <a:xfrm>
-            <a:off x="457215" y="1076328"/>
+            <a:off x="457201" y="1076326"/>
             <a:ext cx="3008313" cy="3518297"/>
           </a:xfrm>
         </p:spPr>
@@ -2766,10 +3237,23 @@
           <a:lstStyle/>
           <a:p>
             <a:fld id="{E196B69F-CA34-4C64-A297-7375B1767767}" type="datetimeFigureOut">
-              <a:rPr lang="en-US" smtClean="0"/>
-              <a:t>1/18/2020</a:t>
+              <a:rPr lang="en-US" smtClean="0">
+                <a:solidFill>
+                  <a:prstClr val="black">
+                    <a:tint val="75000"/>
+                  </a:prstClr>
+                </a:solidFill>
+              </a:rPr>
+              <a:pPr/>
+              <a:t>1/22/2020</a:t>
             </a:fld>
-            <a:endParaRPr lang="en-US"/>
+            <a:endParaRPr lang="en-US">
+              <a:solidFill>
+                <a:prstClr val="black">
+                  <a:tint val="75000"/>
+                </a:prstClr>
+              </a:solidFill>
+            </a:endParaRPr>
           </a:p>
         </p:txBody>
       </p:sp>
@@ -2788,7 +3272,13 @@
           <a:bodyPr/>
           <a:lstStyle/>
           <a:p>
-            <a:endParaRPr lang="en-US"/>
+            <a:endParaRPr lang="en-US">
+              <a:solidFill>
+                <a:prstClr val="black">
+                  <a:tint val="75000"/>
+                </a:prstClr>
+              </a:solidFill>
+            </a:endParaRPr>
           </a:p>
         </p:txBody>
       </p:sp>
@@ -2808,17 +3298,30 @@
           <a:lstStyle/>
           <a:p>
             <a:fld id="{AF3D009E-5434-4DC6-89DA-FC1D78C45C77}" type="slidenum">
-              <a:rPr lang="en-US" smtClean="0"/>
+              <a:rPr lang="en-US" smtClean="0">
+                <a:solidFill>
+                  <a:prstClr val="black">
+                    <a:tint val="75000"/>
+                  </a:prstClr>
+                </a:solidFill>
+              </a:rPr>
+              <a:pPr/>
               <a:t>‹N°›</a:t>
             </a:fld>
-            <a:endParaRPr lang="en-US"/>
+            <a:endParaRPr lang="en-US">
+              <a:solidFill>
+                <a:prstClr val="black">
+                  <a:tint val="75000"/>
+                </a:prstClr>
+              </a:solidFill>
+            </a:endParaRPr>
           </a:p>
         </p:txBody>
       </p:sp>
     </p:spTree>
     <p:extLst>
       <p:ext uri="{BB962C8B-B14F-4D97-AF65-F5344CB8AC3E}">
-        <p14:creationId xmlns:p14="http://schemas.microsoft.com/office/powerpoint/2010/main" val="2178572988"/>
+        <p14:creationId xmlns:p14="http://schemas.microsoft.com/office/powerpoint/2010/main" val="3172609883"/>
       </p:ext>
     </p:extLst>
   </p:cSld>
@@ -2828,7 +3331,177 @@
 </p:sldLayout>
 </file>
 
-<file path=ppt/slideLayouts/slideLayout9.xml><?xml version="1.0" encoding="utf-8"?>
+<file path=ppt/slideLayouts/slideLayout2.xml><?xml version="1.0" encoding="utf-8"?>
+<p:sldLayout xmlns:a="http://schemas.openxmlformats.org/drawingml/2006/main" xmlns:r="http://schemas.openxmlformats.org/officeDocument/2006/relationships" xmlns:p="http://schemas.openxmlformats.org/presentationml/2006/main" type="obj" preserve="1">
+  <p:cSld name="Titre et contenu">
+    <p:spTree>
+      <p:nvGrpSpPr>
+        <p:cNvPr id="1" name=""/>
+        <p:cNvGrpSpPr/>
+        <p:nvPr/>
+      </p:nvGrpSpPr>
+      <p:grpSpPr>
+        <a:xfrm>
+          <a:off x="0" y="0"/>
+          <a:ext cx="0" cy="0"/>
+          <a:chOff x="0" y="0"/>
+          <a:chExt cx="0" cy="0"/>
+        </a:xfrm>
+      </p:grpSpPr>
+      <p:sp>
+        <p:nvSpPr>
+          <p:cNvPr id="2" name="Titre 1"/>
+          <p:cNvSpPr>
+            <a:spLocks noGrp="1"/>
+          </p:cNvSpPr>
+          <p:nvPr>
+            <p:ph type="title"/>
+          </p:nvPr>
+        </p:nvSpPr>
+        <p:spPr/>
+        <p:txBody>
+          <a:bodyPr/>
+          <a:lstStyle/>
+          <a:p>
+            <a:r>
+              <a:rPr lang="fr-FR" smtClean="0"/>
+              <a:t>Modifiez le style du titre</a:t>
+            </a:r>
+            <a:endParaRPr lang="en-US"/>
+          </a:p>
+        </p:txBody>
+      </p:sp>
+      <p:sp>
+        <p:nvSpPr>
+          <p:cNvPr id="3" name="Espace réservé du contenu 2"/>
+          <p:cNvSpPr>
+            <a:spLocks noGrp="1"/>
+          </p:cNvSpPr>
+          <p:nvPr>
+            <p:ph idx="1"/>
+          </p:nvPr>
+        </p:nvSpPr>
+        <p:spPr/>
+        <p:txBody>
+          <a:bodyPr/>
+          <a:lstStyle/>
+          <a:p>
+            <a:pPr lvl="0"/>
+            <a:r>
+              <a:rPr lang="fr-FR" smtClean="0"/>
+              <a:t>Modifiez les styles du texte du masque</a:t>
+            </a:r>
+          </a:p>
+          <a:p>
+            <a:pPr lvl="1"/>
+            <a:r>
+              <a:rPr lang="fr-FR" smtClean="0"/>
+              <a:t>Deuxième niveau</a:t>
+            </a:r>
+          </a:p>
+          <a:p>
+            <a:pPr lvl="2"/>
+            <a:r>
+              <a:rPr lang="fr-FR" smtClean="0"/>
+              <a:t>Troisième niveau</a:t>
+            </a:r>
+          </a:p>
+          <a:p>
+            <a:pPr lvl="3"/>
+            <a:r>
+              <a:rPr lang="fr-FR" smtClean="0"/>
+              <a:t>Quatrième niveau</a:t>
+            </a:r>
+          </a:p>
+          <a:p>
+            <a:pPr lvl="4"/>
+            <a:r>
+              <a:rPr lang="fr-FR" smtClean="0"/>
+              <a:t>Cinquième niveau</a:t>
+            </a:r>
+            <a:endParaRPr lang="en-US"/>
+          </a:p>
+        </p:txBody>
+      </p:sp>
+      <p:sp>
+        <p:nvSpPr>
+          <p:cNvPr id="4" name="Espace réservé de la date 3"/>
+          <p:cNvSpPr>
+            <a:spLocks noGrp="1"/>
+          </p:cNvSpPr>
+          <p:nvPr>
+            <p:ph type="dt" sz="half" idx="10"/>
+          </p:nvPr>
+        </p:nvSpPr>
+        <p:spPr/>
+        <p:txBody>
+          <a:bodyPr/>
+          <a:lstStyle/>
+          <a:p>
+            <a:fld id="{E196B69F-CA34-4C64-A297-7375B1767767}" type="datetimeFigureOut">
+              <a:rPr lang="en-US" smtClean="0"/>
+              <a:t>1/22/2020</a:t>
+            </a:fld>
+            <a:endParaRPr lang="en-US"/>
+          </a:p>
+        </p:txBody>
+      </p:sp>
+      <p:sp>
+        <p:nvSpPr>
+          <p:cNvPr id="5" name="Espace réservé du pied de page 4"/>
+          <p:cNvSpPr>
+            <a:spLocks noGrp="1"/>
+          </p:cNvSpPr>
+          <p:nvPr>
+            <p:ph type="ftr" sz="quarter" idx="11"/>
+          </p:nvPr>
+        </p:nvSpPr>
+        <p:spPr/>
+        <p:txBody>
+          <a:bodyPr/>
+          <a:lstStyle/>
+          <a:p>
+            <a:endParaRPr lang="en-US"/>
+          </a:p>
+        </p:txBody>
+      </p:sp>
+      <p:sp>
+        <p:nvSpPr>
+          <p:cNvPr id="6" name="Espace réservé du numéro de diapositive 5"/>
+          <p:cNvSpPr>
+            <a:spLocks noGrp="1"/>
+          </p:cNvSpPr>
+          <p:nvPr>
+            <p:ph type="sldNum" sz="quarter" idx="12"/>
+          </p:nvPr>
+        </p:nvSpPr>
+        <p:spPr/>
+        <p:txBody>
+          <a:bodyPr/>
+          <a:lstStyle/>
+          <a:p>
+            <a:fld id="{AF3D009E-5434-4DC6-89DA-FC1D78C45C77}" type="slidenum">
+              <a:rPr lang="en-US" smtClean="0"/>
+              <a:t>‹N°›</a:t>
+            </a:fld>
+            <a:endParaRPr lang="en-US"/>
+          </a:p>
+        </p:txBody>
+      </p:sp>
+    </p:spTree>
+    <p:extLst>
+      <p:ext uri="{BB962C8B-B14F-4D97-AF65-F5344CB8AC3E}">
+        <p14:creationId xmlns:p14="http://schemas.microsoft.com/office/powerpoint/2010/main" val="377209304"/>
+      </p:ext>
+    </p:extLst>
+  </p:cSld>
+  <p:clrMapOvr>
+    <a:masterClrMapping/>
+  </p:clrMapOvr>
+</p:sldLayout>
+</file>
+
+<file path=ppt/slideLayouts/slideLayout20.xml><?xml version="1.0" encoding="utf-8"?>
 <p:sldLayout xmlns:a="http://schemas.openxmlformats.org/drawingml/2006/main" xmlns:r="http://schemas.openxmlformats.org/officeDocument/2006/relationships" xmlns:p="http://schemas.openxmlformats.org/presentationml/2006/main" type="picTx" preserve="1">
   <p:cSld name="Image avec légende">
     <p:spTree>
@@ -2857,7 +3530,7 @@
         </p:nvSpPr>
         <p:spPr>
           <a:xfrm>
-            <a:off x="1792288" y="3600451"/>
+            <a:off x="1792288" y="3600450"/>
             <a:ext cx="5486400" cy="425054"/>
           </a:xfrm>
         </p:spPr>
@@ -2950,7 +3623,7 @@
         </p:nvSpPr>
         <p:spPr>
           <a:xfrm>
-            <a:off x="1792288" y="4025510"/>
+            <a:off x="1792288" y="4025503"/>
             <a:ext cx="5486400" cy="603647"/>
           </a:xfrm>
         </p:spPr>
@@ -3019,8 +3692,2153 @@
           <a:lstStyle/>
           <a:p>
             <a:fld id="{E196B69F-CA34-4C64-A297-7375B1767767}" type="datetimeFigureOut">
+              <a:rPr lang="en-US" smtClean="0">
+                <a:solidFill>
+                  <a:prstClr val="black">
+                    <a:tint val="75000"/>
+                  </a:prstClr>
+                </a:solidFill>
+              </a:rPr>
+              <a:pPr/>
+              <a:t>1/22/2020</a:t>
+            </a:fld>
+            <a:endParaRPr lang="en-US">
+              <a:solidFill>
+                <a:prstClr val="black">
+                  <a:tint val="75000"/>
+                </a:prstClr>
+              </a:solidFill>
+            </a:endParaRPr>
+          </a:p>
+        </p:txBody>
+      </p:sp>
+      <p:sp>
+        <p:nvSpPr>
+          <p:cNvPr id="6" name="Espace réservé du pied de page 5"/>
+          <p:cNvSpPr>
+            <a:spLocks noGrp="1"/>
+          </p:cNvSpPr>
+          <p:nvPr>
+            <p:ph type="ftr" sz="quarter" idx="11"/>
+          </p:nvPr>
+        </p:nvSpPr>
+        <p:spPr/>
+        <p:txBody>
+          <a:bodyPr/>
+          <a:lstStyle/>
+          <a:p>
+            <a:endParaRPr lang="en-US">
+              <a:solidFill>
+                <a:prstClr val="black">
+                  <a:tint val="75000"/>
+                </a:prstClr>
+              </a:solidFill>
+            </a:endParaRPr>
+          </a:p>
+        </p:txBody>
+      </p:sp>
+      <p:sp>
+        <p:nvSpPr>
+          <p:cNvPr id="7" name="Espace réservé du numéro de diapositive 6"/>
+          <p:cNvSpPr>
+            <a:spLocks noGrp="1"/>
+          </p:cNvSpPr>
+          <p:nvPr>
+            <p:ph type="sldNum" sz="quarter" idx="12"/>
+          </p:nvPr>
+        </p:nvSpPr>
+        <p:spPr/>
+        <p:txBody>
+          <a:bodyPr/>
+          <a:lstStyle/>
+          <a:p>
+            <a:fld id="{AF3D009E-5434-4DC6-89DA-FC1D78C45C77}" type="slidenum">
+              <a:rPr lang="en-US" smtClean="0">
+                <a:solidFill>
+                  <a:prstClr val="black">
+                    <a:tint val="75000"/>
+                  </a:prstClr>
+                </a:solidFill>
+              </a:rPr>
+              <a:pPr/>
+              <a:t>‹N°›</a:t>
+            </a:fld>
+            <a:endParaRPr lang="en-US">
+              <a:solidFill>
+                <a:prstClr val="black">
+                  <a:tint val="75000"/>
+                </a:prstClr>
+              </a:solidFill>
+            </a:endParaRPr>
+          </a:p>
+        </p:txBody>
+      </p:sp>
+    </p:spTree>
+    <p:extLst>
+      <p:ext uri="{BB962C8B-B14F-4D97-AF65-F5344CB8AC3E}">
+        <p14:creationId xmlns:p14="http://schemas.microsoft.com/office/powerpoint/2010/main" val="1292487640"/>
+      </p:ext>
+    </p:extLst>
+  </p:cSld>
+  <p:clrMapOvr>
+    <a:masterClrMapping/>
+  </p:clrMapOvr>
+</p:sldLayout>
+</file>
+
+<file path=ppt/slideLayouts/slideLayout21.xml><?xml version="1.0" encoding="utf-8"?>
+<p:sldLayout xmlns:a="http://schemas.openxmlformats.org/drawingml/2006/main" xmlns:r="http://schemas.openxmlformats.org/officeDocument/2006/relationships" xmlns:p="http://schemas.openxmlformats.org/presentationml/2006/main" type="vertTx" preserve="1">
+  <p:cSld name="Titre et texte vertical">
+    <p:spTree>
+      <p:nvGrpSpPr>
+        <p:cNvPr id="1" name=""/>
+        <p:cNvGrpSpPr/>
+        <p:nvPr/>
+      </p:nvGrpSpPr>
+      <p:grpSpPr>
+        <a:xfrm>
+          <a:off x="0" y="0"/>
+          <a:ext cx="0" cy="0"/>
+          <a:chOff x="0" y="0"/>
+          <a:chExt cx="0" cy="0"/>
+        </a:xfrm>
+      </p:grpSpPr>
+      <p:sp>
+        <p:nvSpPr>
+          <p:cNvPr id="2" name="Titre 1"/>
+          <p:cNvSpPr>
+            <a:spLocks noGrp="1"/>
+          </p:cNvSpPr>
+          <p:nvPr>
+            <p:ph type="title"/>
+          </p:nvPr>
+        </p:nvSpPr>
+        <p:spPr/>
+        <p:txBody>
+          <a:bodyPr/>
+          <a:lstStyle/>
+          <a:p>
+            <a:r>
+              <a:rPr lang="fr-FR" smtClean="0"/>
+              <a:t>Modifiez le style du titre</a:t>
+            </a:r>
+            <a:endParaRPr lang="en-US"/>
+          </a:p>
+        </p:txBody>
+      </p:sp>
+      <p:sp>
+        <p:nvSpPr>
+          <p:cNvPr id="3" name="Espace réservé du texte vertical 2"/>
+          <p:cNvSpPr>
+            <a:spLocks noGrp="1"/>
+          </p:cNvSpPr>
+          <p:nvPr>
+            <p:ph type="body" orient="vert" idx="1"/>
+          </p:nvPr>
+        </p:nvSpPr>
+        <p:spPr/>
+        <p:txBody>
+          <a:bodyPr vert="eaVert"/>
+          <a:lstStyle/>
+          <a:p>
+            <a:pPr lvl="0"/>
+            <a:r>
+              <a:rPr lang="fr-FR" smtClean="0"/>
+              <a:t>Modifiez les styles du texte du masque</a:t>
+            </a:r>
+          </a:p>
+          <a:p>
+            <a:pPr lvl="1"/>
+            <a:r>
+              <a:rPr lang="fr-FR" smtClean="0"/>
+              <a:t>Deuxième niveau</a:t>
+            </a:r>
+          </a:p>
+          <a:p>
+            <a:pPr lvl="2"/>
+            <a:r>
+              <a:rPr lang="fr-FR" smtClean="0"/>
+              <a:t>Troisième niveau</a:t>
+            </a:r>
+          </a:p>
+          <a:p>
+            <a:pPr lvl="3"/>
+            <a:r>
+              <a:rPr lang="fr-FR" smtClean="0"/>
+              <a:t>Quatrième niveau</a:t>
+            </a:r>
+          </a:p>
+          <a:p>
+            <a:pPr lvl="4"/>
+            <a:r>
+              <a:rPr lang="fr-FR" smtClean="0"/>
+              <a:t>Cinquième niveau</a:t>
+            </a:r>
+            <a:endParaRPr lang="en-US"/>
+          </a:p>
+        </p:txBody>
+      </p:sp>
+      <p:sp>
+        <p:nvSpPr>
+          <p:cNvPr id="4" name="Espace réservé de la date 3"/>
+          <p:cNvSpPr>
+            <a:spLocks noGrp="1"/>
+          </p:cNvSpPr>
+          <p:nvPr>
+            <p:ph type="dt" sz="half" idx="10"/>
+          </p:nvPr>
+        </p:nvSpPr>
+        <p:spPr/>
+        <p:txBody>
+          <a:bodyPr/>
+          <a:lstStyle/>
+          <a:p>
+            <a:fld id="{E196B69F-CA34-4C64-A297-7375B1767767}" type="datetimeFigureOut">
+              <a:rPr lang="en-US" smtClean="0">
+                <a:solidFill>
+                  <a:prstClr val="black">
+                    <a:tint val="75000"/>
+                  </a:prstClr>
+                </a:solidFill>
+              </a:rPr>
+              <a:pPr/>
+              <a:t>1/22/2020</a:t>
+            </a:fld>
+            <a:endParaRPr lang="en-US">
+              <a:solidFill>
+                <a:prstClr val="black">
+                  <a:tint val="75000"/>
+                </a:prstClr>
+              </a:solidFill>
+            </a:endParaRPr>
+          </a:p>
+        </p:txBody>
+      </p:sp>
+      <p:sp>
+        <p:nvSpPr>
+          <p:cNvPr id="5" name="Espace réservé du pied de page 4"/>
+          <p:cNvSpPr>
+            <a:spLocks noGrp="1"/>
+          </p:cNvSpPr>
+          <p:nvPr>
+            <p:ph type="ftr" sz="quarter" idx="11"/>
+          </p:nvPr>
+        </p:nvSpPr>
+        <p:spPr/>
+        <p:txBody>
+          <a:bodyPr/>
+          <a:lstStyle/>
+          <a:p>
+            <a:endParaRPr lang="en-US">
+              <a:solidFill>
+                <a:prstClr val="black">
+                  <a:tint val="75000"/>
+                </a:prstClr>
+              </a:solidFill>
+            </a:endParaRPr>
+          </a:p>
+        </p:txBody>
+      </p:sp>
+      <p:sp>
+        <p:nvSpPr>
+          <p:cNvPr id="6" name="Espace réservé du numéro de diapositive 5"/>
+          <p:cNvSpPr>
+            <a:spLocks noGrp="1"/>
+          </p:cNvSpPr>
+          <p:nvPr>
+            <p:ph type="sldNum" sz="quarter" idx="12"/>
+          </p:nvPr>
+        </p:nvSpPr>
+        <p:spPr/>
+        <p:txBody>
+          <a:bodyPr/>
+          <a:lstStyle/>
+          <a:p>
+            <a:fld id="{AF3D009E-5434-4DC6-89DA-FC1D78C45C77}" type="slidenum">
+              <a:rPr lang="en-US" smtClean="0">
+                <a:solidFill>
+                  <a:prstClr val="black">
+                    <a:tint val="75000"/>
+                  </a:prstClr>
+                </a:solidFill>
+              </a:rPr>
+              <a:pPr/>
+              <a:t>‹N°›</a:t>
+            </a:fld>
+            <a:endParaRPr lang="en-US">
+              <a:solidFill>
+                <a:prstClr val="black">
+                  <a:tint val="75000"/>
+                </a:prstClr>
+              </a:solidFill>
+            </a:endParaRPr>
+          </a:p>
+        </p:txBody>
+      </p:sp>
+    </p:spTree>
+    <p:extLst>
+      <p:ext uri="{BB962C8B-B14F-4D97-AF65-F5344CB8AC3E}">
+        <p14:creationId xmlns:p14="http://schemas.microsoft.com/office/powerpoint/2010/main" val="1612818929"/>
+      </p:ext>
+    </p:extLst>
+  </p:cSld>
+  <p:clrMapOvr>
+    <a:masterClrMapping/>
+  </p:clrMapOvr>
+</p:sldLayout>
+</file>
+
+<file path=ppt/slideLayouts/slideLayout22.xml><?xml version="1.0" encoding="utf-8"?>
+<p:sldLayout xmlns:a="http://schemas.openxmlformats.org/drawingml/2006/main" xmlns:r="http://schemas.openxmlformats.org/officeDocument/2006/relationships" xmlns:p="http://schemas.openxmlformats.org/presentationml/2006/main" type="vertTitleAndTx" preserve="1">
+  <p:cSld name="Titre vertical et texte">
+    <p:spTree>
+      <p:nvGrpSpPr>
+        <p:cNvPr id="1" name=""/>
+        <p:cNvGrpSpPr/>
+        <p:nvPr/>
+      </p:nvGrpSpPr>
+      <p:grpSpPr>
+        <a:xfrm>
+          <a:off x="0" y="0"/>
+          <a:ext cx="0" cy="0"/>
+          <a:chOff x="0" y="0"/>
+          <a:chExt cx="0" cy="0"/>
+        </a:xfrm>
+      </p:grpSpPr>
+      <p:sp>
+        <p:nvSpPr>
+          <p:cNvPr id="2" name="Titre vertical 1"/>
+          <p:cNvSpPr>
+            <a:spLocks noGrp="1"/>
+          </p:cNvSpPr>
+          <p:nvPr>
+            <p:ph type="title" orient="vert"/>
+          </p:nvPr>
+        </p:nvSpPr>
+        <p:spPr>
+          <a:xfrm>
+            <a:off x="6629400" y="205979"/>
+            <a:ext cx="2057400" cy="4388644"/>
+          </a:xfrm>
+        </p:spPr>
+        <p:txBody>
+          <a:bodyPr vert="eaVert"/>
+          <a:lstStyle/>
+          <a:p>
+            <a:r>
+              <a:rPr lang="fr-FR" smtClean="0"/>
+              <a:t>Modifiez le style du titre</a:t>
+            </a:r>
+            <a:endParaRPr lang="en-US"/>
+          </a:p>
+        </p:txBody>
+      </p:sp>
+      <p:sp>
+        <p:nvSpPr>
+          <p:cNvPr id="3" name="Espace réservé du texte vertical 2"/>
+          <p:cNvSpPr>
+            <a:spLocks noGrp="1"/>
+          </p:cNvSpPr>
+          <p:nvPr>
+            <p:ph type="body" orient="vert" idx="1"/>
+          </p:nvPr>
+        </p:nvSpPr>
+        <p:spPr>
+          <a:xfrm>
+            <a:off x="457200" y="205979"/>
+            <a:ext cx="6019800" cy="4388644"/>
+          </a:xfrm>
+        </p:spPr>
+        <p:txBody>
+          <a:bodyPr vert="eaVert"/>
+          <a:lstStyle/>
+          <a:p>
+            <a:pPr lvl="0"/>
+            <a:r>
+              <a:rPr lang="fr-FR" smtClean="0"/>
+              <a:t>Modifiez les styles du texte du masque</a:t>
+            </a:r>
+          </a:p>
+          <a:p>
+            <a:pPr lvl="1"/>
+            <a:r>
+              <a:rPr lang="fr-FR" smtClean="0"/>
+              <a:t>Deuxième niveau</a:t>
+            </a:r>
+          </a:p>
+          <a:p>
+            <a:pPr lvl="2"/>
+            <a:r>
+              <a:rPr lang="fr-FR" smtClean="0"/>
+              <a:t>Troisième niveau</a:t>
+            </a:r>
+          </a:p>
+          <a:p>
+            <a:pPr lvl="3"/>
+            <a:r>
+              <a:rPr lang="fr-FR" smtClean="0"/>
+              <a:t>Quatrième niveau</a:t>
+            </a:r>
+          </a:p>
+          <a:p>
+            <a:pPr lvl="4"/>
+            <a:r>
+              <a:rPr lang="fr-FR" smtClean="0"/>
+              <a:t>Cinquième niveau</a:t>
+            </a:r>
+            <a:endParaRPr lang="en-US"/>
+          </a:p>
+        </p:txBody>
+      </p:sp>
+      <p:sp>
+        <p:nvSpPr>
+          <p:cNvPr id="4" name="Espace réservé de la date 3"/>
+          <p:cNvSpPr>
+            <a:spLocks noGrp="1"/>
+          </p:cNvSpPr>
+          <p:nvPr>
+            <p:ph type="dt" sz="half" idx="10"/>
+          </p:nvPr>
+        </p:nvSpPr>
+        <p:spPr/>
+        <p:txBody>
+          <a:bodyPr/>
+          <a:lstStyle/>
+          <a:p>
+            <a:fld id="{E196B69F-CA34-4C64-A297-7375B1767767}" type="datetimeFigureOut">
+              <a:rPr lang="en-US" smtClean="0">
+                <a:solidFill>
+                  <a:prstClr val="black">
+                    <a:tint val="75000"/>
+                  </a:prstClr>
+                </a:solidFill>
+              </a:rPr>
+              <a:pPr/>
+              <a:t>1/22/2020</a:t>
+            </a:fld>
+            <a:endParaRPr lang="en-US">
+              <a:solidFill>
+                <a:prstClr val="black">
+                  <a:tint val="75000"/>
+                </a:prstClr>
+              </a:solidFill>
+            </a:endParaRPr>
+          </a:p>
+        </p:txBody>
+      </p:sp>
+      <p:sp>
+        <p:nvSpPr>
+          <p:cNvPr id="5" name="Espace réservé du pied de page 4"/>
+          <p:cNvSpPr>
+            <a:spLocks noGrp="1"/>
+          </p:cNvSpPr>
+          <p:nvPr>
+            <p:ph type="ftr" sz="quarter" idx="11"/>
+          </p:nvPr>
+        </p:nvSpPr>
+        <p:spPr/>
+        <p:txBody>
+          <a:bodyPr/>
+          <a:lstStyle/>
+          <a:p>
+            <a:endParaRPr lang="en-US">
+              <a:solidFill>
+                <a:prstClr val="black">
+                  <a:tint val="75000"/>
+                </a:prstClr>
+              </a:solidFill>
+            </a:endParaRPr>
+          </a:p>
+        </p:txBody>
+      </p:sp>
+      <p:sp>
+        <p:nvSpPr>
+          <p:cNvPr id="6" name="Espace réservé du numéro de diapositive 5"/>
+          <p:cNvSpPr>
+            <a:spLocks noGrp="1"/>
+          </p:cNvSpPr>
+          <p:nvPr>
+            <p:ph type="sldNum" sz="quarter" idx="12"/>
+          </p:nvPr>
+        </p:nvSpPr>
+        <p:spPr/>
+        <p:txBody>
+          <a:bodyPr/>
+          <a:lstStyle/>
+          <a:p>
+            <a:fld id="{AF3D009E-5434-4DC6-89DA-FC1D78C45C77}" type="slidenum">
+              <a:rPr lang="en-US" smtClean="0">
+                <a:solidFill>
+                  <a:prstClr val="black">
+                    <a:tint val="75000"/>
+                  </a:prstClr>
+                </a:solidFill>
+              </a:rPr>
+              <a:pPr/>
+              <a:t>‹N°›</a:t>
+            </a:fld>
+            <a:endParaRPr lang="en-US">
+              <a:solidFill>
+                <a:prstClr val="black">
+                  <a:tint val="75000"/>
+                </a:prstClr>
+              </a:solidFill>
+            </a:endParaRPr>
+          </a:p>
+        </p:txBody>
+      </p:sp>
+    </p:spTree>
+    <p:extLst>
+      <p:ext uri="{BB962C8B-B14F-4D97-AF65-F5344CB8AC3E}">
+        <p14:creationId xmlns:p14="http://schemas.microsoft.com/office/powerpoint/2010/main" val="660574832"/>
+      </p:ext>
+    </p:extLst>
+  </p:cSld>
+  <p:clrMapOvr>
+    <a:masterClrMapping/>
+  </p:clrMapOvr>
+</p:sldLayout>
+</file>
+
+<file path=ppt/slideLayouts/slideLayout3.xml><?xml version="1.0" encoding="utf-8"?>
+<p:sldLayout xmlns:a="http://schemas.openxmlformats.org/drawingml/2006/main" xmlns:r="http://schemas.openxmlformats.org/officeDocument/2006/relationships" xmlns:p="http://schemas.openxmlformats.org/presentationml/2006/main" type="secHead" preserve="1">
+  <p:cSld name="Titre de section">
+    <p:spTree>
+      <p:nvGrpSpPr>
+        <p:cNvPr id="1" name=""/>
+        <p:cNvGrpSpPr/>
+        <p:nvPr/>
+      </p:nvGrpSpPr>
+      <p:grpSpPr>
+        <a:xfrm>
+          <a:off x="0" y="0"/>
+          <a:ext cx="0" cy="0"/>
+          <a:chOff x="0" y="0"/>
+          <a:chExt cx="0" cy="0"/>
+        </a:xfrm>
+      </p:grpSpPr>
+      <p:sp>
+        <p:nvSpPr>
+          <p:cNvPr id="2" name="Titre 1"/>
+          <p:cNvSpPr>
+            <a:spLocks noGrp="1"/>
+          </p:cNvSpPr>
+          <p:nvPr>
+            <p:ph type="title"/>
+          </p:nvPr>
+        </p:nvSpPr>
+        <p:spPr>
+          <a:xfrm>
+            <a:off x="722313" y="3305176"/>
+            <a:ext cx="7772400" cy="1021556"/>
+          </a:xfrm>
+        </p:spPr>
+        <p:txBody>
+          <a:bodyPr anchor="t"/>
+          <a:lstStyle>
+            <a:lvl1pPr algn="l">
+              <a:defRPr sz="4000" b="1" cap="all"/>
+            </a:lvl1pPr>
+          </a:lstStyle>
+          <a:p>
+            <a:r>
+              <a:rPr lang="fr-FR" smtClean="0"/>
+              <a:t>Modifiez le style du titre</a:t>
+            </a:r>
+            <a:endParaRPr lang="en-US"/>
+          </a:p>
+        </p:txBody>
+      </p:sp>
+      <p:sp>
+        <p:nvSpPr>
+          <p:cNvPr id="3" name="Espace réservé du texte 2"/>
+          <p:cNvSpPr>
+            <a:spLocks noGrp="1"/>
+          </p:cNvSpPr>
+          <p:nvPr>
+            <p:ph type="body" idx="1"/>
+          </p:nvPr>
+        </p:nvSpPr>
+        <p:spPr>
+          <a:xfrm>
+            <a:off x="722313" y="2180035"/>
+            <a:ext cx="7772400" cy="1125140"/>
+          </a:xfrm>
+        </p:spPr>
+        <p:txBody>
+          <a:bodyPr anchor="b"/>
+          <a:lstStyle>
+            <a:lvl1pPr marL="0" indent="0">
+              <a:buNone/>
+              <a:defRPr sz="2000">
+                <a:solidFill>
+                  <a:schemeClr val="tx1">
+                    <a:tint val="75000"/>
+                  </a:schemeClr>
+                </a:solidFill>
+              </a:defRPr>
+            </a:lvl1pPr>
+            <a:lvl2pPr marL="457200" indent="0">
+              <a:buNone/>
+              <a:defRPr sz="1800">
+                <a:solidFill>
+                  <a:schemeClr val="tx1">
+                    <a:tint val="75000"/>
+                  </a:schemeClr>
+                </a:solidFill>
+              </a:defRPr>
+            </a:lvl2pPr>
+            <a:lvl3pPr marL="914400" indent="0">
+              <a:buNone/>
+              <a:defRPr sz="1600">
+                <a:solidFill>
+                  <a:schemeClr val="tx1">
+                    <a:tint val="75000"/>
+                  </a:schemeClr>
+                </a:solidFill>
+              </a:defRPr>
+            </a:lvl3pPr>
+            <a:lvl4pPr marL="1371600" indent="0">
+              <a:buNone/>
+              <a:defRPr sz="1400">
+                <a:solidFill>
+                  <a:schemeClr val="tx1">
+                    <a:tint val="75000"/>
+                  </a:schemeClr>
+                </a:solidFill>
+              </a:defRPr>
+            </a:lvl4pPr>
+            <a:lvl5pPr marL="1828800" indent="0">
+              <a:buNone/>
+              <a:defRPr sz="1400">
+                <a:solidFill>
+                  <a:schemeClr val="tx1">
+                    <a:tint val="75000"/>
+                  </a:schemeClr>
+                </a:solidFill>
+              </a:defRPr>
+            </a:lvl5pPr>
+            <a:lvl6pPr marL="2286000" indent="0">
+              <a:buNone/>
+              <a:defRPr sz="1400">
+                <a:solidFill>
+                  <a:schemeClr val="tx1">
+                    <a:tint val="75000"/>
+                  </a:schemeClr>
+                </a:solidFill>
+              </a:defRPr>
+            </a:lvl6pPr>
+            <a:lvl7pPr marL="2743200" indent="0">
+              <a:buNone/>
+              <a:defRPr sz="1400">
+                <a:solidFill>
+                  <a:schemeClr val="tx1">
+                    <a:tint val="75000"/>
+                  </a:schemeClr>
+                </a:solidFill>
+              </a:defRPr>
+            </a:lvl7pPr>
+            <a:lvl8pPr marL="3200400" indent="0">
+              <a:buNone/>
+              <a:defRPr sz="1400">
+                <a:solidFill>
+                  <a:schemeClr val="tx1">
+                    <a:tint val="75000"/>
+                  </a:schemeClr>
+                </a:solidFill>
+              </a:defRPr>
+            </a:lvl8pPr>
+            <a:lvl9pPr marL="3657600" indent="0">
+              <a:buNone/>
+              <a:defRPr sz="1400">
+                <a:solidFill>
+                  <a:schemeClr val="tx1">
+                    <a:tint val="75000"/>
+                  </a:schemeClr>
+                </a:solidFill>
+              </a:defRPr>
+            </a:lvl9pPr>
+          </a:lstStyle>
+          <a:p>
+            <a:pPr lvl="0"/>
+            <a:r>
+              <a:rPr lang="fr-FR" smtClean="0"/>
+              <a:t>Modifiez les styles du texte du masque</a:t>
+            </a:r>
+          </a:p>
+        </p:txBody>
+      </p:sp>
+      <p:sp>
+        <p:nvSpPr>
+          <p:cNvPr id="4" name="Espace réservé de la date 3"/>
+          <p:cNvSpPr>
+            <a:spLocks noGrp="1"/>
+          </p:cNvSpPr>
+          <p:nvPr>
+            <p:ph type="dt" sz="half" idx="10"/>
+          </p:nvPr>
+        </p:nvSpPr>
+        <p:spPr/>
+        <p:txBody>
+          <a:bodyPr/>
+          <a:lstStyle/>
+          <a:p>
+            <a:fld id="{E196B69F-CA34-4C64-A297-7375B1767767}" type="datetimeFigureOut">
               <a:rPr lang="en-US" smtClean="0"/>
-              <a:t>1/18/2020</a:t>
+              <a:t>1/22/2020</a:t>
+            </a:fld>
+            <a:endParaRPr lang="en-US"/>
+          </a:p>
+        </p:txBody>
+      </p:sp>
+      <p:sp>
+        <p:nvSpPr>
+          <p:cNvPr id="5" name="Espace réservé du pied de page 4"/>
+          <p:cNvSpPr>
+            <a:spLocks noGrp="1"/>
+          </p:cNvSpPr>
+          <p:nvPr>
+            <p:ph type="ftr" sz="quarter" idx="11"/>
+          </p:nvPr>
+        </p:nvSpPr>
+        <p:spPr/>
+        <p:txBody>
+          <a:bodyPr/>
+          <a:lstStyle/>
+          <a:p>
+            <a:endParaRPr lang="en-US"/>
+          </a:p>
+        </p:txBody>
+      </p:sp>
+      <p:sp>
+        <p:nvSpPr>
+          <p:cNvPr id="6" name="Espace réservé du numéro de diapositive 5"/>
+          <p:cNvSpPr>
+            <a:spLocks noGrp="1"/>
+          </p:cNvSpPr>
+          <p:nvPr>
+            <p:ph type="sldNum" sz="quarter" idx="12"/>
+          </p:nvPr>
+        </p:nvSpPr>
+        <p:spPr/>
+        <p:txBody>
+          <a:bodyPr/>
+          <a:lstStyle/>
+          <a:p>
+            <a:fld id="{AF3D009E-5434-4DC6-89DA-FC1D78C45C77}" type="slidenum">
+              <a:rPr lang="en-US" smtClean="0"/>
+              <a:t>‹N°›</a:t>
+            </a:fld>
+            <a:endParaRPr lang="en-US"/>
+          </a:p>
+        </p:txBody>
+      </p:sp>
+    </p:spTree>
+    <p:extLst>
+      <p:ext uri="{BB962C8B-B14F-4D97-AF65-F5344CB8AC3E}">
+        <p14:creationId xmlns:p14="http://schemas.microsoft.com/office/powerpoint/2010/main" val="2553157366"/>
+      </p:ext>
+    </p:extLst>
+  </p:cSld>
+  <p:clrMapOvr>
+    <a:masterClrMapping/>
+  </p:clrMapOvr>
+</p:sldLayout>
+</file>
+
+<file path=ppt/slideLayouts/slideLayout4.xml><?xml version="1.0" encoding="utf-8"?>
+<p:sldLayout xmlns:a="http://schemas.openxmlformats.org/drawingml/2006/main" xmlns:r="http://schemas.openxmlformats.org/officeDocument/2006/relationships" xmlns:p="http://schemas.openxmlformats.org/presentationml/2006/main" type="twoObj" preserve="1">
+  <p:cSld name="Deux contenus">
+    <p:spTree>
+      <p:nvGrpSpPr>
+        <p:cNvPr id="1" name=""/>
+        <p:cNvGrpSpPr/>
+        <p:nvPr/>
+      </p:nvGrpSpPr>
+      <p:grpSpPr>
+        <a:xfrm>
+          <a:off x="0" y="0"/>
+          <a:ext cx="0" cy="0"/>
+          <a:chOff x="0" y="0"/>
+          <a:chExt cx="0" cy="0"/>
+        </a:xfrm>
+      </p:grpSpPr>
+      <p:sp>
+        <p:nvSpPr>
+          <p:cNvPr id="2" name="Titre 1"/>
+          <p:cNvSpPr>
+            <a:spLocks noGrp="1"/>
+          </p:cNvSpPr>
+          <p:nvPr>
+            <p:ph type="title"/>
+          </p:nvPr>
+        </p:nvSpPr>
+        <p:spPr/>
+        <p:txBody>
+          <a:bodyPr/>
+          <a:lstStyle/>
+          <a:p>
+            <a:r>
+              <a:rPr lang="fr-FR" smtClean="0"/>
+              <a:t>Modifiez le style du titre</a:t>
+            </a:r>
+            <a:endParaRPr lang="en-US"/>
+          </a:p>
+        </p:txBody>
+      </p:sp>
+      <p:sp>
+        <p:nvSpPr>
+          <p:cNvPr id="3" name="Espace réservé du contenu 2"/>
+          <p:cNvSpPr>
+            <a:spLocks noGrp="1"/>
+          </p:cNvSpPr>
+          <p:nvPr>
+            <p:ph sz="half" idx="1"/>
+          </p:nvPr>
+        </p:nvSpPr>
+        <p:spPr>
+          <a:xfrm>
+            <a:off x="457200" y="1200151"/>
+            <a:ext cx="4038600" cy="3394472"/>
+          </a:xfrm>
+        </p:spPr>
+        <p:txBody>
+          <a:bodyPr/>
+          <a:lstStyle>
+            <a:lvl1pPr>
+              <a:defRPr sz="2800"/>
+            </a:lvl1pPr>
+            <a:lvl2pPr>
+              <a:defRPr sz="2400"/>
+            </a:lvl2pPr>
+            <a:lvl3pPr>
+              <a:defRPr sz="2000"/>
+            </a:lvl3pPr>
+            <a:lvl4pPr>
+              <a:defRPr sz="1800"/>
+            </a:lvl4pPr>
+            <a:lvl5pPr>
+              <a:defRPr sz="1800"/>
+            </a:lvl5pPr>
+            <a:lvl6pPr>
+              <a:defRPr sz="1800"/>
+            </a:lvl6pPr>
+            <a:lvl7pPr>
+              <a:defRPr sz="1800"/>
+            </a:lvl7pPr>
+            <a:lvl8pPr>
+              <a:defRPr sz="1800"/>
+            </a:lvl8pPr>
+            <a:lvl9pPr>
+              <a:defRPr sz="1800"/>
+            </a:lvl9pPr>
+          </a:lstStyle>
+          <a:p>
+            <a:pPr lvl="0"/>
+            <a:r>
+              <a:rPr lang="fr-FR" smtClean="0"/>
+              <a:t>Modifiez les styles du texte du masque</a:t>
+            </a:r>
+          </a:p>
+          <a:p>
+            <a:pPr lvl="1"/>
+            <a:r>
+              <a:rPr lang="fr-FR" smtClean="0"/>
+              <a:t>Deuxième niveau</a:t>
+            </a:r>
+          </a:p>
+          <a:p>
+            <a:pPr lvl="2"/>
+            <a:r>
+              <a:rPr lang="fr-FR" smtClean="0"/>
+              <a:t>Troisième niveau</a:t>
+            </a:r>
+          </a:p>
+          <a:p>
+            <a:pPr lvl="3"/>
+            <a:r>
+              <a:rPr lang="fr-FR" smtClean="0"/>
+              <a:t>Quatrième niveau</a:t>
+            </a:r>
+          </a:p>
+          <a:p>
+            <a:pPr lvl="4"/>
+            <a:r>
+              <a:rPr lang="fr-FR" smtClean="0"/>
+              <a:t>Cinquième niveau</a:t>
+            </a:r>
+            <a:endParaRPr lang="en-US"/>
+          </a:p>
+        </p:txBody>
+      </p:sp>
+      <p:sp>
+        <p:nvSpPr>
+          <p:cNvPr id="4" name="Espace réservé du contenu 3"/>
+          <p:cNvSpPr>
+            <a:spLocks noGrp="1"/>
+          </p:cNvSpPr>
+          <p:nvPr>
+            <p:ph sz="half" idx="2"/>
+          </p:nvPr>
+        </p:nvSpPr>
+        <p:spPr>
+          <a:xfrm>
+            <a:off x="4648200" y="1200151"/>
+            <a:ext cx="4038600" cy="3394472"/>
+          </a:xfrm>
+        </p:spPr>
+        <p:txBody>
+          <a:bodyPr/>
+          <a:lstStyle>
+            <a:lvl1pPr>
+              <a:defRPr sz="2800"/>
+            </a:lvl1pPr>
+            <a:lvl2pPr>
+              <a:defRPr sz="2400"/>
+            </a:lvl2pPr>
+            <a:lvl3pPr>
+              <a:defRPr sz="2000"/>
+            </a:lvl3pPr>
+            <a:lvl4pPr>
+              <a:defRPr sz="1800"/>
+            </a:lvl4pPr>
+            <a:lvl5pPr>
+              <a:defRPr sz="1800"/>
+            </a:lvl5pPr>
+            <a:lvl6pPr>
+              <a:defRPr sz="1800"/>
+            </a:lvl6pPr>
+            <a:lvl7pPr>
+              <a:defRPr sz="1800"/>
+            </a:lvl7pPr>
+            <a:lvl8pPr>
+              <a:defRPr sz="1800"/>
+            </a:lvl8pPr>
+            <a:lvl9pPr>
+              <a:defRPr sz="1800"/>
+            </a:lvl9pPr>
+          </a:lstStyle>
+          <a:p>
+            <a:pPr lvl="0"/>
+            <a:r>
+              <a:rPr lang="fr-FR" smtClean="0"/>
+              <a:t>Modifiez les styles du texte du masque</a:t>
+            </a:r>
+          </a:p>
+          <a:p>
+            <a:pPr lvl="1"/>
+            <a:r>
+              <a:rPr lang="fr-FR" smtClean="0"/>
+              <a:t>Deuxième niveau</a:t>
+            </a:r>
+          </a:p>
+          <a:p>
+            <a:pPr lvl="2"/>
+            <a:r>
+              <a:rPr lang="fr-FR" smtClean="0"/>
+              <a:t>Troisième niveau</a:t>
+            </a:r>
+          </a:p>
+          <a:p>
+            <a:pPr lvl="3"/>
+            <a:r>
+              <a:rPr lang="fr-FR" smtClean="0"/>
+              <a:t>Quatrième niveau</a:t>
+            </a:r>
+          </a:p>
+          <a:p>
+            <a:pPr lvl="4"/>
+            <a:r>
+              <a:rPr lang="fr-FR" smtClean="0"/>
+              <a:t>Cinquième niveau</a:t>
+            </a:r>
+            <a:endParaRPr lang="en-US"/>
+          </a:p>
+        </p:txBody>
+      </p:sp>
+      <p:sp>
+        <p:nvSpPr>
+          <p:cNvPr id="5" name="Espace réservé de la date 4"/>
+          <p:cNvSpPr>
+            <a:spLocks noGrp="1"/>
+          </p:cNvSpPr>
+          <p:nvPr>
+            <p:ph type="dt" sz="half" idx="10"/>
+          </p:nvPr>
+        </p:nvSpPr>
+        <p:spPr/>
+        <p:txBody>
+          <a:bodyPr/>
+          <a:lstStyle/>
+          <a:p>
+            <a:fld id="{E196B69F-CA34-4C64-A297-7375B1767767}" type="datetimeFigureOut">
+              <a:rPr lang="en-US" smtClean="0"/>
+              <a:t>1/22/2020</a:t>
+            </a:fld>
+            <a:endParaRPr lang="en-US"/>
+          </a:p>
+        </p:txBody>
+      </p:sp>
+      <p:sp>
+        <p:nvSpPr>
+          <p:cNvPr id="6" name="Espace réservé du pied de page 5"/>
+          <p:cNvSpPr>
+            <a:spLocks noGrp="1"/>
+          </p:cNvSpPr>
+          <p:nvPr>
+            <p:ph type="ftr" sz="quarter" idx="11"/>
+          </p:nvPr>
+        </p:nvSpPr>
+        <p:spPr/>
+        <p:txBody>
+          <a:bodyPr/>
+          <a:lstStyle/>
+          <a:p>
+            <a:endParaRPr lang="en-US"/>
+          </a:p>
+        </p:txBody>
+      </p:sp>
+      <p:sp>
+        <p:nvSpPr>
+          <p:cNvPr id="7" name="Espace réservé du numéro de diapositive 6"/>
+          <p:cNvSpPr>
+            <a:spLocks noGrp="1"/>
+          </p:cNvSpPr>
+          <p:nvPr>
+            <p:ph type="sldNum" sz="quarter" idx="12"/>
+          </p:nvPr>
+        </p:nvSpPr>
+        <p:spPr/>
+        <p:txBody>
+          <a:bodyPr/>
+          <a:lstStyle/>
+          <a:p>
+            <a:fld id="{AF3D009E-5434-4DC6-89DA-FC1D78C45C77}" type="slidenum">
+              <a:rPr lang="en-US" smtClean="0"/>
+              <a:t>‹N°›</a:t>
+            </a:fld>
+            <a:endParaRPr lang="en-US"/>
+          </a:p>
+        </p:txBody>
+      </p:sp>
+    </p:spTree>
+    <p:extLst>
+      <p:ext uri="{BB962C8B-B14F-4D97-AF65-F5344CB8AC3E}">
+        <p14:creationId xmlns:p14="http://schemas.microsoft.com/office/powerpoint/2010/main" val="872576858"/>
+      </p:ext>
+    </p:extLst>
+  </p:cSld>
+  <p:clrMapOvr>
+    <a:masterClrMapping/>
+  </p:clrMapOvr>
+</p:sldLayout>
+</file>
+
+<file path=ppt/slideLayouts/slideLayout5.xml><?xml version="1.0" encoding="utf-8"?>
+<p:sldLayout xmlns:a="http://schemas.openxmlformats.org/drawingml/2006/main" xmlns:r="http://schemas.openxmlformats.org/officeDocument/2006/relationships" xmlns:p="http://schemas.openxmlformats.org/presentationml/2006/main" type="twoTxTwoObj" preserve="1">
+  <p:cSld name="Comparaison">
+    <p:spTree>
+      <p:nvGrpSpPr>
+        <p:cNvPr id="1" name=""/>
+        <p:cNvGrpSpPr/>
+        <p:nvPr/>
+      </p:nvGrpSpPr>
+      <p:grpSpPr>
+        <a:xfrm>
+          <a:off x="0" y="0"/>
+          <a:ext cx="0" cy="0"/>
+          <a:chOff x="0" y="0"/>
+          <a:chExt cx="0" cy="0"/>
+        </a:xfrm>
+      </p:grpSpPr>
+      <p:sp>
+        <p:nvSpPr>
+          <p:cNvPr id="2" name="Titre 1"/>
+          <p:cNvSpPr>
+            <a:spLocks noGrp="1"/>
+          </p:cNvSpPr>
+          <p:nvPr>
+            <p:ph type="title"/>
+          </p:nvPr>
+        </p:nvSpPr>
+        <p:spPr/>
+        <p:txBody>
+          <a:bodyPr/>
+          <a:lstStyle>
+            <a:lvl1pPr>
+              <a:defRPr/>
+            </a:lvl1pPr>
+          </a:lstStyle>
+          <a:p>
+            <a:r>
+              <a:rPr lang="fr-FR" smtClean="0"/>
+              <a:t>Modifiez le style du titre</a:t>
+            </a:r>
+            <a:endParaRPr lang="en-US"/>
+          </a:p>
+        </p:txBody>
+      </p:sp>
+      <p:sp>
+        <p:nvSpPr>
+          <p:cNvPr id="3" name="Espace réservé du texte 2"/>
+          <p:cNvSpPr>
+            <a:spLocks noGrp="1"/>
+          </p:cNvSpPr>
+          <p:nvPr>
+            <p:ph type="body" idx="1"/>
+          </p:nvPr>
+        </p:nvSpPr>
+        <p:spPr>
+          <a:xfrm>
+            <a:off x="457200" y="1151335"/>
+            <a:ext cx="4040188" cy="479822"/>
+          </a:xfrm>
+        </p:spPr>
+        <p:txBody>
+          <a:bodyPr anchor="b"/>
+          <a:lstStyle>
+            <a:lvl1pPr marL="0" indent="0">
+              <a:buNone/>
+              <a:defRPr sz="2400" b="1"/>
+            </a:lvl1pPr>
+            <a:lvl2pPr marL="457200" indent="0">
+              <a:buNone/>
+              <a:defRPr sz="2000" b="1"/>
+            </a:lvl2pPr>
+            <a:lvl3pPr marL="914400" indent="0">
+              <a:buNone/>
+              <a:defRPr sz="1800" b="1"/>
+            </a:lvl3pPr>
+            <a:lvl4pPr marL="1371600" indent="0">
+              <a:buNone/>
+              <a:defRPr sz="1600" b="1"/>
+            </a:lvl4pPr>
+            <a:lvl5pPr marL="1828800" indent="0">
+              <a:buNone/>
+              <a:defRPr sz="1600" b="1"/>
+            </a:lvl5pPr>
+            <a:lvl6pPr marL="2286000" indent="0">
+              <a:buNone/>
+              <a:defRPr sz="1600" b="1"/>
+            </a:lvl6pPr>
+            <a:lvl7pPr marL="2743200" indent="0">
+              <a:buNone/>
+              <a:defRPr sz="1600" b="1"/>
+            </a:lvl7pPr>
+            <a:lvl8pPr marL="3200400" indent="0">
+              <a:buNone/>
+              <a:defRPr sz="1600" b="1"/>
+            </a:lvl8pPr>
+            <a:lvl9pPr marL="3657600" indent="0">
+              <a:buNone/>
+              <a:defRPr sz="1600" b="1"/>
+            </a:lvl9pPr>
+          </a:lstStyle>
+          <a:p>
+            <a:pPr lvl="0"/>
+            <a:r>
+              <a:rPr lang="fr-FR" smtClean="0"/>
+              <a:t>Modifiez les styles du texte du masque</a:t>
+            </a:r>
+          </a:p>
+        </p:txBody>
+      </p:sp>
+      <p:sp>
+        <p:nvSpPr>
+          <p:cNvPr id="4" name="Espace réservé du contenu 3"/>
+          <p:cNvSpPr>
+            <a:spLocks noGrp="1"/>
+          </p:cNvSpPr>
+          <p:nvPr>
+            <p:ph sz="half" idx="2"/>
+          </p:nvPr>
+        </p:nvSpPr>
+        <p:spPr>
+          <a:xfrm>
+            <a:off x="457200" y="1631156"/>
+            <a:ext cx="4040188" cy="2963466"/>
+          </a:xfrm>
+        </p:spPr>
+        <p:txBody>
+          <a:bodyPr/>
+          <a:lstStyle>
+            <a:lvl1pPr>
+              <a:defRPr sz="2400"/>
+            </a:lvl1pPr>
+            <a:lvl2pPr>
+              <a:defRPr sz="2000"/>
+            </a:lvl2pPr>
+            <a:lvl3pPr>
+              <a:defRPr sz="1800"/>
+            </a:lvl3pPr>
+            <a:lvl4pPr>
+              <a:defRPr sz="1600"/>
+            </a:lvl4pPr>
+            <a:lvl5pPr>
+              <a:defRPr sz="1600"/>
+            </a:lvl5pPr>
+            <a:lvl6pPr>
+              <a:defRPr sz="1600"/>
+            </a:lvl6pPr>
+            <a:lvl7pPr>
+              <a:defRPr sz="1600"/>
+            </a:lvl7pPr>
+            <a:lvl8pPr>
+              <a:defRPr sz="1600"/>
+            </a:lvl8pPr>
+            <a:lvl9pPr>
+              <a:defRPr sz="1600"/>
+            </a:lvl9pPr>
+          </a:lstStyle>
+          <a:p>
+            <a:pPr lvl="0"/>
+            <a:r>
+              <a:rPr lang="fr-FR" smtClean="0"/>
+              <a:t>Modifiez les styles du texte du masque</a:t>
+            </a:r>
+          </a:p>
+          <a:p>
+            <a:pPr lvl="1"/>
+            <a:r>
+              <a:rPr lang="fr-FR" smtClean="0"/>
+              <a:t>Deuxième niveau</a:t>
+            </a:r>
+          </a:p>
+          <a:p>
+            <a:pPr lvl="2"/>
+            <a:r>
+              <a:rPr lang="fr-FR" smtClean="0"/>
+              <a:t>Troisième niveau</a:t>
+            </a:r>
+          </a:p>
+          <a:p>
+            <a:pPr lvl="3"/>
+            <a:r>
+              <a:rPr lang="fr-FR" smtClean="0"/>
+              <a:t>Quatrième niveau</a:t>
+            </a:r>
+          </a:p>
+          <a:p>
+            <a:pPr lvl="4"/>
+            <a:r>
+              <a:rPr lang="fr-FR" smtClean="0"/>
+              <a:t>Cinquième niveau</a:t>
+            </a:r>
+            <a:endParaRPr lang="en-US"/>
+          </a:p>
+        </p:txBody>
+      </p:sp>
+      <p:sp>
+        <p:nvSpPr>
+          <p:cNvPr id="5" name="Espace réservé du texte 4"/>
+          <p:cNvSpPr>
+            <a:spLocks noGrp="1"/>
+          </p:cNvSpPr>
+          <p:nvPr>
+            <p:ph type="body" sz="quarter" idx="3"/>
+          </p:nvPr>
+        </p:nvSpPr>
+        <p:spPr>
+          <a:xfrm>
+            <a:off x="4645033" y="1151335"/>
+            <a:ext cx="4041775" cy="479822"/>
+          </a:xfrm>
+        </p:spPr>
+        <p:txBody>
+          <a:bodyPr anchor="b"/>
+          <a:lstStyle>
+            <a:lvl1pPr marL="0" indent="0">
+              <a:buNone/>
+              <a:defRPr sz="2400" b="1"/>
+            </a:lvl1pPr>
+            <a:lvl2pPr marL="457200" indent="0">
+              <a:buNone/>
+              <a:defRPr sz="2000" b="1"/>
+            </a:lvl2pPr>
+            <a:lvl3pPr marL="914400" indent="0">
+              <a:buNone/>
+              <a:defRPr sz="1800" b="1"/>
+            </a:lvl3pPr>
+            <a:lvl4pPr marL="1371600" indent="0">
+              <a:buNone/>
+              <a:defRPr sz="1600" b="1"/>
+            </a:lvl4pPr>
+            <a:lvl5pPr marL="1828800" indent="0">
+              <a:buNone/>
+              <a:defRPr sz="1600" b="1"/>
+            </a:lvl5pPr>
+            <a:lvl6pPr marL="2286000" indent="0">
+              <a:buNone/>
+              <a:defRPr sz="1600" b="1"/>
+            </a:lvl6pPr>
+            <a:lvl7pPr marL="2743200" indent="0">
+              <a:buNone/>
+              <a:defRPr sz="1600" b="1"/>
+            </a:lvl7pPr>
+            <a:lvl8pPr marL="3200400" indent="0">
+              <a:buNone/>
+              <a:defRPr sz="1600" b="1"/>
+            </a:lvl8pPr>
+            <a:lvl9pPr marL="3657600" indent="0">
+              <a:buNone/>
+              <a:defRPr sz="1600" b="1"/>
+            </a:lvl9pPr>
+          </a:lstStyle>
+          <a:p>
+            <a:pPr lvl="0"/>
+            <a:r>
+              <a:rPr lang="fr-FR" smtClean="0"/>
+              <a:t>Modifiez les styles du texte du masque</a:t>
+            </a:r>
+          </a:p>
+        </p:txBody>
+      </p:sp>
+      <p:sp>
+        <p:nvSpPr>
+          <p:cNvPr id="6" name="Espace réservé du contenu 5"/>
+          <p:cNvSpPr>
+            <a:spLocks noGrp="1"/>
+          </p:cNvSpPr>
+          <p:nvPr>
+            <p:ph sz="quarter" idx="4"/>
+          </p:nvPr>
+        </p:nvSpPr>
+        <p:spPr>
+          <a:xfrm>
+            <a:off x="4645033" y="1631156"/>
+            <a:ext cx="4041775" cy="2963466"/>
+          </a:xfrm>
+        </p:spPr>
+        <p:txBody>
+          <a:bodyPr/>
+          <a:lstStyle>
+            <a:lvl1pPr>
+              <a:defRPr sz="2400"/>
+            </a:lvl1pPr>
+            <a:lvl2pPr>
+              <a:defRPr sz="2000"/>
+            </a:lvl2pPr>
+            <a:lvl3pPr>
+              <a:defRPr sz="1800"/>
+            </a:lvl3pPr>
+            <a:lvl4pPr>
+              <a:defRPr sz="1600"/>
+            </a:lvl4pPr>
+            <a:lvl5pPr>
+              <a:defRPr sz="1600"/>
+            </a:lvl5pPr>
+            <a:lvl6pPr>
+              <a:defRPr sz="1600"/>
+            </a:lvl6pPr>
+            <a:lvl7pPr>
+              <a:defRPr sz="1600"/>
+            </a:lvl7pPr>
+            <a:lvl8pPr>
+              <a:defRPr sz="1600"/>
+            </a:lvl8pPr>
+            <a:lvl9pPr>
+              <a:defRPr sz="1600"/>
+            </a:lvl9pPr>
+          </a:lstStyle>
+          <a:p>
+            <a:pPr lvl="0"/>
+            <a:r>
+              <a:rPr lang="fr-FR" smtClean="0"/>
+              <a:t>Modifiez les styles du texte du masque</a:t>
+            </a:r>
+          </a:p>
+          <a:p>
+            <a:pPr lvl="1"/>
+            <a:r>
+              <a:rPr lang="fr-FR" smtClean="0"/>
+              <a:t>Deuxième niveau</a:t>
+            </a:r>
+          </a:p>
+          <a:p>
+            <a:pPr lvl="2"/>
+            <a:r>
+              <a:rPr lang="fr-FR" smtClean="0"/>
+              <a:t>Troisième niveau</a:t>
+            </a:r>
+          </a:p>
+          <a:p>
+            <a:pPr lvl="3"/>
+            <a:r>
+              <a:rPr lang="fr-FR" smtClean="0"/>
+              <a:t>Quatrième niveau</a:t>
+            </a:r>
+          </a:p>
+          <a:p>
+            <a:pPr lvl="4"/>
+            <a:r>
+              <a:rPr lang="fr-FR" smtClean="0"/>
+              <a:t>Cinquième niveau</a:t>
+            </a:r>
+            <a:endParaRPr lang="en-US"/>
+          </a:p>
+        </p:txBody>
+      </p:sp>
+      <p:sp>
+        <p:nvSpPr>
+          <p:cNvPr id="7" name="Espace réservé de la date 6"/>
+          <p:cNvSpPr>
+            <a:spLocks noGrp="1"/>
+          </p:cNvSpPr>
+          <p:nvPr>
+            <p:ph type="dt" sz="half" idx="10"/>
+          </p:nvPr>
+        </p:nvSpPr>
+        <p:spPr/>
+        <p:txBody>
+          <a:bodyPr/>
+          <a:lstStyle/>
+          <a:p>
+            <a:fld id="{E196B69F-CA34-4C64-A297-7375B1767767}" type="datetimeFigureOut">
+              <a:rPr lang="en-US" smtClean="0"/>
+              <a:t>1/22/2020</a:t>
+            </a:fld>
+            <a:endParaRPr lang="en-US"/>
+          </a:p>
+        </p:txBody>
+      </p:sp>
+      <p:sp>
+        <p:nvSpPr>
+          <p:cNvPr id="8" name="Espace réservé du pied de page 7"/>
+          <p:cNvSpPr>
+            <a:spLocks noGrp="1"/>
+          </p:cNvSpPr>
+          <p:nvPr>
+            <p:ph type="ftr" sz="quarter" idx="11"/>
+          </p:nvPr>
+        </p:nvSpPr>
+        <p:spPr/>
+        <p:txBody>
+          <a:bodyPr/>
+          <a:lstStyle/>
+          <a:p>
+            <a:endParaRPr lang="en-US"/>
+          </a:p>
+        </p:txBody>
+      </p:sp>
+      <p:sp>
+        <p:nvSpPr>
+          <p:cNvPr id="9" name="Espace réservé du numéro de diapositive 8"/>
+          <p:cNvSpPr>
+            <a:spLocks noGrp="1"/>
+          </p:cNvSpPr>
+          <p:nvPr>
+            <p:ph type="sldNum" sz="quarter" idx="12"/>
+          </p:nvPr>
+        </p:nvSpPr>
+        <p:spPr/>
+        <p:txBody>
+          <a:bodyPr/>
+          <a:lstStyle/>
+          <a:p>
+            <a:fld id="{AF3D009E-5434-4DC6-89DA-FC1D78C45C77}" type="slidenum">
+              <a:rPr lang="en-US" smtClean="0"/>
+              <a:t>‹N°›</a:t>
+            </a:fld>
+            <a:endParaRPr lang="en-US"/>
+          </a:p>
+        </p:txBody>
+      </p:sp>
+    </p:spTree>
+    <p:extLst>
+      <p:ext uri="{BB962C8B-B14F-4D97-AF65-F5344CB8AC3E}">
+        <p14:creationId xmlns:p14="http://schemas.microsoft.com/office/powerpoint/2010/main" val="2285174221"/>
+      </p:ext>
+    </p:extLst>
+  </p:cSld>
+  <p:clrMapOvr>
+    <a:masterClrMapping/>
+  </p:clrMapOvr>
+</p:sldLayout>
+</file>
+
+<file path=ppt/slideLayouts/slideLayout6.xml><?xml version="1.0" encoding="utf-8"?>
+<p:sldLayout xmlns:a="http://schemas.openxmlformats.org/drawingml/2006/main" xmlns:r="http://schemas.openxmlformats.org/officeDocument/2006/relationships" xmlns:p="http://schemas.openxmlformats.org/presentationml/2006/main" type="titleOnly" preserve="1">
+  <p:cSld name="Titre seul">
+    <p:spTree>
+      <p:nvGrpSpPr>
+        <p:cNvPr id="1" name=""/>
+        <p:cNvGrpSpPr/>
+        <p:nvPr/>
+      </p:nvGrpSpPr>
+      <p:grpSpPr>
+        <a:xfrm>
+          <a:off x="0" y="0"/>
+          <a:ext cx="0" cy="0"/>
+          <a:chOff x="0" y="0"/>
+          <a:chExt cx="0" cy="0"/>
+        </a:xfrm>
+      </p:grpSpPr>
+      <p:sp>
+        <p:nvSpPr>
+          <p:cNvPr id="2" name="Titre 1"/>
+          <p:cNvSpPr>
+            <a:spLocks noGrp="1"/>
+          </p:cNvSpPr>
+          <p:nvPr>
+            <p:ph type="title"/>
+          </p:nvPr>
+        </p:nvSpPr>
+        <p:spPr/>
+        <p:txBody>
+          <a:bodyPr/>
+          <a:lstStyle/>
+          <a:p>
+            <a:r>
+              <a:rPr lang="fr-FR" smtClean="0"/>
+              <a:t>Modifiez le style du titre</a:t>
+            </a:r>
+            <a:endParaRPr lang="en-US"/>
+          </a:p>
+        </p:txBody>
+      </p:sp>
+      <p:sp>
+        <p:nvSpPr>
+          <p:cNvPr id="3" name="Espace réservé de la date 2"/>
+          <p:cNvSpPr>
+            <a:spLocks noGrp="1"/>
+          </p:cNvSpPr>
+          <p:nvPr>
+            <p:ph type="dt" sz="half" idx="10"/>
+          </p:nvPr>
+        </p:nvSpPr>
+        <p:spPr/>
+        <p:txBody>
+          <a:bodyPr/>
+          <a:lstStyle/>
+          <a:p>
+            <a:fld id="{E196B69F-CA34-4C64-A297-7375B1767767}" type="datetimeFigureOut">
+              <a:rPr lang="en-US" smtClean="0"/>
+              <a:t>1/22/2020</a:t>
+            </a:fld>
+            <a:endParaRPr lang="en-US"/>
+          </a:p>
+        </p:txBody>
+      </p:sp>
+      <p:sp>
+        <p:nvSpPr>
+          <p:cNvPr id="4" name="Espace réservé du pied de page 3"/>
+          <p:cNvSpPr>
+            <a:spLocks noGrp="1"/>
+          </p:cNvSpPr>
+          <p:nvPr>
+            <p:ph type="ftr" sz="quarter" idx="11"/>
+          </p:nvPr>
+        </p:nvSpPr>
+        <p:spPr/>
+        <p:txBody>
+          <a:bodyPr/>
+          <a:lstStyle/>
+          <a:p>
+            <a:endParaRPr lang="en-US"/>
+          </a:p>
+        </p:txBody>
+      </p:sp>
+      <p:sp>
+        <p:nvSpPr>
+          <p:cNvPr id="5" name="Espace réservé du numéro de diapositive 4"/>
+          <p:cNvSpPr>
+            <a:spLocks noGrp="1"/>
+          </p:cNvSpPr>
+          <p:nvPr>
+            <p:ph type="sldNum" sz="quarter" idx="12"/>
+          </p:nvPr>
+        </p:nvSpPr>
+        <p:spPr/>
+        <p:txBody>
+          <a:bodyPr/>
+          <a:lstStyle/>
+          <a:p>
+            <a:fld id="{AF3D009E-5434-4DC6-89DA-FC1D78C45C77}" type="slidenum">
+              <a:rPr lang="en-US" smtClean="0"/>
+              <a:t>‹N°›</a:t>
+            </a:fld>
+            <a:endParaRPr lang="en-US"/>
+          </a:p>
+        </p:txBody>
+      </p:sp>
+    </p:spTree>
+    <p:extLst>
+      <p:ext uri="{BB962C8B-B14F-4D97-AF65-F5344CB8AC3E}">
+        <p14:creationId xmlns:p14="http://schemas.microsoft.com/office/powerpoint/2010/main" val="1827512748"/>
+      </p:ext>
+    </p:extLst>
+  </p:cSld>
+  <p:clrMapOvr>
+    <a:masterClrMapping/>
+  </p:clrMapOvr>
+</p:sldLayout>
+</file>
+
+<file path=ppt/slideLayouts/slideLayout7.xml><?xml version="1.0" encoding="utf-8"?>
+<p:sldLayout xmlns:a="http://schemas.openxmlformats.org/drawingml/2006/main" xmlns:r="http://schemas.openxmlformats.org/officeDocument/2006/relationships" xmlns:p="http://schemas.openxmlformats.org/presentationml/2006/main" type="blank" preserve="1">
+  <p:cSld name="Vide">
+    <p:spTree>
+      <p:nvGrpSpPr>
+        <p:cNvPr id="1" name=""/>
+        <p:cNvGrpSpPr/>
+        <p:nvPr/>
+      </p:nvGrpSpPr>
+      <p:grpSpPr>
+        <a:xfrm>
+          <a:off x="0" y="0"/>
+          <a:ext cx="0" cy="0"/>
+          <a:chOff x="0" y="0"/>
+          <a:chExt cx="0" cy="0"/>
+        </a:xfrm>
+      </p:grpSpPr>
+      <p:sp>
+        <p:nvSpPr>
+          <p:cNvPr id="2" name="Espace réservé de la date 1"/>
+          <p:cNvSpPr>
+            <a:spLocks noGrp="1"/>
+          </p:cNvSpPr>
+          <p:nvPr>
+            <p:ph type="dt" sz="half" idx="10"/>
+          </p:nvPr>
+        </p:nvSpPr>
+        <p:spPr/>
+        <p:txBody>
+          <a:bodyPr/>
+          <a:lstStyle/>
+          <a:p>
+            <a:fld id="{E196B69F-CA34-4C64-A297-7375B1767767}" type="datetimeFigureOut">
+              <a:rPr lang="en-US" smtClean="0"/>
+              <a:t>1/22/2020</a:t>
+            </a:fld>
+            <a:endParaRPr lang="en-US"/>
+          </a:p>
+        </p:txBody>
+      </p:sp>
+      <p:sp>
+        <p:nvSpPr>
+          <p:cNvPr id="3" name="Espace réservé du pied de page 2"/>
+          <p:cNvSpPr>
+            <a:spLocks noGrp="1"/>
+          </p:cNvSpPr>
+          <p:nvPr>
+            <p:ph type="ftr" sz="quarter" idx="11"/>
+          </p:nvPr>
+        </p:nvSpPr>
+        <p:spPr/>
+        <p:txBody>
+          <a:bodyPr/>
+          <a:lstStyle/>
+          <a:p>
+            <a:endParaRPr lang="en-US"/>
+          </a:p>
+        </p:txBody>
+      </p:sp>
+      <p:sp>
+        <p:nvSpPr>
+          <p:cNvPr id="4" name="Espace réservé du numéro de diapositive 3"/>
+          <p:cNvSpPr>
+            <a:spLocks noGrp="1"/>
+          </p:cNvSpPr>
+          <p:nvPr>
+            <p:ph type="sldNum" sz="quarter" idx="12"/>
+          </p:nvPr>
+        </p:nvSpPr>
+        <p:spPr/>
+        <p:txBody>
+          <a:bodyPr/>
+          <a:lstStyle/>
+          <a:p>
+            <a:fld id="{AF3D009E-5434-4DC6-89DA-FC1D78C45C77}" type="slidenum">
+              <a:rPr lang="en-US" smtClean="0"/>
+              <a:t>‹N°›</a:t>
+            </a:fld>
+            <a:endParaRPr lang="en-US"/>
+          </a:p>
+        </p:txBody>
+      </p:sp>
+    </p:spTree>
+    <p:extLst>
+      <p:ext uri="{BB962C8B-B14F-4D97-AF65-F5344CB8AC3E}">
+        <p14:creationId xmlns:p14="http://schemas.microsoft.com/office/powerpoint/2010/main" val="1362018839"/>
+      </p:ext>
+    </p:extLst>
+  </p:cSld>
+  <p:clrMapOvr>
+    <a:masterClrMapping/>
+  </p:clrMapOvr>
+</p:sldLayout>
+</file>
+
+<file path=ppt/slideLayouts/slideLayout8.xml><?xml version="1.0" encoding="utf-8"?>
+<p:sldLayout xmlns:a="http://schemas.openxmlformats.org/drawingml/2006/main" xmlns:r="http://schemas.openxmlformats.org/officeDocument/2006/relationships" xmlns:p="http://schemas.openxmlformats.org/presentationml/2006/main" type="objTx" preserve="1">
+  <p:cSld name="Contenu avec légende">
+    <p:spTree>
+      <p:nvGrpSpPr>
+        <p:cNvPr id="1" name=""/>
+        <p:cNvGrpSpPr/>
+        <p:nvPr/>
+      </p:nvGrpSpPr>
+      <p:grpSpPr>
+        <a:xfrm>
+          <a:off x="0" y="0"/>
+          <a:ext cx="0" cy="0"/>
+          <a:chOff x="0" y="0"/>
+          <a:chExt cx="0" cy="0"/>
+        </a:xfrm>
+      </p:grpSpPr>
+      <p:sp>
+        <p:nvSpPr>
+          <p:cNvPr id="2" name="Titre 1"/>
+          <p:cNvSpPr>
+            <a:spLocks noGrp="1"/>
+          </p:cNvSpPr>
+          <p:nvPr>
+            <p:ph type="title"/>
+          </p:nvPr>
+        </p:nvSpPr>
+        <p:spPr>
+          <a:xfrm>
+            <a:off x="457215" y="204787"/>
+            <a:ext cx="3008313" cy="871538"/>
+          </a:xfrm>
+        </p:spPr>
+        <p:txBody>
+          <a:bodyPr anchor="b"/>
+          <a:lstStyle>
+            <a:lvl1pPr algn="l">
+              <a:defRPr sz="2000" b="1"/>
+            </a:lvl1pPr>
+          </a:lstStyle>
+          <a:p>
+            <a:r>
+              <a:rPr lang="fr-FR" smtClean="0"/>
+              <a:t>Modifiez le style du titre</a:t>
+            </a:r>
+            <a:endParaRPr lang="en-US"/>
+          </a:p>
+        </p:txBody>
+      </p:sp>
+      <p:sp>
+        <p:nvSpPr>
+          <p:cNvPr id="3" name="Espace réservé du contenu 2"/>
+          <p:cNvSpPr>
+            <a:spLocks noGrp="1"/>
+          </p:cNvSpPr>
+          <p:nvPr>
+            <p:ph idx="1"/>
+          </p:nvPr>
+        </p:nvSpPr>
+        <p:spPr>
+          <a:xfrm>
+            <a:off x="3575050" y="204795"/>
+            <a:ext cx="5111750" cy="4389835"/>
+          </a:xfrm>
+        </p:spPr>
+        <p:txBody>
+          <a:bodyPr/>
+          <a:lstStyle>
+            <a:lvl1pPr>
+              <a:defRPr sz="3200"/>
+            </a:lvl1pPr>
+            <a:lvl2pPr>
+              <a:defRPr sz="2800"/>
+            </a:lvl2pPr>
+            <a:lvl3pPr>
+              <a:defRPr sz="2400"/>
+            </a:lvl3pPr>
+            <a:lvl4pPr>
+              <a:defRPr sz="2000"/>
+            </a:lvl4pPr>
+            <a:lvl5pPr>
+              <a:defRPr sz="2000"/>
+            </a:lvl5pPr>
+            <a:lvl6pPr>
+              <a:defRPr sz="2000"/>
+            </a:lvl6pPr>
+            <a:lvl7pPr>
+              <a:defRPr sz="2000"/>
+            </a:lvl7pPr>
+            <a:lvl8pPr>
+              <a:defRPr sz="2000"/>
+            </a:lvl8pPr>
+            <a:lvl9pPr>
+              <a:defRPr sz="2000"/>
+            </a:lvl9pPr>
+          </a:lstStyle>
+          <a:p>
+            <a:pPr lvl="0"/>
+            <a:r>
+              <a:rPr lang="fr-FR" smtClean="0"/>
+              <a:t>Modifiez les styles du texte du masque</a:t>
+            </a:r>
+          </a:p>
+          <a:p>
+            <a:pPr lvl="1"/>
+            <a:r>
+              <a:rPr lang="fr-FR" smtClean="0"/>
+              <a:t>Deuxième niveau</a:t>
+            </a:r>
+          </a:p>
+          <a:p>
+            <a:pPr lvl="2"/>
+            <a:r>
+              <a:rPr lang="fr-FR" smtClean="0"/>
+              <a:t>Troisième niveau</a:t>
+            </a:r>
+          </a:p>
+          <a:p>
+            <a:pPr lvl="3"/>
+            <a:r>
+              <a:rPr lang="fr-FR" smtClean="0"/>
+              <a:t>Quatrième niveau</a:t>
+            </a:r>
+          </a:p>
+          <a:p>
+            <a:pPr lvl="4"/>
+            <a:r>
+              <a:rPr lang="fr-FR" smtClean="0"/>
+              <a:t>Cinquième niveau</a:t>
+            </a:r>
+            <a:endParaRPr lang="en-US"/>
+          </a:p>
+        </p:txBody>
+      </p:sp>
+      <p:sp>
+        <p:nvSpPr>
+          <p:cNvPr id="4" name="Espace réservé du texte 3"/>
+          <p:cNvSpPr>
+            <a:spLocks noGrp="1"/>
+          </p:cNvSpPr>
+          <p:nvPr>
+            <p:ph type="body" sz="half" idx="2"/>
+          </p:nvPr>
+        </p:nvSpPr>
+        <p:spPr>
+          <a:xfrm>
+            <a:off x="457215" y="1076328"/>
+            <a:ext cx="3008313" cy="3518297"/>
+          </a:xfrm>
+        </p:spPr>
+        <p:txBody>
+          <a:bodyPr/>
+          <a:lstStyle>
+            <a:lvl1pPr marL="0" indent="0">
+              <a:buNone/>
+              <a:defRPr sz="1400"/>
+            </a:lvl1pPr>
+            <a:lvl2pPr marL="457200" indent="0">
+              <a:buNone/>
+              <a:defRPr sz="1200"/>
+            </a:lvl2pPr>
+            <a:lvl3pPr marL="914400" indent="0">
+              <a:buNone/>
+              <a:defRPr sz="1000"/>
+            </a:lvl3pPr>
+            <a:lvl4pPr marL="1371600" indent="0">
+              <a:buNone/>
+              <a:defRPr sz="900"/>
+            </a:lvl4pPr>
+            <a:lvl5pPr marL="1828800" indent="0">
+              <a:buNone/>
+              <a:defRPr sz="900"/>
+            </a:lvl5pPr>
+            <a:lvl6pPr marL="2286000" indent="0">
+              <a:buNone/>
+              <a:defRPr sz="900"/>
+            </a:lvl6pPr>
+            <a:lvl7pPr marL="2743200" indent="0">
+              <a:buNone/>
+              <a:defRPr sz="900"/>
+            </a:lvl7pPr>
+            <a:lvl8pPr marL="3200400" indent="0">
+              <a:buNone/>
+              <a:defRPr sz="900"/>
+            </a:lvl8pPr>
+            <a:lvl9pPr marL="3657600" indent="0">
+              <a:buNone/>
+              <a:defRPr sz="900"/>
+            </a:lvl9pPr>
+          </a:lstStyle>
+          <a:p>
+            <a:pPr lvl="0"/>
+            <a:r>
+              <a:rPr lang="fr-FR" smtClean="0"/>
+              <a:t>Modifiez les styles du texte du masque</a:t>
+            </a:r>
+          </a:p>
+        </p:txBody>
+      </p:sp>
+      <p:sp>
+        <p:nvSpPr>
+          <p:cNvPr id="5" name="Espace réservé de la date 4"/>
+          <p:cNvSpPr>
+            <a:spLocks noGrp="1"/>
+          </p:cNvSpPr>
+          <p:nvPr>
+            <p:ph type="dt" sz="half" idx="10"/>
+          </p:nvPr>
+        </p:nvSpPr>
+        <p:spPr/>
+        <p:txBody>
+          <a:bodyPr/>
+          <a:lstStyle/>
+          <a:p>
+            <a:fld id="{E196B69F-CA34-4C64-A297-7375B1767767}" type="datetimeFigureOut">
+              <a:rPr lang="en-US" smtClean="0"/>
+              <a:t>1/22/2020</a:t>
+            </a:fld>
+            <a:endParaRPr lang="en-US"/>
+          </a:p>
+        </p:txBody>
+      </p:sp>
+      <p:sp>
+        <p:nvSpPr>
+          <p:cNvPr id="6" name="Espace réservé du pied de page 5"/>
+          <p:cNvSpPr>
+            <a:spLocks noGrp="1"/>
+          </p:cNvSpPr>
+          <p:nvPr>
+            <p:ph type="ftr" sz="quarter" idx="11"/>
+          </p:nvPr>
+        </p:nvSpPr>
+        <p:spPr/>
+        <p:txBody>
+          <a:bodyPr/>
+          <a:lstStyle/>
+          <a:p>
+            <a:endParaRPr lang="en-US"/>
+          </a:p>
+        </p:txBody>
+      </p:sp>
+      <p:sp>
+        <p:nvSpPr>
+          <p:cNvPr id="7" name="Espace réservé du numéro de diapositive 6"/>
+          <p:cNvSpPr>
+            <a:spLocks noGrp="1"/>
+          </p:cNvSpPr>
+          <p:nvPr>
+            <p:ph type="sldNum" sz="quarter" idx="12"/>
+          </p:nvPr>
+        </p:nvSpPr>
+        <p:spPr/>
+        <p:txBody>
+          <a:bodyPr/>
+          <a:lstStyle/>
+          <a:p>
+            <a:fld id="{AF3D009E-5434-4DC6-89DA-FC1D78C45C77}" type="slidenum">
+              <a:rPr lang="en-US" smtClean="0"/>
+              <a:t>‹N°›</a:t>
+            </a:fld>
+            <a:endParaRPr lang="en-US"/>
+          </a:p>
+        </p:txBody>
+      </p:sp>
+    </p:spTree>
+    <p:extLst>
+      <p:ext uri="{BB962C8B-B14F-4D97-AF65-F5344CB8AC3E}">
+        <p14:creationId xmlns:p14="http://schemas.microsoft.com/office/powerpoint/2010/main" val="2178572988"/>
+      </p:ext>
+    </p:extLst>
+  </p:cSld>
+  <p:clrMapOvr>
+    <a:masterClrMapping/>
+  </p:clrMapOvr>
+</p:sldLayout>
+</file>
+
+<file path=ppt/slideLayouts/slideLayout9.xml><?xml version="1.0" encoding="utf-8"?>
+<p:sldLayout xmlns:a="http://schemas.openxmlformats.org/drawingml/2006/main" xmlns:r="http://schemas.openxmlformats.org/officeDocument/2006/relationships" xmlns:p="http://schemas.openxmlformats.org/presentationml/2006/main" type="picTx" preserve="1">
+  <p:cSld name="Image avec légende">
+    <p:spTree>
+      <p:nvGrpSpPr>
+        <p:cNvPr id="1" name=""/>
+        <p:cNvGrpSpPr/>
+        <p:nvPr/>
+      </p:nvGrpSpPr>
+      <p:grpSpPr>
+        <a:xfrm>
+          <a:off x="0" y="0"/>
+          <a:ext cx="0" cy="0"/>
+          <a:chOff x="0" y="0"/>
+          <a:chExt cx="0" cy="0"/>
+        </a:xfrm>
+      </p:grpSpPr>
+      <p:sp>
+        <p:nvSpPr>
+          <p:cNvPr id="2" name="Titre 1"/>
+          <p:cNvSpPr>
+            <a:spLocks noGrp="1"/>
+          </p:cNvSpPr>
+          <p:nvPr>
+            <p:ph type="title"/>
+          </p:nvPr>
+        </p:nvSpPr>
+        <p:spPr>
+          <a:xfrm>
+            <a:off x="1792288" y="3600451"/>
+            <a:ext cx="5486400" cy="425054"/>
+          </a:xfrm>
+        </p:spPr>
+        <p:txBody>
+          <a:bodyPr anchor="b"/>
+          <a:lstStyle>
+            <a:lvl1pPr algn="l">
+              <a:defRPr sz="2000" b="1"/>
+            </a:lvl1pPr>
+          </a:lstStyle>
+          <a:p>
+            <a:r>
+              <a:rPr lang="fr-FR" smtClean="0"/>
+              <a:t>Modifiez le style du titre</a:t>
+            </a:r>
+            <a:endParaRPr lang="en-US"/>
+          </a:p>
+        </p:txBody>
+      </p:sp>
+      <p:sp>
+        <p:nvSpPr>
+          <p:cNvPr id="3" name="Espace réservé pour une image  2"/>
+          <p:cNvSpPr>
+            <a:spLocks noGrp="1"/>
+          </p:cNvSpPr>
+          <p:nvPr>
+            <p:ph type="pic" idx="1"/>
+          </p:nvPr>
+        </p:nvSpPr>
+        <p:spPr>
+          <a:xfrm>
+            <a:off x="1792288" y="459581"/>
+            <a:ext cx="5486400" cy="3086100"/>
+          </a:xfrm>
+        </p:spPr>
+        <p:txBody>
+          <a:bodyPr/>
+          <a:lstStyle>
+            <a:lvl1pPr marL="0" indent="0">
+              <a:buNone/>
+              <a:defRPr sz="3200"/>
+            </a:lvl1pPr>
+            <a:lvl2pPr marL="457200" indent="0">
+              <a:buNone/>
+              <a:defRPr sz="2800"/>
+            </a:lvl2pPr>
+            <a:lvl3pPr marL="914400" indent="0">
+              <a:buNone/>
+              <a:defRPr sz="2400"/>
+            </a:lvl3pPr>
+            <a:lvl4pPr marL="1371600" indent="0">
+              <a:buNone/>
+              <a:defRPr sz="2000"/>
+            </a:lvl4pPr>
+            <a:lvl5pPr marL="1828800" indent="0">
+              <a:buNone/>
+              <a:defRPr sz="2000"/>
+            </a:lvl5pPr>
+            <a:lvl6pPr marL="2286000" indent="0">
+              <a:buNone/>
+              <a:defRPr sz="2000"/>
+            </a:lvl6pPr>
+            <a:lvl7pPr marL="2743200" indent="0">
+              <a:buNone/>
+              <a:defRPr sz="2000"/>
+            </a:lvl7pPr>
+            <a:lvl8pPr marL="3200400" indent="0">
+              <a:buNone/>
+              <a:defRPr sz="2000"/>
+            </a:lvl8pPr>
+            <a:lvl9pPr marL="3657600" indent="0">
+              <a:buNone/>
+              <a:defRPr sz="2000"/>
+            </a:lvl9pPr>
+          </a:lstStyle>
+          <a:p>
+            <a:endParaRPr lang="en-US"/>
+          </a:p>
+        </p:txBody>
+      </p:sp>
+      <p:sp>
+        <p:nvSpPr>
+          <p:cNvPr id="4" name="Espace réservé du texte 3"/>
+          <p:cNvSpPr>
+            <a:spLocks noGrp="1"/>
+          </p:cNvSpPr>
+          <p:nvPr>
+            <p:ph type="body" sz="half" idx="2"/>
+          </p:nvPr>
+        </p:nvSpPr>
+        <p:spPr>
+          <a:xfrm>
+            <a:off x="1792288" y="4025510"/>
+            <a:ext cx="5486400" cy="603647"/>
+          </a:xfrm>
+        </p:spPr>
+        <p:txBody>
+          <a:bodyPr/>
+          <a:lstStyle>
+            <a:lvl1pPr marL="0" indent="0">
+              <a:buNone/>
+              <a:defRPr sz="1400"/>
+            </a:lvl1pPr>
+            <a:lvl2pPr marL="457200" indent="0">
+              <a:buNone/>
+              <a:defRPr sz="1200"/>
+            </a:lvl2pPr>
+            <a:lvl3pPr marL="914400" indent="0">
+              <a:buNone/>
+              <a:defRPr sz="1000"/>
+            </a:lvl3pPr>
+            <a:lvl4pPr marL="1371600" indent="0">
+              <a:buNone/>
+              <a:defRPr sz="900"/>
+            </a:lvl4pPr>
+            <a:lvl5pPr marL="1828800" indent="0">
+              <a:buNone/>
+              <a:defRPr sz="900"/>
+            </a:lvl5pPr>
+            <a:lvl6pPr marL="2286000" indent="0">
+              <a:buNone/>
+              <a:defRPr sz="900"/>
+            </a:lvl6pPr>
+            <a:lvl7pPr marL="2743200" indent="0">
+              <a:buNone/>
+              <a:defRPr sz="900"/>
+            </a:lvl7pPr>
+            <a:lvl8pPr marL="3200400" indent="0">
+              <a:buNone/>
+              <a:defRPr sz="900"/>
+            </a:lvl8pPr>
+            <a:lvl9pPr marL="3657600" indent="0">
+              <a:buNone/>
+              <a:defRPr sz="900"/>
+            </a:lvl9pPr>
+          </a:lstStyle>
+          <a:p>
+            <a:pPr lvl="0"/>
+            <a:r>
+              <a:rPr lang="fr-FR" smtClean="0"/>
+              <a:t>Modifiez les styles du texte du masque</a:t>
+            </a:r>
+          </a:p>
+        </p:txBody>
+      </p:sp>
+      <p:sp>
+        <p:nvSpPr>
+          <p:cNvPr id="5" name="Espace réservé de la date 4"/>
+          <p:cNvSpPr>
+            <a:spLocks noGrp="1"/>
+          </p:cNvSpPr>
+          <p:nvPr>
+            <p:ph type="dt" sz="half" idx="10"/>
+          </p:nvPr>
+        </p:nvSpPr>
+        <p:spPr/>
+        <p:txBody>
+          <a:bodyPr/>
+          <a:lstStyle/>
+          <a:p>
+            <a:fld id="{E196B69F-CA34-4C64-A297-7375B1767767}" type="datetimeFigureOut">
+              <a:rPr lang="en-US" smtClean="0"/>
+              <a:t>1/22/2020</a:t>
             </a:fld>
             <a:endParaRPr lang="en-US"/>
           </a:p>
@@ -3233,7 +6051,7 @@
           <a:p>
             <a:fld id="{E196B69F-CA34-4C64-A297-7375B1767767}" type="datetimeFigureOut">
               <a:rPr lang="en-US" smtClean="0"/>
-              <a:t>1/18/2020</a:t>
+              <a:t>1/22/2020</a:t>
             </a:fld>
             <a:endParaRPr lang="en-US"/>
           </a:p>
@@ -3591,6 +6409,548 @@
 </p:sldMaster>
 </file>
 
+<file path=ppt/slideMasters/slideMaster2.xml><?xml version="1.0" encoding="utf-8"?>
+<p:sldMaster xmlns:a="http://schemas.openxmlformats.org/drawingml/2006/main" xmlns:r="http://schemas.openxmlformats.org/officeDocument/2006/relationships" xmlns:p="http://schemas.openxmlformats.org/presentationml/2006/main">
+  <p:cSld>
+    <p:bg>
+      <p:bgRef idx="1001">
+        <a:schemeClr val="bg1"/>
+      </p:bgRef>
+    </p:bg>
+    <p:spTree>
+      <p:nvGrpSpPr>
+        <p:cNvPr id="1" name=""/>
+        <p:cNvGrpSpPr/>
+        <p:nvPr/>
+      </p:nvGrpSpPr>
+      <p:grpSpPr>
+        <a:xfrm>
+          <a:off x="0" y="0"/>
+          <a:ext cx="0" cy="0"/>
+          <a:chOff x="0" y="0"/>
+          <a:chExt cx="0" cy="0"/>
+        </a:xfrm>
+      </p:grpSpPr>
+      <p:sp>
+        <p:nvSpPr>
+          <p:cNvPr id="2" name="Espace réservé du titre 1"/>
+          <p:cNvSpPr>
+            <a:spLocks noGrp="1"/>
+          </p:cNvSpPr>
+          <p:nvPr>
+            <p:ph type="title"/>
+          </p:nvPr>
+        </p:nvSpPr>
+        <p:spPr>
+          <a:xfrm>
+            <a:off x="457200" y="205979"/>
+            <a:ext cx="8229600" cy="857250"/>
+          </a:xfrm>
+          <a:prstGeom prst="rect">
+            <a:avLst/>
+          </a:prstGeom>
+        </p:spPr>
+        <p:txBody>
+          <a:bodyPr vert="horz" lIns="91440" tIns="45720" rIns="91440" bIns="45720" rtlCol="0" anchor="ctr">
+            <a:normAutofit/>
+          </a:bodyPr>
+          <a:lstStyle/>
+          <a:p>
+            <a:r>
+              <a:rPr lang="fr-FR" smtClean="0"/>
+              <a:t>Modifiez le style du titre</a:t>
+            </a:r>
+            <a:endParaRPr lang="en-US"/>
+          </a:p>
+        </p:txBody>
+      </p:sp>
+      <p:sp>
+        <p:nvSpPr>
+          <p:cNvPr id="3" name="Espace réservé du texte 2"/>
+          <p:cNvSpPr>
+            <a:spLocks noGrp="1"/>
+          </p:cNvSpPr>
+          <p:nvPr>
+            <p:ph type="body" idx="1"/>
+          </p:nvPr>
+        </p:nvSpPr>
+        <p:spPr>
+          <a:xfrm>
+            <a:off x="457200" y="1200151"/>
+            <a:ext cx="8229600" cy="3394472"/>
+          </a:xfrm>
+          <a:prstGeom prst="rect">
+            <a:avLst/>
+          </a:prstGeom>
+        </p:spPr>
+        <p:txBody>
+          <a:bodyPr vert="horz" lIns="91440" tIns="45720" rIns="91440" bIns="45720" rtlCol="0">
+            <a:normAutofit/>
+          </a:bodyPr>
+          <a:lstStyle/>
+          <a:p>
+            <a:pPr lvl="0"/>
+            <a:r>
+              <a:rPr lang="fr-FR" smtClean="0"/>
+              <a:t>Modifiez les styles du texte du masque</a:t>
+            </a:r>
+          </a:p>
+          <a:p>
+            <a:pPr lvl="1"/>
+            <a:r>
+              <a:rPr lang="fr-FR" smtClean="0"/>
+              <a:t>Deuxième niveau</a:t>
+            </a:r>
+          </a:p>
+          <a:p>
+            <a:pPr lvl="2"/>
+            <a:r>
+              <a:rPr lang="fr-FR" smtClean="0"/>
+              <a:t>Troisième niveau</a:t>
+            </a:r>
+          </a:p>
+          <a:p>
+            <a:pPr lvl="3"/>
+            <a:r>
+              <a:rPr lang="fr-FR" smtClean="0"/>
+              <a:t>Quatrième niveau</a:t>
+            </a:r>
+          </a:p>
+          <a:p>
+            <a:pPr lvl="4"/>
+            <a:r>
+              <a:rPr lang="fr-FR" smtClean="0"/>
+              <a:t>Cinquième niveau</a:t>
+            </a:r>
+            <a:endParaRPr lang="en-US"/>
+          </a:p>
+        </p:txBody>
+      </p:sp>
+      <p:sp>
+        <p:nvSpPr>
+          <p:cNvPr id="4" name="Espace réservé de la date 3"/>
+          <p:cNvSpPr>
+            <a:spLocks noGrp="1"/>
+          </p:cNvSpPr>
+          <p:nvPr>
+            <p:ph type="dt" sz="half" idx="2"/>
+          </p:nvPr>
+        </p:nvSpPr>
+        <p:spPr>
+          <a:xfrm>
+            <a:off x="457200" y="4767263"/>
+            <a:ext cx="2133600" cy="273844"/>
+          </a:xfrm>
+          <a:prstGeom prst="rect">
+            <a:avLst/>
+          </a:prstGeom>
+        </p:spPr>
+        <p:txBody>
+          <a:bodyPr vert="horz" lIns="91440" tIns="45720" rIns="91440" bIns="45720" rtlCol="0" anchor="ctr"/>
+          <a:lstStyle>
+            <a:lvl1pPr algn="l">
+              <a:defRPr sz="1200">
+                <a:solidFill>
+                  <a:schemeClr val="tx1">
+                    <a:tint val="75000"/>
+                  </a:schemeClr>
+                </a:solidFill>
+              </a:defRPr>
+            </a:lvl1pPr>
+          </a:lstStyle>
+          <a:p>
+            <a:fld id="{E196B69F-CA34-4C64-A297-7375B1767767}" type="datetimeFigureOut">
+              <a:rPr lang="en-US" smtClean="0">
+                <a:solidFill>
+                  <a:prstClr val="black">
+                    <a:tint val="75000"/>
+                  </a:prstClr>
+                </a:solidFill>
+              </a:rPr>
+              <a:pPr/>
+              <a:t>1/22/2020</a:t>
+            </a:fld>
+            <a:endParaRPr lang="en-US">
+              <a:solidFill>
+                <a:prstClr val="black">
+                  <a:tint val="75000"/>
+                </a:prstClr>
+              </a:solidFill>
+            </a:endParaRPr>
+          </a:p>
+        </p:txBody>
+      </p:sp>
+      <p:sp>
+        <p:nvSpPr>
+          <p:cNvPr id="5" name="Espace réservé du pied de page 4"/>
+          <p:cNvSpPr>
+            <a:spLocks noGrp="1"/>
+          </p:cNvSpPr>
+          <p:nvPr>
+            <p:ph type="ftr" sz="quarter" idx="3"/>
+          </p:nvPr>
+        </p:nvSpPr>
+        <p:spPr>
+          <a:xfrm>
+            <a:off x="3124200" y="4767263"/>
+            <a:ext cx="2895600" cy="273844"/>
+          </a:xfrm>
+          <a:prstGeom prst="rect">
+            <a:avLst/>
+          </a:prstGeom>
+        </p:spPr>
+        <p:txBody>
+          <a:bodyPr vert="horz" lIns="91440" tIns="45720" rIns="91440" bIns="45720" rtlCol="0" anchor="ctr"/>
+          <a:lstStyle>
+            <a:lvl1pPr algn="ctr">
+              <a:defRPr sz="1200">
+                <a:solidFill>
+                  <a:schemeClr val="tx1">
+                    <a:tint val="75000"/>
+                  </a:schemeClr>
+                </a:solidFill>
+              </a:defRPr>
+            </a:lvl1pPr>
+          </a:lstStyle>
+          <a:p>
+            <a:endParaRPr lang="en-US">
+              <a:solidFill>
+                <a:prstClr val="black">
+                  <a:tint val="75000"/>
+                </a:prstClr>
+              </a:solidFill>
+            </a:endParaRPr>
+          </a:p>
+        </p:txBody>
+      </p:sp>
+      <p:sp>
+        <p:nvSpPr>
+          <p:cNvPr id="6" name="Espace réservé du numéro de diapositive 5"/>
+          <p:cNvSpPr>
+            <a:spLocks noGrp="1"/>
+          </p:cNvSpPr>
+          <p:nvPr>
+            <p:ph type="sldNum" sz="quarter" idx="4"/>
+          </p:nvPr>
+        </p:nvSpPr>
+        <p:spPr>
+          <a:xfrm>
+            <a:off x="6553200" y="4767263"/>
+            <a:ext cx="2133600" cy="273844"/>
+          </a:xfrm>
+          <a:prstGeom prst="rect">
+            <a:avLst/>
+          </a:prstGeom>
+        </p:spPr>
+        <p:txBody>
+          <a:bodyPr vert="horz" lIns="91440" tIns="45720" rIns="91440" bIns="45720" rtlCol="0" anchor="ctr"/>
+          <a:lstStyle>
+            <a:lvl1pPr algn="r">
+              <a:defRPr sz="1200">
+                <a:solidFill>
+                  <a:schemeClr val="tx1">
+                    <a:tint val="75000"/>
+                  </a:schemeClr>
+                </a:solidFill>
+              </a:defRPr>
+            </a:lvl1pPr>
+          </a:lstStyle>
+          <a:p>
+            <a:fld id="{AF3D009E-5434-4DC6-89DA-FC1D78C45C77}" type="slidenum">
+              <a:rPr lang="en-US" smtClean="0">
+                <a:solidFill>
+                  <a:prstClr val="black">
+                    <a:tint val="75000"/>
+                  </a:prstClr>
+                </a:solidFill>
+              </a:rPr>
+              <a:pPr/>
+              <a:t>‹N°›</a:t>
+            </a:fld>
+            <a:endParaRPr lang="en-US">
+              <a:solidFill>
+                <a:prstClr val="black">
+                  <a:tint val="75000"/>
+                </a:prstClr>
+              </a:solidFill>
+            </a:endParaRPr>
+          </a:p>
+        </p:txBody>
+      </p:sp>
+    </p:spTree>
+    <p:extLst>
+      <p:ext uri="{BB962C8B-B14F-4D97-AF65-F5344CB8AC3E}">
+        <p14:creationId xmlns:p14="http://schemas.microsoft.com/office/powerpoint/2010/main" val="2065956205"/>
+      </p:ext>
+    </p:extLst>
+  </p:cSld>
+  <p:clrMap bg1="lt1" tx1="dk1" bg2="lt2" tx2="dk2" accent1="accent1" accent2="accent2" accent3="accent3" accent4="accent4" accent5="accent5" accent6="accent6" hlink="hlink" folHlink="folHlink"/>
+  <p:sldLayoutIdLst>
+    <p:sldLayoutId id="2147483661" r:id="rId1"/>
+    <p:sldLayoutId id="2147483662" r:id="rId2"/>
+    <p:sldLayoutId id="2147483663" r:id="rId3"/>
+    <p:sldLayoutId id="2147483664" r:id="rId4"/>
+    <p:sldLayoutId id="2147483665" r:id="rId5"/>
+    <p:sldLayoutId id="2147483666" r:id="rId6"/>
+    <p:sldLayoutId id="2147483667" r:id="rId7"/>
+    <p:sldLayoutId id="2147483668" r:id="rId8"/>
+    <p:sldLayoutId id="2147483669" r:id="rId9"/>
+    <p:sldLayoutId id="2147483670" r:id="rId10"/>
+    <p:sldLayoutId id="2147483671" r:id="rId11"/>
+  </p:sldLayoutIdLst>
+  <p:txStyles>
+    <p:titleStyle>
+      <a:lvl1pPr algn="ctr" defTabSz="914400" rtl="0" eaLnBrk="1" latinLnBrk="0" hangingPunct="1">
+        <a:spcBef>
+          <a:spcPct val="0"/>
+        </a:spcBef>
+        <a:buNone/>
+        <a:defRPr sz="4400" kern="1200">
+          <a:solidFill>
+            <a:schemeClr val="tx1"/>
+          </a:solidFill>
+          <a:latin typeface="+mj-lt"/>
+          <a:ea typeface="+mj-ea"/>
+          <a:cs typeface="+mj-cs"/>
+        </a:defRPr>
+      </a:lvl1pPr>
+    </p:titleStyle>
+    <p:bodyStyle>
+      <a:lvl1pPr marL="342900" indent="-342900" algn="l" defTabSz="914400" rtl="0" eaLnBrk="1" latinLnBrk="0" hangingPunct="1">
+        <a:spcBef>
+          <a:spcPct val="20000"/>
+        </a:spcBef>
+        <a:buFont typeface="Arial" panose="020B0604020202020204" pitchFamily="34" charset="0"/>
+        <a:buChar char="•"/>
+        <a:defRPr sz="3200" kern="1200">
+          <a:solidFill>
+            <a:schemeClr val="tx1"/>
+          </a:solidFill>
+          <a:latin typeface="+mn-lt"/>
+          <a:ea typeface="+mn-ea"/>
+          <a:cs typeface="+mn-cs"/>
+        </a:defRPr>
+      </a:lvl1pPr>
+      <a:lvl2pPr marL="742950" indent="-285750" algn="l" defTabSz="914400" rtl="0" eaLnBrk="1" latinLnBrk="0" hangingPunct="1">
+        <a:spcBef>
+          <a:spcPct val="20000"/>
+        </a:spcBef>
+        <a:buFont typeface="Arial" panose="020B0604020202020204" pitchFamily="34" charset="0"/>
+        <a:buChar char="–"/>
+        <a:defRPr sz="2800" kern="1200">
+          <a:solidFill>
+            <a:schemeClr val="tx1"/>
+          </a:solidFill>
+          <a:latin typeface="+mn-lt"/>
+          <a:ea typeface="+mn-ea"/>
+          <a:cs typeface="+mn-cs"/>
+        </a:defRPr>
+      </a:lvl2pPr>
+      <a:lvl3pPr marL="1143000" indent="-228600" algn="l" defTabSz="914400" rtl="0" eaLnBrk="1" latinLnBrk="0" hangingPunct="1">
+        <a:spcBef>
+          <a:spcPct val="20000"/>
+        </a:spcBef>
+        <a:buFont typeface="Arial" panose="020B0604020202020204" pitchFamily="34" charset="0"/>
+        <a:buChar char="•"/>
+        <a:defRPr sz="2400" kern="1200">
+          <a:solidFill>
+            <a:schemeClr val="tx1"/>
+          </a:solidFill>
+          <a:latin typeface="+mn-lt"/>
+          <a:ea typeface="+mn-ea"/>
+          <a:cs typeface="+mn-cs"/>
+        </a:defRPr>
+      </a:lvl3pPr>
+      <a:lvl4pPr marL="1600200" indent="-228600" algn="l" defTabSz="914400" rtl="0" eaLnBrk="1" latinLnBrk="0" hangingPunct="1">
+        <a:spcBef>
+          <a:spcPct val="20000"/>
+        </a:spcBef>
+        <a:buFont typeface="Arial" panose="020B0604020202020204" pitchFamily="34" charset="0"/>
+        <a:buChar char="–"/>
+        <a:defRPr sz="2000" kern="1200">
+          <a:solidFill>
+            <a:schemeClr val="tx1"/>
+          </a:solidFill>
+          <a:latin typeface="+mn-lt"/>
+          <a:ea typeface="+mn-ea"/>
+          <a:cs typeface="+mn-cs"/>
+        </a:defRPr>
+      </a:lvl4pPr>
+      <a:lvl5pPr marL="2057400" indent="-228600" algn="l" defTabSz="914400" rtl="0" eaLnBrk="1" latinLnBrk="0" hangingPunct="1">
+        <a:spcBef>
+          <a:spcPct val="20000"/>
+        </a:spcBef>
+        <a:buFont typeface="Arial" panose="020B0604020202020204" pitchFamily="34" charset="0"/>
+        <a:buChar char="»"/>
+        <a:defRPr sz="2000" kern="1200">
+          <a:solidFill>
+            <a:schemeClr val="tx1"/>
+          </a:solidFill>
+          <a:latin typeface="+mn-lt"/>
+          <a:ea typeface="+mn-ea"/>
+          <a:cs typeface="+mn-cs"/>
+        </a:defRPr>
+      </a:lvl5pPr>
+      <a:lvl6pPr marL="2514600" indent="-228600" algn="l" defTabSz="914400" rtl="0" eaLnBrk="1" latinLnBrk="0" hangingPunct="1">
+        <a:spcBef>
+          <a:spcPct val="20000"/>
+        </a:spcBef>
+        <a:buFont typeface="Arial" panose="020B0604020202020204" pitchFamily="34" charset="0"/>
+        <a:buChar char="•"/>
+        <a:defRPr sz="2000" kern="1200">
+          <a:solidFill>
+            <a:schemeClr val="tx1"/>
+          </a:solidFill>
+          <a:latin typeface="+mn-lt"/>
+          <a:ea typeface="+mn-ea"/>
+          <a:cs typeface="+mn-cs"/>
+        </a:defRPr>
+      </a:lvl6pPr>
+      <a:lvl7pPr marL="2971800" indent="-228600" algn="l" defTabSz="914400" rtl="0" eaLnBrk="1" latinLnBrk="0" hangingPunct="1">
+        <a:spcBef>
+          <a:spcPct val="20000"/>
+        </a:spcBef>
+        <a:buFont typeface="Arial" panose="020B0604020202020204" pitchFamily="34" charset="0"/>
+        <a:buChar char="•"/>
+        <a:defRPr sz="2000" kern="1200">
+          <a:solidFill>
+            <a:schemeClr val="tx1"/>
+          </a:solidFill>
+          <a:latin typeface="+mn-lt"/>
+          <a:ea typeface="+mn-ea"/>
+          <a:cs typeface="+mn-cs"/>
+        </a:defRPr>
+      </a:lvl7pPr>
+      <a:lvl8pPr marL="3429000" indent="-228600" algn="l" defTabSz="914400" rtl="0" eaLnBrk="1" latinLnBrk="0" hangingPunct="1">
+        <a:spcBef>
+          <a:spcPct val="20000"/>
+        </a:spcBef>
+        <a:buFont typeface="Arial" panose="020B0604020202020204" pitchFamily="34" charset="0"/>
+        <a:buChar char="•"/>
+        <a:defRPr sz="2000" kern="1200">
+          <a:solidFill>
+            <a:schemeClr val="tx1"/>
+          </a:solidFill>
+          <a:latin typeface="+mn-lt"/>
+          <a:ea typeface="+mn-ea"/>
+          <a:cs typeface="+mn-cs"/>
+        </a:defRPr>
+      </a:lvl8pPr>
+      <a:lvl9pPr marL="3886200" indent="-228600" algn="l" defTabSz="914400" rtl="0" eaLnBrk="1" latinLnBrk="0" hangingPunct="1">
+        <a:spcBef>
+          <a:spcPct val="20000"/>
+        </a:spcBef>
+        <a:buFont typeface="Arial" panose="020B0604020202020204" pitchFamily="34" charset="0"/>
+        <a:buChar char="•"/>
+        <a:defRPr sz="2000" kern="1200">
+          <a:solidFill>
+            <a:schemeClr val="tx1"/>
+          </a:solidFill>
+          <a:latin typeface="+mn-lt"/>
+          <a:ea typeface="+mn-ea"/>
+          <a:cs typeface="+mn-cs"/>
+        </a:defRPr>
+      </a:lvl9pPr>
+    </p:bodyStyle>
+    <p:otherStyle>
+      <a:defPPr>
+        <a:defRPr lang="en-US"/>
+      </a:defPPr>
+      <a:lvl1pPr marL="0" algn="l" defTabSz="914400" rtl="0" eaLnBrk="1" latinLnBrk="0" hangingPunct="1">
+        <a:defRPr sz="1800" kern="1200">
+          <a:solidFill>
+            <a:schemeClr val="tx1"/>
+          </a:solidFill>
+          <a:latin typeface="+mn-lt"/>
+          <a:ea typeface="+mn-ea"/>
+          <a:cs typeface="+mn-cs"/>
+        </a:defRPr>
+      </a:lvl1pPr>
+      <a:lvl2pPr marL="457200" algn="l" defTabSz="914400" rtl="0" eaLnBrk="1" latinLnBrk="0" hangingPunct="1">
+        <a:defRPr sz="1800" kern="1200">
+          <a:solidFill>
+            <a:schemeClr val="tx1"/>
+          </a:solidFill>
+          <a:latin typeface="+mn-lt"/>
+          <a:ea typeface="+mn-ea"/>
+          <a:cs typeface="+mn-cs"/>
+        </a:defRPr>
+      </a:lvl2pPr>
+      <a:lvl3pPr marL="914400" algn="l" defTabSz="914400" rtl="0" eaLnBrk="1" latinLnBrk="0" hangingPunct="1">
+        <a:defRPr sz="1800" kern="1200">
+          <a:solidFill>
+            <a:schemeClr val="tx1"/>
+          </a:solidFill>
+          <a:latin typeface="+mn-lt"/>
+          <a:ea typeface="+mn-ea"/>
+          <a:cs typeface="+mn-cs"/>
+        </a:defRPr>
+      </a:lvl3pPr>
+      <a:lvl4pPr marL="1371600" algn="l" defTabSz="914400" rtl="0" eaLnBrk="1" latinLnBrk="0" hangingPunct="1">
+        <a:defRPr sz="1800" kern="1200">
+          <a:solidFill>
+            <a:schemeClr val="tx1"/>
+          </a:solidFill>
+          <a:latin typeface="+mn-lt"/>
+          <a:ea typeface="+mn-ea"/>
+          <a:cs typeface="+mn-cs"/>
+        </a:defRPr>
+      </a:lvl4pPr>
+      <a:lvl5pPr marL="1828800" algn="l" defTabSz="914400" rtl="0" eaLnBrk="1" latinLnBrk="0" hangingPunct="1">
+        <a:defRPr sz="1800" kern="1200">
+          <a:solidFill>
+            <a:schemeClr val="tx1"/>
+          </a:solidFill>
+          <a:latin typeface="+mn-lt"/>
+          <a:ea typeface="+mn-ea"/>
+          <a:cs typeface="+mn-cs"/>
+        </a:defRPr>
+      </a:lvl5pPr>
+      <a:lvl6pPr marL="2286000" algn="l" defTabSz="914400" rtl="0" eaLnBrk="1" latinLnBrk="0" hangingPunct="1">
+        <a:defRPr sz="1800" kern="1200">
+          <a:solidFill>
+            <a:schemeClr val="tx1"/>
+          </a:solidFill>
+          <a:latin typeface="+mn-lt"/>
+          <a:ea typeface="+mn-ea"/>
+          <a:cs typeface="+mn-cs"/>
+        </a:defRPr>
+      </a:lvl6pPr>
+      <a:lvl7pPr marL="2743200" algn="l" defTabSz="914400" rtl="0" eaLnBrk="1" latinLnBrk="0" hangingPunct="1">
+        <a:defRPr sz="1800" kern="1200">
+          <a:solidFill>
+            <a:schemeClr val="tx1"/>
+          </a:solidFill>
+          <a:latin typeface="+mn-lt"/>
+          <a:ea typeface="+mn-ea"/>
+          <a:cs typeface="+mn-cs"/>
+        </a:defRPr>
+      </a:lvl7pPr>
+      <a:lvl8pPr marL="3200400" algn="l" defTabSz="914400" rtl="0" eaLnBrk="1" latinLnBrk="0" hangingPunct="1">
+        <a:defRPr sz="1800" kern="1200">
+          <a:solidFill>
+            <a:schemeClr val="tx1"/>
+          </a:solidFill>
+          <a:latin typeface="+mn-lt"/>
+          <a:ea typeface="+mn-ea"/>
+          <a:cs typeface="+mn-cs"/>
+        </a:defRPr>
+      </a:lvl8pPr>
+      <a:lvl9pPr marL="3657600" algn="l" defTabSz="914400" rtl="0" eaLnBrk="1" latinLnBrk="0" hangingPunct="1">
+        <a:defRPr sz="1800" kern="1200">
+          <a:solidFill>
+            <a:schemeClr val="tx1"/>
+          </a:solidFill>
+          <a:latin typeface="+mn-lt"/>
+          <a:ea typeface="+mn-ea"/>
+          <a:cs typeface="+mn-cs"/>
+        </a:defRPr>
+      </a:lvl9pPr>
+    </p:otherStyle>
+  </p:txStyles>
+</p:sldMaster>
+</file>
+
 <file path=ppt/slides/slide1.xml><?xml version="1.0" encoding="utf-8"?>
 <p:sld xmlns:a="http://schemas.openxmlformats.org/drawingml/2006/main" xmlns:r="http://schemas.openxmlformats.org/officeDocument/2006/relationships" xmlns:p="http://schemas.openxmlformats.org/presentationml/2006/main">
   <p:cSld>
@@ -3813,58 +7173,494 @@
           <a:lstStyle/>
           <a:p>
             <a:r>
-              <a:rPr lang="fr-FR" dirty="0" err="1" smtClean="0"/>
-              <a:t>Computational</a:t>
-            </a:r>
-            <a:r>
               <a:rPr lang="fr-FR" dirty="0" smtClean="0"/>
-              <a:t> graph</a:t>
+              <a:t>MLP architecture</a:t>
             </a:r>
             <a:endParaRPr lang="en-US" dirty="0"/>
           </a:p>
         </p:txBody>
       </p:sp>
-      <p:pic>
-        <p:nvPicPr>
-          <p:cNvPr id="4" name="Picture 2" descr="http://ufldl.stanford.edu/tutorial/images/Network3322.png"/>
-          <p:cNvPicPr>
-            <a:picLocks noChangeAspect="1" noChangeArrowheads="1"/>
-          </p:cNvPicPr>
+      <p:grpSp>
+        <p:nvGrpSpPr>
+          <p:cNvPr id="24" name="Groupe 23"/>
+          <p:cNvGrpSpPr/>
           <p:nvPr/>
-        </p:nvPicPr>
-        <p:blipFill>
-          <a:blip r:embed="rId2" cstate="print">
+        </p:nvGrpSpPr>
+        <p:grpSpPr>
+          <a:xfrm>
+            <a:off x="1079101" y="1203598"/>
+            <a:ext cx="7399053" cy="3616335"/>
+            <a:chOff x="1259632" y="1203598"/>
+            <a:chExt cx="7399053" cy="3616335"/>
+          </a:xfrm>
+        </p:grpSpPr>
+        <p:pic>
+          <p:nvPicPr>
+            <p:cNvPr id="25" name="Picture 2" descr="http://ufldl.stanford.edu/tutorial/images/Network3322.png"/>
+            <p:cNvPicPr>
+              <a:picLocks noChangeAspect="1" noChangeArrowheads="1"/>
+            </p:cNvPicPr>
+            <p:nvPr/>
+          </p:nvPicPr>
+          <p:blipFill>
+            <a:blip r:embed="rId2" cstate="print">
+              <a:extLst>
+                <a:ext uri="{28A0092B-C50C-407E-A947-70E740481C1C}">
+                  <a14:useLocalDpi xmlns:a14="http://schemas.microsoft.com/office/drawing/2010/main" val="0"/>
+                </a:ext>
+              </a:extLst>
+            </a:blip>
+            <a:srcRect/>
+            <a:stretch>
+              <a:fillRect/>
+            </a:stretch>
+          </p:blipFill>
+          <p:spPr bwMode="auto">
+            <a:xfrm>
+              <a:off x="1259632" y="1203598"/>
+              <a:ext cx="6552728" cy="3276016"/>
+            </a:xfrm>
+            <a:prstGeom prst="rect">
+              <a:avLst/>
+            </a:prstGeom>
+            <a:noFill/>
             <a:extLst>
-              <a:ext uri="{28A0092B-C50C-407E-A947-70E740481C1C}">
-                <a14:useLocalDpi xmlns:a14="http://schemas.microsoft.com/office/drawing/2010/main" val="0"/>
+              <a:ext uri="{909E8E84-426E-40DD-AFC4-6F175D3DCCD1}">
+                <a14:hiddenFill xmlns:a14="http://schemas.microsoft.com/office/drawing/2010/main">
+                  <a:solidFill>
+                    <a:srgbClr val="FFFFFF"/>
+                  </a:solidFill>
+                </a14:hiddenFill>
               </a:ext>
             </a:extLst>
-          </a:blip>
-          <a:srcRect/>
-          <a:stretch>
-            <a:fillRect/>
-          </a:stretch>
-        </p:blipFill>
-        <p:spPr bwMode="auto">
-          <a:xfrm>
-            <a:off x="2411760" y="1203598"/>
-            <a:ext cx="4176908" cy="2088232"/>
-          </a:xfrm>
-          <a:prstGeom prst="rect">
-            <a:avLst/>
-          </a:prstGeom>
-          <a:noFill/>
-          <a:extLst>
-            <a:ext uri="{909E8E84-426E-40DD-AFC4-6F175D3DCCD1}">
-              <a14:hiddenFill xmlns:a14="http://schemas.microsoft.com/office/drawing/2010/main">
-                <a:solidFill>
-                  <a:srgbClr val="FFFFFF"/>
-                </a:solidFill>
-              </a14:hiddenFill>
-            </a:ext>
-          </a:extLst>
-        </p:spPr>
-      </p:pic>
+          </p:spPr>
+        </p:pic>
+        <p:sp>
+          <p:nvSpPr>
+            <p:cNvPr id="26" name="Rectangle 25"/>
+            <p:cNvSpPr/>
+            <p:nvPr/>
+          </p:nvSpPr>
+          <p:spPr>
+            <a:xfrm>
+              <a:off x="6876256" y="1831525"/>
+              <a:ext cx="1080120" cy="1584176"/>
+            </a:xfrm>
+            <a:prstGeom prst="rect">
+              <a:avLst/>
+            </a:prstGeom>
+            <a:solidFill>
+              <a:schemeClr val="bg1"/>
+            </a:solidFill>
+            <a:ln>
+              <a:solidFill>
+                <a:schemeClr val="bg1"/>
+              </a:solidFill>
+            </a:ln>
+          </p:spPr>
+          <p:style>
+            <a:lnRef idx="2">
+              <a:schemeClr val="accent1">
+                <a:shade val="50000"/>
+              </a:schemeClr>
+            </a:lnRef>
+            <a:fillRef idx="1">
+              <a:schemeClr val="accent1"/>
+            </a:fillRef>
+            <a:effectRef idx="0">
+              <a:schemeClr val="accent1"/>
+            </a:effectRef>
+            <a:fontRef idx="minor">
+              <a:schemeClr val="lt1"/>
+            </a:fontRef>
+          </p:style>
+          <p:txBody>
+            <a:bodyPr rtlCol="0" anchor="ctr"/>
+            <a:lstStyle/>
+            <a:p>
+              <a:pPr algn="ctr"/>
+              <a:endParaRPr lang="en-US"/>
+            </a:p>
+          </p:txBody>
+        </p:sp>
+        <p:sp>
+          <p:nvSpPr>
+            <p:cNvPr id="27" name="Ellipse 26"/>
+            <p:cNvSpPr/>
+            <p:nvPr/>
+          </p:nvSpPr>
+          <p:spPr>
+            <a:xfrm>
+              <a:off x="7236296" y="2283718"/>
+              <a:ext cx="720080" cy="679791"/>
+            </a:xfrm>
+            <a:prstGeom prst="ellipse">
+              <a:avLst/>
+            </a:prstGeom>
+          </p:spPr>
+          <p:style>
+            <a:lnRef idx="2">
+              <a:schemeClr val="accent6"/>
+            </a:lnRef>
+            <a:fillRef idx="1">
+              <a:schemeClr val="lt1"/>
+            </a:fillRef>
+            <a:effectRef idx="0">
+              <a:schemeClr val="accent6"/>
+            </a:effectRef>
+            <a:fontRef idx="minor">
+              <a:schemeClr val="dk1"/>
+            </a:fontRef>
+          </p:style>
+          <p:txBody>
+            <a:bodyPr rtlCol="0" anchor="ctr"/>
+            <a:lstStyle/>
+            <a:p>
+              <a:pPr algn="ctr"/>
+              <a:endParaRPr lang="en-US"/>
+            </a:p>
+          </p:txBody>
+        </p:sp>
+        <p:cxnSp>
+          <p:nvCxnSpPr>
+            <p:cNvPr id="28" name="Connecteur droit avec flèche 27"/>
+            <p:cNvCxnSpPr>
+              <a:endCxn id="27" idx="2"/>
+            </p:cNvCxnSpPr>
+            <p:nvPr/>
+          </p:nvCxnSpPr>
+          <p:spPr>
+            <a:xfrm>
+              <a:off x="6876256" y="2283718"/>
+              <a:ext cx="360040" cy="339896"/>
+            </a:xfrm>
+            <a:prstGeom prst="straightConnector1">
+              <a:avLst/>
+            </a:prstGeom>
+            <a:ln w="19050">
+              <a:solidFill>
+                <a:schemeClr val="tx1"/>
+              </a:solidFill>
+              <a:tailEnd type="arrow"/>
+            </a:ln>
+          </p:spPr>
+          <p:style>
+            <a:lnRef idx="1">
+              <a:schemeClr val="accent1"/>
+            </a:lnRef>
+            <a:fillRef idx="0">
+              <a:schemeClr val="accent1"/>
+            </a:fillRef>
+            <a:effectRef idx="0">
+              <a:schemeClr val="accent1"/>
+            </a:effectRef>
+            <a:fontRef idx="minor">
+              <a:schemeClr val="tx1"/>
+            </a:fontRef>
+          </p:style>
+        </p:cxnSp>
+        <p:cxnSp>
+          <p:nvCxnSpPr>
+            <p:cNvPr id="29" name="Connecteur droit avec flèche 28"/>
+            <p:cNvCxnSpPr>
+              <a:endCxn id="27" idx="2"/>
+            </p:cNvCxnSpPr>
+            <p:nvPr/>
+          </p:nvCxnSpPr>
+          <p:spPr>
+            <a:xfrm flipV="1">
+              <a:off x="6876256" y="2623614"/>
+              <a:ext cx="360040" cy="339895"/>
+            </a:xfrm>
+            <a:prstGeom prst="straightConnector1">
+              <a:avLst/>
+            </a:prstGeom>
+            <a:ln w="19050">
+              <a:solidFill>
+                <a:schemeClr val="tx1"/>
+              </a:solidFill>
+              <a:tailEnd type="arrow"/>
+            </a:ln>
+          </p:spPr>
+          <p:style>
+            <a:lnRef idx="1">
+              <a:schemeClr val="accent1"/>
+            </a:lnRef>
+            <a:fillRef idx="0">
+              <a:schemeClr val="accent1"/>
+            </a:fillRef>
+            <a:effectRef idx="0">
+              <a:schemeClr val="accent1"/>
+            </a:effectRef>
+            <a:fontRef idx="minor">
+              <a:schemeClr val="tx1"/>
+            </a:fontRef>
+          </p:style>
+        </p:cxnSp>
+        <p:sp>
+          <p:nvSpPr>
+            <p:cNvPr id="30" name="ZoneTexte 29"/>
+            <p:cNvSpPr txBox="1"/>
+            <p:nvPr/>
+          </p:nvSpPr>
+          <p:spPr>
+            <a:xfrm>
+              <a:off x="8028384" y="2418442"/>
+              <a:ext cx="630301" cy="369332"/>
+            </a:xfrm>
+            <a:prstGeom prst="rect">
+              <a:avLst/>
+            </a:prstGeom>
+            <a:noFill/>
+          </p:spPr>
+          <p:txBody>
+            <a:bodyPr wrap="none" rtlCol="0">
+              <a:spAutoFit/>
+            </a:bodyPr>
+            <a:lstStyle/>
+            <a:p>
+              <a:r>
+                <a:rPr lang="fr-FR" dirty="0" smtClean="0"/>
+                <a:t>[0-1]</a:t>
+              </a:r>
+              <a:endParaRPr lang="en-US" dirty="0"/>
+            </a:p>
+          </p:txBody>
+        </p:sp>
+        <p:sp>
+          <p:nvSpPr>
+            <p:cNvPr id="31" name="ZoneTexte 30"/>
+            <p:cNvSpPr txBox="1"/>
+            <p:nvPr/>
+          </p:nvSpPr>
+          <p:spPr>
+            <a:xfrm>
+              <a:off x="1403648" y="3651870"/>
+              <a:ext cx="432048" cy="369332"/>
+            </a:xfrm>
+            <a:prstGeom prst="rect">
+              <a:avLst/>
+            </a:prstGeom>
+            <a:solidFill>
+              <a:schemeClr val="bg1"/>
+            </a:solidFill>
+          </p:spPr>
+          <p:txBody>
+            <a:bodyPr wrap="square" rtlCol="0">
+              <a:spAutoFit/>
+            </a:bodyPr>
+            <a:lstStyle/>
+            <a:p>
+              <a:r>
+                <a:rPr lang="fr-FR" dirty="0"/>
+                <a:t>b</a:t>
+              </a:r>
+              <a:r>
+                <a:rPr lang="fr-FR" dirty="0" smtClean="0"/>
+                <a:t>1</a:t>
+              </a:r>
+              <a:endParaRPr lang="en-US" dirty="0"/>
+            </a:p>
+          </p:txBody>
+        </p:sp>
+        <p:sp>
+          <p:nvSpPr>
+            <p:cNvPr id="32" name="ZoneTexte 31"/>
+            <p:cNvSpPr txBox="1"/>
+            <p:nvPr/>
+          </p:nvSpPr>
+          <p:spPr>
+            <a:xfrm>
+              <a:off x="3131840" y="3651870"/>
+              <a:ext cx="568751" cy="369332"/>
+            </a:xfrm>
+            <a:prstGeom prst="rect">
+              <a:avLst/>
+            </a:prstGeom>
+            <a:noFill/>
+          </p:spPr>
+          <p:txBody>
+            <a:bodyPr wrap="square" rtlCol="0">
+              <a:spAutoFit/>
+            </a:bodyPr>
+            <a:lstStyle/>
+            <a:p>
+              <a:r>
+                <a:rPr lang="fr-FR" dirty="0" smtClean="0"/>
+                <a:t>b2</a:t>
+              </a:r>
+              <a:endParaRPr lang="en-US" dirty="0"/>
+            </a:p>
+          </p:txBody>
+        </p:sp>
+        <p:sp>
+          <p:nvSpPr>
+            <p:cNvPr id="33" name="ZoneTexte 32"/>
+            <p:cNvSpPr txBox="1"/>
+            <p:nvPr/>
+          </p:nvSpPr>
+          <p:spPr>
+            <a:xfrm>
+              <a:off x="4980213" y="3311532"/>
+              <a:ext cx="576064" cy="369332"/>
+            </a:xfrm>
+            <a:prstGeom prst="rect">
+              <a:avLst/>
+            </a:prstGeom>
+            <a:noFill/>
+          </p:spPr>
+          <p:txBody>
+            <a:bodyPr wrap="square" rtlCol="0">
+              <a:spAutoFit/>
+            </a:bodyPr>
+            <a:lstStyle/>
+            <a:p>
+              <a:r>
+                <a:rPr lang="fr-FR" dirty="0" smtClean="0"/>
+                <a:t>b3</a:t>
+              </a:r>
+              <a:endParaRPr lang="en-US" dirty="0"/>
+            </a:p>
+          </p:txBody>
+        </p:sp>
+        <p:sp>
+          <p:nvSpPr>
+            <p:cNvPr id="34" name="ZoneTexte 33"/>
+            <p:cNvSpPr txBox="1"/>
+            <p:nvPr/>
+          </p:nvSpPr>
+          <p:spPr>
+            <a:xfrm>
+              <a:off x="1289677" y="4173602"/>
+              <a:ext cx="936104" cy="646331"/>
+            </a:xfrm>
+            <a:prstGeom prst="rect">
+              <a:avLst/>
+            </a:prstGeom>
+            <a:solidFill>
+              <a:schemeClr val="bg1"/>
+            </a:solidFill>
+          </p:spPr>
+          <p:txBody>
+            <a:bodyPr wrap="square" rtlCol="0">
+              <a:spAutoFit/>
+            </a:bodyPr>
+            <a:lstStyle/>
+            <a:p>
+              <a:r>
+                <a:rPr lang="fr-FR" dirty="0" smtClean="0"/>
+                <a:t>Input</a:t>
+              </a:r>
+            </a:p>
+            <a:p>
+              <a:r>
+                <a:rPr lang="fr-FR" dirty="0" smtClean="0"/>
+                <a:t>Data</a:t>
+              </a:r>
+              <a:endParaRPr lang="en-US" dirty="0"/>
+            </a:p>
+          </p:txBody>
+        </p:sp>
+        <p:sp>
+          <p:nvSpPr>
+            <p:cNvPr id="35" name="ZoneTexte 34"/>
+            <p:cNvSpPr txBox="1"/>
+            <p:nvPr/>
+          </p:nvSpPr>
+          <p:spPr>
+            <a:xfrm>
+              <a:off x="3040601" y="4227934"/>
+              <a:ext cx="731998" cy="369332"/>
+            </a:xfrm>
+            <a:prstGeom prst="rect">
+              <a:avLst/>
+            </a:prstGeom>
+            <a:solidFill>
+              <a:schemeClr val="bg1"/>
+            </a:solidFill>
+          </p:spPr>
+          <p:txBody>
+            <a:bodyPr wrap="square" rtlCol="0">
+              <a:spAutoFit/>
+            </a:bodyPr>
+            <a:lstStyle/>
+            <a:p>
+              <a:pPr algn="ctr"/>
+              <a:r>
+                <a:rPr lang="fr-FR" dirty="0" smtClean="0"/>
+                <a:t>L1</a:t>
+              </a:r>
+              <a:endParaRPr lang="en-US" dirty="0"/>
+            </a:p>
+          </p:txBody>
+        </p:sp>
+        <p:sp>
+          <p:nvSpPr>
+            <p:cNvPr id="36" name="ZoneTexte 35"/>
+            <p:cNvSpPr txBox="1"/>
+            <p:nvPr/>
+          </p:nvSpPr>
+          <p:spPr>
+            <a:xfrm>
+              <a:off x="4800773" y="3912934"/>
+              <a:ext cx="731998" cy="369332"/>
+            </a:xfrm>
+            <a:prstGeom prst="rect">
+              <a:avLst/>
+            </a:prstGeom>
+            <a:solidFill>
+              <a:schemeClr val="bg1"/>
+            </a:solidFill>
+          </p:spPr>
+          <p:txBody>
+            <a:bodyPr wrap="square" rtlCol="0">
+              <a:spAutoFit/>
+            </a:bodyPr>
+            <a:lstStyle/>
+            <a:p>
+              <a:pPr algn="ctr"/>
+              <a:r>
+                <a:rPr lang="fr-FR" dirty="0" smtClean="0"/>
+                <a:t>L2</a:t>
+              </a:r>
+              <a:endParaRPr lang="en-US" dirty="0"/>
+            </a:p>
+          </p:txBody>
+        </p:sp>
+        <p:sp>
+          <p:nvSpPr>
+            <p:cNvPr id="37" name="ZoneTexte 36"/>
+            <p:cNvSpPr txBox="1"/>
+            <p:nvPr/>
+          </p:nvSpPr>
+          <p:spPr>
+            <a:xfrm>
+              <a:off x="6194946" y="3517555"/>
+              <a:ext cx="731998" cy="369332"/>
+            </a:xfrm>
+            <a:prstGeom prst="rect">
+              <a:avLst/>
+            </a:prstGeom>
+            <a:solidFill>
+              <a:schemeClr val="bg1"/>
+            </a:solidFill>
+          </p:spPr>
+          <p:txBody>
+            <a:bodyPr wrap="square" rtlCol="0">
+              <a:spAutoFit/>
+            </a:bodyPr>
+            <a:lstStyle/>
+            <a:p>
+              <a:pPr algn="ctr"/>
+              <a:r>
+                <a:rPr lang="fr-FR" dirty="0" smtClean="0"/>
+                <a:t>L3</a:t>
+              </a:r>
+              <a:endParaRPr lang="en-US" dirty="0"/>
+            </a:p>
+          </p:txBody>
+        </p:sp>
+      </p:grpSp>
     </p:spTree>
     <p:extLst>
       <p:ext uri="{BB962C8B-B14F-4D97-AF65-F5344CB8AC3E}">
@@ -3911,12 +7707,8 @@
           <a:lstStyle/>
           <a:p>
             <a:r>
-              <a:rPr lang="fr-FR" dirty="0" err="1" smtClean="0"/>
-              <a:t>Computational</a:t>
-            </a:r>
-            <a:r>
               <a:rPr lang="fr-FR" dirty="0" smtClean="0"/>
-              <a:t> graph</a:t>
+              <a:t>MLP architecture</a:t>
             </a:r>
             <a:endParaRPr lang="en-US" dirty="0"/>
           </a:p>
@@ -3945,8 +7737,8 @@
         </p:blipFill>
         <p:spPr bwMode="auto">
           <a:xfrm>
-            <a:off x="2411760" y="1203598"/>
-            <a:ext cx="4176908" cy="2088232"/>
+            <a:off x="1259632" y="1203598"/>
+            <a:ext cx="6552728" cy="3276016"/>
           </a:xfrm>
           <a:prstGeom prst="rect">
             <a:avLst/>
@@ -3963,10 +7755,1067 @@
           </a:extLst>
         </p:spPr>
       </p:pic>
+      <p:sp>
+        <p:nvSpPr>
+          <p:cNvPr id="5" name="Rectangle 4"/>
+          <p:cNvSpPr/>
+          <p:nvPr/>
+        </p:nvSpPr>
+        <p:spPr>
+          <a:xfrm>
+            <a:off x="6876256" y="1831525"/>
+            <a:ext cx="1080120" cy="1584176"/>
+          </a:xfrm>
+          <a:prstGeom prst="rect">
+            <a:avLst/>
+          </a:prstGeom>
+          <a:solidFill>
+            <a:schemeClr val="bg1"/>
+          </a:solidFill>
+          <a:ln>
+            <a:solidFill>
+              <a:schemeClr val="bg1"/>
+            </a:solidFill>
+          </a:ln>
+        </p:spPr>
+        <p:style>
+          <a:lnRef idx="2">
+            <a:schemeClr val="accent1">
+              <a:shade val="50000"/>
+            </a:schemeClr>
+          </a:lnRef>
+          <a:fillRef idx="1">
+            <a:schemeClr val="accent1"/>
+          </a:fillRef>
+          <a:effectRef idx="0">
+            <a:schemeClr val="accent1"/>
+          </a:effectRef>
+          <a:fontRef idx="minor">
+            <a:schemeClr val="lt1"/>
+          </a:fontRef>
+        </p:style>
+        <p:txBody>
+          <a:bodyPr rtlCol="0" anchor="ctr"/>
+          <a:lstStyle/>
+          <a:p>
+            <a:pPr algn="ctr"/>
+            <a:endParaRPr lang="en-US"/>
+          </a:p>
+        </p:txBody>
+      </p:sp>
+      <p:sp>
+        <p:nvSpPr>
+          <p:cNvPr id="3" name="Ellipse 2"/>
+          <p:cNvSpPr/>
+          <p:nvPr/>
+        </p:nvSpPr>
+        <p:spPr>
+          <a:xfrm>
+            <a:off x="7236296" y="2283718"/>
+            <a:ext cx="720080" cy="679791"/>
+          </a:xfrm>
+          <a:prstGeom prst="ellipse">
+            <a:avLst/>
+          </a:prstGeom>
+        </p:spPr>
+        <p:style>
+          <a:lnRef idx="2">
+            <a:schemeClr val="accent6"/>
+          </a:lnRef>
+          <a:fillRef idx="1">
+            <a:schemeClr val="lt1"/>
+          </a:fillRef>
+          <a:effectRef idx="0">
+            <a:schemeClr val="accent6"/>
+          </a:effectRef>
+          <a:fontRef idx="minor">
+            <a:schemeClr val="dk1"/>
+          </a:fontRef>
+        </p:style>
+        <p:txBody>
+          <a:bodyPr rtlCol="0" anchor="ctr"/>
+          <a:lstStyle/>
+          <a:p>
+            <a:pPr algn="ctr"/>
+            <a:endParaRPr lang="en-US"/>
+          </a:p>
+        </p:txBody>
+      </p:sp>
+      <p:cxnSp>
+        <p:nvCxnSpPr>
+          <p:cNvPr id="7" name="Connecteur droit avec flèche 6"/>
+          <p:cNvCxnSpPr>
+            <a:endCxn id="3" idx="2"/>
+          </p:cNvCxnSpPr>
+          <p:nvPr/>
+        </p:nvCxnSpPr>
+        <p:spPr>
+          <a:xfrm>
+            <a:off x="6876256" y="2283718"/>
+            <a:ext cx="360040" cy="339896"/>
+          </a:xfrm>
+          <a:prstGeom prst="straightConnector1">
+            <a:avLst/>
+          </a:prstGeom>
+          <a:ln w="19050">
+            <a:solidFill>
+              <a:schemeClr val="tx1"/>
+            </a:solidFill>
+            <a:tailEnd type="arrow"/>
+          </a:ln>
+        </p:spPr>
+        <p:style>
+          <a:lnRef idx="1">
+            <a:schemeClr val="accent1"/>
+          </a:lnRef>
+          <a:fillRef idx="0">
+            <a:schemeClr val="accent1"/>
+          </a:fillRef>
+          <a:effectRef idx="0">
+            <a:schemeClr val="accent1"/>
+          </a:effectRef>
+          <a:fontRef idx="minor">
+            <a:schemeClr val="tx1"/>
+          </a:fontRef>
+        </p:style>
+      </p:cxnSp>
+      <p:cxnSp>
+        <p:nvCxnSpPr>
+          <p:cNvPr id="9" name="Connecteur droit avec flèche 8"/>
+          <p:cNvCxnSpPr>
+            <a:endCxn id="3" idx="2"/>
+          </p:cNvCxnSpPr>
+          <p:nvPr/>
+        </p:nvCxnSpPr>
+        <p:spPr>
+          <a:xfrm flipV="1">
+            <a:off x="6876256" y="2623614"/>
+            <a:ext cx="360040" cy="339895"/>
+          </a:xfrm>
+          <a:prstGeom prst="straightConnector1">
+            <a:avLst/>
+          </a:prstGeom>
+          <a:ln w="19050">
+            <a:solidFill>
+              <a:schemeClr val="tx1"/>
+            </a:solidFill>
+            <a:tailEnd type="arrow"/>
+          </a:ln>
+        </p:spPr>
+        <p:style>
+          <a:lnRef idx="1">
+            <a:schemeClr val="accent1"/>
+          </a:lnRef>
+          <a:fillRef idx="0">
+            <a:schemeClr val="accent1"/>
+          </a:fillRef>
+          <a:effectRef idx="0">
+            <a:schemeClr val="accent1"/>
+          </a:effectRef>
+          <a:fontRef idx="minor">
+            <a:schemeClr val="tx1"/>
+          </a:fontRef>
+        </p:style>
+      </p:cxnSp>
+      <p:sp>
+        <p:nvSpPr>
+          <p:cNvPr id="6" name="ZoneTexte 5"/>
+          <p:cNvSpPr txBox="1"/>
+          <p:nvPr/>
+        </p:nvSpPr>
+        <p:spPr>
+          <a:xfrm>
+            <a:off x="4970587" y="1237073"/>
+            <a:ext cx="1363065" cy="369332"/>
+          </a:xfrm>
+          <a:prstGeom prst="rect">
+            <a:avLst/>
+          </a:prstGeom>
+          <a:noFill/>
+        </p:spPr>
+        <p:txBody>
+          <a:bodyPr wrap="none" rtlCol="0">
+            <a:spAutoFit/>
+          </a:bodyPr>
+          <a:lstStyle/>
+          <a:p>
+            <a:r>
+              <a:rPr lang="fr-FR" dirty="0" smtClean="0"/>
+              <a:t>Unit update:</a:t>
+            </a:r>
+            <a:endParaRPr lang="en-US" dirty="0"/>
+          </a:p>
+        </p:txBody>
+      </p:sp>
+      <p:pic>
+        <p:nvPicPr>
+          <p:cNvPr id="10" name="Picture 2"/>
+          <p:cNvPicPr>
+            <a:picLocks noChangeAspect="1" noChangeArrowheads="1"/>
+          </p:cNvPicPr>
+          <p:nvPr/>
+        </p:nvPicPr>
+        <p:blipFill rotWithShape="1">
+          <a:blip r:embed="rId3" cstate="print">
+            <a:extLst>
+              <a:ext uri="{28A0092B-C50C-407E-A947-70E740481C1C}">
+                <a14:useLocalDpi xmlns:a14="http://schemas.microsoft.com/office/drawing/2010/main" val="0"/>
+              </a:ext>
+            </a:extLst>
+          </a:blip>
+          <a:srcRect l="60982" t="8780" r="2466" b="-1005"/>
+          <a:stretch/>
+        </p:blipFill>
+        <p:spPr bwMode="auto">
+          <a:xfrm>
+            <a:off x="3203848" y="1421738"/>
+            <a:ext cx="405505" cy="249915"/>
+          </a:xfrm>
+          <a:prstGeom prst="rect">
+            <a:avLst/>
+          </a:prstGeom>
+          <a:noFill/>
+          <a:ln>
+            <a:noFill/>
+          </a:ln>
+          <a:extLst>
+            <a:ext uri="{909E8E84-426E-40DD-AFC4-6F175D3DCCD1}">
+              <a14:hiddenFill xmlns:a14="http://schemas.microsoft.com/office/drawing/2010/main">
+                <a:solidFill>
+                  <a:schemeClr val="accent1"/>
+                </a:solidFill>
+              </a14:hiddenFill>
+            </a:ext>
+            <a:ext uri="{91240B29-F687-4F45-9708-019B960494DF}">
+              <a14:hiddenLine xmlns:a14="http://schemas.microsoft.com/office/drawing/2010/main" w="9525">
+                <a:solidFill>
+                  <a:schemeClr val="tx1"/>
+                </a:solidFill>
+                <a:miter lim="800000"/>
+                <a:headEnd/>
+                <a:tailEnd/>
+              </a14:hiddenLine>
+            </a:ext>
+          </a:extLst>
+        </p:spPr>
+      </p:pic>
+      <p:pic>
+        <p:nvPicPr>
+          <p:cNvPr id="11" name="Picture 2"/>
+          <p:cNvPicPr>
+            <a:picLocks noChangeAspect="1" noChangeArrowheads="1"/>
+          </p:cNvPicPr>
+          <p:nvPr/>
+        </p:nvPicPr>
+        <p:blipFill rotWithShape="1">
+          <a:blip r:embed="rId3" cstate="print">
+            <a:extLst>
+              <a:ext uri="{28A0092B-C50C-407E-A947-70E740481C1C}">
+                <a14:useLocalDpi xmlns:a14="http://schemas.microsoft.com/office/drawing/2010/main" val="0"/>
+              </a:ext>
+            </a:extLst>
+          </a:blip>
+          <a:srcRect l="60982" t="8780" r="2466" b="-1005"/>
+          <a:stretch/>
+        </p:blipFill>
+        <p:spPr bwMode="auto">
+          <a:xfrm>
+            <a:off x="3203848" y="2177819"/>
+            <a:ext cx="405505" cy="249915"/>
+          </a:xfrm>
+          <a:prstGeom prst="rect">
+            <a:avLst/>
+          </a:prstGeom>
+          <a:noFill/>
+          <a:ln>
+            <a:noFill/>
+          </a:ln>
+          <a:extLst>
+            <a:ext uri="{909E8E84-426E-40DD-AFC4-6F175D3DCCD1}">
+              <a14:hiddenFill xmlns:a14="http://schemas.microsoft.com/office/drawing/2010/main">
+                <a:solidFill>
+                  <a:schemeClr val="accent1"/>
+                </a:solidFill>
+              </a14:hiddenFill>
+            </a:ext>
+            <a:ext uri="{91240B29-F687-4F45-9708-019B960494DF}">
+              <a14:hiddenLine xmlns:a14="http://schemas.microsoft.com/office/drawing/2010/main" w="9525">
+                <a:solidFill>
+                  <a:schemeClr val="tx1"/>
+                </a:solidFill>
+                <a:miter lim="800000"/>
+                <a:headEnd/>
+                <a:tailEnd/>
+              </a14:hiddenLine>
+            </a:ext>
+          </a:extLst>
+        </p:spPr>
+      </p:pic>
+      <p:pic>
+        <p:nvPicPr>
+          <p:cNvPr id="12" name="Picture 2"/>
+          <p:cNvPicPr>
+            <a:picLocks noChangeAspect="1" noChangeArrowheads="1"/>
+          </p:cNvPicPr>
+          <p:nvPr/>
+        </p:nvPicPr>
+        <p:blipFill rotWithShape="1">
+          <a:blip r:embed="rId3" cstate="print">
+            <a:extLst>
+              <a:ext uri="{28A0092B-C50C-407E-A947-70E740481C1C}">
+                <a14:useLocalDpi xmlns:a14="http://schemas.microsoft.com/office/drawing/2010/main" val="0"/>
+              </a:ext>
+            </a:extLst>
+          </a:blip>
+          <a:srcRect l="60982" t="8780" r="2466" b="-1005"/>
+          <a:stretch/>
+        </p:blipFill>
+        <p:spPr bwMode="auto">
+          <a:xfrm>
+            <a:off x="3203848" y="2933900"/>
+            <a:ext cx="405505" cy="249915"/>
+          </a:xfrm>
+          <a:prstGeom prst="rect">
+            <a:avLst/>
+          </a:prstGeom>
+          <a:noFill/>
+          <a:ln>
+            <a:noFill/>
+          </a:ln>
+          <a:extLst>
+            <a:ext uri="{909E8E84-426E-40DD-AFC4-6F175D3DCCD1}">
+              <a14:hiddenFill xmlns:a14="http://schemas.microsoft.com/office/drawing/2010/main">
+                <a:solidFill>
+                  <a:schemeClr val="accent1"/>
+                </a:solidFill>
+              </a14:hiddenFill>
+            </a:ext>
+            <a:ext uri="{91240B29-F687-4F45-9708-019B960494DF}">
+              <a14:hiddenLine xmlns:a14="http://schemas.microsoft.com/office/drawing/2010/main" w="9525">
+                <a:solidFill>
+                  <a:schemeClr val="tx1"/>
+                </a:solidFill>
+                <a:miter lim="800000"/>
+                <a:headEnd/>
+                <a:tailEnd/>
+              </a14:hiddenLine>
+            </a:ext>
+          </a:extLst>
+        </p:spPr>
+      </p:pic>
+      <p:pic>
+        <p:nvPicPr>
+          <p:cNvPr id="13" name="Picture 2"/>
+          <p:cNvPicPr>
+            <a:picLocks noChangeAspect="1" noChangeArrowheads="1"/>
+          </p:cNvPicPr>
+          <p:nvPr/>
+        </p:nvPicPr>
+        <p:blipFill rotWithShape="1">
+          <a:blip r:embed="rId3" cstate="print">
+            <a:extLst>
+              <a:ext uri="{28A0092B-C50C-407E-A947-70E740481C1C}">
+                <a14:useLocalDpi xmlns:a14="http://schemas.microsoft.com/office/drawing/2010/main" val="0"/>
+              </a:ext>
+            </a:extLst>
+          </a:blip>
+          <a:srcRect l="60982" t="8780" r="2466" b="-1005"/>
+          <a:stretch/>
+        </p:blipFill>
+        <p:spPr bwMode="auto">
+          <a:xfrm>
+            <a:off x="4980213" y="1831525"/>
+            <a:ext cx="405505" cy="249915"/>
+          </a:xfrm>
+          <a:prstGeom prst="rect">
+            <a:avLst/>
+          </a:prstGeom>
+          <a:noFill/>
+          <a:ln>
+            <a:noFill/>
+          </a:ln>
+          <a:extLst>
+            <a:ext uri="{909E8E84-426E-40DD-AFC4-6F175D3DCCD1}">
+              <a14:hiddenFill xmlns:a14="http://schemas.microsoft.com/office/drawing/2010/main">
+                <a:solidFill>
+                  <a:schemeClr val="accent1"/>
+                </a:solidFill>
+              </a14:hiddenFill>
+            </a:ext>
+            <a:ext uri="{91240B29-F687-4F45-9708-019B960494DF}">
+              <a14:hiddenLine xmlns:a14="http://schemas.microsoft.com/office/drawing/2010/main" w="9525">
+                <a:solidFill>
+                  <a:schemeClr val="tx1"/>
+                </a:solidFill>
+                <a:miter lim="800000"/>
+                <a:headEnd/>
+                <a:tailEnd/>
+              </a14:hiddenLine>
+            </a:ext>
+          </a:extLst>
+        </p:spPr>
+      </p:pic>
+      <p:pic>
+        <p:nvPicPr>
+          <p:cNvPr id="14" name="Picture 2"/>
+          <p:cNvPicPr>
+            <a:picLocks noChangeAspect="1" noChangeArrowheads="1"/>
+          </p:cNvPicPr>
+          <p:nvPr/>
+        </p:nvPicPr>
+        <p:blipFill rotWithShape="1">
+          <a:blip r:embed="rId3" cstate="print">
+            <a:extLst>
+              <a:ext uri="{28A0092B-C50C-407E-A947-70E740481C1C}">
+                <a14:useLocalDpi xmlns:a14="http://schemas.microsoft.com/office/drawing/2010/main" val="0"/>
+              </a:ext>
+            </a:extLst>
+          </a:blip>
+          <a:srcRect l="60982" t="8780" r="2466" b="-1005"/>
+          <a:stretch/>
+        </p:blipFill>
+        <p:spPr bwMode="auto">
+          <a:xfrm>
+            <a:off x="4964020" y="2591691"/>
+            <a:ext cx="405505" cy="249915"/>
+          </a:xfrm>
+          <a:prstGeom prst="rect">
+            <a:avLst/>
+          </a:prstGeom>
+          <a:noFill/>
+          <a:ln>
+            <a:noFill/>
+          </a:ln>
+          <a:extLst>
+            <a:ext uri="{909E8E84-426E-40DD-AFC4-6F175D3DCCD1}">
+              <a14:hiddenFill xmlns:a14="http://schemas.microsoft.com/office/drawing/2010/main">
+                <a:solidFill>
+                  <a:schemeClr val="accent1"/>
+                </a:solidFill>
+              </a14:hiddenFill>
+            </a:ext>
+            <a:ext uri="{91240B29-F687-4F45-9708-019B960494DF}">
+              <a14:hiddenLine xmlns:a14="http://schemas.microsoft.com/office/drawing/2010/main" w="9525">
+                <a:solidFill>
+                  <a:schemeClr val="tx1"/>
+                </a:solidFill>
+                <a:miter lim="800000"/>
+                <a:headEnd/>
+                <a:tailEnd/>
+              </a14:hiddenLine>
+            </a:ext>
+          </a:extLst>
+        </p:spPr>
+      </p:pic>
+      <p:pic>
+        <p:nvPicPr>
+          <p:cNvPr id="15" name="Picture 2"/>
+          <p:cNvPicPr>
+            <a:picLocks noChangeAspect="1" noChangeArrowheads="1"/>
+          </p:cNvPicPr>
+          <p:nvPr/>
+        </p:nvPicPr>
+        <p:blipFill rotWithShape="1">
+          <a:blip r:embed="rId3" cstate="print">
+            <a:extLst>
+              <a:ext uri="{28A0092B-C50C-407E-A947-70E740481C1C}">
+                <a14:useLocalDpi xmlns:a14="http://schemas.microsoft.com/office/drawing/2010/main" val="0"/>
+              </a:ext>
+            </a:extLst>
+          </a:blip>
+          <a:srcRect l="60982" t="8780" r="2466" b="-1005"/>
+          <a:stretch/>
+        </p:blipFill>
+        <p:spPr bwMode="auto">
+          <a:xfrm>
+            <a:off x="6333652" y="2155839"/>
+            <a:ext cx="405505" cy="249915"/>
+          </a:xfrm>
+          <a:prstGeom prst="rect">
+            <a:avLst/>
+          </a:prstGeom>
+          <a:noFill/>
+          <a:ln>
+            <a:noFill/>
+          </a:ln>
+          <a:extLst>
+            <a:ext uri="{909E8E84-426E-40DD-AFC4-6F175D3DCCD1}">
+              <a14:hiddenFill xmlns:a14="http://schemas.microsoft.com/office/drawing/2010/main">
+                <a:solidFill>
+                  <a:schemeClr val="accent1"/>
+                </a:solidFill>
+              </a14:hiddenFill>
+            </a:ext>
+            <a:ext uri="{91240B29-F687-4F45-9708-019B960494DF}">
+              <a14:hiddenLine xmlns:a14="http://schemas.microsoft.com/office/drawing/2010/main" w="9525">
+                <a:solidFill>
+                  <a:schemeClr val="tx1"/>
+                </a:solidFill>
+                <a:miter lim="800000"/>
+                <a:headEnd/>
+                <a:tailEnd/>
+              </a14:hiddenLine>
+            </a:ext>
+          </a:extLst>
+        </p:spPr>
+      </p:pic>
+      <p:pic>
+        <p:nvPicPr>
+          <p:cNvPr id="16" name="Picture 2"/>
+          <p:cNvPicPr>
+            <a:picLocks noChangeAspect="1" noChangeArrowheads="1"/>
+          </p:cNvPicPr>
+          <p:nvPr/>
+        </p:nvPicPr>
+        <p:blipFill rotWithShape="1">
+          <a:blip r:embed="rId3" cstate="print">
+            <a:extLst>
+              <a:ext uri="{28A0092B-C50C-407E-A947-70E740481C1C}">
+                <a14:useLocalDpi xmlns:a14="http://schemas.microsoft.com/office/drawing/2010/main" val="0"/>
+              </a:ext>
+            </a:extLst>
+          </a:blip>
+          <a:srcRect l="60982" t="8780" r="2466" b="-1005"/>
+          <a:stretch/>
+        </p:blipFill>
+        <p:spPr bwMode="auto">
+          <a:xfrm>
+            <a:off x="6323354" y="2933899"/>
+            <a:ext cx="405505" cy="249915"/>
+          </a:xfrm>
+          <a:prstGeom prst="rect">
+            <a:avLst/>
+          </a:prstGeom>
+          <a:noFill/>
+          <a:ln>
+            <a:noFill/>
+          </a:ln>
+          <a:extLst>
+            <a:ext uri="{909E8E84-426E-40DD-AFC4-6F175D3DCCD1}">
+              <a14:hiddenFill xmlns:a14="http://schemas.microsoft.com/office/drawing/2010/main">
+                <a:solidFill>
+                  <a:schemeClr val="accent1"/>
+                </a:solidFill>
+              </a14:hiddenFill>
+            </a:ext>
+            <a:ext uri="{91240B29-F687-4F45-9708-019B960494DF}">
+              <a14:hiddenLine xmlns:a14="http://schemas.microsoft.com/office/drawing/2010/main" w="9525">
+                <a:solidFill>
+                  <a:schemeClr val="tx1"/>
+                </a:solidFill>
+                <a:miter lim="800000"/>
+                <a:headEnd/>
+                <a:tailEnd/>
+              </a14:hiddenLine>
+            </a:ext>
+          </a:extLst>
+        </p:spPr>
+      </p:pic>
+      <p:pic>
+        <p:nvPicPr>
+          <p:cNvPr id="17" name="Picture 2"/>
+          <p:cNvPicPr>
+            <a:picLocks noChangeAspect="1" noChangeArrowheads="1"/>
+          </p:cNvPicPr>
+          <p:nvPr/>
+        </p:nvPicPr>
+        <p:blipFill rotWithShape="1">
+          <a:blip r:embed="rId3" cstate="print">
+            <a:extLst>
+              <a:ext uri="{28A0092B-C50C-407E-A947-70E740481C1C}">
+                <a14:useLocalDpi xmlns:a14="http://schemas.microsoft.com/office/drawing/2010/main" val="0"/>
+              </a:ext>
+            </a:extLst>
+          </a:blip>
+          <a:srcRect l="60982" t="8780" r="2466" b="-1005"/>
+          <a:stretch/>
+        </p:blipFill>
+        <p:spPr bwMode="auto">
+          <a:xfrm>
+            <a:off x="7391988" y="2498655"/>
+            <a:ext cx="405505" cy="249915"/>
+          </a:xfrm>
+          <a:prstGeom prst="rect">
+            <a:avLst/>
+          </a:prstGeom>
+          <a:noFill/>
+          <a:ln>
+            <a:noFill/>
+          </a:ln>
+          <a:extLst>
+            <a:ext uri="{909E8E84-426E-40DD-AFC4-6F175D3DCCD1}">
+              <a14:hiddenFill xmlns:a14="http://schemas.microsoft.com/office/drawing/2010/main">
+                <a:solidFill>
+                  <a:schemeClr val="accent1"/>
+                </a:solidFill>
+              </a14:hiddenFill>
+            </a:ext>
+            <a:ext uri="{91240B29-F687-4F45-9708-019B960494DF}">
+              <a14:hiddenLine xmlns:a14="http://schemas.microsoft.com/office/drawing/2010/main" w="9525">
+                <a:solidFill>
+                  <a:schemeClr val="tx1"/>
+                </a:solidFill>
+                <a:miter lim="800000"/>
+                <a:headEnd/>
+                <a:tailEnd/>
+              </a14:hiddenLine>
+            </a:ext>
+          </a:extLst>
+        </p:spPr>
+      </p:pic>
+      <p:sp>
+        <p:nvSpPr>
+          <p:cNvPr id="18" name="ZoneTexte 17"/>
+          <p:cNvSpPr txBox="1"/>
+          <p:nvPr/>
+        </p:nvSpPr>
+        <p:spPr>
+          <a:xfrm>
+            <a:off x="8028384" y="2418442"/>
+            <a:ext cx="630301" cy="369332"/>
+          </a:xfrm>
+          <a:prstGeom prst="rect">
+            <a:avLst/>
+          </a:prstGeom>
+          <a:noFill/>
+        </p:spPr>
+        <p:txBody>
+          <a:bodyPr wrap="none" rtlCol="0">
+            <a:spAutoFit/>
+          </a:bodyPr>
+          <a:lstStyle/>
+          <a:p>
+            <a:r>
+              <a:rPr lang="fr-FR" dirty="0" smtClean="0"/>
+              <a:t>[0-1]</a:t>
+            </a:r>
+            <a:endParaRPr lang="en-US" dirty="0"/>
+          </a:p>
+        </p:txBody>
+      </p:sp>
+      <mc:AlternateContent xmlns:mc="http://schemas.openxmlformats.org/markup-compatibility/2006">
+        <mc:Choice xmlns:a14="http://schemas.microsoft.com/office/drawing/2010/main" Requires="a14">
+          <p:sp>
+            <p:nvSpPr>
+              <p:cNvPr id="19" name="Rectangle 18"/>
+              <p:cNvSpPr/>
+              <p:nvPr/>
+            </p:nvSpPr>
+            <p:spPr>
+              <a:xfrm>
+                <a:off x="6060908" y="1086742"/>
+                <a:ext cx="2282626" cy="646331"/>
+              </a:xfrm>
+              <a:prstGeom prst="rect">
+                <a:avLst/>
+              </a:prstGeom>
+            </p:spPr>
+            <p:txBody>
+              <a:bodyPr wrap="square">
+                <a:spAutoFit/>
+              </a:bodyPr>
+              <a:lstStyle/>
+              <a:p>
+                <a:pPr/>
+                <a14:m>
+                  <m:oMathPara xmlns:m="http://schemas.openxmlformats.org/officeDocument/2006/math">
+                    <m:oMathParaPr>
+                      <m:jc m:val="centerGroup"/>
+                    </m:oMathParaPr>
+                    <m:oMath xmlns:m="http://schemas.openxmlformats.org/officeDocument/2006/math">
+                      <m:r>
+                        <a:rPr lang="fr-FR" i="1" smtClean="0">
+                          <a:latin typeface="Cambria Math"/>
+                        </a:rPr>
+                        <m:t>𝑧</m:t>
+                      </m:r>
+                      <m:r>
+                        <a:rPr lang="fr-FR" i="1" smtClean="0">
+                          <a:latin typeface="Cambria Math"/>
+                        </a:rPr>
+                        <m:t>=</m:t>
+                      </m:r>
+                      <m:sSup>
+                        <m:sSupPr>
+                          <m:ctrlPr>
+                            <a:rPr lang="fr-FR" i="1" smtClean="0">
+                              <a:latin typeface="Cambria Math"/>
+                            </a:rPr>
+                          </m:ctrlPr>
+                        </m:sSupPr>
+                        <m:e>
+                          <m:r>
+                            <m:rPr>
+                              <m:nor/>
+                            </m:rPr>
+                            <a:rPr lang="fr-FR" b="0" i="0" dirty="0" smtClean="0">
+                              <a:latin typeface="Cambria Math"/>
+                              <a:ea typeface="Cambria Math"/>
+                            </a:rPr>
+                            <m:t>W</m:t>
+                          </m:r>
+                        </m:e>
+                        <m:sup>
+                          <m:r>
+                            <a:rPr lang="fr-FR" b="0" i="1" smtClean="0">
+                              <a:latin typeface="Cambria Math"/>
+                            </a:rPr>
+                            <m:t>𝑇</m:t>
+                          </m:r>
+                        </m:sup>
+                      </m:sSup>
+                      <m:r>
+                        <a:rPr lang="fr-FR" b="0" i="1" smtClean="0">
+                          <a:latin typeface="Cambria Math"/>
+                        </a:rPr>
+                        <m:t>𝑋</m:t>
+                      </m:r>
+                      <m:r>
+                        <a:rPr lang="fr-FR" b="0" i="1" smtClean="0">
+                          <a:latin typeface="Cambria Math"/>
+                        </a:rPr>
+                        <m:t>+</m:t>
+                      </m:r>
+                      <m:r>
+                        <a:rPr lang="fr-FR" b="0" i="1" smtClean="0">
+                          <a:latin typeface="Cambria Math"/>
+                        </a:rPr>
+                        <m:t>𝐵</m:t>
+                      </m:r>
+                    </m:oMath>
+                  </m:oMathPara>
+                </a14:m>
+                <a:endParaRPr lang="fr-FR" i="1" dirty="0">
+                  <a:latin typeface="Cambria Math"/>
+                </a:endParaRPr>
+              </a:p>
+              <a:p>
+                <a:pPr/>
+                <a14:m>
+                  <m:oMathPara xmlns:m="http://schemas.openxmlformats.org/officeDocument/2006/math">
+                    <m:oMathParaPr>
+                      <m:jc m:val="centerGroup"/>
+                    </m:oMathParaPr>
+                    <m:oMath xmlns:m="http://schemas.openxmlformats.org/officeDocument/2006/math">
+                      <m:r>
+                        <a:rPr lang="fr-FR" b="0" i="1" smtClean="0">
+                          <a:latin typeface="Cambria Math"/>
+                        </a:rPr>
+                        <m:t>𝑎</m:t>
+                      </m:r>
+                      <m:r>
+                        <a:rPr lang="fr-FR" i="1">
+                          <a:latin typeface="Cambria Math"/>
+                        </a:rPr>
+                        <m:t>=</m:t>
+                      </m:r>
+                      <m:r>
+                        <a:rPr lang="fr-FR" i="1">
+                          <a:latin typeface="Cambria Math"/>
+                        </a:rPr>
+                        <m:t>𝑔</m:t>
+                      </m:r>
+                      <m:d>
+                        <m:dPr>
+                          <m:ctrlPr>
+                            <a:rPr lang="fr-FR" i="1">
+                              <a:latin typeface="Cambria Math"/>
+                            </a:rPr>
+                          </m:ctrlPr>
+                        </m:dPr>
+                        <m:e>
+                          <m:r>
+                            <a:rPr lang="fr-FR" i="1">
+                              <a:latin typeface="Cambria Math"/>
+                            </a:rPr>
+                            <m:t>𝑧</m:t>
+                          </m:r>
+                        </m:e>
+                      </m:d>
+                    </m:oMath>
+                  </m:oMathPara>
+                </a14:m>
+                <a:endParaRPr lang="en-US" dirty="0"/>
+              </a:p>
+            </p:txBody>
+          </p:sp>
+        </mc:Choice>
+        <mc:Fallback>
+          <p:sp>
+            <p:nvSpPr>
+              <p:cNvPr id="19" name="Rectangle 18"/>
+              <p:cNvSpPr>
+                <a:spLocks noRot="1" noChangeAspect="1" noMove="1" noResize="1" noEditPoints="1" noAdjustHandles="1" noChangeArrowheads="1" noChangeShapeType="1" noTextEdit="1"/>
+              </p:cNvSpPr>
+              <p:nvPr/>
+            </p:nvSpPr>
+            <p:spPr>
+              <a:xfrm>
+                <a:off x="6060908" y="1086742"/>
+                <a:ext cx="2282626" cy="646331"/>
+              </a:xfrm>
+              <a:prstGeom prst="rect">
+                <a:avLst/>
+              </a:prstGeom>
+              <a:blipFill rotWithShape="1">
+                <a:blip r:embed="rId4"/>
+                <a:stretch>
+                  <a:fillRect b="-2830"/>
+                </a:stretch>
+              </a:blipFill>
+            </p:spPr>
+            <p:txBody>
+              <a:bodyPr/>
+              <a:lstStyle/>
+              <a:p>
+                <a:r>
+                  <a:rPr lang="en-US">
+                    <a:noFill/>
+                  </a:rPr>
+                  <a:t> </a:t>
+                </a:r>
+              </a:p>
+            </p:txBody>
+          </p:sp>
+        </mc:Fallback>
+      </mc:AlternateContent>
+      <p:sp>
+        <p:nvSpPr>
+          <p:cNvPr id="20" name="ZoneTexte 19"/>
+          <p:cNvSpPr txBox="1"/>
+          <p:nvPr/>
+        </p:nvSpPr>
+        <p:spPr>
+          <a:xfrm>
+            <a:off x="1403648" y="3651870"/>
+            <a:ext cx="432048" cy="369332"/>
+          </a:xfrm>
+          <a:prstGeom prst="rect">
+            <a:avLst/>
+          </a:prstGeom>
+          <a:solidFill>
+            <a:schemeClr val="bg1"/>
+          </a:solidFill>
+        </p:spPr>
+        <p:txBody>
+          <a:bodyPr wrap="square" rtlCol="0">
+            <a:spAutoFit/>
+          </a:bodyPr>
+          <a:lstStyle/>
+          <a:p>
+            <a:r>
+              <a:rPr lang="fr-FR" dirty="0"/>
+              <a:t>b</a:t>
+            </a:r>
+            <a:r>
+              <a:rPr lang="fr-FR" dirty="0" smtClean="0"/>
+              <a:t>1</a:t>
+            </a:r>
+            <a:endParaRPr lang="en-US" dirty="0"/>
+          </a:p>
+        </p:txBody>
+      </p:sp>
+      <p:sp>
+        <p:nvSpPr>
+          <p:cNvPr id="21" name="ZoneTexte 20"/>
+          <p:cNvSpPr txBox="1"/>
+          <p:nvPr/>
+        </p:nvSpPr>
+        <p:spPr>
+          <a:xfrm>
+            <a:off x="3131840" y="3651870"/>
+            <a:ext cx="568751" cy="369332"/>
+          </a:xfrm>
+          <a:prstGeom prst="rect">
+            <a:avLst/>
+          </a:prstGeom>
+          <a:noFill/>
+        </p:spPr>
+        <p:txBody>
+          <a:bodyPr wrap="square" rtlCol="0">
+            <a:spAutoFit/>
+          </a:bodyPr>
+          <a:lstStyle/>
+          <a:p>
+            <a:r>
+              <a:rPr lang="fr-FR" dirty="0" smtClean="0"/>
+              <a:t>b2</a:t>
+            </a:r>
+            <a:endParaRPr lang="en-US" dirty="0"/>
+          </a:p>
+        </p:txBody>
+      </p:sp>
+      <p:sp>
+        <p:nvSpPr>
+          <p:cNvPr id="22" name="ZoneTexte 21"/>
+          <p:cNvSpPr txBox="1"/>
+          <p:nvPr/>
+        </p:nvSpPr>
+        <p:spPr>
+          <a:xfrm>
+            <a:off x="4980213" y="3311532"/>
+            <a:ext cx="576064" cy="369332"/>
+          </a:xfrm>
+          <a:prstGeom prst="rect">
+            <a:avLst/>
+          </a:prstGeom>
+          <a:noFill/>
+        </p:spPr>
+        <p:txBody>
+          <a:bodyPr wrap="square" rtlCol="0">
+            <a:spAutoFit/>
+          </a:bodyPr>
+          <a:lstStyle/>
+          <a:p>
+            <a:r>
+              <a:rPr lang="fr-FR" dirty="0" smtClean="0"/>
+              <a:t>b3</a:t>
+            </a:r>
+            <a:endParaRPr lang="en-US" dirty="0"/>
+          </a:p>
+        </p:txBody>
+      </p:sp>
+      <p:sp>
+        <p:nvSpPr>
+          <p:cNvPr id="23" name="ZoneTexte 22"/>
+          <p:cNvSpPr txBox="1"/>
+          <p:nvPr/>
+        </p:nvSpPr>
+        <p:spPr>
+          <a:xfrm>
+            <a:off x="1289677" y="4173602"/>
+            <a:ext cx="936104" cy="646331"/>
+          </a:xfrm>
+          <a:prstGeom prst="rect">
+            <a:avLst/>
+          </a:prstGeom>
+          <a:solidFill>
+            <a:schemeClr val="bg1"/>
+          </a:solidFill>
+        </p:spPr>
+        <p:txBody>
+          <a:bodyPr wrap="square" rtlCol="0">
+            <a:spAutoFit/>
+          </a:bodyPr>
+          <a:lstStyle/>
+          <a:p>
+            <a:r>
+              <a:rPr lang="fr-FR" dirty="0" smtClean="0"/>
+              <a:t>Input</a:t>
+            </a:r>
+          </a:p>
+          <a:p>
+            <a:r>
+              <a:rPr lang="fr-FR" dirty="0" smtClean="0"/>
+              <a:t>Data</a:t>
+            </a:r>
+            <a:endParaRPr lang="en-US" dirty="0"/>
+          </a:p>
+        </p:txBody>
+      </p:sp>
+      <p:sp>
+        <p:nvSpPr>
+          <p:cNvPr id="24" name="ZoneTexte 23"/>
+          <p:cNvSpPr txBox="1"/>
+          <p:nvPr/>
+        </p:nvSpPr>
+        <p:spPr>
+          <a:xfrm>
+            <a:off x="3040601" y="4227934"/>
+            <a:ext cx="731998" cy="369332"/>
+          </a:xfrm>
+          <a:prstGeom prst="rect">
+            <a:avLst/>
+          </a:prstGeom>
+          <a:solidFill>
+            <a:schemeClr val="bg1"/>
+          </a:solidFill>
+        </p:spPr>
+        <p:txBody>
+          <a:bodyPr wrap="square" rtlCol="0">
+            <a:spAutoFit/>
+          </a:bodyPr>
+          <a:lstStyle/>
+          <a:p>
+            <a:pPr algn="ctr"/>
+            <a:r>
+              <a:rPr lang="fr-FR" dirty="0" smtClean="0"/>
+              <a:t>L1</a:t>
+            </a:r>
+            <a:endParaRPr lang="en-US" dirty="0"/>
+          </a:p>
+        </p:txBody>
+      </p:sp>
+      <p:sp>
+        <p:nvSpPr>
+          <p:cNvPr id="25" name="ZoneTexte 24"/>
+          <p:cNvSpPr txBox="1"/>
+          <p:nvPr/>
+        </p:nvSpPr>
+        <p:spPr>
+          <a:xfrm>
+            <a:off x="4800773" y="3912934"/>
+            <a:ext cx="731998" cy="369332"/>
+          </a:xfrm>
+          <a:prstGeom prst="rect">
+            <a:avLst/>
+          </a:prstGeom>
+          <a:solidFill>
+            <a:schemeClr val="bg1"/>
+          </a:solidFill>
+        </p:spPr>
+        <p:txBody>
+          <a:bodyPr wrap="square" rtlCol="0">
+            <a:spAutoFit/>
+          </a:bodyPr>
+          <a:lstStyle/>
+          <a:p>
+            <a:pPr algn="ctr"/>
+            <a:r>
+              <a:rPr lang="fr-FR" dirty="0" smtClean="0"/>
+              <a:t>L2</a:t>
+            </a:r>
+            <a:endParaRPr lang="en-US" dirty="0"/>
+          </a:p>
+        </p:txBody>
+      </p:sp>
+      <p:sp>
+        <p:nvSpPr>
+          <p:cNvPr id="26" name="ZoneTexte 25"/>
+          <p:cNvSpPr txBox="1"/>
+          <p:nvPr/>
+        </p:nvSpPr>
+        <p:spPr>
+          <a:xfrm>
+            <a:off x="6194946" y="3517555"/>
+            <a:ext cx="731998" cy="369332"/>
+          </a:xfrm>
+          <a:prstGeom prst="rect">
+            <a:avLst/>
+          </a:prstGeom>
+          <a:solidFill>
+            <a:schemeClr val="bg1"/>
+          </a:solidFill>
+        </p:spPr>
+        <p:txBody>
+          <a:bodyPr wrap="square" rtlCol="0">
+            <a:spAutoFit/>
+          </a:bodyPr>
+          <a:lstStyle/>
+          <a:p>
+            <a:pPr algn="ctr"/>
+            <a:r>
+              <a:rPr lang="fr-FR" dirty="0" smtClean="0"/>
+              <a:t>L3</a:t>
+            </a:r>
+            <a:endParaRPr lang="en-US" dirty="0"/>
+          </a:p>
+        </p:txBody>
+      </p:sp>
     </p:spTree>
     <p:extLst>
       <p:ext uri="{BB962C8B-B14F-4D97-AF65-F5344CB8AC3E}">
-        <p14:creationId xmlns:p14="http://schemas.microsoft.com/office/powerpoint/2010/main" val="3102765428"/>
+        <p14:creationId xmlns:p14="http://schemas.microsoft.com/office/powerpoint/2010/main" val="3933315873"/>
       </p:ext>
     </p:extLst>
   </p:cSld>
@@ -4009,351 +8858,231 @@
           <a:lstStyle/>
           <a:p>
             <a:r>
+              <a:rPr lang="fr-FR" dirty="0" err="1" smtClean="0"/>
+              <a:t>Weight</a:t>
+            </a:r>
+            <a:r>
               <a:rPr lang="fr-FR" dirty="0" smtClean="0"/>
-              <a:t>Data </a:t>
-            </a:r>
-            <a:r>
-              <a:rPr lang="fr-FR" dirty="0" err="1"/>
-              <a:t>Processing</a:t>
+              <a:t> matrix and </a:t>
+            </a:r>
+            <a:r>
+              <a:rPr lang="fr-FR" dirty="0" err="1" smtClean="0"/>
+              <a:t>vector</a:t>
+            </a:r>
+            <a:r>
+              <a:rPr lang="fr-FR" dirty="0" smtClean="0"/>
+              <a:t> Beta</a:t>
             </a:r>
             <a:endParaRPr lang="en-US" dirty="0"/>
           </a:p>
         </p:txBody>
       </p:sp>
-      <p:sp>
-        <p:nvSpPr>
-          <p:cNvPr id="3" name="ZoneTexte 2"/>
-          <p:cNvSpPr txBox="1"/>
+      <p:pic>
+        <p:nvPicPr>
+          <p:cNvPr id="4" name="Picture 2" descr="http://ufldl.stanford.edu/tutorial/images/Network3322.png"/>
+          <p:cNvPicPr>
+            <a:picLocks noChangeAspect="1" noChangeArrowheads="1"/>
+          </p:cNvPicPr>
           <p:nvPr/>
-        </p:nvSpPr>
-        <p:spPr>
+        </p:nvPicPr>
+        <p:blipFill rotWithShape="1">
+          <a:blip r:embed="rId2" cstate="print">
+            <a:extLst>
+              <a:ext uri="{28A0092B-C50C-407E-A947-70E740481C1C}">
+                <a14:useLocalDpi xmlns:a14="http://schemas.microsoft.com/office/drawing/2010/main" val="0"/>
+              </a:ext>
+            </a:extLst>
+          </a:blip>
+          <a:srcRect l="27587" r="34957"/>
+          <a:stretch/>
+        </p:blipFill>
+        <p:spPr bwMode="auto">
           <a:xfrm>
-            <a:off x="1018488" y="2138581"/>
-            <a:ext cx="2492990" cy="400110"/>
+            <a:off x="1514275" y="1131589"/>
+            <a:ext cx="2454506" cy="3276016"/>
           </a:xfrm>
           <a:prstGeom prst="rect">
             <a:avLst/>
           </a:prstGeom>
-          <a:solidFill>
-            <a:schemeClr val="tx2">
-              <a:lumMod val="40000"/>
-              <a:lumOff val="60000"/>
-            </a:schemeClr>
-          </a:solidFill>
+          <a:noFill/>
+          <a:extLst>
+            <a:ext uri="{909E8E84-426E-40DD-AFC4-6F175D3DCCD1}">
+              <a14:hiddenFill xmlns:a14="http://schemas.microsoft.com/office/drawing/2010/main">
+                <a:solidFill>
+                  <a:srgbClr val="FFFFFF"/>
+                </a:solidFill>
+              </a14:hiddenFill>
+            </a:ext>
+          </a:extLst>
         </p:spPr>
-        <p:txBody>
-          <a:bodyPr wrap="none" rtlCol="0">
-            <a:spAutoFit/>
-          </a:bodyPr>
-          <a:lstStyle/>
-          <a:p>
-            <a:r>
-              <a:rPr lang="fr-FR" sz="2000" dirty="0" smtClean="0">
-                <a:latin typeface="Lucida Console" panose="020B0609040504020204" pitchFamily="49" charset="0"/>
-              </a:rPr>
-              <a:t>Data </a:t>
-            </a:r>
-            <a:r>
-              <a:rPr lang="fr-FR" sz="2000" dirty="0" err="1" smtClean="0">
-                <a:latin typeface="Lucida Console" panose="020B0609040504020204" pitchFamily="49" charset="0"/>
-              </a:rPr>
-              <a:t>processing</a:t>
-            </a:r>
-            <a:endParaRPr lang="en-US" sz="2000" dirty="0">
-              <a:latin typeface="Lucida Console" panose="020B0609040504020204" pitchFamily="49" charset="0"/>
-            </a:endParaRPr>
-          </a:p>
-        </p:txBody>
-      </p:sp>
-      <p:sp>
-        <p:nvSpPr>
-          <p:cNvPr id="51" name="ZoneTexte 50"/>
+      </p:pic>
+      <mc:AlternateContent xmlns:mc="http://schemas.openxmlformats.org/markup-compatibility/2006">
+        <mc:Choice xmlns:a14="http://schemas.microsoft.com/office/drawing/2010/main" Requires="a14">
+          <p:sp>
+            <p:nvSpPr>
+              <p:cNvPr id="5" name="ZoneTexte 4"/>
+              <p:cNvSpPr txBox="1"/>
+              <p:nvPr/>
+            </p:nvSpPr>
+            <p:spPr>
+              <a:xfrm>
+                <a:off x="6124512" y="1549206"/>
+                <a:ext cx="1503745" cy="846963"/>
+              </a:xfrm>
+              <a:prstGeom prst="rect">
+                <a:avLst/>
+              </a:prstGeom>
+              <a:noFill/>
+            </p:spPr>
+            <p:txBody>
+              <a:bodyPr wrap="none" rtlCol="0">
+                <a:spAutoFit/>
+              </a:bodyPr>
+              <a:lstStyle/>
+              <a:p>
+                <a14:m>
+                  <m:oMathPara xmlns:m="http://schemas.openxmlformats.org/officeDocument/2006/math">
+                    <m:oMathParaPr>
+                      <m:jc m:val="centerGroup"/>
+                    </m:oMathParaPr>
+                    <m:oMath xmlns:m="http://schemas.openxmlformats.org/officeDocument/2006/math">
+                      <m:d>
+                        <m:dPr>
+                          <m:begChr m:val="["/>
+                          <m:endChr m:val="]"/>
+                          <m:ctrlPr>
+                            <a:rPr lang="en-US" i="1" smtClean="0">
+                              <a:latin typeface="Cambria Math"/>
+                            </a:rPr>
+                          </m:ctrlPr>
+                        </m:dPr>
+                        <m:e>
+                          <m:m>
+                            <m:mPr>
+                              <m:mcs>
+                                <m:mc>
+                                  <m:mcPr>
+                                    <m:count m:val="3"/>
+                                    <m:mcJc m:val="center"/>
+                                  </m:mcPr>
+                                </m:mc>
+                              </m:mcs>
+                              <m:ctrlPr>
+                                <a:rPr lang="en-US" i="1" smtClean="0">
+                                  <a:latin typeface="Cambria Math"/>
+                                </a:rPr>
+                              </m:ctrlPr>
+                            </m:mPr>
+                            <m:mr>
+                              <m:e/>
+                              <m:e>
+                                <m:r>
+                                  <a:rPr lang="en-US" i="1" smtClean="0">
+                                    <a:latin typeface="Cambria Math"/>
+                                  </a:rPr>
+                                  <m:t>⋯</m:t>
+                                </m:r>
+                              </m:e>
+                              <m:e/>
+                            </m:mr>
+                            <m:mr>
+                              <m:e>
+                                <m:r>
+                                  <a:rPr lang="en-US" i="1" smtClean="0">
+                                    <a:latin typeface="Cambria Math"/>
+                                  </a:rPr>
+                                  <m:t>⋮</m:t>
+                                </m:r>
+                              </m:e>
+                              <m:e>
+                                <m:r>
+                                  <a:rPr lang="en-US" i="1" smtClean="0">
+                                    <a:latin typeface="Cambria Math"/>
+                                  </a:rPr>
+                                  <m:t>⋱</m:t>
+                                </m:r>
+                              </m:e>
+                              <m:e>
+                                <m:r>
+                                  <a:rPr lang="en-US" i="1" smtClean="0">
+                                    <a:latin typeface="Cambria Math"/>
+                                  </a:rPr>
+                                  <m:t>⋮</m:t>
+                                </m:r>
+                              </m:e>
+                            </m:mr>
+                            <m:mr>
+                              <m:e/>
+                              <m:e>
+                                <m:r>
+                                  <a:rPr lang="en-US" i="1" smtClean="0">
+                                    <a:latin typeface="Cambria Math"/>
+                                  </a:rPr>
+                                  <m:t>⋯</m:t>
+                                </m:r>
+                              </m:e>
+                              <m:e/>
+                            </m:mr>
+                          </m:m>
+                        </m:e>
+                      </m:d>
+                    </m:oMath>
+                  </m:oMathPara>
+                </a14:m>
+                <a:endParaRPr lang="en-US" dirty="0"/>
+              </a:p>
+            </p:txBody>
+          </p:sp>
+        </mc:Choice>
+        <mc:Fallback>
+          <p:sp>
+            <p:nvSpPr>
+              <p:cNvPr id="5" name="ZoneTexte 4"/>
+              <p:cNvSpPr txBox="1">
+                <a:spLocks noRot="1" noChangeAspect="1" noMove="1" noResize="1" noEditPoints="1" noAdjustHandles="1" noChangeArrowheads="1" noChangeShapeType="1" noTextEdit="1"/>
+              </p:cNvSpPr>
+              <p:nvPr/>
+            </p:nvSpPr>
+            <p:spPr>
+              <a:xfrm>
+                <a:off x="6124512" y="1549206"/>
+                <a:ext cx="1503745" cy="846963"/>
+              </a:xfrm>
+              <a:prstGeom prst="rect">
+                <a:avLst/>
+              </a:prstGeom>
+              <a:blipFill rotWithShape="1">
+                <a:blip r:embed="rId3"/>
+                <a:stretch>
+                  <a:fillRect/>
+                </a:stretch>
+              </a:blipFill>
+            </p:spPr>
+            <p:txBody>
+              <a:bodyPr/>
+              <a:lstStyle/>
+              <a:p>
+                <a:r>
+                  <a:rPr lang="en-US">
+                    <a:noFill/>
+                  </a:rPr>
+                  <a:t> </a:t>
+                </a:r>
+              </a:p>
+            </p:txBody>
+          </p:sp>
+        </mc:Fallback>
+      </mc:AlternateContent>
+      <p:sp>
+        <p:nvSpPr>
+          <p:cNvPr id="6" name="ZoneTexte 5"/>
           <p:cNvSpPr txBox="1"/>
           <p:nvPr/>
         </p:nvSpPr>
         <p:spPr>
           <a:xfrm>
-            <a:off x="3875876" y="2138581"/>
-            <a:ext cx="954107" cy="400110"/>
-          </a:xfrm>
-          <a:prstGeom prst="rect">
-            <a:avLst/>
-          </a:prstGeom>
-          <a:solidFill>
-            <a:schemeClr val="accent3">
-              <a:lumMod val="40000"/>
-              <a:lumOff val="60000"/>
-            </a:schemeClr>
-          </a:solidFill>
-        </p:spPr>
-        <p:txBody>
-          <a:bodyPr wrap="none" rtlCol="0">
-            <a:spAutoFit/>
-          </a:bodyPr>
-          <a:lstStyle/>
-          <a:p>
-            <a:r>
-              <a:rPr lang="fr-FR" sz="2000" dirty="0" smtClean="0">
-                <a:latin typeface="Lucida Console" panose="020B0609040504020204" pitchFamily="49" charset="0"/>
-              </a:rPr>
-              <a:t>Model</a:t>
-            </a:r>
-            <a:endParaRPr lang="en-US" sz="2000" dirty="0">
-              <a:latin typeface="Lucida Console" panose="020B0609040504020204" pitchFamily="49" charset="0"/>
-            </a:endParaRPr>
-          </a:p>
-        </p:txBody>
-      </p:sp>
-      <p:cxnSp>
-        <p:nvCxnSpPr>
-          <p:cNvPr id="5" name="Connecteur droit avec flèche 4"/>
-          <p:cNvCxnSpPr/>
-          <p:nvPr/>
-        </p:nvCxnSpPr>
-        <p:spPr>
-          <a:xfrm>
-            <a:off x="3491880" y="2347188"/>
-            <a:ext cx="364394" cy="0"/>
-          </a:xfrm>
-          <a:prstGeom prst="straightConnector1">
-            <a:avLst/>
-          </a:prstGeom>
-          <a:ln>
-            <a:solidFill>
-              <a:schemeClr val="tx1"/>
-            </a:solidFill>
-            <a:tailEnd type="arrow"/>
-          </a:ln>
-        </p:spPr>
-        <p:style>
-          <a:lnRef idx="1">
-            <a:schemeClr val="accent1"/>
-          </a:lnRef>
-          <a:fillRef idx="0">
-            <a:schemeClr val="accent1"/>
-          </a:fillRef>
-          <a:effectRef idx="0">
-            <a:schemeClr val="accent1"/>
-          </a:effectRef>
-          <a:fontRef idx="minor">
-            <a:schemeClr val="tx1"/>
-          </a:fontRef>
-        </p:style>
-      </p:cxnSp>
-      <p:sp>
-        <p:nvSpPr>
-          <p:cNvPr id="55" name="ZoneTexte 54"/>
-          <p:cNvSpPr txBox="1"/>
-          <p:nvPr/>
-        </p:nvSpPr>
-        <p:spPr>
-          <a:xfrm>
-            <a:off x="5129265" y="2137140"/>
-            <a:ext cx="2954655" cy="400110"/>
-          </a:xfrm>
-          <a:prstGeom prst="rect">
-            <a:avLst/>
-          </a:prstGeom>
-          <a:solidFill>
-            <a:schemeClr val="accent3">
-              <a:lumMod val="40000"/>
-              <a:lumOff val="60000"/>
-            </a:schemeClr>
-          </a:solidFill>
-        </p:spPr>
-        <p:txBody>
-          <a:bodyPr wrap="none" rtlCol="0">
-            <a:spAutoFit/>
-          </a:bodyPr>
-          <a:lstStyle/>
-          <a:p>
-            <a:r>
-              <a:rPr lang="fr-FR" sz="2000" dirty="0" smtClean="0">
-                <a:latin typeface="Lucida Console" panose="020B0609040504020204" pitchFamily="49" charset="0"/>
-              </a:rPr>
-              <a:t>Performance </a:t>
-            </a:r>
-            <a:r>
-              <a:rPr lang="fr-FR" sz="2000" dirty="0" err="1" smtClean="0">
-                <a:latin typeface="Lucida Console" panose="020B0609040504020204" pitchFamily="49" charset="0"/>
-              </a:rPr>
-              <a:t>metric</a:t>
-            </a:r>
-            <a:endParaRPr lang="en-US" sz="2000" dirty="0">
-              <a:latin typeface="Lucida Console" panose="020B0609040504020204" pitchFamily="49" charset="0"/>
-            </a:endParaRPr>
-          </a:p>
-        </p:txBody>
-      </p:sp>
-      <p:cxnSp>
-        <p:nvCxnSpPr>
-          <p:cNvPr id="56" name="Connecteur droit avec flèche 55"/>
-          <p:cNvCxnSpPr/>
-          <p:nvPr/>
-        </p:nvCxnSpPr>
-        <p:spPr>
-          <a:xfrm flipV="1">
-            <a:off x="4810381" y="2345749"/>
-            <a:ext cx="299282" cy="1441"/>
-          </a:xfrm>
-          <a:prstGeom prst="straightConnector1">
-            <a:avLst/>
-          </a:prstGeom>
-          <a:ln>
-            <a:solidFill>
-              <a:schemeClr val="tx1"/>
-            </a:solidFill>
-            <a:tailEnd type="arrow"/>
-          </a:ln>
-        </p:spPr>
-        <p:style>
-          <a:lnRef idx="1">
-            <a:schemeClr val="accent1"/>
-          </a:lnRef>
-          <a:fillRef idx="0">
-            <a:schemeClr val="accent1"/>
-          </a:fillRef>
-          <a:effectRef idx="0">
-            <a:schemeClr val="accent1"/>
-          </a:effectRef>
-          <a:fontRef idx="minor">
-            <a:schemeClr val="tx1"/>
-          </a:fontRef>
-        </p:style>
-      </p:cxnSp>
-      <p:sp>
-        <p:nvSpPr>
-          <p:cNvPr id="59" name="Arc 58"/>
-          <p:cNvSpPr/>
-          <p:nvPr/>
-        </p:nvSpPr>
-        <p:spPr>
-          <a:xfrm>
-            <a:off x="4352925" y="1483092"/>
-            <a:ext cx="1895144" cy="905896"/>
-          </a:xfrm>
-          <a:prstGeom prst="arc">
-            <a:avLst>
-              <a:gd name="adj1" fmla="val 10809304"/>
-              <a:gd name="adj2" fmla="val 0"/>
-            </a:avLst>
-          </a:prstGeom>
-          <a:ln>
-            <a:solidFill>
-              <a:schemeClr val="tx1"/>
-            </a:solidFill>
-          </a:ln>
-        </p:spPr>
-        <p:style>
-          <a:lnRef idx="1">
-            <a:schemeClr val="accent1"/>
-          </a:lnRef>
-          <a:fillRef idx="0">
-            <a:schemeClr val="accent1"/>
-          </a:fillRef>
-          <a:effectRef idx="0">
-            <a:schemeClr val="accent1"/>
-          </a:effectRef>
-          <a:fontRef idx="minor">
-            <a:schemeClr val="tx1"/>
-          </a:fontRef>
-        </p:style>
-        <p:txBody>
-          <a:bodyPr rtlCol="0" anchor="ctr"/>
-          <a:lstStyle/>
-          <a:p>
-            <a:pPr algn="ctr"/>
-            <a:endParaRPr lang="en-US"/>
-          </a:p>
-        </p:txBody>
-      </p:sp>
-      <p:cxnSp>
-        <p:nvCxnSpPr>
-          <p:cNvPr id="61" name="Connecteur droit avec flèche 60"/>
-          <p:cNvCxnSpPr>
-            <a:stCxn id="59" idx="0"/>
-          </p:cNvCxnSpPr>
-          <p:nvPr/>
-        </p:nvCxnSpPr>
-        <p:spPr>
-          <a:xfrm flipH="1">
-            <a:off x="4352929" y="1933478"/>
-            <a:ext cx="15" cy="59929"/>
-          </a:xfrm>
-          <a:prstGeom prst="straightConnector1">
-            <a:avLst/>
-          </a:prstGeom>
-          <a:ln>
-            <a:solidFill>
-              <a:schemeClr val="tx1"/>
-            </a:solidFill>
-            <a:tailEnd type="arrow"/>
-          </a:ln>
-        </p:spPr>
-        <p:style>
-          <a:lnRef idx="1">
-            <a:schemeClr val="accent1"/>
-          </a:lnRef>
-          <a:fillRef idx="0">
-            <a:schemeClr val="accent1"/>
-          </a:fillRef>
-          <a:effectRef idx="0">
-            <a:schemeClr val="accent1"/>
-          </a:effectRef>
-          <a:fontRef idx="minor">
-            <a:schemeClr val="tx1"/>
-          </a:fontRef>
-        </p:style>
-      </p:cxnSp>
-      <p:sp>
-        <p:nvSpPr>
-          <p:cNvPr id="64" name="ZoneTexte 63"/>
-          <p:cNvSpPr txBox="1"/>
-          <p:nvPr/>
-        </p:nvSpPr>
-        <p:spPr>
-          <a:xfrm>
-            <a:off x="4592611" y="987574"/>
-            <a:ext cx="1415772" cy="400110"/>
-          </a:xfrm>
-          <a:prstGeom prst="rect">
-            <a:avLst/>
-          </a:prstGeom>
-          <a:solidFill>
-            <a:schemeClr val="accent3">
-              <a:lumMod val="40000"/>
-              <a:lumOff val="60000"/>
-            </a:schemeClr>
-          </a:solidFill>
-        </p:spPr>
-        <p:txBody>
-          <a:bodyPr wrap="none" rtlCol="0">
-            <a:spAutoFit/>
-          </a:bodyPr>
-          <a:lstStyle/>
-          <a:p>
-            <a:r>
-              <a:rPr lang="fr-FR" sz="2000" dirty="0" smtClean="0">
-                <a:latin typeface="Lucida Console" panose="020B0609040504020204" pitchFamily="49" charset="0"/>
-              </a:rPr>
-              <a:t>Learning</a:t>
-            </a:r>
-            <a:endParaRPr lang="en-US" sz="2000" dirty="0">
-              <a:latin typeface="Lucida Console" panose="020B0609040504020204" pitchFamily="49" charset="0"/>
-            </a:endParaRPr>
-          </a:p>
-        </p:txBody>
-      </p:sp>
-      <p:sp>
-        <p:nvSpPr>
-          <p:cNvPr id="16" name="ZoneTexte 15"/>
-          <p:cNvSpPr txBox="1"/>
-          <p:nvPr/>
-        </p:nvSpPr>
-        <p:spPr>
-          <a:xfrm>
-            <a:off x="1763688" y="3303137"/>
-            <a:ext cx="5902577" cy="1477328"/>
+            <a:off x="6725541" y="1131589"/>
+            <a:ext cx="301686" cy="369332"/>
           </a:xfrm>
           <a:prstGeom prst="rect">
             <a:avLst/>
@@ -4366,583 +9095,293 @@
           </a:bodyPr>
           <a:lstStyle/>
           <a:p>
-            <a:pPr algn="ctr"/>
-            <a:r>
-              <a:rPr lang="fr-FR" dirty="0" err="1" smtClean="0">
-                <a:latin typeface="Lucida Console" panose="020B0609040504020204" pitchFamily="49" charset="0"/>
+            <a:r>
+              <a:rPr lang="fr-FR" dirty="0" smtClean="0"/>
+              <a:t>3</a:t>
+            </a:r>
+            <a:endParaRPr lang="en-US" dirty="0"/>
+          </a:p>
+        </p:txBody>
+      </p:sp>
+      <p:sp>
+        <p:nvSpPr>
+          <p:cNvPr id="7" name="ZoneTexte 6"/>
+          <p:cNvSpPr txBox="1"/>
+          <p:nvPr/>
+        </p:nvSpPr>
+        <p:spPr>
+          <a:xfrm>
+            <a:off x="5822826" y="1788021"/>
+            <a:ext cx="301686" cy="369332"/>
+          </a:xfrm>
+          <a:prstGeom prst="rect">
+            <a:avLst/>
+          </a:prstGeom>
+          <a:noFill/>
+        </p:spPr>
+        <p:txBody>
+          <a:bodyPr wrap="none" rtlCol="0">
+            <a:spAutoFit/>
+          </a:bodyPr>
+          <a:lstStyle/>
+          <a:p>
+            <a:r>
+              <a:rPr lang="fr-FR" dirty="0" smtClean="0"/>
+              <a:t>2</a:t>
+            </a:r>
+            <a:endParaRPr lang="en-US" dirty="0"/>
+          </a:p>
+        </p:txBody>
+      </p:sp>
+      <p:sp>
+        <p:nvSpPr>
+          <p:cNvPr id="8" name="ZoneTexte 7"/>
+          <p:cNvSpPr txBox="1"/>
+          <p:nvPr/>
+        </p:nvSpPr>
+        <p:spPr>
+          <a:xfrm>
+            <a:off x="5077781" y="1772270"/>
+            <a:ext cx="558166" cy="369332"/>
+          </a:xfrm>
+          <a:prstGeom prst="rect">
+            <a:avLst/>
+          </a:prstGeom>
+          <a:noFill/>
+        </p:spPr>
+        <p:txBody>
+          <a:bodyPr wrap="none" rtlCol="0">
+            <a:spAutoFit/>
+          </a:bodyPr>
+          <a:lstStyle/>
+          <a:p>
+            <a:r>
+              <a:rPr lang="fr-FR" dirty="0" smtClean="0"/>
+              <a:t>W =</a:t>
+            </a:r>
+            <a:endParaRPr lang="en-US" dirty="0"/>
+          </a:p>
+        </p:txBody>
+      </p:sp>
+      <p:sp>
+        <p:nvSpPr>
+          <p:cNvPr id="9" name="ZoneTexte 8"/>
+          <p:cNvSpPr txBox="1"/>
+          <p:nvPr/>
+        </p:nvSpPr>
+        <p:spPr>
+          <a:xfrm>
+            <a:off x="5635947" y="3507854"/>
+            <a:ext cx="1855316" cy="369332"/>
+          </a:xfrm>
+          <a:prstGeom prst="rect">
+            <a:avLst/>
+          </a:prstGeom>
+          <a:noFill/>
+        </p:spPr>
+        <p:txBody>
+          <a:bodyPr wrap="none" rtlCol="0">
+            <a:spAutoFit/>
+          </a:bodyPr>
+          <a:lstStyle/>
+          <a:p>
+            <a:r>
+              <a:rPr lang="fr-FR" dirty="0" smtClean="0"/>
+              <a:t>B : </a:t>
+            </a:r>
+            <a:r>
+              <a:rPr lang="fr-FR" dirty="0" err="1" smtClean="0"/>
+              <a:t>vector</a:t>
+            </a:r>
+            <a:r>
+              <a:rPr lang="fr-FR" dirty="0" smtClean="0"/>
+              <a:t> of N = 2</a:t>
+            </a:r>
+            <a:endParaRPr lang="en-US" dirty="0"/>
+          </a:p>
+        </p:txBody>
+      </p:sp>
+      <p:sp>
+        <p:nvSpPr>
+          <p:cNvPr id="10" name="Rectangle 9"/>
+          <p:cNvSpPr/>
+          <p:nvPr/>
+        </p:nvSpPr>
+        <p:spPr>
+          <a:xfrm>
+            <a:off x="4920366" y="2542202"/>
+            <a:ext cx="3288401" cy="369332"/>
+          </a:xfrm>
+          <a:prstGeom prst="rect">
+            <a:avLst/>
+          </a:prstGeom>
+        </p:spPr>
+        <p:txBody>
+          <a:bodyPr wrap="none">
+            <a:spAutoFit/>
+          </a:bodyPr>
+          <a:lstStyle/>
+          <a:p>
+            <a:r>
+              <a:rPr lang="fr-FR" dirty="0" smtClean="0"/>
+              <a:t>Dimension: N </a:t>
+            </a:r>
+            <a:r>
+              <a:rPr lang="fr-FR" dirty="0" err="1" smtClean="0"/>
+              <a:t>units</a:t>
+            </a:r>
+            <a:r>
+              <a:rPr lang="fr-FR" dirty="0" smtClean="0"/>
+              <a:t> L, N </a:t>
+            </a:r>
+            <a:r>
+              <a:rPr lang="fr-FR" dirty="0" err="1" smtClean="0"/>
+              <a:t>units</a:t>
+            </a:r>
+            <a:r>
+              <a:rPr lang="fr-FR" dirty="0" smtClean="0"/>
+              <a:t> L-1 </a:t>
+            </a:r>
+            <a:endParaRPr lang="en-US" dirty="0"/>
+          </a:p>
+        </p:txBody>
+      </p:sp>
+      <p:sp>
+        <p:nvSpPr>
+          <p:cNvPr id="11" name="ZoneTexte 10"/>
+          <p:cNvSpPr txBox="1"/>
+          <p:nvPr/>
+        </p:nvSpPr>
+        <p:spPr>
+          <a:xfrm>
+            <a:off x="3593732" y="4619332"/>
+            <a:ext cx="2500493" cy="369332"/>
+          </a:xfrm>
+          <a:prstGeom prst="rect">
+            <a:avLst/>
+          </a:prstGeom>
+          <a:noFill/>
+        </p:spPr>
+        <p:txBody>
+          <a:bodyPr wrap="none" rtlCol="0">
+            <a:spAutoFit/>
+          </a:bodyPr>
+          <a:lstStyle/>
+          <a:p>
+            <a:r>
+              <a:rPr lang="fr-FR" dirty="0" smtClean="0">
+                <a:sym typeface="Wingdings" panose="05000000000000000000" pitchFamily="2" charset="2"/>
               </a:rPr>
-              <a:t>Numerical</a:t>
-            </a:r>
-            <a:r>
-              <a:rPr lang="fr-FR" dirty="0" smtClean="0">
-                <a:latin typeface="Lucida Console" panose="020B0609040504020204" pitchFamily="49" charset="0"/>
-              </a:rPr>
-              <a:t> data -&gt; ok for </a:t>
-            </a:r>
-            <a:r>
-              <a:rPr lang="fr-FR" dirty="0" err="1" smtClean="0">
-                <a:latin typeface="Lucida Console" panose="020B0609040504020204" pitchFamily="49" charset="0"/>
-              </a:rPr>
-              <a:t>models</a:t>
-            </a:r>
-            <a:endParaRPr lang="fr-FR" dirty="0" smtClean="0">
-              <a:latin typeface="Lucida Console" panose="020B0609040504020204" pitchFamily="49" charset="0"/>
-            </a:endParaRPr>
-          </a:p>
-          <a:p>
-            <a:pPr algn="ctr"/>
-            <a:r>
-              <a:rPr lang="fr-FR" dirty="0">
-                <a:latin typeface="Lucida Console" panose="020B0609040504020204" pitchFamily="49" charset="0"/>
-              </a:rPr>
-              <a:t>*</a:t>
-            </a:r>
-            <a:endParaRPr lang="fr-FR" dirty="0" smtClean="0">
-              <a:latin typeface="Lucida Console" panose="020B0609040504020204" pitchFamily="49" charset="0"/>
-            </a:endParaRPr>
-          </a:p>
-          <a:p>
-            <a:pPr algn="ctr"/>
-            <a:r>
-              <a:rPr lang="fr-FR" dirty="0">
-                <a:latin typeface="Lucida Console" panose="020B0609040504020204" pitchFamily="49" charset="0"/>
-              </a:rPr>
-              <a:t>Natural langage </a:t>
-            </a:r>
-            <a:r>
-              <a:rPr lang="fr-FR" dirty="0" smtClean="0">
-                <a:latin typeface="Lucida Console" panose="020B0609040504020204" pitchFamily="49" charset="0"/>
-              </a:rPr>
-              <a:t>data -&gt; </a:t>
-            </a:r>
-            <a:r>
-              <a:rPr lang="fr-FR" dirty="0" err="1" smtClean="0">
-                <a:latin typeface="Lucida Console" panose="020B0609040504020204" pitchFamily="49" charset="0"/>
-              </a:rPr>
-              <a:t>turn</a:t>
-            </a:r>
-            <a:r>
-              <a:rPr lang="fr-FR" dirty="0" smtClean="0">
-                <a:latin typeface="Lucida Console" panose="020B0609040504020204" pitchFamily="49" charset="0"/>
-              </a:rPr>
-              <a:t> to </a:t>
-            </a:r>
-            <a:r>
-              <a:rPr lang="fr-FR" dirty="0" err="1" smtClean="0">
-                <a:latin typeface="Lucida Console" panose="020B0609040504020204" pitchFamily="49" charset="0"/>
-              </a:rPr>
-              <a:t>numerical</a:t>
-            </a:r>
-            <a:endParaRPr lang="fr-FR" dirty="0" smtClean="0">
-              <a:latin typeface="Lucida Console" panose="020B0609040504020204" pitchFamily="49" charset="0"/>
-            </a:endParaRPr>
-          </a:p>
-          <a:p>
-            <a:pPr algn="ctr"/>
-            <a:r>
-              <a:rPr lang="fr-FR" dirty="0">
-                <a:latin typeface="Lucida Console" panose="020B0609040504020204" pitchFamily="49" charset="0"/>
-              </a:rPr>
-              <a:t>*</a:t>
-            </a:r>
-            <a:endParaRPr lang="fr-FR" dirty="0" smtClean="0">
-              <a:latin typeface="Lucida Console" panose="020B0609040504020204" pitchFamily="49" charset="0"/>
-            </a:endParaRPr>
-          </a:p>
-          <a:p>
-            <a:pPr algn="ctr"/>
-            <a:r>
-              <a:rPr lang="fr-FR" dirty="0" smtClean="0">
-                <a:latin typeface="Lucida Console" panose="020B0609040504020204" pitchFamily="49" charset="0"/>
-              </a:rPr>
-              <a:t>Images -&gt; use pixels values</a:t>
-            </a:r>
-            <a:endParaRPr lang="en-US" dirty="0">
-              <a:latin typeface="Lucida Console" panose="020B0609040504020204" pitchFamily="49" charset="0"/>
-            </a:endParaRPr>
-          </a:p>
-        </p:txBody>
-      </p:sp>
-      <p:grpSp>
-        <p:nvGrpSpPr>
-          <p:cNvPr id="19" name="Groupe 18"/>
-          <p:cNvGrpSpPr/>
-          <p:nvPr/>
-        </p:nvGrpSpPr>
-        <p:grpSpPr>
-          <a:xfrm>
-            <a:off x="261871" y="3376302"/>
-            <a:ext cx="1192745" cy="1283680"/>
-            <a:chOff x="7499045" y="3144434"/>
-            <a:chExt cx="1473209" cy="1448741"/>
-          </a:xfrm>
-        </p:grpSpPr>
-        <p:pic>
-          <p:nvPicPr>
-            <p:cNvPr id="20" name="Picture 2" descr="C:\Users\L_VERLINGUE\Downloads\Bloc_notes.png"/>
-            <p:cNvPicPr>
-              <a:picLocks noChangeAspect="1" noChangeArrowheads="1"/>
-            </p:cNvPicPr>
-            <p:nvPr/>
-          </p:nvPicPr>
-          <p:blipFill>
-            <a:blip r:embed="rId2" cstate="print">
-              <a:extLst>
-                <a:ext uri="{28A0092B-C50C-407E-A947-70E740481C1C}">
-                  <a14:useLocalDpi xmlns:a14="http://schemas.microsoft.com/office/drawing/2010/main" val="0"/>
-                </a:ext>
-              </a:extLst>
-            </a:blip>
-            <a:srcRect/>
-            <a:stretch>
-              <a:fillRect/>
-            </a:stretch>
-          </p:blipFill>
-          <p:spPr bwMode="auto">
-            <a:xfrm>
-              <a:off x="7499045" y="3144434"/>
-              <a:ext cx="1473209" cy="1448741"/>
-            </a:xfrm>
-            <a:prstGeom prst="rect">
-              <a:avLst/>
-            </a:prstGeom>
-            <a:noFill/>
-            <a:extLst>
-              <a:ext uri="{909E8E84-426E-40DD-AFC4-6F175D3DCCD1}">
-                <a14:hiddenFill xmlns:a14="http://schemas.microsoft.com/office/drawing/2010/main">
-                  <a:solidFill>
-                    <a:srgbClr val="FFFFFF"/>
-                  </a:solidFill>
-                </a14:hiddenFill>
-              </a:ext>
-            </a:extLst>
-          </p:spPr>
-        </p:pic>
-        <p:cxnSp>
-          <p:nvCxnSpPr>
-            <p:cNvPr id="21" name="Connecteur droit 20"/>
-            <p:cNvCxnSpPr/>
-            <p:nvPr/>
-          </p:nvCxnSpPr>
-          <p:spPr>
-            <a:xfrm>
-              <a:off x="8047261" y="3532553"/>
-              <a:ext cx="644529" cy="0"/>
-            </a:xfrm>
-            <a:prstGeom prst="line">
-              <a:avLst/>
-            </a:prstGeom>
-            <a:ln w="76200">
-              <a:solidFill>
-                <a:schemeClr val="bg2"/>
-              </a:solidFill>
-            </a:ln>
-          </p:spPr>
-          <p:style>
-            <a:lnRef idx="1">
-              <a:schemeClr val="accent1"/>
-            </a:lnRef>
-            <a:fillRef idx="0">
-              <a:schemeClr val="accent1"/>
-            </a:fillRef>
-            <a:effectRef idx="0">
-              <a:schemeClr val="accent1"/>
-            </a:effectRef>
-            <a:fontRef idx="minor">
-              <a:schemeClr val="tx1"/>
-            </a:fontRef>
-          </p:style>
-        </p:cxnSp>
-        <p:sp>
-          <p:nvSpPr>
-            <p:cNvPr id="22" name="Ellipse 21"/>
-            <p:cNvSpPr/>
-            <p:nvPr/>
-          </p:nvSpPr>
-          <p:spPr>
-            <a:xfrm>
-              <a:off x="7762604" y="3488342"/>
-              <a:ext cx="92076" cy="74766"/>
-            </a:xfrm>
-            <a:prstGeom prst="ellipse">
-              <a:avLst/>
-            </a:prstGeom>
-            <a:solidFill>
-              <a:schemeClr val="bg2"/>
-            </a:solidFill>
-            <a:ln w="76200">
-              <a:solidFill>
-                <a:schemeClr val="bg2"/>
-              </a:solidFill>
-            </a:ln>
-          </p:spPr>
-          <p:style>
-            <a:lnRef idx="2">
-              <a:schemeClr val="accent1">
-                <a:shade val="50000"/>
-              </a:schemeClr>
-            </a:lnRef>
-            <a:fillRef idx="1">
-              <a:schemeClr val="accent1"/>
-            </a:fillRef>
-            <a:effectRef idx="0">
-              <a:schemeClr val="accent1"/>
-            </a:effectRef>
-            <a:fontRef idx="minor">
-              <a:schemeClr val="lt1"/>
-            </a:fontRef>
-          </p:style>
-          <p:txBody>
-            <a:bodyPr rtlCol="0" anchor="ctr"/>
-            <a:lstStyle/>
-            <a:p>
-              <a:pPr algn="ctr"/>
-              <a:endParaRPr lang="en-US"/>
-            </a:p>
-          </p:txBody>
-        </p:sp>
-        <p:cxnSp>
-          <p:nvCxnSpPr>
-            <p:cNvPr id="23" name="Connecteur droit 22"/>
-            <p:cNvCxnSpPr/>
-            <p:nvPr/>
-          </p:nvCxnSpPr>
-          <p:spPr>
-            <a:xfrm>
-              <a:off x="8047261" y="3698751"/>
-              <a:ext cx="644529" cy="0"/>
-            </a:xfrm>
-            <a:prstGeom prst="line">
-              <a:avLst/>
-            </a:prstGeom>
-            <a:ln w="76200">
-              <a:solidFill>
-                <a:schemeClr val="bg2"/>
-              </a:solidFill>
-            </a:ln>
-          </p:spPr>
-          <p:style>
-            <a:lnRef idx="1">
-              <a:schemeClr val="accent1"/>
-            </a:lnRef>
-            <a:fillRef idx="0">
-              <a:schemeClr val="accent1"/>
-            </a:fillRef>
-            <a:effectRef idx="0">
-              <a:schemeClr val="accent1"/>
-            </a:effectRef>
-            <a:fontRef idx="minor">
-              <a:schemeClr val="tx1"/>
-            </a:fontRef>
-          </p:style>
-        </p:cxnSp>
-        <p:sp>
-          <p:nvSpPr>
-            <p:cNvPr id="24" name="Ellipse 23"/>
-            <p:cNvSpPr/>
-            <p:nvPr/>
-          </p:nvSpPr>
-          <p:spPr>
-            <a:xfrm>
-              <a:off x="7762604" y="3654541"/>
-              <a:ext cx="92076" cy="74766"/>
-            </a:xfrm>
-            <a:prstGeom prst="ellipse">
-              <a:avLst/>
-            </a:prstGeom>
-            <a:solidFill>
-              <a:schemeClr val="bg2"/>
-            </a:solidFill>
-            <a:ln w="76200">
-              <a:solidFill>
-                <a:schemeClr val="bg2"/>
-              </a:solidFill>
-            </a:ln>
-          </p:spPr>
-          <p:style>
-            <a:lnRef idx="2">
-              <a:schemeClr val="accent1">
-                <a:shade val="50000"/>
-              </a:schemeClr>
-            </a:lnRef>
-            <a:fillRef idx="1">
-              <a:schemeClr val="accent1"/>
-            </a:fillRef>
-            <a:effectRef idx="0">
-              <a:schemeClr val="accent1"/>
-            </a:effectRef>
-            <a:fontRef idx="minor">
-              <a:schemeClr val="lt1"/>
-            </a:fontRef>
-          </p:style>
-          <p:txBody>
-            <a:bodyPr rtlCol="0" anchor="ctr"/>
-            <a:lstStyle/>
-            <a:p>
-              <a:pPr algn="ctr"/>
-              <a:endParaRPr lang="en-US"/>
-            </a:p>
-          </p:txBody>
-        </p:sp>
-        <p:cxnSp>
-          <p:nvCxnSpPr>
-            <p:cNvPr id="25" name="Connecteur droit 24"/>
-            <p:cNvCxnSpPr/>
-            <p:nvPr/>
-          </p:nvCxnSpPr>
-          <p:spPr>
-            <a:xfrm>
-              <a:off x="8047261" y="3864950"/>
-              <a:ext cx="644529" cy="0"/>
-            </a:xfrm>
-            <a:prstGeom prst="line">
-              <a:avLst/>
-            </a:prstGeom>
-            <a:ln w="76200">
-              <a:solidFill>
-                <a:schemeClr val="bg2"/>
-              </a:solidFill>
-            </a:ln>
-          </p:spPr>
-          <p:style>
-            <a:lnRef idx="1">
-              <a:schemeClr val="accent1"/>
-            </a:lnRef>
-            <a:fillRef idx="0">
-              <a:schemeClr val="accent1"/>
-            </a:fillRef>
-            <a:effectRef idx="0">
-              <a:schemeClr val="accent1"/>
-            </a:effectRef>
-            <a:fontRef idx="minor">
-              <a:schemeClr val="tx1"/>
-            </a:fontRef>
-          </p:style>
-        </p:cxnSp>
-        <p:sp>
-          <p:nvSpPr>
-            <p:cNvPr id="26" name="Ellipse 25"/>
-            <p:cNvSpPr/>
-            <p:nvPr/>
-          </p:nvSpPr>
-          <p:spPr>
-            <a:xfrm>
-              <a:off x="7762604" y="3820739"/>
-              <a:ext cx="92076" cy="74766"/>
-            </a:xfrm>
-            <a:prstGeom prst="ellipse">
-              <a:avLst/>
-            </a:prstGeom>
-            <a:solidFill>
-              <a:schemeClr val="bg2"/>
-            </a:solidFill>
-            <a:ln w="76200">
-              <a:solidFill>
-                <a:schemeClr val="bg2"/>
-              </a:solidFill>
-            </a:ln>
-          </p:spPr>
-          <p:style>
-            <a:lnRef idx="2">
-              <a:schemeClr val="accent1">
-                <a:shade val="50000"/>
-              </a:schemeClr>
-            </a:lnRef>
-            <a:fillRef idx="1">
-              <a:schemeClr val="accent1"/>
-            </a:fillRef>
-            <a:effectRef idx="0">
-              <a:schemeClr val="accent1"/>
-            </a:effectRef>
-            <a:fontRef idx="minor">
-              <a:schemeClr val="lt1"/>
-            </a:fontRef>
-          </p:style>
-          <p:txBody>
-            <a:bodyPr rtlCol="0" anchor="ctr"/>
-            <a:lstStyle/>
-            <a:p>
-              <a:pPr algn="ctr"/>
-              <a:endParaRPr lang="en-US"/>
-            </a:p>
-          </p:txBody>
-        </p:sp>
-        <p:cxnSp>
-          <p:nvCxnSpPr>
-            <p:cNvPr id="27" name="Connecteur droit 26"/>
-            <p:cNvCxnSpPr/>
-            <p:nvPr/>
-          </p:nvCxnSpPr>
-          <p:spPr>
-            <a:xfrm>
-              <a:off x="8047261" y="4031149"/>
-              <a:ext cx="644529" cy="0"/>
-            </a:xfrm>
-            <a:prstGeom prst="line">
-              <a:avLst/>
-            </a:prstGeom>
-            <a:ln w="76200">
-              <a:solidFill>
-                <a:schemeClr val="bg2"/>
-              </a:solidFill>
-            </a:ln>
-          </p:spPr>
-          <p:style>
-            <a:lnRef idx="1">
-              <a:schemeClr val="accent1"/>
-            </a:lnRef>
-            <a:fillRef idx="0">
-              <a:schemeClr val="accent1"/>
-            </a:fillRef>
-            <a:effectRef idx="0">
-              <a:schemeClr val="accent1"/>
-            </a:effectRef>
-            <a:fontRef idx="minor">
-              <a:schemeClr val="tx1"/>
-            </a:fontRef>
-          </p:style>
-        </p:cxnSp>
-        <p:sp>
-          <p:nvSpPr>
-            <p:cNvPr id="28" name="Ellipse 27"/>
-            <p:cNvSpPr/>
-            <p:nvPr/>
-          </p:nvSpPr>
-          <p:spPr>
-            <a:xfrm>
-              <a:off x="7762604" y="3986938"/>
-              <a:ext cx="92076" cy="74766"/>
-            </a:xfrm>
-            <a:prstGeom prst="ellipse">
-              <a:avLst/>
-            </a:prstGeom>
-            <a:solidFill>
-              <a:schemeClr val="bg2"/>
-            </a:solidFill>
-            <a:ln w="76200">
-              <a:solidFill>
-                <a:schemeClr val="bg2"/>
-              </a:solidFill>
-            </a:ln>
-          </p:spPr>
-          <p:style>
-            <a:lnRef idx="2">
-              <a:schemeClr val="accent1">
-                <a:shade val="50000"/>
-              </a:schemeClr>
-            </a:lnRef>
-            <a:fillRef idx="1">
-              <a:schemeClr val="accent1"/>
-            </a:fillRef>
-            <a:effectRef idx="0">
-              <a:schemeClr val="accent1"/>
-            </a:effectRef>
-            <a:fontRef idx="minor">
-              <a:schemeClr val="lt1"/>
-            </a:fontRef>
-          </p:style>
-          <p:txBody>
-            <a:bodyPr rtlCol="0" anchor="ctr"/>
-            <a:lstStyle/>
-            <a:p>
-              <a:pPr algn="ctr"/>
-              <a:endParaRPr lang="en-US"/>
-            </a:p>
-          </p:txBody>
-        </p:sp>
-        <p:cxnSp>
-          <p:nvCxnSpPr>
-            <p:cNvPr id="29" name="Connecteur droit 28"/>
-            <p:cNvCxnSpPr/>
-            <p:nvPr/>
-          </p:nvCxnSpPr>
-          <p:spPr>
-            <a:xfrm>
-              <a:off x="8047261" y="4197347"/>
-              <a:ext cx="644529" cy="0"/>
-            </a:xfrm>
-            <a:prstGeom prst="line">
-              <a:avLst/>
-            </a:prstGeom>
-            <a:ln w="76200">
-              <a:solidFill>
-                <a:schemeClr val="bg2"/>
-              </a:solidFill>
-            </a:ln>
-          </p:spPr>
-          <p:style>
-            <a:lnRef idx="1">
-              <a:schemeClr val="accent1"/>
-            </a:lnRef>
-            <a:fillRef idx="0">
-              <a:schemeClr val="accent1"/>
-            </a:fillRef>
-            <a:effectRef idx="0">
-              <a:schemeClr val="accent1"/>
-            </a:effectRef>
-            <a:fontRef idx="minor">
-              <a:schemeClr val="tx1"/>
-            </a:fontRef>
-          </p:style>
-        </p:cxnSp>
-        <p:sp>
-          <p:nvSpPr>
-            <p:cNvPr id="30" name="Ellipse 29"/>
-            <p:cNvSpPr/>
-            <p:nvPr/>
-          </p:nvSpPr>
-          <p:spPr>
-            <a:xfrm>
-              <a:off x="7762604" y="4153137"/>
-              <a:ext cx="92076" cy="74766"/>
-            </a:xfrm>
-            <a:prstGeom prst="ellipse">
-              <a:avLst/>
-            </a:prstGeom>
-            <a:solidFill>
-              <a:schemeClr val="bg2"/>
-            </a:solidFill>
-            <a:ln w="76200">
-              <a:solidFill>
-                <a:schemeClr val="bg2"/>
-              </a:solidFill>
-            </a:ln>
-          </p:spPr>
-          <p:style>
-            <a:lnRef idx="2">
-              <a:schemeClr val="accent1">
-                <a:shade val="50000"/>
-              </a:schemeClr>
-            </a:lnRef>
-            <a:fillRef idx="1">
-              <a:schemeClr val="accent1"/>
-            </a:fillRef>
-            <a:effectRef idx="0">
-              <a:schemeClr val="accent1"/>
-            </a:effectRef>
-            <a:fontRef idx="minor">
-              <a:schemeClr val="lt1"/>
-            </a:fontRef>
-          </p:style>
-          <p:txBody>
-            <a:bodyPr rtlCol="0" anchor="ctr"/>
-            <a:lstStyle/>
-            <a:p>
-              <a:pPr algn="ctr"/>
-              <a:endParaRPr lang="en-US"/>
-            </a:p>
-          </p:txBody>
-        </p:sp>
-      </p:grpSp>
+              <a:t> </a:t>
+            </a:r>
+            <a:r>
+              <a:rPr lang="fr-FR" dirty="0" err="1" smtClean="0"/>
+              <a:t>Random</a:t>
+            </a:r>
+            <a:r>
+              <a:rPr lang="fr-FR" dirty="0" smtClean="0"/>
+              <a:t> initialisation </a:t>
+            </a:r>
+            <a:endParaRPr lang="en-US" dirty="0"/>
+          </a:p>
+        </p:txBody>
+      </p:sp>
     </p:spTree>
     <p:extLst>
       <p:ext uri="{BB962C8B-B14F-4D97-AF65-F5344CB8AC3E}">
-        <p14:creationId xmlns:p14="http://schemas.microsoft.com/office/powerpoint/2010/main" val="4243046104"/>
+        <p14:creationId xmlns:p14="http://schemas.microsoft.com/office/powerpoint/2010/main" val="2314757861"/>
       </p:ext>
     </p:extLst>
   </p:cSld>
   <p:clrMapOvr>
     <a:masterClrMapping/>
+  </p:clrMapOvr>
+</p:sld>
+</file>
+
+<file path=ppt/slides/slide13.xml><?xml version="1.0" encoding="utf-8"?>
+<p:sld xmlns:a="http://schemas.openxmlformats.org/drawingml/2006/main" xmlns:r="http://schemas.openxmlformats.org/officeDocument/2006/relationships" xmlns:p="http://schemas.openxmlformats.org/presentationml/2006/main">
+  <p:cSld>
+    <p:bg>
+      <p:bgRef idx="1001">
+        <a:schemeClr val="bg1"/>
+      </p:bgRef>
+    </p:bg>
+    <p:spTree>
+      <p:nvGrpSpPr>
+        <p:cNvPr id="1" name=""/>
+        <p:cNvGrpSpPr/>
+        <p:nvPr/>
+      </p:nvGrpSpPr>
+      <p:grpSpPr>
+        <a:xfrm>
+          <a:off x="0" y="0"/>
+          <a:ext cx="0" cy="0"/>
+          <a:chOff x="0" y="0"/>
+          <a:chExt cx="0" cy="0"/>
+        </a:xfrm>
+      </p:grpSpPr>
+      <p:sp>
+        <p:nvSpPr>
+          <p:cNvPr id="4" name="ZoneTexte 3"/>
+          <p:cNvSpPr txBox="1"/>
+          <p:nvPr/>
+        </p:nvSpPr>
+        <p:spPr>
+          <a:xfrm>
+            <a:off x="2627784" y="1995686"/>
+            <a:ext cx="4381328" cy="923330"/>
+          </a:xfrm>
+          <a:prstGeom prst="rect">
+            <a:avLst/>
+          </a:prstGeom>
+          <a:noFill/>
+        </p:spPr>
+        <p:txBody>
+          <a:bodyPr wrap="none" rtlCol="0">
+            <a:spAutoFit/>
+          </a:bodyPr>
+          <a:lstStyle/>
+          <a:p>
+            <a:r>
+              <a:rPr lang="fr-FR" sz="5400" b="1" dirty="0" smtClean="0">
+                <a:solidFill>
+                  <a:prstClr val="white"/>
+                </a:solidFill>
+                <a:latin typeface="Consolas" panose="020B0609020204030204" pitchFamily="49" charset="0"/>
+                <a:cs typeface="Consolas" panose="020B0609020204030204" pitchFamily="49" charset="0"/>
+              </a:rPr>
+              <a:t>Back </a:t>
+            </a:r>
+            <a:r>
+              <a:rPr lang="fr-FR" sz="5400" b="1" dirty="0" err="1" smtClean="0">
+                <a:solidFill>
+                  <a:prstClr val="white"/>
+                </a:solidFill>
+                <a:latin typeface="Consolas" panose="020B0609020204030204" pitchFamily="49" charset="0"/>
+                <a:cs typeface="Consolas" panose="020B0609020204030204" pitchFamily="49" charset="0"/>
+              </a:rPr>
+              <a:t>to.Rmd</a:t>
+            </a:r>
+            <a:endParaRPr lang="en-US" sz="5400" b="1" dirty="0">
+              <a:solidFill>
+                <a:prstClr val="white"/>
+              </a:solidFill>
+              <a:latin typeface="Consolas" panose="020B0609020204030204" pitchFamily="49" charset="0"/>
+              <a:cs typeface="Consolas" panose="020B0609020204030204" pitchFamily="49" charset="0"/>
+            </a:endParaRPr>
+          </a:p>
+        </p:txBody>
+      </p:sp>
+    </p:spTree>
+    <p:extLst>
+      <p:ext uri="{BB962C8B-B14F-4D97-AF65-F5344CB8AC3E}">
+        <p14:creationId xmlns:p14="http://schemas.microsoft.com/office/powerpoint/2010/main" val="4122572129"/>
+      </p:ext>
+    </p:extLst>
+  </p:cSld>
+  <p:clrMapOvr>
+    <a:overrideClrMapping bg1="dk1" tx1="lt1" bg2="dk2" tx2="lt2" accent1="accent1" accent2="accent2" accent3="accent3" accent4="accent4" accent5="accent5" accent6="accent6" hlink="hlink" folHlink="folHlink"/>
   </p:clrMapOvr>
   <p:timing>
     <p:tnLst>
@@ -4954,7 +9393,439 @@
 </p:sld>
 </file>
 
-<file path=ppt/slides/slide13.xml><?xml version="1.0" encoding="utf-8"?>
+<file path=ppt/slides/slide14.xml><?xml version="1.0" encoding="utf-8"?>
+<p:sld xmlns:a="http://schemas.openxmlformats.org/drawingml/2006/main" xmlns:r="http://schemas.openxmlformats.org/officeDocument/2006/relationships" xmlns:p="http://schemas.openxmlformats.org/presentationml/2006/main">
+  <p:cSld>
+    <p:spTree>
+      <p:nvGrpSpPr>
+        <p:cNvPr id="1" name=""/>
+        <p:cNvGrpSpPr/>
+        <p:nvPr/>
+      </p:nvGrpSpPr>
+      <p:grpSpPr>
+        <a:xfrm>
+          <a:off x="0" y="0"/>
+          <a:ext cx="0" cy="0"/>
+          <a:chOff x="0" y="0"/>
+          <a:chExt cx="0" cy="0"/>
+        </a:xfrm>
+      </p:grpSpPr>
+      <p:sp>
+        <p:nvSpPr>
+          <p:cNvPr id="2" name="Titre 1"/>
+          <p:cNvSpPr>
+            <a:spLocks noGrp="1"/>
+          </p:cNvSpPr>
+          <p:nvPr>
+            <p:ph type="title"/>
+          </p:nvPr>
+        </p:nvSpPr>
+        <p:spPr/>
+        <p:txBody>
+          <a:bodyPr/>
+          <a:lstStyle/>
+          <a:p>
+            <a:r>
+              <a:rPr lang="fr-FR" dirty="0" smtClean="0"/>
+              <a:t>Matrix multiplication</a:t>
+            </a:r>
+            <a:endParaRPr lang="en-US" dirty="0"/>
+          </a:p>
+        </p:txBody>
+      </p:sp>
+      <mc:AlternateContent xmlns:mc="http://schemas.openxmlformats.org/markup-compatibility/2006">
+        <mc:Choice xmlns:a14="http://schemas.microsoft.com/office/drawing/2010/main" Requires="a14">
+          <p:sp>
+            <p:nvSpPr>
+              <p:cNvPr id="4" name="ZoneTexte 3"/>
+              <p:cNvSpPr txBox="1"/>
+              <p:nvPr/>
+            </p:nvSpPr>
+            <p:spPr>
+              <a:xfrm>
+                <a:off x="2843808" y="1491630"/>
+                <a:ext cx="3502241" cy="707886"/>
+              </a:xfrm>
+              <a:prstGeom prst="rect">
+                <a:avLst/>
+              </a:prstGeom>
+              <a:noFill/>
+            </p:spPr>
+            <p:txBody>
+              <a:bodyPr wrap="none" rtlCol="0">
+                <a:spAutoFit/>
+              </a:bodyPr>
+              <a:lstStyle/>
+              <a:p>
+                <a14:m>
+                  <m:oMathPara xmlns:m="http://schemas.openxmlformats.org/officeDocument/2006/math">
+                    <m:oMathParaPr>
+                      <m:jc m:val="centerGroup"/>
+                    </m:oMathParaPr>
+                    <m:oMath xmlns:m="http://schemas.openxmlformats.org/officeDocument/2006/math">
+                      <m:r>
+                        <a:rPr lang="fr-FR" sz="4000" b="0" i="1" smtClean="0">
+                          <a:latin typeface="Cambria Math"/>
+                        </a:rPr>
+                        <m:t>𝑧</m:t>
+                      </m:r>
+                      <m:r>
+                        <a:rPr lang="fr-FR" sz="4000" b="0" i="1" smtClean="0">
+                          <a:latin typeface="Cambria Math"/>
+                        </a:rPr>
+                        <m:t>=</m:t>
+                      </m:r>
+                      <m:r>
+                        <a:rPr lang="en-US" sz="4000" i="1" smtClean="0">
+                          <a:latin typeface="Cambria Math"/>
+                        </a:rPr>
+                        <m:t>𝑋</m:t>
+                      </m:r>
+                      <m:r>
+                        <a:rPr lang="fr-FR" sz="4000" b="0" i="1" smtClean="0">
+                          <a:latin typeface="Cambria Math"/>
+                        </a:rPr>
+                        <m:t>.</m:t>
+                      </m:r>
+                      <m:sSup>
+                        <m:sSupPr>
+                          <m:ctrlPr>
+                            <a:rPr lang="en-US" sz="4000" i="1" smtClean="0">
+                              <a:latin typeface="Cambria Math"/>
+                            </a:rPr>
+                          </m:ctrlPr>
+                        </m:sSupPr>
+                        <m:e>
+                          <m:r>
+                            <a:rPr lang="fr-FR" sz="4000" b="0" i="1" smtClean="0">
+                              <a:latin typeface="Cambria Math"/>
+                            </a:rPr>
+                            <m:t>𝑊</m:t>
+                          </m:r>
+                        </m:e>
+                        <m:sup>
+                          <m:r>
+                            <a:rPr lang="fr-FR" sz="4000" b="0" i="1" smtClean="0">
+                              <a:latin typeface="Cambria Math"/>
+                            </a:rPr>
+                            <m:t>𝑇</m:t>
+                          </m:r>
+                        </m:sup>
+                      </m:sSup>
+                      <m:r>
+                        <a:rPr lang="en-US" sz="4000" i="1">
+                          <a:latin typeface="Cambria Math"/>
+                        </a:rPr>
+                        <m:t>+</m:t>
+                      </m:r>
+                      <m:r>
+                        <a:rPr lang="en-US" sz="4000" i="1">
+                          <a:latin typeface="Cambria Math"/>
+                        </a:rPr>
+                        <m:t>𝐵</m:t>
+                      </m:r>
+                    </m:oMath>
+                  </m:oMathPara>
+                </a14:m>
+                <a:endParaRPr lang="en-US" sz="4000" dirty="0"/>
+              </a:p>
+            </p:txBody>
+          </p:sp>
+        </mc:Choice>
+        <mc:Fallback>
+          <p:sp>
+            <p:nvSpPr>
+              <p:cNvPr id="4" name="ZoneTexte 3"/>
+              <p:cNvSpPr txBox="1">
+                <a:spLocks noRot="1" noChangeAspect="1" noMove="1" noResize="1" noEditPoints="1" noAdjustHandles="1" noChangeArrowheads="1" noChangeShapeType="1" noTextEdit="1"/>
+              </p:cNvSpPr>
+              <p:nvPr/>
+            </p:nvSpPr>
+            <p:spPr>
+              <a:xfrm>
+                <a:off x="2843808" y="1491630"/>
+                <a:ext cx="3502241" cy="707886"/>
+              </a:xfrm>
+              <a:prstGeom prst="rect">
+                <a:avLst/>
+              </a:prstGeom>
+              <a:blipFill rotWithShape="1">
+                <a:blip r:embed="rId2"/>
+                <a:stretch>
+                  <a:fillRect/>
+                </a:stretch>
+              </a:blipFill>
+            </p:spPr>
+            <p:txBody>
+              <a:bodyPr/>
+              <a:lstStyle/>
+              <a:p>
+                <a:r>
+                  <a:rPr lang="en-US">
+                    <a:noFill/>
+                  </a:rPr>
+                  <a:t> </a:t>
+                </a:r>
+              </a:p>
+            </p:txBody>
+          </p:sp>
+        </mc:Fallback>
+      </mc:AlternateContent>
+      <mc:AlternateContent xmlns:mc="http://schemas.openxmlformats.org/markup-compatibility/2006">
+        <mc:Choice xmlns:a14="http://schemas.microsoft.com/office/drawing/2010/main" Requires="a14">
+          <p:sp>
+            <p:nvSpPr>
+              <p:cNvPr id="5" name="ZoneTexte 4"/>
+              <p:cNvSpPr txBox="1"/>
+              <p:nvPr/>
+            </p:nvSpPr>
+            <p:spPr>
+              <a:xfrm>
+                <a:off x="2411760" y="2427734"/>
+                <a:ext cx="4075155" cy="1200329"/>
+              </a:xfrm>
+              <a:prstGeom prst="rect">
+                <a:avLst/>
+              </a:prstGeom>
+              <a:noFill/>
+            </p:spPr>
+            <p:txBody>
+              <a:bodyPr wrap="none" rtlCol="0">
+                <a:spAutoFit/>
+              </a:bodyPr>
+              <a:lstStyle/>
+              <a:p>
+                <a:r>
+                  <a:rPr lang="fr-FR" dirty="0" smtClean="0"/>
+                  <a:t>X dimensions: Nb  </a:t>
+                </a:r>
+                <a:r>
+                  <a:rPr lang="fr-FR" dirty="0" err="1" smtClean="0"/>
+                  <a:t>examples</a:t>
+                </a:r>
+                <a:r>
+                  <a:rPr lang="fr-FR" dirty="0" smtClean="0"/>
+                  <a:t>, nb variables</a:t>
+                </a:r>
+              </a:p>
+              <a:p>
+                <a14:m>
+                  <m:oMath xmlns:m="http://schemas.openxmlformats.org/officeDocument/2006/math">
+                    <m:sSup>
+                      <m:sSupPr>
+                        <m:ctrlPr>
+                          <a:rPr lang="en-US" i="1">
+                            <a:latin typeface="Cambria Math"/>
+                          </a:rPr>
+                        </m:ctrlPr>
+                      </m:sSupPr>
+                      <m:e>
+                        <m:r>
+                          <a:rPr lang="fr-FR" i="1">
+                            <a:latin typeface="Cambria Math"/>
+                          </a:rPr>
+                          <m:t>𝑊</m:t>
+                        </m:r>
+                      </m:e>
+                      <m:sup>
+                        <m:r>
+                          <a:rPr lang="fr-FR" i="1">
+                            <a:latin typeface="Cambria Math"/>
+                          </a:rPr>
+                          <m:t>𝑇</m:t>
+                        </m:r>
+                      </m:sup>
+                    </m:sSup>
+                  </m:oMath>
+                </a14:m>
+                <a:r>
+                  <a:rPr lang="fr-FR" dirty="0" smtClean="0"/>
+                  <a:t> dimensions: Nb variables, nb </a:t>
+                </a:r>
+                <a:r>
+                  <a:rPr lang="fr-FR" dirty="0" err="1" smtClean="0"/>
+                  <a:t>units</a:t>
+                </a:r>
+                <a:r>
+                  <a:rPr lang="fr-FR" dirty="0" smtClean="0"/>
+                  <a:t> L1</a:t>
+                </a:r>
+              </a:p>
+              <a:p>
+                <a:r>
+                  <a:rPr lang="fr-FR" dirty="0" smtClean="0"/>
+                  <a:t>B dimensions: </a:t>
+                </a:r>
+                <a:r>
+                  <a:rPr lang="fr-FR" dirty="0" err="1" smtClean="0"/>
+                  <a:t>length</a:t>
+                </a:r>
+                <a:r>
+                  <a:rPr lang="fr-FR" dirty="0" smtClean="0"/>
+                  <a:t> nb unit L1</a:t>
+                </a:r>
+              </a:p>
+              <a:p>
+                <a:r>
+                  <a:rPr lang="fr-FR" dirty="0" smtClean="0"/>
+                  <a:t>Z dimensions: nb </a:t>
+                </a:r>
+                <a:r>
+                  <a:rPr lang="fr-FR" dirty="0" err="1" smtClean="0"/>
+                  <a:t>examples</a:t>
+                </a:r>
+                <a:r>
+                  <a:rPr lang="fr-FR" dirty="0" smtClean="0"/>
+                  <a:t>, nb </a:t>
+                </a:r>
+                <a:r>
+                  <a:rPr lang="fr-FR" dirty="0" err="1" smtClean="0"/>
+                  <a:t>units</a:t>
+                </a:r>
+                <a:r>
+                  <a:rPr lang="fr-FR" dirty="0" smtClean="0"/>
+                  <a:t> L1</a:t>
+                </a:r>
+                <a:endParaRPr lang="en-US" dirty="0"/>
+              </a:p>
+            </p:txBody>
+          </p:sp>
+        </mc:Choice>
+        <mc:Fallback>
+          <p:sp>
+            <p:nvSpPr>
+              <p:cNvPr id="5" name="ZoneTexte 4"/>
+              <p:cNvSpPr txBox="1">
+                <a:spLocks noRot="1" noChangeAspect="1" noMove="1" noResize="1" noEditPoints="1" noAdjustHandles="1" noChangeArrowheads="1" noChangeShapeType="1" noTextEdit="1"/>
+              </p:cNvSpPr>
+              <p:nvPr/>
+            </p:nvSpPr>
+            <p:spPr>
+              <a:xfrm>
+                <a:off x="2411760" y="2427734"/>
+                <a:ext cx="4075155" cy="1200329"/>
+              </a:xfrm>
+              <a:prstGeom prst="rect">
+                <a:avLst/>
+              </a:prstGeom>
+              <a:blipFill rotWithShape="1">
+                <a:blip r:embed="rId3"/>
+                <a:stretch>
+                  <a:fillRect l="-1347" t="-2538" r="-299" b="-7107"/>
+                </a:stretch>
+              </a:blipFill>
+            </p:spPr>
+            <p:txBody>
+              <a:bodyPr/>
+              <a:lstStyle/>
+              <a:p>
+                <a:r>
+                  <a:rPr lang="en-US">
+                    <a:noFill/>
+                  </a:rPr>
+                  <a:t> </a:t>
+                </a:r>
+              </a:p>
+            </p:txBody>
+          </p:sp>
+        </mc:Fallback>
+      </mc:AlternateContent>
+    </p:spTree>
+    <p:extLst>
+      <p:ext uri="{BB962C8B-B14F-4D97-AF65-F5344CB8AC3E}">
+        <p14:creationId xmlns:p14="http://schemas.microsoft.com/office/powerpoint/2010/main" val="2636381348"/>
+      </p:ext>
+    </p:extLst>
+  </p:cSld>
+  <p:clrMapOvr>
+    <a:masterClrMapping/>
+  </p:clrMapOvr>
+</p:sld>
+</file>
+
+<file path=ppt/slides/slide15.xml><?xml version="1.0" encoding="utf-8"?>
+<p:sld xmlns:a="http://schemas.openxmlformats.org/drawingml/2006/main" xmlns:r="http://schemas.openxmlformats.org/officeDocument/2006/relationships" xmlns:p="http://schemas.openxmlformats.org/presentationml/2006/main">
+  <p:cSld>
+    <p:spTree>
+      <p:nvGrpSpPr>
+        <p:cNvPr id="1" name=""/>
+        <p:cNvGrpSpPr/>
+        <p:nvPr/>
+      </p:nvGrpSpPr>
+      <p:grpSpPr>
+        <a:xfrm>
+          <a:off x="0" y="0"/>
+          <a:ext cx="0" cy="0"/>
+          <a:chOff x="0" y="0"/>
+          <a:chExt cx="0" cy="0"/>
+        </a:xfrm>
+      </p:grpSpPr>
+      <p:pic>
+        <p:nvPicPr>
+          <p:cNvPr id="12290" name="Picture 2"/>
+          <p:cNvPicPr>
+            <a:picLocks noChangeAspect="1" noChangeArrowheads="1"/>
+          </p:cNvPicPr>
+          <p:nvPr/>
+        </p:nvPicPr>
+        <p:blipFill rotWithShape="1">
+          <a:blip r:embed="rId2">
+            <a:extLst>
+              <a:ext uri="{28A0092B-C50C-407E-A947-70E740481C1C}">
+                <a14:useLocalDpi xmlns:a14="http://schemas.microsoft.com/office/drawing/2010/main" val="0"/>
+              </a:ext>
+            </a:extLst>
+          </a:blip>
+          <a:srcRect l="5795" t="18523" r="47929" b="37322"/>
+          <a:stretch/>
+        </p:blipFill>
+        <p:spPr bwMode="auto">
+          <a:xfrm>
+            <a:off x="2411760" y="1999081"/>
+            <a:ext cx="2963120" cy="1440160"/>
+          </a:xfrm>
+          <a:prstGeom prst="rect">
+            <a:avLst/>
+          </a:prstGeom>
+          <a:noFill/>
+          <a:ln>
+            <a:noFill/>
+          </a:ln>
+          <a:extLst>
+            <a:ext uri="{909E8E84-426E-40DD-AFC4-6F175D3DCCD1}">
+              <a14:hiddenFill xmlns:a14="http://schemas.microsoft.com/office/drawing/2010/main">
+                <a:solidFill>
+                  <a:schemeClr val="accent1"/>
+                </a:solidFill>
+              </a14:hiddenFill>
+            </a:ext>
+            <a:ext uri="{91240B29-F687-4F45-9708-019B960494DF}">
+              <a14:hiddenLine xmlns:a14="http://schemas.microsoft.com/office/drawing/2010/main" w="9525">
+                <a:solidFill>
+                  <a:schemeClr val="tx1"/>
+                </a:solidFill>
+                <a:miter lim="800000"/>
+                <a:headEnd/>
+                <a:tailEnd/>
+              </a14:hiddenLine>
+            </a:ext>
+          </a:extLst>
+        </p:spPr>
+      </p:pic>
+    </p:spTree>
+    <p:extLst>
+      <p:ext uri="{BB962C8B-B14F-4D97-AF65-F5344CB8AC3E}">
+        <p14:creationId xmlns:p14="http://schemas.microsoft.com/office/powerpoint/2010/main" val="2226667394"/>
+      </p:ext>
+    </p:extLst>
+  </p:cSld>
+  <p:clrMapOvr>
+    <a:masterClrMapping/>
+  </p:clrMapOvr>
+</p:sld>
+</file>
+
+<file path=ppt/slides/slide16.xml><?xml version="1.0" encoding="utf-8"?>
 <p:sld xmlns:a="http://schemas.openxmlformats.org/drawingml/2006/main" xmlns:r="http://schemas.openxmlformats.org/officeDocument/2006/relationships" xmlns:p="http://schemas.openxmlformats.org/presentationml/2006/main">
   <p:cSld>
     <p:spTree>
@@ -5379,7 +10250,7 @@
 </p:sld>
 </file>
 
-<file path=ppt/slides/slide14.xml><?xml version="1.0" encoding="utf-8"?>
+<file path=ppt/slides/slide17.xml><?xml version="1.0" encoding="utf-8"?>
 <p:sld xmlns:a="http://schemas.openxmlformats.org/drawingml/2006/main" xmlns:r="http://schemas.openxmlformats.org/officeDocument/2006/relationships" xmlns:p="http://schemas.openxmlformats.org/presentationml/2006/main">
   <p:cSld>
     <p:spTree>
@@ -6370,7 +11241,7 @@
 </p:sld>
 </file>
 
-<file path=ppt/slides/slide15.xml><?xml version="1.0" encoding="utf-8"?>
+<file path=ppt/slides/slide18.xml><?xml version="1.0" encoding="utf-8"?>
 <p:sld xmlns:a="http://schemas.openxmlformats.org/drawingml/2006/main" xmlns:r="http://schemas.openxmlformats.org/officeDocument/2006/relationships" xmlns:p="http://schemas.openxmlformats.org/presentationml/2006/main">
   <p:cSld>
     <p:spTree>
@@ -7578,7 +12449,7 @@
 </p:sld>
 </file>
 
-<file path=ppt/slides/slide16.xml><?xml version="1.0" encoding="utf-8"?>
+<file path=ppt/slides/slide19.xml><?xml version="1.0" encoding="utf-8"?>
 <p:sld xmlns:a="http://schemas.openxmlformats.org/drawingml/2006/main" xmlns:r="http://schemas.openxmlformats.org/officeDocument/2006/relationships" xmlns:p="http://schemas.openxmlformats.org/presentationml/2006/main">
   <p:cSld>
     <p:spTree>
@@ -8256,7 +13127,187 @@
 </p:sld>
 </file>
 
-<file path=ppt/slides/slide17.xml><?xml version="1.0" encoding="utf-8"?>
+<file path=ppt/slides/slide2.xml><?xml version="1.0" encoding="utf-8"?>
+<p:sld xmlns:a="http://schemas.openxmlformats.org/drawingml/2006/main" xmlns:r="http://schemas.openxmlformats.org/officeDocument/2006/relationships" xmlns:p="http://schemas.openxmlformats.org/presentationml/2006/main">
+  <p:cSld>
+    <p:spTree>
+      <p:nvGrpSpPr>
+        <p:cNvPr id="1" name=""/>
+        <p:cNvGrpSpPr/>
+        <p:nvPr/>
+      </p:nvGrpSpPr>
+      <p:grpSpPr>
+        <a:xfrm>
+          <a:off x="0" y="0"/>
+          <a:ext cx="0" cy="0"/>
+          <a:chOff x="0" y="0"/>
+          <a:chExt cx="0" cy="0"/>
+        </a:xfrm>
+      </p:grpSpPr>
+      <p:sp>
+        <p:nvSpPr>
+          <p:cNvPr id="2" name="Titre 1"/>
+          <p:cNvSpPr>
+            <a:spLocks noGrp="1"/>
+          </p:cNvSpPr>
+          <p:nvPr>
+            <p:ph type="title"/>
+          </p:nvPr>
+        </p:nvSpPr>
+        <p:spPr/>
+        <p:txBody>
+          <a:bodyPr>
+            <a:normAutofit/>
+          </a:bodyPr>
+          <a:lstStyle/>
+          <a:p>
+            <a:r>
+              <a:rPr lang="en-US" b="1" dirty="0" smtClean="0"/>
+              <a:t>Running </a:t>
+            </a:r>
+            <a:r>
+              <a:rPr lang="en-US" b="1" dirty="0"/>
+              <a:t>instructions </a:t>
+            </a:r>
+            <a:endParaRPr lang="en-US" dirty="0"/>
+          </a:p>
+        </p:txBody>
+      </p:sp>
+      <p:sp>
+        <p:nvSpPr>
+          <p:cNvPr id="3" name="Espace réservé du contenu 2"/>
+          <p:cNvSpPr>
+            <a:spLocks noGrp="1"/>
+          </p:cNvSpPr>
+          <p:nvPr>
+            <p:ph idx="1"/>
+          </p:nvPr>
+        </p:nvSpPr>
+        <p:spPr>
+          <a:xfrm>
+            <a:off x="457200" y="1200152"/>
+            <a:ext cx="8229600" cy="3675855"/>
+          </a:xfrm>
+        </p:spPr>
+        <p:txBody>
+          <a:bodyPr>
+            <a:normAutofit/>
+          </a:bodyPr>
+          <a:lstStyle/>
+          <a:p>
+            <a:r>
+              <a:rPr lang="fr-FR" dirty="0" smtClean="0"/>
+              <a:t>Open </a:t>
+            </a:r>
+            <a:r>
+              <a:rPr lang="fr-FR" dirty="0" err="1" smtClean="0"/>
+              <a:t>your</a:t>
+            </a:r>
+            <a:r>
+              <a:rPr lang="fr-FR" dirty="0" smtClean="0"/>
+              <a:t> R studio </a:t>
+            </a:r>
+            <a:r>
+              <a:rPr lang="fr-FR" dirty="0" err="1" smtClean="0"/>
+              <a:t>project</a:t>
+            </a:r>
+            <a:r>
+              <a:rPr lang="fr-FR" dirty="0" smtClean="0"/>
+              <a:t> « </a:t>
+            </a:r>
+            <a:r>
+              <a:rPr lang="fr-FR" dirty="0" err="1" smtClean="0"/>
+              <a:t>labs</a:t>
+            </a:r>
+            <a:r>
+              <a:rPr lang="fr-FR" dirty="0" smtClean="0"/>
+              <a:t> »</a:t>
+            </a:r>
+            <a:endParaRPr lang="en-US" dirty="0" smtClean="0"/>
+          </a:p>
+          <a:p>
+            <a:r>
+              <a:rPr lang="fr-FR" dirty="0" smtClean="0"/>
+              <a:t>In R studio «</a:t>
+            </a:r>
+            <a:r>
+              <a:rPr lang="fr-FR" dirty="0"/>
+              <a:t> Files » open: </a:t>
+            </a:r>
+            <a:r>
+              <a:rPr lang="fr-FR" dirty="0" smtClean="0"/>
+              <a:t>/IFSBM-</a:t>
+            </a:r>
+            <a:r>
+              <a:rPr lang="fr-FR" dirty="0" err="1" smtClean="0"/>
+              <a:t>bigdata</a:t>
+            </a:r>
+            <a:r>
+              <a:rPr lang="fr-FR" dirty="0" smtClean="0"/>
+              <a:t>/TP_IFSBM_module12/2020/</a:t>
+            </a:r>
+            <a:r>
+              <a:rPr lang="fr-FR" dirty="0" err="1" smtClean="0"/>
+              <a:t>labs</a:t>
+            </a:r>
+            <a:r>
+              <a:rPr lang="fr-FR" dirty="0" smtClean="0"/>
+              <a:t>/lab_2/</a:t>
+            </a:r>
+            <a:r>
+              <a:rPr lang="fr-FR" dirty="0" err="1" smtClean="0"/>
+              <a:t>src</a:t>
+            </a:r>
+            <a:r>
+              <a:rPr lang="fr-FR" dirty="0" smtClean="0"/>
+              <a:t>/</a:t>
+            </a:r>
+            <a:r>
+              <a:rPr lang="fr-FR" dirty="0" err="1" smtClean="0"/>
+              <a:t>TP_MLP.Rmd</a:t>
+            </a:r>
+            <a:endParaRPr lang="fr-FR" dirty="0" smtClean="0"/>
+          </a:p>
+          <a:p>
+            <a:r>
+              <a:rPr lang="en-US" dirty="0" smtClean="0"/>
+              <a:t>Follow </a:t>
+            </a:r>
+            <a:r>
+              <a:rPr lang="en-US" dirty="0"/>
+              <a:t>the notebook instructions</a:t>
+            </a:r>
+          </a:p>
+          <a:p>
+            <a:r>
+              <a:rPr lang="en-US" dirty="0" smtClean="0"/>
+              <a:t>Enjoy!</a:t>
+            </a:r>
+            <a:endParaRPr lang="en-US" dirty="0"/>
+          </a:p>
+        </p:txBody>
+      </p:sp>
+    </p:spTree>
+    <p:extLst>
+      <p:ext uri="{BB962C8B-B14F-4D97-AF65-F5344CB8AC3E}">
+        <p14:creationId xmlns:p14="http://schemas.microsoft.com/office/powerpoint/2010/main" val="1563574231"/>
+      </p:ext>
+    </p:extLst>
+  </p:cSld>
+  <p:clrMapOvr>
+    <a:masterClrMapping/>
+  </p:clrMapOvr>
+  <p:timing>
+    <p:tnLst>
+      <p:par>
+        <p:cTn id="1" dur="indefinite" restart="never" nodeType="tmRoot"/>
+      </p:par>
+    </p:tnLst>
+  </p:timing>
+</p:sld>
+</file>
+
+<file path=ppt/slides/slide20.xml><?xml version="1.0" encoding="utf-8"?>
 <p:sld xmlns:a="http://schemas.openxmlformats.org/drawingml/2006/main" xmlns:r="http://schemas.openxmlformats.org/officeDocument/2006/relationships" xmlns:p="http://schemas.openxmlformats.org/presentationml/2006/main">
   <p:cSld>
     <p:spTree>
@@ -8645,7 +13696,7 @@
 </p:sld>
 </file>
 
-<file path=ppt/slides/slide18.xml><?xml version="1.0" encoding="utf-8"?>
+<file path=ppt/slides/slide21.xml><?xml version="1.0" encoding="utf-8"?>
 <p:sld xmlns:a="http://schemas.openxmlformats.org/drawingml/2006/main" xmlns:r="http://schemas.openxmlformats.org/officeDocument/2006/relationships" xmlns:p="http://schemas.openxmlformats.org/presentationml/2006/main">
   <p:cSld>
     <p:bg>
@@ -8676,7 +13727,7 @@
         <p:spPr>
           <a:xfrm>
             <a:off x="1790502" y="1188294"/>
-            <a:ext cx="5562997" cy="2862322"/>
+            <a:ext cx="5562997" cy="920252"/>
           </a:xfrm>
           <a:prstGeom prst="rect">
             <a:avLst/>
@@ -8699,7 +13750,15 @@
                   <a:prstClr val="white"/>
                 </a:solidFill>
               </a:rPr>
-              <a:t>Etes vous sûr que les futurs exemples seront bien prédits?</a:t>
+              <a:t>Advanced </a:t>
+            </a:r>
+            <a:r>
+              <a:rPr lang="fr-FR" sz="4000" dirty="0" err="1" smtClean="0">
+                <a:solidFill>
+                  <a:prstClr val="white"/>
+                </a:solidFill>
+              </a:rPr>
+              <a:t>workflows</a:t>
             </a:r>
             <a:endParaRPr lang="en-US" sz="4000" dirty="0">
               <a:solidFill>
@@ -8722,7 +13781,276 @@
 </p:sld>
 </file>
 
-<file path=ppt/slides/slide19.xml><?xml version="1.0" encoding="utf-8"?>
+<file path=ppt/slides/slide22.xml><?xml version="1.0" encoding="utf-8"?>
+<p:sld xmlns:a="http://schemas.openxmlformats.org/drawingml/2006/main" xmlns:r="http://schemas.openxmlformats.org/officeDocument/2006/relationships" xmlns:p="http://schemas.openxmlformats.org/presentationml/2006/main">
+  <p:cSld>
+    <p:spTree>
+      <p:nvGrpSpPr>
+        <p:cNvPr id="1" name=""/>
+        <p:cNvGrpSpPr/>
+        <p:nvPr/>
+      </p:nvGrpSpPr>
+      <p:grpSpPr>
+        <a:xfrm>
+          <a:off x="0" y="0"/>
+          <a:ext cx="0" cy="0"/>
+          <a:chOff x="0" y="0"/>
+          <a:chExt cx="0" cy="0"/>
+        </a:xfrm>
+      </p:grpSpPr>
+      <p:sp>
+        <p:nvSpPr>
+          <p:cNvPr id="2" name="Titre 1"/>
+          <p:cNvSpPr>
+            <a:spLocks noGrp="1"/>
+          </p:cNvSpPr>
+          <p:nvPr>
+            <p:ph type="title"/>
+          </p:nvPr>
+        </p:nvSpPr>
+        <p:spPr/>
+        <p:txBody>
+          <a:bodyPr/>
+          <a:lstStyle/>
+          <a:p>
+            <a:r>
+              <a:rPr lang="fr-FR" dirty="0" err="1" smtClean="0"/>
+              <a:t>Keras</a:t>
+            </a:r>
+            <a:r>
+              <a:rPr lang="fr-FR" dirty="0" smtClean="0"/>
+              <a:t> &amp; </a:t>
+            </a:r>
+            <a:r>
+              <a:rPr lang="fr-FR" dirty="0" err="1" smtClean="0"/>
+              <a:t>tensorflow</a:t>
+            </a:r>
+            <a:endParaRPr lang="en-US" dirty="0"/>
+          </a:p>
+        </p:txBody>
+      </p:sp>
+      <p:pic>
+        <p:nvPicPr>
+          <p:cNvPr id="6146" name="Picture 2"/>
+          <p:cNvPicPr>
+            <a:picLocks noChangeAspect="1" noChangeArrowheads="1"/>
+          </p:cNvPicPr>
+          <p:nvPr/>
+        </p:nvPicPr>
+        <p:blipFill>
+          <a:blip r:embed="rId2">
+            <a:extLst>
+              <a:ext uri="{28A0092B-C50C-407E-A947-70E740481C1C}">
+                <a14:useLocalDpi xmlns:a14="http://schemas.microsoft.com/office/drawing/2010/main" val="0"/>
+              </a:ext>
+            </a:extLst>
+          </a:blip>
+          <a:srcRect/>
+          <a:stretch>
+            <a:fillRect/>
+          </a:stretch>
+        </p:blipFill>
+        <p:spPr bwMode="auto">
+          <a:xfrm>
+            <a:off x="1021831" y="1059582"/>
+            <a:ext cx="6844889" cy="2696170"/>
+          </a:xfrm>
+          <a:prstGeom prst="rect">
+            <a:avLst/>
+          </a:prstGeom>
+          <a:noFill/>
+          <a:ln>
+            <a:noFill/>
+          </a:ln>
+          <a:extLst>
+            <a:ext uri="{909E8E84-426E-40DD-AFC4-6F175D3DCCD1}">
+              <a14:hiddenFill xmlns:a14="http://schemas.microsoft.com/office/drawing/2010/main">
+                <a:solidFill>
+                  <a:schemeClr val="accent1"/>
+                </a:solidFill>
+              </a14:hiddenFill>
+            </a:ext>
+            <a:ext uri="{91240B29-F687-4F45-9708-019B960494DF}">
+              <a14:hiddenLine xmlns:a14="http://schemas.microsoft.com/office/drawing/2010/main" w="9525">
+                <a:solidFill>
+                  <a:schemeClr val="tx1"/>
+                </a:solidFill>
+                <a:miter lim="800000"/>
+                <a:headEnd/>
+                <a:tailEnd/>
+              </a14:hiddenLine>
+            </a:ext>
+          </a:extLst>
+        </p:spPr>
+      </p:pic>
+      <p:sp>
+        <p:nvSpPr>
+          <p:cNvPr id="4" name="Rectangle 3"/>
+          <p:cNvSpPr/>
+          <p:nvPr/>
+        </p:nvSpPr>
+        <p:spPr>
+          <a:xfrm>
+            <a:off x="0" y="3790481"/>
+            <a:ext cx="9144000" cy="1754326"/>
+          </a:xfrm>
+          <a:prstGeom prst="rect">
+            <a:avLst/>
+          </a:prstGeom>
+        </p:spPr>
+        <p:txBody>
+          <a:bodyPr wrap="square">
+            <a:spAutoFit/>
+          </a:bodyPr>
+          <a:lstStyle/>
+          <a:p>
+            <a:r>
+              <a:rPr lang="en-US" dirty="0" err="1">
+                <a:solidFill>
+                  <a:prstClr val="black"/>
+                </a:solidFill>
+              </a:rPr>
+              <a:t>Keras</a:t>
+            </a:r>
+            <a:r>
+              <a:rPr lang="en-US" dirty="0">
+                <a:solidFill>
+                  <a:prstClr val="black"/>
+                </a:solidFill>
+              </a:rPr>
+              <a:t> is a model-level library, providing high-level building blocks for developing</a:t>
+            </a:r>
+          </a:p>
+          <a:p>
+            <a:r>
+              <a:rPr lang="en-US" dirty="0">
+                <a:solidFill>
+                  <a:prstClr val="black"/>
+                </a:solidFill>
+              </a:rPr>
+              <a:t>deep-learning models. It doesn’t handle low-level operations such as tensor manipulation</a:t>
+            </a:r>
+          </a:p>
+          <a:p>
+            <a:r>
+              <a:rPr lang="en-US" dirty="0">
+                <a:solidFill>
+                  <a:prstClr val="black"/>
+                </a:solidFill>
+              </a:rPr>
+              <a:t>and differentiation. Instead, it relies on a specialized, well-optimized tensor library to do</a:t>
+            </a:r>
+          </a:p>
+          <a:p>
+            <a:r>
+              <a:rPr lang="en-US" dirty="0">
+                <a:solidFill>
+                  <a:prstClr val="black"/>
+                </a:solidFill>
+              </a:rPr>
+              <a:t>so, serving as the </a:t>
+            </a:r>
+            <a:r>
+              <a:rPr lang="en-US" i="1" dirty="0">
+                <a:solidFill>
+                  <a:prstClr val="black"/>
+                </a:solidFill>
+              </a:rPr>
+              <a:t>backend engine </a:t>
+            </a:r>
+            <a:r>
+              <a:rPr lang="en-US" dirty="0">
+                <a:solidFill>
+                  <a:prstClr val="black"/>
+                </a:solidFill>
+              </a:rPr>
+              <a:t>of </a:t>
+            </a:r>
+            <a:r>
+              <a:rPr lang="en-US" dirty="0" err="1">
+                <a:solidFill>
+                  <a:prstClr val="black"/>
+                </a:solidFill>
+              </a:rPr>
+              <a:t>Keras</a:t>
+            </a:r>
+            <a:r>
+              <a:rPr lang="en-US" dirty="0">
+                <a:solidFill>
+                  <a:prstClr val="black"/>
+                </a:solidFill>
+              </a:rPr>
+              <a:t>. Rather than choosing a single tensor library</a:t>
+            </a:r>
+          </a:p>
+          <a:p>
+            <a:r>
+              <a:rPr lang="en-US" dirty="0">
+                <a:solidFill>
+                  <a:prstClr val="black"/>
+                </a:solidFill>
+              </a:rPr>
+              <a:t>and tying the implementation of </a:t>
+            </a:r>
+            <a:r>
+              <a:rPr lang="en-US" dirty="0" err="1">
+                <a:solidFill>
+                  <a:prstClr val="black"/>
+                </a:solidFill>
+              </a:rPr>
+              <a:t>Keras</a:t>
+            </a:r>
+            <a:r>
+              <a:rPr lang="en-US" dirty="0">
+                <a:solidFill>
+                  <a:prstClr val="black"/>
+                </a:solidFill>
+              </a:rPr>
+              <a:t> to that library, </a:t>
+            </a:r>
+            <a:r>
+              <a:rPr lang="en-US" dirty="0" err="1">
+                <a:solidFill>
+                  <a:prstClr val="black"/>
+                </a:solidFill>
+              </a:rPr>
+              <a:t>Keras</a:t>
+            </a:r>
+            <a:r>
+              <a:rPr lang="en-US" dirty="0">
+                <a:solidFill>
+                  <a:prstClr val="black"/>
+                </a:solidFill>
+              </a:rPr>
+              <a:t> handles the problem in a</a:t>
+            </a:r>
+          </a:p>
+          <a:p>
+            <a:r>
+              <a:rPr lang="en-US" dirty="0">
+                <a:solidFill>
+                  <a:prstClr val="black"/>
+                </a:solidFill>
+              </a:rPr>
+              <a:t>modular way</a:t>
+            </a:r>
+          </a:p>
+        </p:txBody>
+      </p:sp>
+    </p:spTree>
+    <p:extLst>
+      <p:ext uri="{BB962C8B-B14F-4D97-AF65-F5344CB8AC3E}">
+        <p14:creationId xmlns:p14="http://schemas.microsoft.com/office/powerpoint/2010/main" val="2877619688"/>
+      </p:ext>
+    </p:extLst>
+  </p:cSld>
+  <p:clrMapOvr>
+    <a:masterClrMapping/>
+  </p:clrMapOvr>
+</p:sld>
+</file>
+
+<file path=ppt/slides/slide23.xml><?xml version="1.0" encoding="utf-8"?>
 <p:sld xmlns:a="http://schemas.openxmlformats.org/drawingml/2006/main" xmlns:r="http://schemas.openxmlformats.org/officeDocument/2006/relationships" xmlns:p="http://schemas.openxmlformats.org/presentationml/2006/main">
   <p:cSld>
     <p:spTree>
@@ -8943,164 +14271,7 @@
 </p:sld>
 </file>
 
-<file path=ppt/slides/slide2.xml><?xml version="1.0" encoding="utf-8"?>
-<p:sld xmlns:a="http://schemas.openxmlformats.org/drawingml/2006/main" xmlns:r="http://schemas.openxmlformats.org/officeDocument/2006/relationships" xmlns:p="http://schemas.openxmlformats.org/presentationml/2006/main">
-  <p:cSld>
-    <p:spTree>
-      <p:nvGrpSpPr>
-        <p:cNvPr id="1" name=""/>
-        <p:cNvGrpSpPr/>
-        <p:nvPr/>
-      </p:nvGrpSpPr>
-      <p:grpSpPr>
-        <a:xfrm>
-          <a:off x="0" y="0"/>
-          <a:ext cx="0" cy="0"/>
-          <a:chOff x="0" y="0"/>
-          <a:chExt cx="0" cy="0"/>
-        </a:xfrm>
-      </p:grpSpPr>
-      <p:sp>
-        <p:nvSpPr>
-          <p:cNvPr id="2" name="Titre 1"/>
-          <p:cNvSpPr>
-            <a:spLocks noGrp="1"/>
-          </p:cNvSpPr>
-          <p:nvPr>
-            <p:ph type="title"/>
-          </p:nvPr>
-        </p:nvSpPr>
-        <p:spPr/>
-        <p:txBody>
-          <a:bodyPr>
-            <a:normAutofit/>
-          </a:bodyPr>
-          <a:lstStyle/>
-          <a:p>
-            <a:r>
-              <a:rPr lang="en-US" b="1" dirty="0" smtClean="0"/>
-              <a:t>Running </a:t>
-            </a:r>
-            <a:r>
-              <a:rPr lang="en-US" b="1" dirty="0"/>
-              <a:t>instructions </a:t>
-            </a:r>
-            <a:endParaRPr lang="en-US" dirty="0"/>
-          </a:p>
-        </p:txBody>
-      </p:sp>
-      <p:sp>
-        <p:nvSpPr>
-          <p:cNvPr id="3" name="Espace réservé du contenu 2"/>
-          <p:cNvSpPr>
-            <a:spLocks noGrp="1"/>
-          </p:cNvSpPr>
-          <p:nvPr>
-            <p:ph idx="1"/>
-          </p:nvPr>
-        </p:nvSpPr>
-        <p:spPr>
-          <a:xfrm>
-            <a:off x="457200" y="1200152"/>
-            <a:ext cx="8229600" cy="3675855"/>
-          </a:xfrm>
-        </p:spPr>
-        <p:txBody>
-          <a:bodyPr>
-            <a:normAutofit fontScale="85000" lnSpcReduction="20000"/>
-          </a:bodyPr>
-          <a:lstStyle/>
-          <a:p>
-            <a:r>
-              <a:rPr lang="fr-FR" dirty="0" smtClean="0"/>
-              <a:t>Open R studio</a:t>
-            </a:r>
-          </a:p>
-          <a:p>
-            <a:pPr lvl="1"/>
-            <a:r>
-              <a:rPr lang="fr-FR" dirty="0" smtClean="0"/>
-              <a:t>Open New File -&gt; R Notebook</a:t>
-            </a:r>
-            <a:endParaRPr lang="en-US" dirty="0" smtClean="0"/>
-          </a:p>
-          <a:p>
-            <a:r>
-              <a:rPr lang="en-US" dirty="0"/>
-              <a:t>Go to the web </a:t>
-            </a:r>
-            <a:r>
-              <a:rPr lang="en-US" dirty="0">
-                <a:hlinkClick r:id="rId2"/>
-              </a:rPr>
-              <a:t>https://github.com/gustaveroussy/IFSBM-bigdata/edit/master/TP_IFSBM_module12</a:t>
-            </a:r>
-            <a:r>
-              <a:rPr lang="en-US" dirty="0" smtClean="0">
-                <a:hlinkClick r:id="rId2"/>
-              </a:rPr>
-              <a:t>/</a:t>
-            </a:r>
-            <a:endParaRPr lang="en-US" dirty="0" smtClean="0"/>
-          </a:p>
-          <a:p>
-            <a:r>
-              <a:rPr lang="en-US" dirty="0"/>
-              <a:t>Copy paste the content of </a:t>
-            </a:r>
-            <a:r>
-              <a:rPr lang="en-US" dirty="0" err="1" smtClean="0"/>
-              <a:t>TP_notebook_DL_R.Rmd</a:t>
-            </a:r>
-            <a:r>
-              <a:rPr lang="en-US" dirty="0" smtClean="0"/>
-              <a:t> </a:t>
-            </a:r>
-            <a:r>
-              <a:rPr lang="en-US" dirty="0"/>
-              <a:t>in your new R Notebook</a:t>
-            </a:r>
-          </a:p>
-          <a:p>
-            <a:r>
-              <a:rPr lang="en-US" dirty="0" smtClean="0"/>
-              <a:t>Follow </a:t>
-            </a:r>
-            <a:r>
-              <a:rPr lang="en-US" dirty="0"/>
-              <a:t>the notebook instructions</a:t>
-            </a:r>
-          </a:p>
-          <a:p>
-            <a:r>
-              <a:rPr lang="en-US" dirty="0" smtClean="0"/>
-              <a:t>Enjoy!</a:t>
-            </a:r>
-            <a:endParaRPr lang="en-US" dirty="0"/>
-          </a:p>
-        </p:txBody>
-      </p:sp>
-    </p:spTree>
-    <p:extLst>
-      <p:ext uri="{BB962C8B-B14F-4D97-AF65-F5344CB8AC3E}">
-        <p14:creationId xmlns:p14="http://schemas.microsoft.com/office/powerpoint/2010/main" val="1563574231"/>
-      </p:ext>
-    </p:extLst>
-  </p:cSld>
-  <p:clrMapOvr>
-    <a:masterClrMapping/>
-  </p:clrMapOvr>
-  <p:timing>
-    <p:tnLst>
-      <p:par>
-        <p:cTn id="1" dur="indefinite" restart="never" nodeType="tmRoot"/>
-      </p:par>
-    </p:tnLst>
-  </p:timing>
-</p:sld>
-</file>
-
-<file path=ppt/slides/slide20.xml><?xml version="1.0" encoding="utf-8"?>
+<file path=ppt/slides/slide24.xml><?xml version="1.0" encoding="utf-8"?>
 <p:sld xmlns:a="http://schemas.openxmlformats.org/drawingml/2006/main" xmlns:r="http://schemas.openxmlformats.org/officeDocument/2006/relationships" xmlns:p="http://schemas.openxmlformats.org/presentationml/2006/main">
   <p:cSld>
     <p:spTree>
@@ -11056,7 +16227,7 @@
 </p:sld>
 </file>
 
-<file path=ppt/slides/slide21.xml><?xml version="1.0" encoding="utf-8"?>
+<file path=ppt/slides/slide25.xml><?xml version="1.0" encoding="utf-8"?>
 <p:sld xmlns:a="http://schemas.openxmlformats.org/drawingml/2006/main" xmlns:r="http://schemas.openxmlformats.org/officeDocument/2006/relationships" xmlns:p="http://schemas.openxmlformats.org/presentationml/2006/main">
   <p:cSld>
     <p:spTree>
@@ -12223,7 +17394,7 @@
 </p:sld>
 </file>
 
-<file path=ppt/slides/slide22.xml><?xml version="1.0" encoding="utf-8"?>
+<file path=ppt/slides/slide26.xml><?xml version="1.0" encoding="utf-8"?>
 <p:sld xmlns:a="http://schemas.openxmlformats.org/drawingml/2006/main" xmlns:r="http://schemas.openxmlformats.org/officeDocument/2006/relationships" xmlns:p="http://schemas.openxmlformats.org/presentationml/2006/main">
   <p:cSld>
     <p:spTree>
@@ -12649,7 +17820,7 @@
 </p:sld>
 </file>
 
-<file path=ppt/slides/slide23.xml><?xml version="1.0" encoding="utf-8"?>
+<file path=ppt/slides/slide27.xml><?xml version="1.0" encoding="utf-8"?>
 <p:sld xmlns:a="http://schemas.openxmlformats.org/drawingml/2006/main" xmlns:r="http://schemas.openxmlformats.org/officeDocument/2006/relationships" xmlns:p="http://schemas.openxmlformats.org/presentationml/2006/main">
   <p:cSld>
     <p:spTree>
@@ -13089,7 +18260,7 @@
 </p:sld>
 </file>
 
-<file path=ppt/slides/slide24.xml><?xml version="1.0" encoding="utf-8"?>
+<file path=ppt/slides/slide28.xml><?xml version="1.0" encoding="utf-8"?>
 <p:sld xmlns:a="http://schemas.openxmlformats.org/drawingml/2006/main" xmlns:r="http://schemas.openxmlformats.org/officeDocument/2006/relationships" xmlns:p="http://schemas.openxmlformats.org/presentationml/2006/main">
   <p:cSld>
     <p:spTree>
@@ -13627,7 +18798,7 @@
 </p:sld>
 </file>
 
-<file path=ppt/slides/slide25.xml><?xml version="1.0" encoding="utf-8"?>
+<file path=ppt/slides/slide29.xml><?xml version="1.0" encoding="utf-8"?>
 <p:sld xmlns:a="http://schemas.openxmlformats.org/drawingml/2006/main" xmlns:r="http://schemas.openxmlformats.org/officeDocument/2006/relationships" xmlns:p="http://schemas.openxmlformats.org/presentationml/2006/main">
   <p:cSld>
     <p:spTree>
@@ -14165,7 +19336,135 @@
 </p:sld>
 </file>
 
-<file path=ppt/slides/slide26.xml><?xml version="1.0" encoding="utf-8"?>
+<file path=ppt/slides/slide3.xml><?xml version="1.0" encoding="utf-8"?>
+<p:sld xmlns:a="http://schemas.openxmlformats.org/drawingml/2006/main" xmlns:r="http://schemas.openxmlformats.org/officeDocument/2006/relationships" xmlns:p="http://schemas.openxmlformats.org/presentationml/2006/main">
+  <p:cSld>
+    <p:spTree>
+      <p:nvGrpSpPr>
+        <p:cNvPr id="1" name=""/>
+        <p:cNvGrpSpPr/>
+        <p:nvPr/>
+      </p:nvGrpSpPr>
+      <p:grpSpPr>
+        <a:xfrm>
+          <a:off x="0" y="0"/>
+          <a:ext cx="0" cy="0"/>
+          <a:chOff x="0" y="0"/>
+          <a:chExt cx="0" cy="0"/>
+        </a:xfrm>
+      </p:grpSpPr>
+      <p:pic>
+        <p:nvPicPr>
+          <p:cNvPr id="1026" name="Picture 2"/>
+          <p:cNvPicPr>
+            <a:picLocks noChangeAspect="1" noChangeArrowheads="1"/>
+          </p:cNvPicPr>
+          <p:nvPr/>
+        </p:nvPicPr>
+        <p:blipFill rotWithShape="1">
+          <a:blip r:embed="rId2">
+            <a:extLst>
+              <a:ext uri="{28A0092B-C50C-407E-A947-70E740481C1C}">
+                <a14:useLocalDpi xmlns:a14="http://schemas.microsoft.com/office/drawing/2010/main" val="0"/>
+              </a:ext>
+            </a:extLst>
+          </a:blip>
+          <a:srcRect l="6508" r="7398"/>
+          <a:stretch/>
+        </p:blipFill>
+        <p:spPr bwMode="auto">
+          <a:xfrm>
+            <a:off x="510362" y="1347614"/>
+            <a:ext cx="8261497" cy="2849762"/>
+          </a:xfrm>
+          <a:prstGeom prst="rect">
+            <a:avLst/>
+          </a:prstGeom>
+          <a:noFill/>
+          <a:ln>
+            <a:noFill/>
+          </a:ln>
+          <a:extLst>
+            <a:ext uri="{909E8E84-426E-40DD-AFC4-6F175D3DCCD1}">
+              <a14:hiddenFill xmlns:a14="http://schemas.microsoft.com/office/drawing/2010/main">
+                <a:solidFill>
+                  <a:schemeClr val="accent1"/>
+                </a:solidFill>
+              </a14:hiddenFill>
+            </a:ext>
+            <a:ext uri="{91240B29-F687-4F45-9708-019B960494DF}">
+              <a14:hiddenLine xmlns:a14="http://schemas.microsoft.com/office/drawing/2010/main" w="9525">
+                <a:solidFill>
+                  <a:schemeClr val="tx1"/>
+                </a:solidFill>
+                <a:miter lim="800000"/>
+                <a:headEnd/>
+                <a:tailEnd/>
+              </a14:hiddenLine>
+            </a:ext>
+          </a:extLst>
+        </p:spPr>
+      </p:pic>
+      <p:sp>
+        <p:nvSpPr>
+          <p:cNvPr id="3" name="Titre 1"/>
+          <p:cNvSpPr txBox="1">
+            <a:spLocks/>
+          </p:cNvSpPr>
+          <p:nvPr/>
+        </p:nvSpPr>
+        <p:spPr>
+          <a:xfrm>
+            <a:off x="457200" y="205979"/>
+            <a:ext cx="8229600" cy="857250"/>
+          </a:xfrm>
+          <a:prstGeom prst="rect">
+            <a:avLst/>
+          </a:prstGeom>
+        </p:spPr>
+        <p:txBody>
+          <a:bodyPr vert="horz" lIns="91440" tIns="45720" rIns="91440" bIns="45720" rtlCol="0" anchor="ctr">
+            <a:normAutofit/>
+          </a:bodyPr>
+          <a:lstStyle>
+            <a:lvl1pPr algn="ctr" defTabSz="914400" rtl="0" eaLnBrk="1" latinLnBrk="0" hangingPunct="1">
+              <a:spcBef>
+                <a:spcPct val="0"/>
+              </a:spcBef>
+              <a:buNone/>
+              <a:defRPr sz="4400" kern="1200">
+                <a:solidFill>
+                  <a:schemeClr val="tx1"/>
+                </a:solidFill>
+                <a:latin typeface="+mj-lt"/>
+                <a:ea typeface="+mj-ea"/>
+                <a:cs typeface="+mj-cs"/>
+              </a:defRPr>
+            </a:lvl1pPr>
+          </a:lstStyle>
+          <a:p>
+            <a:r>
+              <a:rPr lang="fr-FR" dirty="0" smtClean="0"/>
+              <a:t>Learning</a:t>
+            </a:r>
+            <a:endParaRPr lang="en-US" dirty="0"/>
+          </a:p>
+        </p:txBody>
+      </p:sp>
+    </p:spTree>
+    <p:extLst>
+      <p:ext uri="{BB962C8B-B14F-4D97-AF65-F5344CB8AC3E}">
+        <p14:creationId xmlns:p14="http://schemas.microsoft.com/office/powerpoint/2010/main" val="4125129004"/>
+      </p:ext>
+    </p:extLst>
+  </p:cSld>
+  <p:clrMapOvr>
+    <a:masterClrMapping/>
+  </p:clrMapOvr>
+</p:sld>
+</file>
+
+<file path=ppt/slides/slide30.xml><?xml version="1.0" encoding="utf-8"?>
 <p:sld xmlns:a="http://schemas.openxmlformats.org/drawingml/2006/main" xmlns:r="http://schemas.openxmlformats.org/officeDocument/2006/relationships" xmlns:p="http://schemas.openxmlformats.org/presentationml/2006/main">
   <p:cSld>
     <p:spTree>
@@ -14319,7 +19618,7 @@
 </p:sld>
 </file>
 
-<file path=ppt/slides/slide27.xml><?xml version="1.0" encoding="utf-8"?>
+<file path=ppt/slides/slide31.xml><?xml version="1.0" encoding="utf-8"?>
 <p:sld xmlns:a="http://schemas.openxmlformats.org/drawingml/2006/main" xmlns:r="http://schemas.openxmlformats.org/officeDocument/2006/relationships" xmlns:p="http://schemas.openxmlformats.org/presentationml/2006/main">
   <p:cSld>
     <p:spTree>
@@ -14659,88 +19958,6 @@
       </p:par>
     </p:tnLst>
   </p:timing>
-</p:sld>
-</file>
-
-<file path=ppt/slides/slide3.xml><?xml version="1.0" encoding="utf-8"?>
-<p:sld xmlns:a="http://schemas.openxmlformats.org/drawingml/2006/main" xmlns:r="http://schemas.openxmlformats.org/officeDocument/2006/relationships" xmlns:p="http://schemas.openxmlformats.org/presentationml/2006/main">
-  <p:cSld>
-    <p:spTree>
-      <p:nvGrpSpPr>
-        <p:cNvPr id="1" name=""/>
-        <p:cNvGrpSpPr/>
-        <p:nvPr/>
-      </p:nvGrpSpPr>
-      <p:grpSpPr>
-        <a:xfrm>
-          <a:off x="0" y="0"/>
-          <a:ext cx="0" cy="0"/>
-          <a:chOff x="0" y="0"/>
-          <a:chExt cx="0" cy="0"/>
-        </a:xfrm>
-      </p:grpSpPr>
-      <p:pic>
-        <p:nvPicPr>
-          <p:cNvPr id="1026" name="Picture 2"/>
-          <p:cNvPicPr>
-            <a:picLocks noChangeAspect="1" noChangeArrowheads="1"/>
-          </p:cNvPicPr>
-          <p:nvPr/>
-        </p:nvPicPr>
-        <p:blipFill rotWithShape="1">
-          <a:blip r:embed="rId2">
-            <a:extLst>
-              <a:ext uri="{28A0092B-C50C-407E-A947-70E740481C1C}">
-                <a14:useLocalDpi xmlns:a14="http://schemas.microsoft.com/office/drawing/2010/main" val="0"/>
-              </a:ext>
-            </a:extLst>
-          </a:blip>
-          <a:srcRect l="6508" r="7398"/>
-          <a:stretch/>
-        </p:blipFill>
-        <p:spPr bwMode="auto">
-          <a:xfrm>
-            <a:off x="510362" y="1347614"/>
-            <a:ext cx="8261497" cy="2849762"/>
-          </a:xfrm>
-          <a:prstGeom prst="rect">
-            <a:avLst/>
-          </a:prstGeom>
-          <a:noFill/>
-          <a:ln>
-            <a:noFill/>
-          </a:ln>
-          <a:extLst>
-            <a:ext uri="{909E8E84-426E-40DD-AFC4-6F175D3DCCD1}">
-              <a14:hiddenFill xmlns:a14="http://schemas.microsoft.com/office/drawing/2010/main">
-                <a:solidFill>
-                  <a:schemeClr val="accent1"/>
-                </a:solidFill>
-              </a14:hiddenFill>
-            </a:ext>
-            <a:ext uri="{91240B29-F687-4F45-9708-019B960494DF}">
-              <a14:hiddenLine xmlns:a14="http://schemas.microsoft.com/office/drawing/2010/main" w="9525">
-                <a:solidFill>
-                  <a:schemeClr val="tx1"/>
-                </a:solidFill>
-                <a:miter lim="800000"/>
-                <a:headEnd/>
-                <a:tailEnd/>
-              </a14:hiddenLine>
-            </a:ext>
-          </a:extLst>
-        </p:spPr>
-      </p:pic>
-    </p:spTree>
-    <p:extLst>
-      <p:ext uri="{BB962C8B-B14F-4D97-AF65-F5344CB8AC3E}">
-        <p14:creationId xmlns:p14="http://schemas.microsoft.com/office/powerpoint/2010/main" val="4125129004"/>
-      </p:ext>
-    </p:extLst>
-  </p:cSld>
-  <p:clrMapOvr>
-    <a:masterClrMapping/>
-  </p:clrMapOvr>
 </p:sld>
 </file>
 
@@ -15460,6 +20677,100 @@
 </file>
 
 <file path=ppt/slides/slide8.xml><?xml version="1.0" encoding="utf-8"?>
+<p:sld xmlns:a="http://schemas.openxmlformats.org/drawingml/2006/main" xmlns:r="http://schemas.openxmlformats.org/officeDocument/2006/relationships" xmlns:p="http://schemas.openxmlformats.org/presentationml/2006/main">
+  <p:cSld>
+    <p:bg>
+      <p:bgRef idx="1001">
+        <a:schemeClr val="bg1"/>
+      </p:bgRef>
+    </p:bg>
+    <p:spTree>
+      <p:nvGrpSpPr>
+        <p:cNvPr id="1" name=""/>
+        <p:cNvGrpSpPr/>
+        <p:nvPr/>
+      </p:nvGrpSpPr>
+      <p:grpSpPr>
+        <a:xfrm>
+          <a:off x="0" y="0"/>
+          <a:ext cx="0" cy="0"/>
+          <a:chOff x="0" y="0"/>
+          <a:chExt cx="0" cy="0"/>
+        </a:xfrm>
+      </p:grpSpPr>
+      <p:sp>
+        <p:nvSpPr>
+          <p:cNvPr id="4" name="ZoneTexte 3"/>
+          <p:cNvSpPr txBox="1"/>
+          <p:nvPr/>
+        </p:nvSpPr>
+        <p:spPr>
+          <a:xfrm>
+            <a:off x="2627784" y="1995686"/>
+            <a:ext cx="4381328" cy="923330"/>
+          </a:xfrm>
+          <a:prstGeom prst="rect">
+            <a:avLst/>
+          </a:prstGeom>
+          <a:noFill/>
+        </p:spPr>
+        <p:txBody>
+          <a:bodyPr wrap="none" rtlCol="0">
+            <a:spAutoFit/>
+          </a:bodyPr>
+          <a:lstStyle/>
+          <a:p>
+            <a:r>
+              <a:rPr lang="fr-FR" sz="5400" b="1" dirty="0" smtClean="0">
+                <a:solidFill>
+                  <a:prstClr val="white"/>
+                </a:solidFill>
+                <a:latin typeface="Consolas" panose="020B0609020204030204" pitchFamily="49" charset="0"/>
+                <a:cs typeface="Consolas" panose="020B0609020204030204" pitchFamily="49" charset="0"/>
+              </a:rPr>
+              <a:t>Back </a:t>
+            </a:r>
+            <a:r>
+              <a:rPr lang="fr-FR" sz="5400" b="1" dirty="0" err="1" smtClean="0">
+                <a:solidFill>
+                  <a:prstClr val="white"/>
+                </a:solidFill>
+                <a:latin typeface="Consolas" panose="020B0609020204030204" pitchFamily="49" charset="0"/>
+                <a:cs typeface="Consolas" panose="020B0609020204030204" pitchFamily="49" charset="0"/>
+              </a:rPr>
+              <a:t>to.Rmd</a:t>
+            </a:r>
+            <a:endParaRPr lang="en-US" sz="5400" b="1" dirty="0">
+              <a:solidFill>
+                <a:prstClr val="white"/>
+              </a:solidFill>
+              <a:latin typeface="Consolas" panose="020B0609020204030204" pitchFamily="49" charset="0"/>
+              <a:cs typeface="Consolas" panose="020B0609020204030204" pitchFamily="49" charset="0"/>
+            </a:endParaRPr>
+          </a:p>
+        </p:txBody>
+      </p:sp>
+    </p:spTree>
+    <p:extLst>
+      <p:ext uri="{BB962C8B-B14F-4D97-AF65-F5344CB8AC3E}">
+        <p14:creationId xmlns:p14="http://schemas.microsoft.com/office/powerpoint/2010/main" val="211589902"/>
+      </p:ext>
+    </p:extLst>
+  </p:cSld>
+  <p:clrMapOvr>
+    <a:overrideClrMapping bg1="dk1" tx1="lt1" bg2="dk2" tx2="lt2" accent1="accent1" accent2="accent2" accent3="accent3" accent4="accent4" accent5="accent5" accent6="accent6" hlink="hlink" folHlink="folHlink"/>
+  </p:clrMapOvr>
+  <p:timing>
+    <p:tnLst>
+      <p:par>
+        <p:cTn id="1" dur="indefinite" restart="never" nodeType="tmRoot"/>
+      </p:par>
+    </p:tnLst>
+  </p:timing>
+</p:sld>
+</file>
+
+<file path=ppt/slides/slide9.xml><?xml version="1.0" encoding="utf-8"?>
 <p:sld xmlns:a="http://schemas.openxmlformats.org/drawingml/2006/main" xmlns:r="http://schemas.openxmlformats.org/officeDocument/2006/relationships" xmlns:p="http://schemas.openxmlformats.org/presentationml/2006/main">
   <p:cSld>
     <p:spTree>
@@ -16404,275 +21715,6 @@
 </p:sld>
 </file>
 
-<file path=ppt/slides/slide9.xml><?xml version="1.0" encoding="utf-8"?>
-<p:sld xmlns:a="http://schemas.openxmlformats.org/drawingml/2006/main" xmlns:r="http://schemas.openxmlformats.org/officeDocument/2006/relationships" xmlns:p="http://schemas.openxmlformats.org/presentationml/2006/main">
-  <p:cSld>
-    <p:spTree>
-      <p:nvGrpSpPr>
-        <p:cNvPr id="1" name=""/>
-        <p:cNvGrpSpPr/>
-        <p:nvPr/>
-      </p:nvGrpSpPr>
-      <p:grpSpPr>
-        <a:xfrm>
-          <a:off x="0" y="0"/>
-          <a:ext cx="0" cy="0"/>
-          <a:chOff x="0" y="0"/>
-          <a:chExt cx="0" cy="0"/>
-        </a:xfrm>
-      </p:grpSpPr>
-      <p:sp>
-        <p:nvSpPr>
-          <p:cNvPr id="2" name="Titre 1"/>
-          <p:cNvSpPr>
-            <a:spLocks noGrp="1"/>
-          </p:cNvSpPr>
-          <p:nvPr>
-            <p:ph type="title"/>
-          </p:nvPr>
-        </p:nvSpPr>
-        <p:spPr/>
-        <p:txBody>
-          <a:bodyPr/>
-          <a:lstStyle/>
-          <a:p>
-            <a:r>
-              <a:rPr lang="fr-FR" dirty="0" err="1" smtClean="0"/>
-              <a:t>Keras</a:t>
-            </a:r>
-            <a:r>
-              <a:rPr lang="fr-FR" dirty="0" smtClean="0"/>
-              <a:t> &amp; </a:t>
-            </a:r>
-            <a:r>
-              <a:rPr lang="fr-FR" dirty="0" err="1" smtClean="0"/>
-              <a:t>tensorflow</a:t>
-            </a:r>
-            <a:endParaRPr lang="en-US" dirty="0"/>
-          </a:p>
-        </p:txBody>
-      </p:sp>
-      <p:pic>
-        <p:nvPicPr>
-          <p:cNvPr id="6146" name="Picture 2"/>
-          <p:cNvPicPr>
-            <a:picLocks noChangeAspect="1" noChangeArrowheads="1"/>
-          </p:cNvPicPr>
-          <p:nvPr/>
-        </p:nvPicPr>
-        <p:blipFill>
-          <a:blip r:embed="rId2">
-            <a:extLst>
-              <a:ext uri="{28A0092B-C50C-407E-A947-70E740481C1C}">
-                <a14:useLocalDpi xmlns:a14="http://schemas.microsoft.com/office/drawing/2010/main" val="0"/>
-              </a:ext>
-            </a:extLst>
-          </a:blip>
-          <a:srcRect/>
-          <a:stretch>
-            <a:fillRect/>
-          </a:stretch>
-        </p:blipFill>
-        <p:spPr bwMode="auto">
-          <a:xfrm>
-            <a:off x="1021831" y="1059582"/>
-            <a:ext cx="6844889" cy="2696170"/>
-          </a:xfrm>
-          <a:prstGeom prst="rect">
-            <a:avLst/>
-          </a:prstGeom>
-          <a:noFill/>
-          <a:ln>
-            <a:noFill/>
-          </a:ln>
-          <a:extLst>
-            <a:ext uri="{909E8E84-426E-40DD-AFC4-6F175D3DCCD1}">
-              <a14:hiddenFill xmlns:a14="http://schemas.microsoft.com/office/drawing/2010/main">
-                <a:solidFill>
-                  <a:schemeClr val="accent1"/>
-                </a:solidFill>
-              </a14:hiddenFill>
-            </a:ext>
-            <a:ext uri="{91240B29-F687-4F45-9708-019B960494DF}">
-              <a14:hiddenLine xmlns:a14="http://schemas.microsoft.com/office/drawing/2010/main" w="9525">
-                <a:solidFill>
-                  <a:schemeClr val="tx1"/>
-                </a:solidFill>
-                <a:miter lim="800000"/>
-                <a:headEnd/>
-                <a:tailEnd/>
-              </a14:hiddenLine>
-            </a:ext>
-          </a:extLst>
-        </p:spPr>
-      </p:pic>
-      <p:sp>
-        <p:nvSpPr>
-          <p:cNvPr id="4" name="Rectangle 3"/>
-          <p:cNvSpPr/>
-          <p:nvPr/>
-        </p:nvSpPr>
-        <p:spPr>
-          <a:xfrm>
-            <a:off x="0" y="3790481"/>
-            <a:ext cx="9144000" cy="1754326"/>
-          </a:xfrm>
-          <a:prstGeom prst="rect">
-            <a:avLst/>
-          </a:prstGeom>
-        </p:spPr>
-        <p:txBody>
-          <a:bodyPr wrap="square">
-            <a:spAutoFit/>
-          </a:bodyPr>
-          <a:lstStyle/>
-          <a:p>
-            <a:r>
-              <a:rPr lang="en-US" dirty="0" err="1">
-                <a:solidFill>
-                  <a:prstClr val="black"/>
-                </a:solidFill>
-              </a:rPr>
-              <a:t>Keras</a:t>
-            </a:r>
-            <a:r>
-              <a:rPr lang="en-US" dirty="0">
-                <a:solidFill>
-                  <a:prstClr val="black"/>
-                </a:solidFill>
-              </a:rPr>
-              <a:t> is a model-level library, providing high-level building blocks for developing</a:t>
-            </a:r>
-          </a:p>
-          <a:p>
-            <a:r>
-              <a:rPr lang="en-US" dirty="0">
-                <a:solidFill>
-                  <a:prstClr val="black"/>
-                </a:solidFill>
-              </a:rPr>
-              <a:t>deep-learning models. It doesn’t handle low-level operations such as tensor manipulation</a:t>
-            </a:r>
-          </a:p>
-          <a:p>
-            <a:r>
-              <a:rPr lang="en-US" dirty="0">
-                <a:solidFill>
-                  <a:prstClr val="black"/>
-                </a:solidFill>
-              </a:rPr>
-              <a:t>and differentiation. Instead, it relies on a specialized, well-optimized tensor library to do</a:t>
-            </a:r>
-          </a:p>
-          <a:p>
-            <a:r>
-              <a:rPr lang="en-US" dirty="0">
-                <a:solidFill>
-                  <a:prstClr val="black"/>
-                </a:solidFill>
-              </a:rPr>
-              <a:t>so, serving as the </a:t>
-            </a:r>
-            <a:r>
-              <a:rPr lang="en-US" i="1" dirty="0">
-                <a:solidFill>
-                  <a:prstClr val="black"/>
-                </a:solidFill>
-              </a:rPr>
-              <a:t>backend engine </a:t>
-            </a:r>
-            <a:r>
-              <a:rPr lang="en-US" dirty="0">
-                <a:solidFill>
-                  <a:prstClr val="black"/>
-                </a:solidFill>
-              </a:rPr>
-              <a:t>of </a:t>
-            </a:r>
-            <a:r>
-              <a:rPr lang="en-US" dirty="0" err="1">
-                <a:solidFill>
-                  <a:prstClr val="black"/>
-                </a:solidFill>
-              </a:rPr>
-              <a:t>Keras</a:t>
-            </a:r>
-            <a:r>
-              <a:rPr lang="en-US" dirty="0">
-                <a:solidFill>
-                  <a:prstClr val="black"/>
-                </a:solidFill>
-              </a:rPr>
-              <a:t>. Rather than choosing a single tensor library</a:t>
-            </a:r>
-          </a:p>
-          <a:p>
-            <a:r>
-              <a:rPr lang="en-US" dirty="0">
-                <a:solidFill>
-                  <a:prstClr val="black"/>
-                </a:solidFill>
-              </a:rPr>
-              <a:t>and tying the implementation of </a:t>
-            </a:r>
-            <a:r>
-              <a:rPr lang="en-US" dirty="0" err="1">
-                <a:solidFill>
-                  <a:prstClr val="black"/>
-                </a:solidFill>
-              </a:rPr>
-              <a:t>Keras</a:t>
-            </a:r>
-            <a:r>
-              <a:rPr lang="en-US" dirty="0">
-                <a:solidFill>
-                  <a:prstClr val="black"/>
-                </a:solidFill>
-              </a:rPr>
-              <a:t> to that library, </a:t>
-            </a:r>
-            <a:r>
-              <a:rPr lang="en-US" dirty="0" err="1">
-                <a:solidFill>
-                  <a:prstClr val="black"/>
-                </a:solidFill>
-              </a:rPr>
-              <a:t>Keras</a:t>
-            </a:r>
-            <a:r>
-              <a:rPr lang="en-US" dirty="0">
-                <a:solidFill>
-                  <a:prstClr val="black"/>
-                </a:solidFill>
-              </a:rPr>
-              <a:t> handles the problem in a</a:t>
-            </a:r>
-          </a:p>
-          <a:p>
-            <a:r>
-              <a:rPr lang="en-US" dirty="0">
-                <a:solidFill>
-                  <a:prstClr val="black"/>
-                </a:solidFill>
-              </a:rPr>
-              <a:t>modular way</a:t>
-            </a:r>
-          </a:p>
-        </p:txBody>
-      </p:sp>
-    </p:spTree>
-    <p:extLst>
-      <p:ext uri="{BB962C8B-B14F-4D97-AF65-F5344CB8AC3E}">
-        <p14:creationId xmlns:p14="http://schemas.microsoft.com/office/powerpoint/2010/main" val="2877619688"/>
-      </p:ext>
-    </p:extLst>
-  </p:cSld>
-  <p:clrMapOvr>
-    <a:masterClrMapping/>
-  </p:clrMapOvr>
-</p:sld>
-</file>
-
 <file path=ppt/theme/theme1.xml><?xml version="1.0" encoding="utf-8"?>
 <a:theme xmlns:a="http://schemas.openxmlformats.org/drawingml/2006/main" name="Thème Office">
   <a:themeElements>
@@ -16959,6 +22001,291 @@
 </file>
 
 <file path=ppt/theme/theme2.xml><?xml version="1.0" encoding="utf-8"?>
+<a:theme xmlns:a="http://schemas.openxmlformats.org/drawingml/2006/main" name="1_Thème Office">
+  <a:themeElements>
+    <a:clrScheme name="Office">
+      <a:dk1>
+        <a:sysClr val="windowText" lastClr="000000"/>
+      </a:dk1>
+      <a:lt1>
+        <a:sysClr val="window" lastClr="FFFFFF"/>
+      </a:lt1>
+      <a:dk2>
+        <a:srgbClr val="1F497D"/>
+      </a:dk2>
+      <a:lt2>
+        <a:srgbClr val="EEECE1"/>
+      </a:lt2>
+      <a:accent1>
+        <a:srgbClr val="4F81BD"/>
+      </a:accent1>
+      <a:accent2>
+        <a:srgbClr val="C0504D"/>
+      </a:accent2>
+      <a:accent3>
+        <a:srgbClr val="9BBB59"/>
+      </a:accent3>
+      <a:accent4>
+        <a:srgbClr val="8064A2"/>
+      </a:accent4>
+      <a:accent5>
+        <a:srgbClr val="4BACC6"/>
+      </a:accent5>
+      <a:accent6>
+        <a:srgbClr val="F79646"/>
+      </a:accent6>
+      <a:hlink>
+        <a:srgbClr val="0000FF"/>
+      </a:hlink>
+      <a:folHlink>
+        <a:srgbClr val="800080"/>
+      </a:folHlink>
+    </a:clrScheme>
+    <a:fontScheme name="Office">
+      <a:majorFont>
+        <a:latin typeface="Calibri"/>
+        <a:ea typeface=""/>
+        <a:cs typeface=""/>
+        <a:font script="Jpan" typeface="ＭＳ Ｐゴシック"/>
+        <a:font script="Hang" typeface="맑은 고딕"/>
+        <a:font script="Hans" typeface="宋体"/>
+        <a:font script="Hant" typeface="新細明體"/>
+        <a:font script="Arab" typeface="Times New Roman"/>
+        <a:font script="Hebr" typeface="Times New Roman"/>
+        <a:font script="Thai" typeface="Angsana New"/>
+        <a:font script="Ethi" typeface="Nyala"/>
+        <a:font script="Beng" typeface="Vrinda"/>
+        <a:font script="Gujr" typeface="Shruti"/>
+        <a:font script="Khmr" typeface="MoolBoran"/>
+        <a:font script="Knda" typeface="Tunga"/>
+        <a:font script="Guru" typeface="Raavi"/>
+        <a:font script="Cans" typeface="Euphemia"/>
+        <a:font script="Cher" typeface="Plantagenet Cherokee"/>
+        <a:font script="Yiii" typeface="Microsoft Yi Baiti"/>
+        <a:font script="Tibt" typeface="Microsoft Himalaya"/>
+        <a:font script="Thaa" typeface="MV Boli"/>
+        <a:font script="Deva" typeface="Mangal"/>
+        <a:font script="Telu" typeface="Gautami"/>
+        <a:font script="Taml" typeface="Latha"/>
+        <a:font script="Syrc" typeface="Estrangelo Edessa"/>
+        <a:font script="Orya" typeface="Kalinga"/>
+        <a:font script="Mlym" typeface="Kartika"/>
+        <a:font script="Laoo" typeface="DokChampa"/>
+        <a:font script="Sinh" typeface="Iskoola Pota"/>
+        <a:font script="Mong" typeface="Mongolian Baiti"/>
+        <a:font script="Viet" typeface="Times New Roman"/>
+        <a:font script="Uigh" typeface="Microsoft Uighur"/>
+        <a:font script="Geor" typeface="Sylfaen"/>
+      </a:majorFont>
+      <a:minorFont>
+        <a:latin typeface="Calibri"/>
+        <a:ea typeface=""/>
+        <a:cs typeface=""/>
+        <a:font script="Jpan" typeface="ＭＳ Ｐゴシック"/>
+        <a:font script="Hang" typeface="맑은 고딕"/>
+        <a:font script="Hans" typeface="宋体"/>
+        <a:font script="Hant" typeface="新細明體"/>
+        <a:font script="Arab" typeface="Arial"/>
+        <a:font script="Hebr" typeface="Arial"/>
+        <a:font script="Thai" typeface="Cordia New"/>
+        <a:font script="Ethi" typeface="Nyala"/>
+        <a:font script="Beng" typeface="Vrinda"/>
+        <a:font script="Gujr" typeface="Shruti"/>
+        <a:font script="Khmr" typeface="DaunPenh"/>
+        <a:font script="Knda" typeface="Tunga"/>
+        <a:font script="Guru" typeface="Raavi"/>
+        <a:font script="Cans" typeface="Euphemia"/>
+        <a:font script="Cher" typeface="Plantagenet Cherokee"/>
+        <a:font script="Yiii" typeface="Microsoft Yi Baiti"/>
+        <a:font script="Tibt" typeface="Microsoft Himalaya"/>
+        <a:font script="Thaa" typeface="MV Boli"/>
+        <a:font script="Deva" typeface="Mangal"/>
+        <a:font script="Telu" typeface="Gautami"/>
+        <a:font script="Taml" typeface="Latha"/>
+        <a:font script="Syrc" typeface="Estrangelo Edessa"/>
+        <a:font script="Orya" typeface="Kalinga"/>
+        <a:font script="Mlym" typeface="Kartika"/>
+        <a:font script="Laoo" typeface="DokChampa"/>
+        <a:font script="Sinh" typeface="Iskoola Pota"/>
+        <a:font script="Mong" typeface="Mongolian Baiti"/>
+        <a:font script="Viet" typeface="Arial"/>
+        <a:font script="Uigh" typeface="Microsoft Uighur"/>
+        <a:font script="Geor" typeface="Sylfaen"/>
+      </a:minorFont>
+    </a:fontScheme>
+    <a:fmtScheme name="Office">
+      <a:fillStyleLst>
+        <a:solidFill>
+          <a:schemeClr val="phClr"/>
+        </a:solidFill>
+        <a:gradFill rotWithShape="1">
+          <a:gsLst>
+            <a:gs pos="0">
+              <a:schemeClr val="phClr">
+                <a:tint val="50000"/>
+                <a:satMod val="300000"/>
+              </a:schemeClr>
+            </a:gs>
+            <a:gs pos="35000">
+              <a:schemeClr val="phClr">
+                <a:tint val="37000"/>
+                <a:satMod val="300000"/>
+              </a:schemeClr>
+            </a:gs>
+            <a:gs pos="100000">
+              <a:schemeClr val="phClr">
+                <a:tint val="15000"/>
+                <a:satMod val="350000"/>
+              </a:schemeClr>
+            </a:gs>
+          </a:gsLst>
+          <a:lin ang="16200000" scaled="1"/>
+        </a:gradFill>
+        <a:gradFill rotWithShape="1">
+          <a:gsLst>
+            <a:gs pos="0">
+              <a:schemeClr val="phClr">
+                <a:shade val="51000"/>
+                <a:satMod val="130000"/>
+              </a:schemeClr>
+            </a:gs>
+            <a:gs pos="80000">
+              <a:schemeClr val="phClr">
+                <a:shade val="93000"/>
+                <a:satMod val="130000"/>
+              </a:schemeClr>
+            </a:gs>
+            <a:gs pos="100000">
+              <a:schemeClr val="phClr">
+                <a:shade val="94000"/>
+                <a:satMod val="135000"/>
+              </a:schemeClr>
+            </a:gs>
+          </a:gsLst>
+          <a:lin ang="16200000" scaled="0"/>
+        </a:gradFill>
+      </a:fillStyleLst>
+      <a:lnStyleLst>
+        <a:ln w="9525" cap="flat" cmpd="sng" algn="ctr">
+          <a:solidFill>
+            <a:schemeClr val="phClr">
+              <a:shade val="95000"/>
+              <a:satMod val="105000"/>
+            </a:schemeClr>
+          </a:solidFill>
+          <a:prstDash val="solid"/>
+        </a:ln>
+        <a:ln w="25400" cap="flat" cmpd="sng" algn="ctr">
+          <a:solidFill>
+            <a:schemeClr val="phClr"/>
+          </a:solidFill>
+          <a:prstDash val="solid"/>
+        </a:ln>
+        <a:ln w="38100" cap="flat" cmpd="sng" algn="ctr">
+          <a:solidFill>
+            <a:schemeClr val="phClr"/>
+          </a:solidFill>
+          <a:prstDash val="solid"/>
+        </a:ln>
+      </a:lnStyleLst>
+      <a:effectStyleLst>
+        <a:effectStyle>
+          <a:effectLst>
+            <a:outerShdw blurRad="40000" dist="20000" dir="5400000" rotWithShape="0">
+              <a:srgbClr val="000000">
+                <a:alpha val="38000"/>
+              </a:srgbClr>
+            </a:outerShdw>
+          </a:effectLst>
+        </a:effectStyle>
+        <a:effectStyle>
+          <a:effectLst>
+            <a:outerShdw blurRad="40000" dist="23000" dir="5400000" rotWithShape="0">
+              <a:srgbClr val="000000">
+                <a:alpha val="35000"/>
+              </a:srgbClr>
+            </a:outerShdw>
+          </a:effectLst>
+        </a:effectStyle>
+        <a:effectStyle>
+          <a:effectLst>
+            <a:outerShdw blurRad="40000" dist="23000" dir="5400000" rotWithShape="0">
+              <a:srgbClr val="000000">
+                <a:alpha val="35000"/>
+              </a:srgbClr>
+            </a:outerShdw>
+          </a:effectLst>
+          <a:scene3d>
+            <a:camera prst="orthographicFront">
+              <a:rot lat="0" lon="0" rev="0"/>
+            </a:camera>
+            <a:lightRig rig="threePt" dir="t">
+              <a:rot lat="0" lon="0" rev="1200000"/>
+            </a:lightRig>
+          </a:scene3d>
+          <a:sp3d>
+            <a:bevelT w="63500" h="25400"/>
+          </a:sp3d>
+        </a:effectStyle>
+      </a:effectStyleLst>
+      <a:bgFillStyleLst>
+        <a:solidFill>
+          <a:schemeClr val="phClr"/>
+        </a:solidFill>
+        <a:gradFill rotWithShape="1">
+          <a:gsLst>
+            <a:gs pos="0">
+              <a:schemeClr val="phClr">
+                <a:tint val="40000"/>
+                <a:satMod val="350000"/>
+              </a:schemeClr>
+            </a:gs>
+            <a:gs pos="40000">
+              <a:schemeClr val="phClr">
+                <a:tint val="45000"/>
+                <a:shade val="99000"/>
+                <a:satMod val="350000"/>
+              </a:schemeClr>
+            </a:gs>
+            <a:gs pos="100000">
+              <a:schemeClr val="phClr">
+                <a:shade val="20000"/>
+                <a:satMod val="255000"/>
+              </a:schemeClr>
+            </a:gs>
+          </a:gsLst>
+          <a:path path="circle">
+            <a:fillToRect l="50000" t="-80000" r="50000" b="180000"/>
+          </a:path>
+        </a:gradFill>
+        <a:gradFill rotWithShape="1">
+          <a:gsLst>
+            <a:gs pos="0">
+              <a:schemeClr val="phClr">
+                <a:tint val="80000"/>
+                <a:satMod val="300000"/>
+              </a:schemeClr>
+            </a:gs>
+            <a:gs pos="100000">
+              <a:schemeClr val="phClr">
+                <a:shade val="30000"/>
+                <a:satMod val="200000"/>
+              </a:schemeClr>
+            </a:gs>
+          </a:gsLst>
+          <a:path path="circle">
+            <a:fillToRect l="50000" t="50000" r="50000" b="50000"/>
+          </a:path>
+        </a:gradFill>
+      </a:bgFillStyleLst>
+    </a:fmtScheme>
+  </a:themeElements>
+  <a:objectDefaults/>
+  <a:extraClrSchemeLst/>
+</a:theme>
+</file>
+
+<file path=ppt/theme/theme3.xml><?xml version="1.0" encoding="utf-8"?>
 <a:theme xmlns:a="http://schemas.openxmlformats.org/drawingml/2006/main" name="Thème Office">
   <a:themeElements>
     <a:clrScheme name="Office">

--- a/TP_IFSBM_module12/2020/labs/lab_2/TP_DL.pptx
+++ b/TP_IFSBM_module12/2020/labs/lab_2/TP_DL.pptx
@@ -6,7 +6,7 @@
     <p:sldMasterId id="2147483660" r:id="rId2"/>
   </p:sldMasterIdLst>
   <p:notesMasterIdLst>
-    <p:notesMasterId r:id="rId33"/>
+    <p:notesMasterId r:id="rId34"/>
   </p:notesMasterIdLst>
   <p:sldIdLst>
     <p:sldId id="311" r:id="rId3"/>
@@ -22,23 +22,24 @@
     <p:sldId id="341" r:id="rId13"/>
     <p:sldId id="344" r:id="rId14"/>
     <p:sldId id="342" r:id="rId15"/>
-    <p:sldId id="343" r:id="rId16"/>
-    <p:sldId id="323" r:id="rId17"/>
-    <p:sldId id="324" r:id="rId18"/>
-    <p:sldId id="325" r:id="rId19"/>
-    <p:sldId id="326" r:id="rId20"/>
-    <p:sldId id="327" r:id="rId21"/>
-    <p:sldId id="328" r:id="rId22"/>
-    <p:sldId id="319" r:id="rId23"/>
-    <p:sldId id="329" r:id="rId24"/>
-    <p:sldId id="330" r:id="rId25"/>
-    <p:sldId id="331" r:id="rId26"/>
-    <p:sldId id="335" r:id="rId27"/>
-    <p:sldId id="336" r:id="rId28"/>
-    <p:sldId id="337" r:id="rId29"/>
-    <p:sldId id="338" r:id="rId30"/>
-    <p:sldId id="339" r:id="rId31"/>
-    <p:sldId id="313" r:id="rId32"/>
+    <p:sldId id="345" r:id="rId16"/>
+    <p:sldId id="343" r:id="rId17"/>
+    <p:sldId id="323" r:id="rId18"/>
+    <p:sldId id="324" r:id="rId19"/>
+    <p:sldId id="325" r:id="rId20"/>
+    <p:sldId id="326" r:id="rId21"/>
+    <p:sldId id="327" r:id="rId22"/>
+    <p:sldId id="328" r:id="rId23"/>
+    <p:sldId id="319" r:id="rId24"/>
+    <p:sldId id="329" r:id="rId25"/>
+    <p:sldId id="330" r:id="rId26"/>
+    <p:sldId id="331" r:id="rId27"/>
+    <p:sldId id="335" r:id="rId28"/>
+    <p:sldId id="336" r:id="rId29"/>
+    <p:sldId id="337" r:id="rId30"/>
+    <p:sldId id="338" r:id="rId31"/>
+    <p:sldId id="339" r:id="rId32"/>
+    <p:sldId id="313" r:id="rId33"/>
   </p:sldIdLst>
   <p:sldSz cx="9144000" cy="5143500" type="screen16x9"/>
   <p:notesSz cx="6858000" cy="9144000"/>
@@ -605,7 +606,7 @@
           <a:p>
             <a:fld id="{7725023B-B328-4F0C-807B-4C70D5E640E4}" type="slidenum">
               <a:rPr lang="fr-FR" smtClean="0"/>
-              <a:t>26</a:t>
+              <a:t>27</a:t>
             </a:fld>
             <a:endParaRPr lang="fr-FR"/>
           </a:p>
@@ -9080,7 +9081,7 @@
         </p:nvSpPr>
         <p:spPr>
           <a:xfrm>
-            <a:off x="5664459" y="1760088"/>
+            <a:off x="6725541" y="1131589"/>
             <a:ext cx="301686" cy="369332"/>
           </a:xfrm>
           <a:prstGeom prst="rect">
@@ -9110,7 +9111,7 @@
         </p:nvSpPr>
         <p:spPr>
           <a:xfrm>
-            <a:off x="6736103" y="1195914"/>
+            <a:off x="5822826" y="1788021"/>
             <a:ext cx="301686" cy="369332"/>
           </a:xfrm>
           <a:prstGeom prst="rect">
@@ -9209,7 +9210,7 @@
         <p:spPr>
           <a:xfrm>
             <a:off x="4920366" y="2542202"/>
-            <a:ext cx="3286477" cy="369332"/>
+            <a:ext cx="3288401" cy="369332"/>
           </a:xfrm>
           <a:prstGeom prst="rect">
             <a:avLst/>
@@ -9231,7 +9232,7 @@
             </a:r>
             <a:r>
               <a:rPr lang="fr-FR" dirty="0" smtClean="0"/>
-              <a:t> L-1, N </a:t>
+              <a:t> L, N </a:t>
             </a:r>
             <a:r>
               <a:rPr lang="fr-FR" dirty="0" err="1" smtClean="0"/>
@@ -9239,7 +9240,47 @@
             </a:r>
             <a:r>
               <a:rPr lang="fr-FR" dirty="0" smtClean="0"/>
-              <a:t> L </a:t>
+              <a:t> L-1 </a:t>
+            </a:r>
+            <a:endParaRPr lang="en-US" dirty="0"/>
+          </a:p>
+        </p:txBody>
+      </p:sp>
+      <p:sp>
+        <p:nvSpPr>
+          <p:cNvPr id="11" name="ZoneTexte 10"/>
+          <p:cNvSpPr txBox="1"/>
+          <p:nvPr/>
+        </p:nvSpPr>
+        <p:spPr>
+          <a:xfrm>
+            <a:off x="3593732" y="4619332"/>
+            <a:ext cx="2500493" cy="369332"/>
+          </a:xfrm>
+          <a:prstGeom prst="rect">
+            <a:avLst/>
+          </a:prstGeom>
+          <a:noFill/>
+        </p:spPr>
+        <p:txBody>
+          <a:bodyPr wrap="none" rtlCol="0">
+            <a:spAutoFit/>
+          </a:bodyPr>
+          <a:lstStyle/>
+          <a:p>
+            <a:r>
+              <a:rPr lang="fr-FR" dirty="0" smtClean="0">
+                <a:sym typeface="Wingdings" panose="05000000000000000000" pitchFamily="2" charset="2"/>
+              </a:rPr>
+              <a:t> </a:t>
+            </a:r>
+            <a:r>
+              <a:rPr lang="fr-FR" dirty="0" err="1" smtClean="0"/>
+              <a:t>Random</a:t>
+            </a:r>
+            <a:r>
+              <a:rPr lang="fr-FR" dirty="0" smtClean="0"/>
+              <a:t> initialisation </a:t>
             </a:r>
             <a:endParaRPr lang="en-US" dirty="0"/>
           </a:p>
@@ -9353,6 +9394,356 @@
 </file>
 
 <file path=ppt/slides/slide14.xml><?xml version="1.0" encoding="utf-8"?>
+<p:sld xmlns:a="http://schemas.openxmlformats.org/drawingml/2006/main" xmlns:r="http://schemas.openxmlformats.org/officeDocument/2006/relationships" xmlns:p="http://schemas.openxmlformats.org/presentationml/2006/main">
+  <p:cSld>
+    <p:spTree>
+      <p:nvGrpSpPr>
+        <p:cNvPr id="1" name=""/>
+        <p:cNvGrpSpPr/>
+        <p:nvPr/>
+      </p:nvGrpSpPr>
+      <p:grpSpPr>
+        <a:xfrm>
+          <a:off x="0" y="0"/>
+          <a:ext cx="0" cy="0"/>
+          <a:chOff x="0" y="0"/>
+          <a:chExt cx="0" cy="0"/>
+        </a:xfrm>
+      </p:grpSpPr>
+      <p:sp>
+        <p:nvSpPr>
+          <p:cNvPr id="2" name="Titre 1"/>
+          <p:cNvSpPr>
+            <a:spLocks noGrp="1"/>
+          </p:cNvSpPr>
+          <p:nvPr>
+            <p:ph type="title"/>
+          </p:nvPr>
+        </p:nvSpPr>
+        <p:spPr/>
+        <p:txBody>
+          <a:bodyPr/>
+          <a:lstStyle/>
+          <a:p>
+            <a:r>
+              <a:rPr lang="fr-FR" dirty="0" smtClean="0"/>
+              <a:t>Matrix multiplication</a:t>
+            </a:r>
+            <a:endParaRPr lang="en-US" dirty="0"/>
+          </a:p>
+        </p:txBody>
+      </p:sp>
+      <mc:AlternateContent xmlns:mc="http://schemas.openxmlformats.org/markup-compatibility/2006">
+        <mc:Choice xmlns:a14="http://schemas.microsoft.com/office/drawing/2010/main" Requires="a14">
+          <p:sp>
+            <p:nvSpPr>
+              <p:cNvPr id="4" name="ZoneTexte 3"/>
+              <p:cNvSpPr txBox="1"/>
+              <p:nvPr/>
+            </p:nvSpPr>
+            <p:spPr>
+              <a:xfrm>
+                <a:off x="2843808" y="1491630"/>
+                <a:ext cx="3502241" cy="707886"/>
+              </a:xfrm>
+              <a:prstGeom prst="rect">
+                <a:avLst/>
+              </a:prstGeom>
+              <a:noFill/>
+            </p:spPr>
+            <p:txBody>
+              <a:bodyPr wrap="none" rtlCol="0">
+                <a:spAutoFit/>
+              </a:bodyPr>
+              <a:lstStyle/>
+              <a:p>
+                <a14:m>
+                  <m:oMathPara xmlns:m="http://schemas.openxmlformats.org/officeDocument/2006/math">
+                    <m:oMathParaPr>
+                      <m:jc m:val="centerGroup"/>
+                    </m:oMathParaPr>
+                    <m:oMath xmlns:m="http://schemas.openxmlformats.org/officeDocument/2006/math">
+                      <m:r>
+                        <a:rPr lang="fr-FR" sz="4000" b="0" i="1" smtClean="0">
+                          <a:latin typeface="Cambria Math"/>
+                        </a:rPr>
+                        <m:t>𝑧</m:t>
+                      </m:r>
+                      <m:r>
+                        <a:rPr lang="fr-FR" sz="4000" b="0" i="1" smtClean="0">
+                          <a:latin typeface="Cambria Math"/>
+                        </a:rPr>
+                        <m:t>=</m:t>
+                      </m:r>
+                      <m:r>
+                        <a:rPr lang="en-US" sz="4000" i="1" smtClean="0">
+                          <a:latin typeface="Cambria Math"/>
+                        </a:rPr>
+                        <m:t>𝑋</m:t>
+                      </m:r>
+                      <m:r>
+                        <a:rPr lang="fr-FR" sz="4000" b="0" i="1" smtClean="0">
+                          <a:latin typeface="Cambria Math"/>
+                        </a:rPr>
+                        <m:t>.</m:t>
+                      </m:r>
+                      <m:sSup>
+                        <m:sSupPr>
+                          <m:ctrlPr>
+                            <a:rPr lang="en-US" sz="4000" i="1" smtClean="0">
+                              <a:latin typeface="Cambria Math"/>
+                            </a:rPr>
+                          </m:ctrlPr>
+                        </m:sSupPr>
+                        <m:e>
+                          <m:r>
+                            <a:rPr lang="fr-FR" sz="4000" b="0" i="1" smtClean="0">
+                              <a:latin typeface="Cambria Math"/>
+                            </a:rPr>
+                            <m:t>𝑊</m:t>
+                          </m:r>
+                        </m:e>
+                        <m:sup>
+                          <m:r>
+                            <a:rPr lang="fr-FR" sz="4000" b="0" i="1" smtClean="0">
+                              <a:latin typeface="Cambria Math"/>
+                            </a:rPr>
+                            <m:t>𝑇</m:t>
+                          </m:r>
+                        </m:sup>
+                      </m:sSup>
+                      <m:r>
+                        <a:rPr lang="en-US" sz="4000" i="1">
+                          <a:latin typeface="Cambria Math"/>
+                        </a:rPr>
+                        <m:t>+</m:t>
+                      </m:r>
+                      <m:r>
+                        <a:rPr lang="en-US" sz="4000" i="1">
+                          <a:latin typeface="Cambria Math"/>
+                        </a:rPr>
+                        <m:t>𝐵</m:t>
+                      </m:r>
+                    </m:oMath>
+                  </m:oMathPara>
+                </a14:m>
+                <a:endParaRPr lang="en-US" sz="4000" dirty="0"/>
+              </a:p>
+            </p:txBody>
+          </p:sp>
+        </mc:Choice>
+        <mc:Fallback>
+          <p:sp>
+            <p:nvSpPr>
+              <p:cNvPr id="4" name="ZoneTexte 3"/>
+              <p:cNvSpPr txBox="1">
+                <a:spLocks noRot="1" noChangeAspect="1" noMove="1" noResize="1" noEditPoints="1" noAdjustHandles="1" noChangeArrowheads="1" noChangeShapeType="1" noTextEdit="1"/>
+              </p:cNvSpPr>
+              <p:nvPr/>
+            </p:nvSpPr>
+            <p:spPr>
+              <a:xfrm>
+                <a:off x="2843808" y="1491630"/>
+                <a:ext cx="3502241" cy="707886"/>
+              </a:xfrm>
+              <a:prstGeom prst="rect">
+                <a:avLst/>
+              </a:prstGeom>
+              <a:blipFill rotWithShape="1">
+                <a:blip r:embed="rId2"/>
+                <a:stretch>
+                  <a:fillRect/>
+                </a:stretch>
+              </a:blipFill>
+            </p:spPr>
+            <p:txBody>
+              <a:bodyPr/>
+              <a:lstStyle/>
+              <a:p>
+                <a:r>
+                  <a:rPr lang="en-US">
+                    <a:noFill/>
+                  </a:rPr>
+                  <a:t> </a:t>
+                </a:r>
+              </a:p>
+            </p:txBody>
+          </p:sp>
+        </mc:Fallback>
+      </mc:AlternateContent>
+      <mc:AlternateContent xmlns:mc="http://schemas.openxmlformats.org/markup-compatibility/2006">
+        <mc:Choice xmlns:a14="http://schemas.microsoft.com/office/drawing/2010/main" Requires="a14">
+          <p:sp>
+            <p:nvSpPr>
+              <p:cNvPr id="5" name="ZoneTexte 4"/>
+              <p:cNvSpPr txBox="1"/>
+              <p:nvPr/>
+            </p:nvSpPr>
+            <p:spPr>
+              <a:xfrm>
+                <a:off x="2411760" y="2427734"/>
+                <a:ext cx="4075155" cy="1200329"/>
+              </a:xfrm>
+              <a:prstGeom prst="rect">
+                <a:avLst/>
+              </a:prstGeom>
+              <a:noFill/>
+            </p:spPr>
+            <p:txBody>
+              <a:bodyPr wrap="none" rtlCol="0">
+                <a:spAutoFit/>
+              </a:bodyPr>
+              <a:lstStyle/>
+              <a:p>
+                <a:r>
+                  <a:rPr lang="fr-FR" dirty="0" smtClean="0"/>
+                  <a:t>X dimensions: Nb  </a:t>
+                </a:r>
+                <a:r>
+                  <a:rPr lang="fr-FR" dirty="0" err="1" smtClean="0"/>
+                  <a:t>examples</a:t>
+                </a:r>
+                <a:r>
+                  <a:rPr lang="fr-FR" dirty="0" smtClean="0"/>
+                  <a:t>, nb variables</a:t>
+                </a:r>
+              </a:p>
+              <a:p>
+                <a14:m>
+                  <m:oMath xmlns:m="http://schemas.openxmlformats.org/officeDocument/2006/math">
+                    <m:sSup>
+                      <m:sSupPr>
+                        <m:ctrlPr>
+                          <a:rPr lang="en-US" i="1">
+                            <a:latin typeface="Cambria Math"/>
+                          </a:rPr>
+                        </m:ctrlPr>
+                      </m:sSupPr>
+                      <m:e>
+                        <m:r>
+                          <a:rPr lang="fr-FR" i="1">
+                            <a:latin typeface="Cambria Math"/>
+                          </a:rPr>
+                          <m:t>𝑊</m:t>
+                        </m:r>
+                      </m:e>
+                      <m:sup>
+                        <m:r>
+                          <a:rPr lang="fr-FR" i="1">
+                            <a:latin typeface="Cambria Math"/>
+                          </a:rPr>
+                          <m:t>𝑇</m:t>
+                        </m:r>
+                      </m:sup>
+                    </m:sSup>
+                  </m:oMath>
+                </a14:m>
+                <a:r>
+                  <a:rPr lang="fr-FR" dirty="0" smtClean="0"/>
+                  <a:t> dimensions: Nb variables, nb </a:t>
+                </a:r>
+                <a:r>
+                  <a:rPr lang="fr-FR" dirty="0" err="1" smtClean="0"/>
+                  <a:t>units</a:t>
+                </a:r>
+                <a:r>
+                  <a:rPr lang="fr-FR" dirty="0" smtClean="0"/>
+                  <a:t> L1</a:t>
+                </a:r>
+              </a:p>
+              <a:p>
+                <a:r>
+                  <a:rPr lang="fr-FR" dirty="0" smtClean="0"/>
+                  <a:t>B dimensions: </a:t>
+                </a:r>
+                <a:r>
+                  <a:rPr lang="fr-FR" dirty="0" err="1" smtClean="0"/>
+                  <a:t>length</a:t>
+                </a:r>
+                <a:r>
+                  <a:rPr lang="fr-FR" dirty="0" smtClean="0"/>
+                  <a:t> nb unit L1</a:t>
+                </a:r>
+              </a:p>
+              <a:p>
+                <a:r>
+                  <a:rPr lang="fr-FR" dirty="0" smtClean="0"/>
+                  <a:t>Z dimensions: nb </a:t>
+                </a:r>
+                <a:r>
+                  <a:rPr lang="fr-FR" dirty="0" err="1" smtClean="0"/>
+                  <a:t>examples</a:t>
+                </a:r>
+                <a:r>
+                  <a:rPr lang="fr-FR" dirty="0" smtClean="0"/>
+                  <a:t>, nb </a:t>
+                </a:r>
+                <a:r>
+                  <a:rPr lang="fr-FR" dirty="0" err="1" smtClean="0"/>
+                  <a:t>units</a:t>
+                </a:r>
+                <a:r>
+                  <a:rPr lang="fr-FR" dirty="0" smtClean="0"/>
+                  <a:t> L1</a:t>
+                </a:r>
+                <a:endParaRPr lang="en-US" dirty="0"/>
+              </a:p>
+            </p:txBody>
+          </p:sp>
+        </mc:Choice>
+        <mc:Fallback>
+          <p:sp>
+            <p:nvSpPr>
+              <p:cNvPr id="5" name="ZoneTexte 4"/>
+              <p:cNvSpPr txBox="1">
+                <a:spLocks noRot="1" noChangeAspect="1" noMove="1" noResize="1" noEditPoints="1" noAdjustHandles="1" noChangeArrowheads="1" noChangeShapeType="1" noTextEdit="1"/>
+              </p:cNvSpPr>
+              <p:nvPr/>
+            </p:nvSpPr>
+            <p:spPr>
+              <a:xfrm>
+                <a:off x="2411760" y="2427734"/>
+                <a:ext cx="4075155" cy="1200329"/>
+              </a:xfrm>
+              <a:prstGeom prst="rect">
+                <a:avLst/>
+              </a:prstGeom>
+              <a:blipFill rotWithShape="1">
+                <a:blip r:embed="rId3"/>
+                <a:stretch>
+                  <a:fillRect l="-1347" t="-2538" r="-299" b="-7107"/>
+                </a:stretch>
+              </a:blipFill>
+            </p:spPr>
+            <p:txBody>
+              <a:bodyPr/>
+              <a:lstStyle/>
+              <a:p>
+                <a:r>
+                  <a:rPr lang="en-US">
+                    <a:noFill/>
+                  </a:rPr>
+                  <a:t> </a:t>
+                </a:r>
+              </a:p>
+            </p:txBody>
+          </p:sp>
+        </mc:Fallback>
+      </mc:AlternateContent>
+    </p:spTree>
+    <p:extLst>
+      <p:ext uri="{BB962C8B-B14F-4D97-AF65-F5344CB8AC3E}">
+        <p14:creationId xmlns:p14="http://schemas.microsoft.com/office/powerpoint/2010/main" val="2636381348"/>
+      </p:ext>
+    </p:extLst>
+  </p:cSld>
+  <p:clrMapOvr>
+    <a:masterClrMapping/>
+  </p:clrMapOvr>
+</p:sld>
+</file>
+
+<file path=ppt/slides/slide15.xml><?xml version="1.0" encoding="utf-8"?>
 <p:sld xmlns:a="http://schemas.openxmlformats.org/drawingml/2006/main" xmlns:r="http://schemas.openxmlformats.org/officeDocument/2006/relationships" xmlns:p="http://schemas.openxmlformats.org/presentationml/2006/main">
   <p:cSld>
     <p:spTree>
@@ -9434,7 +9825,7 @@
 </p:sld>
 </file>
 
-<file path=ppt/slides/slide15.xml><?xml version="1.0" encoding="utf-8"?>
+<file path=ppt/slides/slide16.xml><?xml version="1.0" encoding="utf-8"?>
 <p:sld xmlns:a="http://schemas.openxmlformats.org/drawingml/2006/main" xmlns:r="http://schemas.openxmlformats.org/officeDocument/2006/relationships" xmlns:p="http://schemas.openxmlformats.org/presentationml/2006/main">
   <p:cSld>
     <p:spTree>
@@ -9859,7 +10250,7 @@
 </p:sld>
 </file>
 
-<file path=ppt/slides/slide16.xml><?xml version="1.0" encoding="utf-8"?>
+<file path=ppt/slides/slide17.xml><?xml version="1.0" encoding="utf-8"?>
 <p:sld xmlns:a="http://schemas.openxmlformats.org/drawingml/2006/main" xmlns:r="http://schemas.openxmlformats.org/officeDocument/2006/relationships" xmlns:p="http://schemas.openxmlformats.org/presentationml/2006/main">
   <p:cSld>
     <p:spTree>
@@ -10850,7 +11241,7 @@
 </p:sld>
 </file>
 
-<file path=ppt/slides/slide17.xml><?xml version="1.0" encoding="utf-8"?>
+<file path=ppt/slides/slide18.xml><?xml version="1.0" encoding="utf-8"?>
 <p:sld xmlns:a="http://schemas.openxmlformats.org/drawingml/2006/main" xmlns:r="http://schemas.openxmlformats.org/officeDocument/2006/relationships" xmlns:p="http://schemas.openxmlformats.org/presentationml/2006/main">
   <p:cSld>
     <p:spTree>
@@ -12058,7 +12449,7 @@
 </p:sld>
 </file>
 
-<file path=ppt/slides/slide18.xml><?xml version="1.0" encoding="utf-8"?>
+<file path=ppt/slides/slide19.xml><?xml version="1.0" encoding="utf-8"?>
 <p:sld xmlns:a="http://schemas.openxmlformats.org/drawingml/2006/main" xmlns:r="http://schemas.openxmlformats.org/officeDocument/2006/relationships" xmlns:p="http://schemas.openxmlformats.org/presentationml/2006/main">
   <p:cSld>
     <p:spTree>
@@ -12736,7 +13127,187 @@
 </p:sld>
 </file>
 
-<file path=ppt/slides/slide19.xml><?xml version="1.0" encoding="utf-8"?>
+<file path=ppt/slides/slide2.xml><?xml version="1.0" encoding="utf-8"?>
+<p:sld xmlns:a="http://schemas.openxmlformats.org/drawingml/2006/main" xmlns:r="http://schemas.openxmlformats.org/officeDocument/2006/relationships" xmlns:p="http://schemas.openxmlformats.org/presentationml/2006/main">
+  <p:cSld>
+    <p:spTree>
+      <p:nvGrpSpPr>
+        <p:cNvPr id="1" name=""/>
+        <p:cNvGrpSpPr/>
+        <p:nvPr/>
+      </p:nvGrpSpPr>
+      <p:grpSpPr>
+        <a:xfrm>
+          <a:off x="0" y="0"/>
+          <a:ext cx="0" cy="0"/>
+          <a:chOff x="0" y="0"/>
+          <a:chExt cx="0" cy="0"/>
+        </a:xfrm>
+      </p:grpSpPr>
+      <p:sp>
+        <p:nvSpPr>
+          <p:cNvPr id="2" name="Titre 1"/>
+          <p:cNvSpPr>
+            <a:spLocks noGrp="1"/>
+          </p:cNvSpPr>
+          <p:nvPr>
+            <p:ph type="title"/>
+          </p:nvPr>
+        </p:nvSpPr>
+        <p:spPr/>
+        <p:txBody>
+          <a:bodyPr>
+            <a:normAutofit/>
+          </a:bodyPr>
+          <a:lstStyle/>
+          <a:p>
+            <a:r>
+              <a:rPr lang="en-US" b="1" dirty="0" smtClean="0"/>
+              <a:t>Running </a:t>
+            </a:r>
+            <a:r>
+              <a:rPr lang="en-US" b="1" dirty="0"/>
+              <a:t>instructions </a:t>
+            </a:r>
+            <a:endParaRPr lang="en-US" dirty="0"/>
+          </a:p>
+        </p:txBody>
+      </p:sp>
+      <p:sp>
+        <p:nvSpPr>
+          <p:cNvPr id="3" name="Espace réservé du contenu 2"/>
+          <p:cNvSpPr>
+            <a:spLocks noGrp="1"/>
+          </p:cNvSpPr>
+          <p:nvPr>
+            <p:ph idx="1"/>
+          </p:nvPr>
+        </p:nvSpPr>
+        <p:spPr>
+          <a:xfrm>
+            <a:off x="457200" y="1200152"/>
+            <a:ext cx="8229600" cy="3675855"/>
+          </a:xfrm>
+        </p:spPr>
+        <p:txBody>
+          <a:bodyPr>
+            <a:normAutofit/>
+          </a:bodyPr>
+          <a:lstStyle/>
+          <a:p>
+            <a:r>
+              <a:rPr lang="fr-FR" dirty="0" smtClean="0"/>
+              <a:t>Open </a:t>
+            </a:r>
+            <a:r>
+              <a:rPr lang="fr-FR" dirty="0" err="1" smtClean="0"/>
+              <a:t>your</a:t>
+            </a:r>
+            <a:r>
+              <a:rPr lang="fr-FR" dirty="0" smtClean="0"/>
+              <a:t> R studio </a:t>
+            </a:r>
+            <a:r>
+              <a:rPr lang="fr-FR" dirty="0" err="1" smtClean="0"/>
+              <a:t>project</a:t>
+            </a:r>
+            <a:r>
+              <a:rPr lang="fr-FR" dirty="0" smtClean="0"/>
+              <a:t> « </a:t>
+            </a:r>
+            <a:r>
+              <a:rPr lang="fr-FR" dirty="0" err="1" smtClean="0"/>
+              <a:t>labs</a:t>
+            </a:r>
+            <a:r>
+              <a:rPr lang="fr-FR" dirty="0" smtClean="0"/>
+              <a:t> »</a:t>
+            </a:r>
+            <a:endParaRPr lang="en-US" dirty="0" smtClean="0"/>
+          </a:p>
+          <a:p>
+            <a:r>
+              <a:rPr lang="fr-FR" dirty="0" smtClean="0"/>
+              <a:t>In R studio «</a:t>
+            </a:r>
+            <a:r>
+              <a:rPr lang="fr-FR" dirty="0"/>
+              <a:t> Files » open: </a:t>
+            </a:r>
+            <a:r>
+              <a:rPr lang="fr-FR" dirty="0" smtClean="0"/>
+              <a:t>/IFSBM-</a:t>
+            </a:r>
+            <a:r>
+              <a:rPr lang="fr-FR" dirty="0" err="1" smtClean="0"/>
+              <a:t>bigdata</a:t>
+            </a:r>
+            <a:r>
+              <a:rPr lang="fr-FR" dirty="0" smtClean="0"/>
+              <a:t>/TP_IFSBM_module12/2020/</a:t>
+            </a:r>
+            <a:r>
+              <a:rPr lang="fr-FR" dirty="0" err="1" smtClean="0"/>
+              <a:t>labs</a:t>
+            </a:r>
+            <a:r>
+              <a:rPr lang="fr-FR" dirty="0" smtClean="0"/>
+              <a:t>/lab_2/</a:t>
+            </a:r>
+            <a:r>
+              <a:rPr lang="fr-FR" dirty="0" err="1" smtClean="0"/>
+              <a:t>src</a:t>
+            </a:r>
+            <a:r>
+              <a:rPr lang="fr-FR" dirty="0" smtClean="0"/>
+              <a:t>/</a:t>
+            </a:r>
+            <a:r>
+              <a:rPr lang="fr-FR" dirty="0" err="1" smtClean="0"/>
+              <a:t>TP_MLP.Rmd</a:t>
+            </a:r>
+            <a:endParaRPr lang="fr-FR" dirty="0" smtClean="0"/>
+          </a:p>
+          <a:p>
+            <a:r>
+              <a:rPr lang="en-US" dirty="0" smtClean="0"/>
+              <a:t>Follow </a:t>
+            </a:r>
+            <a:r>
+              <a:rPr lang="en-US" dirty="0"/>
+              <a:t>the notebook instructions</a:t>
+            </a:r>
+          </a:p>
+          <a:p>
+            <a:r>
+              <a:rPr lang="en-US" dirty="0" smtClean="0"/>
+              <a:t>Enjoy!</a:t>
+            </a:r>
+            <a:endParaRPr lang="en-US" dirty="0"/>
+          </a:p>
+        </p:txBody>
+      </p:sp>
+    </p:spTree>
+    <p:extLst>
+      <p:ext uri="{BB962C8B-B14F-4D97-AF65-F5344CB8AC3E}">
+        <p14:creationId xmlns:p14="http://schemas.microsoft.com/office/powerpoint/2010/main" val="1563574231"/>
+      </p:ext>
+    </p:extLst>
+  </p:cSld>
+  <p:clrMapOvr>
+    <a:masterClrMapping/>
+  </p:clrMapOvr>
+  <p:timing>
+    <p:tnLst>
+      <p:par>
+        <p:cTn id="1" dur="indefinite" restart="never" nodeType="tmRoot"/>
+      </p:par>
+    </p:tnLst>
+  </p:timing>
+</p:sld>
+</file>
+
+<file path=ppt/slides/slide20.xml><?xml version="1.0" encoding="utf-8"?>
 <p:sld xmlns:a="http://schemas.openxmlformats.org/drawingml/2006/main" xmlns:r="http://schemas.openxmlformats.org/officeDocument/2006/relationships" xmlns:p="http://schemas.openxmlformats.org/presentationml/2006/main">
   <p:cSld>
     <p:spTree>
@@ -13125,187 +13696,7 @@
 </p:sld>
 </file>
 
-<file path=ppt/slides/slide2.xml><?xml version="1.0" encoding="utf-8"?>
-<p:sld xmlns:a="http://schemas.openxmlformats.org/drawingml/2006/main" xmlns:r="http://schemas.openxmlformats.org/officeDocument/2006/relationships" xmlns:p="http://schemas.openxmlformats.org/presentationml/2006/main">
-  <p:cSld>
-    <p:spTree>
-      <p:nvGrpSpPr>
-        <p:cNvPr id="1" name=""/>
-        <p:cNvGrpSpPr/>
-        <p:nvPr/>
-      </p:nvGrpSpPr>
-      <p:grpSpPr>
-        <a:xfrm>
-          <a:off x="0" y="0"/>
-          <a:ext cx="0" cy="0"/>
-          <a:chOff x="0" y="0"/>
-          <a:chExt cx="0" cy="0"/>
-        </a:xfrm>
-      </p:grpSpPr>
-      <p:sp>
-        <p:nvSpPr>
-          <p:cNvPr id="2" name="Titre 1"/>
-          <p:cNvSpPr>
-            <a:spLocks noGrp="1"/>
-          </p:cNvSpPr>
-          <p:nvPr>
-            <p:ph type="title"/>
-          </p:nvPr>
-        </p:nvSpPr>
-        <p:spPr/>
-        <p:txBody>
-          <a:bodyPr>
-            <a:normAutofit/>
-          </a:bodyPr>
-          <a:lstStyle/>
-          <a:p>
-            <a:r>
-              <a:rPr lang="en-US" b="1" dirty="0" smtClean="0"/>
-              <a:t>Running </a:t>
-            </a:r>
-            <a:r>
-              <a:rPr lang="en-US" b="1" dirty="0"/>
-              <a:t>instructions </a:t>
-            </a:r>
-            <a:endParaRPr lang="en-US" dirty="0"/>
-          </a:p>
-        </p:txBody>
-      </p:sp>
-      <p:sp>
-        <p:nvSpPr>
-          <p:cNvPr id="3" name="Espace réservé du contenu 2"/>
-          <p:cNvSpPr>
-            <a:spLocks noGrp="1"/>
-          </p:cNvSpPr>
-          <p:nvPr>
-            <p:ph idx="1"/>
-          </p:nvPr>
-        </p:nvSpPr>
-        <p:spPr>
-          <a:xfrm>
-            <a:off x="457200" y="1200152"/>
-            <a:ext cx="8229600" cy="3675855"/>
-          </a:xfrm>
-        </p:spPr>
-        <p:txBody>
-          <a:bodyPr>
-            <a:normAutofit/>
-          </a:bodyPr>
-          <a:lstStyle/>
-          <a:p>
-            <a:r>
-              <a:rPr lang="fr-FR" dirty="0" smtClean="0"/>
-              <a:t>Open </a:t>
-            </a:r>
-            <a:r>
-              <a:rPr lang="fr-FR" dirty="0" err="1" smtClean="0"/>
-              <a:t>your</a:t>
-            </a:r>
-            <a:r>
-              <a:rPr lang="fr-FR" dirty="0" smtClean="0"/>
-              <a:t> R studio </a:t>
-            </a:r>
-            <a:r>
-              <a:rPr lang="fr-FR" dirty="0" err="1" smtClean="0"/>
-              <a:t>project</a:t>
-            </a:r>
-            <a:r>
-              <a:rPr lang="fr-FR" dirty="0" smtClean="0"/>
-              <a:t> « </a:t>
-            </a:r>
-            <a:r>
-              <a:rPr lang="fr-FR" dirty="0" err="1" smtClean="0"/>
-              <a:t>labs</a:t>
-            </a:r>
-            <a:r>
-              <a:rPr lang="fr-FR" dirty="0" smtClean="0"/>
-              <a:t> »</a:t>
-            </a:r>
-            <a:endParaRPr lang="en-US" dirty="0" smtClean="0"/>
-          </a:p>
-          <a:p>
-            <a:r>
-              <a:rPr lang="fr-FR" dirty="0" smtClean="0"/>
-              <a:t>In R studio «</a:t>
-            </a:r>
-            <a:r>
-              <a:rPr lang="fr-FR" dirty="0"/>
-              <a:t> Files » open: </a:t>
-            </a:r>
-            <a:r>
-              <a:rPr lang="fr-FR" dirty="0" smtClean="0"/>
-              <a:t>/IFSBM-</a:t>
-            </a:r>
-            <a:r>
-              <a:rPr lang="fr-FR" dirty="0" err="1" smtClean="0"/>
-              <a:t>bigdata</a:t>
-            </a:r>
-            <a:r>
-              <a:rPr lang="fr-FR" dirty="0" smtClean="0"/>
-              <a:t>/TP_IFSBM_module12/2020/</a:t>
-            </a:r>
-            <a:r>
-              <a:rPr lang="fr-FR" dirty="0" err="1" smtClean="0"/>
-              <a:t>labs</a:t>
-            </a:r>
-            <a:r>
-              <a:rPr lang="fr-FR" dirty="0" smtClean="0"/>
-              <a:t>/lab_2/</a:t>
-            </a:r>
-            <a:r>
-              <a:rPr lang="fr-FR" dirty="0" err="1" smtClean="0"/>
-              <a:t>src</a:t>
-            </a:r>
-            <a:r>
-              <a:rPr lang="fr-FR" dirty="0" smtClean="0"/>
-              <a:t>/</a:t>
-            </a:r>
-            <a:r>
-              <a:rPr lang="fr-FR" dirty="0" err="1" smtClean="0"/>
-              <a:t>TP_MLP.Rmd</a:t>
-            </a:r>
-            <a:endParaRPr lang="fr-FR" dirty="0" smtClean="0"/>
-          </a:p>
-          <a:p>
-            <a:r>
-              <a:rPr lang="en-US" dirty="0" smtClean="0"/>
-              <a:t>Follow </a:t>
-            </a:r>
-            <a:r>
-              <a:rPr lang="en-US" dirty="0"/>
-              <a:t>the notebook instructions</a:t>
-            </a:r>
-          </a:p>
-          <a:p>
-            <a:r>
-              <a:rPr lang="en-US" dirty="0" smtClean="0"/>
-              <a:t>Enjoy!</a:t>
-            </a:r>
-            <a:endParaRPr lang="en-US" dirty="0"/>
-          </a:p>
-        </p:txBody>
-      </p:sp>
-    </p:spTree>
-    <p:extLst>
-      <p:ext uri="{BB962C8B-B14F-4D97-AF65-F5344CB8AC3E}">
-        <p14:creationId xmlns:p14="http://schemas.microsoft.com/office/powerpoint/2010/main" val="1563574231"/>
-      </p:ext>
-    </p:extLst>
-  </p:cSld>
-  <p:clrMapOvr>
-    <a:masterClrMapping/>
-  </p:clrMapOvr>
-  <p:timing>
-    <p:tnLst>
-      <p:par>
-        <p:cTn id="1" dur="indefinite" restart="never" nodeType="tmRoot"/>
-      </p:par>
-    </p:tnLst>
-  </p:timing>
-</p:sld>
-</file>
-
-<file path=ppt/slides/slide20.xml><?xml version="1.0" encoding="utf-8"?>
+<file path=ppt/slides/slide21.xml><?xml version="1.0" encoding="utf-8"?>
 <p:sld xmlns:a="http://schemas.openxmlformats.org/drawingml/2006/main" xmlns:r="http://schemas.openxmlformats.org/officeDocument/2006/relationships" xmlns:p="http://schemas.openxmlformats.org/presentationml/2006/main">
   <p:cSld>
     <p:bg>
@@ -13390,7 +13781,7 @@
 </p:sld>
 </file>
 
-<file path=ppt/slides/slide21.xml><?xml version="1.0" encoding="utf-8"?>
+<file path=ppt/slides/slide22.xml><?xml version="1.0" encoding="utf-8"?>
 <p:sld xmlns:a="http://schemas.openxmlformats.org/drawingml/2006/main" xmlns:r="http://schemas.openxmlformats.org/officeDocument/2006/relationships" xmlns:p="http://schemas.openxmlformats.org/presentationml/2006/main">
   <p:cSld>
     <p:spTree>
@@ -13659,7 +14050,7 @@
 </p:sld>
 </file>
 
-<file path=ppt/slides/slide22.xml><?xml version="1.0" encoding="utf-8"?>
+<file path=ppt/slides/slide23.xml><?xml version="1.0" encoding="utf-8"?>
 <p:sld xmlns:a="http://schemas.openxmlformats.org/drawingml/2006/main" xmlns:r="http://schemas.openxmlformats.org/officeDocument/2006/relationships" xmlns:p="http://schemas.openxmlformats.org/presentationml/2006/main">
   <p:cSld>
     <p:spTree>
@@ -13880,7 +14271,7 @@
 </p:sld>
 </file>
 
-<file path=ppt/slides/slide23.xml><?xml version="1.0" encoding="utf-8"?>
+<file path=ppt/slides/slide24.xml><?xml version="1.0" encoding="utf-8"?>
 <p:sld xmlns:a="http://schemas.openxmlformats.org/drawingml/2006/main" xmlns:r="http://schemas.openxmlformats.org/officeDocument/2006/relationships" xmlns:p="http://schemas.openxmlformats.org/presentationml/2006/main">
   <p:cSld>
     <p:spTree>
@@ -15836,7 +16227,7 @@
 </p:sld>
 </file>
 
-<file path=ppt/slides/slide24.xml><?xml version="1.0" encoding="utf-8"?>
+<file path=ppt/slides/slide25.xml><?xml version="1.0" encoding="utf-8"?>
 <p:sld xmlns:a="http://schemas.openxmlformats.org/drawingml/2006/main" xmlns:r="http://schemas.openxmlformats.org/officeDocument/2006/relationships" xmlns:p="http://schemas.openxmlformats.org/presentationml/2006/main">
   <p:cSld>
     <p:spTree>
@@ -17003,7 +17394,7 @@
 </p:sld>
 </file>
 
-<file path=ppt/slides/slide25.xml><?xml version="1.0" encoding="utf-8"?>
+<file path=ppt/slides/slide26.xml><?xml version="1.0" encoding="utf-8"?>
 <p:sld xmlns:a="http://schemas.openxmlformats.org/drawingml/2006/main" xmlns:r="http://schemas.openxmlformats.org/officeDocument/2006/relationships" xmlns:p="http://schemas.openxmlformats.org/presentationml/2006/main">
   <p:cSld>
     <p:spTree>
@@ -17429,7 +17820,7 @@
 </p:sld>
 </file>
 
-<file path=ppt/slides/slide26.xml><?xml version="1.0" encoding="utf-8"?>
+<file path=ppt/slides/slide27.xml><?xml version="1.0" encoding="utf-8"?>
 <p:sld xmlns:a="http://schemas.openxmlformats.org/drawingml/2006/main" xmlns:r="http://schemas.openxmlformats.org/officeDocument/2006/relationships" xmlns:p="http://schemas.openxmlformats.org/presentationml/2006/main">
   <p:cSld>
     <p:spTree>
@@ -17869,7 +18260,7 @@
 </p:sld>
 </file>
 
-<file path=ppt/slides/slide27.xml><?xml version="1.0" encoding="utf-8"?>
+<file path=ppt/slides/slide28.xml><?xml version="1.0" encoding="utf-8"?>
 <p:sld xmlns:a="http://schemas.openxmlformats.org/drawingml/2006/main" xmlns:r="http://schemas.openxmlformats.org/officeDocument/2006/relationships" xmlns:p="http://schemas.openxmlformats.org/presentationml/2006/main">
   <p:cSld>
     <p:spTree>
@@ -18407,7 +18798,7 @@
 </p:sld>
 </file>
 
-<file path=ppt/slides/slide28.xml><?xml version="1.0" encoding="utf-8"?>
+<file path=ppt/slides/slide29.xml><?xml version="1.0" encoding="utf-8"?>
 <p:sld xmlns:a="http://schemas.openxmlformats.org/drawingml/2006/main" xmlns:r="http://schemas.openxmlformats.org/officeDocument/2006/relationships" xmlns:p="http://schemas.openxmlformats.org/presentationml/2006/main">
   <p:cSld>
     <p:spTree>
@@ -18945,160 +19336,6 @@
 </p:sld>
 </file>
 
-<file path=ppt/slides/slide29.xml><?xml version="1.0" encoding="utf-8"?>
-<p:sld xmlns:a="http://schemas.openxmlformats.org/drawingml/2006/main" xmlns:r="http://schemas.openxmlformats.org/officeDocument/2006/relationships" xmlns:p="http://schemas.openxmlformats.org/presentationml/2006/main">
-  <p:cSld>
-    <p:spTree>
-      <p:nvGrpSpPr>
-        <p:cNvPr id="1" name=""/>
-        <p:cNvGrpSpPr/>
-        <p:nvPr/>
-      </p:nvGrpSpPr>
-      <p:grpSpPr>
-        <a:xfrm>
-          <a:off x="0" y="0"/>
-          <a:ext cx="0" cy="0"/>
-          <a:chOff x="0" y="0"/>
-          <a:chExt cx="0" cy="0"/>
-        </a:xfrm>
-      </p:grpSpPr>
-      <p:sp>
-        <p:nvSpPr>
-          <p:cNvPr id="8" name="Titre 1"/>
-          <p:cNvSpPr>
-            <a:spLocks noGrp="1"/>
-          </p:cNvSpPr>
-          <p:nvPr>
-            <p:ph type="title"/>
-          </p:nvPr>
-        </p:nvSpPr>
-        <p:spPr>
-          <a:xfrm>
-            <a:off x="457200" y="205978"/>
-            <a:ext cx="8229600" cy="857250"/>
-          </a:xfrm>
-        </p:spPr>
-        <p:txBody>
-          <a:bodyPr>
-            <a:normAutofit fontScale="90000"/>
-          </a:bodyPr>
-          <a:lstStyle/>
-          <a:p>
-            <a:pPr algn="ctr"/>
-            <a:r>
-              <a:rPr lang="fr-FR" dirty="0"/>
-              <a:t>M</a:t>
-            </a:r>
-            <a:r>
-              <a:rPr lang="fr-FR" dirty="0" smtClean="0"/>
-              <a:t>étriques pour classification binaire</a:t>
-            </a:r>
-            <a:endParaRPr lang="fr-FR" dirty="0"/>
-          </a:p>
-        </p:txBody>
-      </p:sp>
-      <p:pic>
-        <p:nvPicPr>
-          <p:cNvPr id="4098" name="Picture 2"/>
-          <p:cNvPicPr>
-            <a:picLocks noChangeAspect="1" noChangeArrowheads="1"/>
-          </p:cNvPicPr>
-          <p:nvPr/>
-        </p:nvPicPr>
-        <p:blipFill rotWithShape="1">
-          <a:blip r:embed="rId2">
-            <a:extLst>
-              <a:ext uri="{28A0092B-C50C-407E-A947-70E740481C1C}">
-                <a14:useLocalDpi xmlns:a14="http://schemas.microsoft.com/office/drawing/2010/main" val="0"/>
-              </a:ext>
-            </a:extLst>
-          </a:blip>
-          <a:srcRect l="17910" t="15323" r="2517" b="12097"/>
-          <a:stretch/>
-        </p:blipFill>
-        <p:spPr bwMode="auto">
-          <a:xfrm>
-            <a:off x="755576" y="924926"/>
-            <a:ext cx="7528872" cy="3860961"/>
-          </a:xfrm>
-          <a:prstGeom prst="rect">
-            <a:avLst/>
-          </a:prstGeom>
-          <a:noFill/>
-          <a:ln>
-            <a:noFill/>
-          </a:ln>
-          <a:extLst>
-            <a:ext uri="{909E8E84-426E-40DD-AFC4-6F175D3DCCD1}">
-              <a14:hiddenFill xmlns:a14="http://schemas.microsoft.com/office/drawing/2010/main">
-                <a:solidFill>
-                  <a:schemeClr val="accent1"/>
-                </a:solidFill>
-              </a14:hiddenFill>
-            </a:ext>
-            <a:ext uri="{91240B29-F687-4F45-9708-019B960494DF}">
-              <a14:hiddenLine xmlns:a14="http://schemas.microsoft.com/office/drawing/2010/main" w="9525">
-                <a:solidFill>
-                  <a:schemeClr val="tx1"/>
-                </a:solidFill>
-                <a:miter lim="800000"/>
-                <a:headEnd/>
-                <a:tailEnd/>
-              </a14:hiddenLine>
-            </a:ext>
-          </a:extLst>
-        </p:spPr>
-      </p:pic>
-      <p:sp>
-        <p:nvSpPr>
-          <p:cNvPr id="2" name="ZoneTexte 1"/>
-          <p:cNvSpPr txBox="1"/>
-          <p:nvPr/>
-        </p:nvSpPr>
-        <p:spPr>
-          <a:xfrm>
-            <a:off x="8067342" y="4763348"/>
-            <a:ext cx="1082348" cy="369332"/>
-          </a:xfrm>
-          <a:prstGeom prst="rect">
-            <a:avLst/>
-          </a:prstGeom>
-          <a:noFill/>
-        </p:spPr>
-        <p:txBody>
-          <a:bodyPr wrap="none" rtlCol="0">
-            <a:spAutoFit/>
-          </a:bodyPr>
-          <a:lstStyle/>
-          <a:p>
-            <a:r>
-              <a:rPr lang="fr-FR" dirty="0" err="1" smtClean="0"/>
-              <a:t>wikipedia</a:t>
-            </a:r>
-            <a:endParaRPr lang="en-US" dirty="0"/>
-          </a:p>
-        </p:txBody>
-      </p:sp>
-    </p:spTree>
-    <p:extLst>
-      <p:ext uri="{BB962C8B-B14F-4D97-AF65-F5344CB8AC3E}">
-        <p14:creationId xmlns:p14="http://schemas.microsoft.com/office/powerpoint/2010/main" val="2660138911"/>
-      </p:ext>
-    </p:extLst>
-  </p:cSld>
-  <p:clrMapOvr>
-    <a:masterClrMapping/>
-  </p:clrMapOvr>
-  <p:timing>
-    <p:tnLst>
-      <p:par>
-        <p:cTn id="1" dur="indefinite" restart="never" nodeType="tmRoot"/>
-      </p:par>
-    </p:tnLst>
-  </p:timing>
-</p:sld>
-</file>
-
 <file path=ppt/slides/slide3.xml><?xml version="1.0" encoding="utf-8"?>
 <p:sld xmlns:a="http://schemas.openxmlformats.org/drawingml/2006/main" xmlns:r="http://schemas.openxmlformats.org/officeDocument/2006/relationships" xmlns:p="http://schemas.openxmlformats.org/presentationml/2006/main">
   <p:cSld>
@@ -19228,6 +19465,160 @@
 </file>
 
 <file path=ppt/slides/slide30.xml><?xml version="1.0" encoding="utf-8"?>
+<p:sld xmlns:a="http://schemas.openxmlformats.org/drawingml/2006/main" xmlns:r="http://schemas.openxmlformats.org/officeDocument/2006/relationships" xmlns:p="http://schemas.openxmlformats.org/presentationml/2006/main">
+  <p:cSld>
+    <p:spTree>
+      <p:nvGrpSpPr>
+        <p:cNvPr id="1" name=""/>
+        <p:cNvGrpSpPr/>
+        <p:nvPr/>
+      </p:nvGrpSpPr>
+      <p:grpSpPr>
+        <a:xfrm>
+          <a:off x="0" y="0"/>
+          <a:ext cx="0" cy="0"/>
+          <a:chOff x="0" y="0"/>
+          <a:chExt cx="0" cy="0"/>
+        </a:xfrm>
+      </p:grpSpPr>
+      <p:sp>
+        <p:nvSpPr>
+          <p:cNvPr id="8" name="Titre 1"/>
+          <p:cNvSpPr>
+            <a:spLocks noGrp="1"/>
+          </p:cNvSpPr>
+          <p:nvPr>
+            <p:ph type="title"/>
+          </p:nvPr>
+        </p:nvSpPr>
+        <p:spPr>
+          <a:xfrm>
+            <a:off x="457200" y="205978"/>
+            <a:ext cx="8229600" cy="857250"/>
+          </a:xfrm>
+        </p:spPr>
+        <p:txBody>
+          <a:bodyPr>
+            <a:normAutofit fontScale="90000"/>
+          </a:bodyPr>
+          <a:lstStyle/>
+          <a:p>
+            <a:pPr algn="ctr"/>
+            <a:r>
+              <a:rPr lang="fr-FR" dirty="0"/>
+              <a:t>M</a:t>
+            </a:r>
+            <a:r>
+              <a:rPr lang="fr-FR" dirty="0" smtClean="0"/>
+              <a:t>étriques pour classification binaire</a:t>
+            </a:r>
+            <a:endParaRPr lang="fr-FR" dirty="0"/>
+          </a:p>
+        </p:txBody>
+      </p:sp>
+      <p:pic>
+        <p:nvPicPr>
+          <p:cNvPr id="4098" name="Picture 2"/>
+          <p:cNvPicPr>
+            <a:picLocks noChangeAspect="1" noChangeArrowheads="1"/>
+          </p:cNvPicPr>
+          <p:nvPr/>
+        </p:nvPicPr>
+        <p:blipFill rotWithShape="1">
+          <a:blip r:embed="rId2">
+            <a:extLst>
+              <a:ext uri="{28A0092B-C50C-407E-A947-70E740481C1C}">
+                <a14:useLocalDpi xmlns:a14="http://schemas.microsoft.com/office/drawing/2010/main" val="0"/>
+              </a:ext>
+            </a:extLst>
+          </a:blip>
+          <a:srcRect l="17910" t="15323" r="2517" b="12097"/>
+          <a:stretch/>
+        </p:blipFill>
+        <p:spPr bwMode="auto">
+          <a:xfrm>
+            <a:off x="755576" y="924926"/>
+            <a:ext cx="7528872" cy="3860961"/>
+          </a:xfrm>
+          <a:prstGeom prst="rect">
+            <a:avLst/>
+          </a:prstGeom>
+          <a:noFill/>
+          <a:ln>
+            <a:noFill/>
+          </a:ln>
+          <a:extLst>
+            <a:ext uri="{909E8E84-426E-40DD-AFC4-6F175D3DCCD1}">
+              <a14:hiddenFill xmlns:a14="http://schemas.microsoft.com/office/drawing/2010/main">
+                <a:solidFill>
+                  <a:schemeClr val="accent1"/>
+                </a:solidFill>
+              </a14:hiddenFill>
+            </a:ext>
+            <a:ext uri="{91240B29-F687-4F45-9708-019B960494DF}">
+              <a14:hiddenLine xmlns:a14="http://schemas.microsoft.com/office/drawing/2010/main" w="9525">
+                <a:solidFill>
+                  <a:schemeClr val="tx1"/>
+                </a:solidFill>
+                <a:miter lim="800000"/>
+                <a:headEnd/>
+                <a:tailEnd/>
+              </a14:hiddenLine>
+            </a:ext>
+          </a:extLst>
+        </p:spPr>
+      </p:pic>
+      <p:sp>
+        <p:nvSpPr>
+          <p:cNvPr id="2" name="ZoneTexte 1"/>
+          <p:cNvSpPr txBox="1"/>
+          <p:nvPr/>
+        </p:nvSpPr>
+        <p:spPr>
+          <a:xfrm>
+            <a:off x="8067342" y="4763348"/>
+            <a:ext cx="1082348" cy="369332"/>
+          </a:xfrm>
+          <a:prstGeom prst="rect">
+            <a:avLst/>
+          </a:prstGeom>
+          <a:noFill/>
+        </p:spPr>
+        <p:txBody>
+          <a:bodyPr wrap="none" rtlCol="0">
+            <a:spAutoFit/>
+          </a:bodyPr>
+          <a:lstStyle/>
+          <a:p>
+            <a:r>
+              <a:rPr lang="fr-FR" dirty="0" err="1" smtClean="0"/>
+              <a:t>wikipedia</a:t>
+            </a:r>
+            <a:endParaRPr lang="en-US" dirty="0"/>
+          </a:p>
+        </p:txBody>
+      </p:sp>
+    </p:spTree>
+    <p:extLst>
+      <p:ext uri="{BB962C8B-B14F-4D97-AF65-F5344CB8AC3E}">
+        <p14:creationId xmlns:p14="http://schemas.microsoft.com/office/powerpoint/2010/main" val="2660138911"/>
+      </p:ext>
+    </p:extLst>
+  </p:cSld>
+  <p:clrMapOvr>
+    <a:masterClrMapping/>
+  </p:clrMapOvr>
+  <p:timing>
+    <p:tnLst>
+      <p:par>
+        <p:cTn id="1" dur="indefinite" restart="never" nodeType="tmRoot"/>
+      </p:par>
+    </p:tnLst>
+  </p:timing>
+</p:sld>
+</file>
+
+<file path=ppt/slides/slide31.xml><?xml version="1.0" encoding="utf-8"?>
 <p:sld xmlns:a="http://schemas.openxmlformats.org/drawingml/2006/main" xmlns:r="http://schemas.openxmlformats.org/officeDocument/2006/relationships" xmlns:p="http://schemas.openxmlformats.org/presentationml/2006/main">
   <p:cSld>
     <p:spTree>
